--- a/oral_projet/revue_3/diaporama_revue_3_dylan.pptx
+++ b/oral_projet/revue_3/diaporama_revue_3_dylan.pptx
@@ -5,24 +5,23 @@
     <p:sldMasterId id="2147483648" r:id="rId1"/>
   </p:sldMasterIdLst>
   <p:notesMasterIdLst>
-    <p:notesMasterId r:id="rId17"/>
+    <p:notesMasterId r:id="rId16"/>
   </p:notesMasterIdLst>
   <p:sldIdLst>
     <p:sldId id="256" r:id="rId2"/>
     <p:sldId id="259" r:id="rId3"/>
     <p:sldId id="261" r:id="rId4"/>
     <p:sldId id="258" r:id="rId5"/>
-    <p:sldId id="262" r:id="rId6"/>
-    <p:sldId id="263" r:id="rId7"/>
-    <p:sldId id="264" r:id="rId8"/>
-    <p:sldId id="265" r:id="rId9"/>
-    <p:sldId id="266" r:id="rId10"/>
-    <p:sldId id="278" r:id="rId11"/>
-    <p:sldId id="268" r:id="rId12"/>
-    <p:sldId id="276" r:id="rId13"/>
-    <p:sldId id="277" r:id="rId14"/>
-    <p:sldId id="274" r:id="rId15"/>
-    <p:sldId id="275" r:id="rId16"/>
+    <p:sldId id="263" r:id="rId6"/>
+    <p:sldId id="264" r:id="rId7"/>
+    <p:sldId id="265" r:id="rId8"/>
+    <p:sldId id="266" r:id="rId9"/>
+    <p:sldId id="278" r:id="rId10"/>
+    <p:sldId id="268" r:id="rId11"/>
+    <p:sldId id="276" r:id="rId12"/>
+    <p:sldId id="277" r:id="rId13"/>
+    <p:sldId id="274" r:id="rId14"/>
+    <p:sldId id="275" r:id="rId15"/>
   </p:sldIdLst>
   <p:sldSz cx="12192000" cy="6858000"/>
   <p:notesSz cx="6858000" cy="9144000"/>
@@ -3892,7 +3891,7 @@
         </p:nvSpPr>
         <p:spPr>
           <a:xfrm>
-            <a:off x="3561144" y="478126"/>
+            <a:off x="3669181" y="454801"/>
             <a:ext cx="4853637" cy="769441"/>
           </a:xfrm>
           <a:prstGeom prst="rect">
@@ -5375,48 +5374,65 @@
           </a:p>
         </p:txBody>
       </p:sp>
-      <p:pic>
-        <p:nvPicPr>
-          <p:cNvPr id="11" name="Image 10">
-            <a:extLst>
-              <a:ext uri="{FF2B5EF4-FFF2-40B4-BE49-F238E27FC236}">
-                <a16:creationId xmlns:a16="http://schemas.microsoft.com/office/drawing/2014/main" id="{08915E6B-B69C-4F8B-91DA-A07DD57B9497}"/>
-              </a:ext>
-            </a:extLst>
-          </p:cNvPr>
-          <p:cNvPicPr>
-            <a:picLocks noChangeAspect="1"/>
-          </p:cNvPicPr>
-          <p:nvPr/>
-        </p:nvPicPr>
-        <p:blipFill>
-          <a:blip r:embed="rId4">
-            <a:extLst>
-              <a:ext uri="{28A0092B-C50C-407E-A947-70E740481C1C}">
-                <a14:useLocalDpi xmlns:a14="http://schemas.microsoft.com/office/drawing/2010/main" val="0"/>
-              </a:ext>
-            </a:extLst>
-          </a:blip>
-          <a:stretch>
-            <a:fillRect/>
-          </a:stretch>
-        </p:blipFill>
-        <p:spPr>
-          <a:xfrm>
-            <a:off x="2803241" y="2203070"/>
-            <a:ext cx="6369442" cy="3975558"/>
-          </a:xfrm>
-          <a:prstGeom prst="rect">
-            <a:avLst/>
-          </a:prstGeom>
-        </p:spPr>
-      </p:pic>
       <p:sp>
         <p:nvSpPr>
-          <p:cNvPr id="25" name="ZoneTexte 24">
-            <a:extLst>
-              <a:ext uri="{FF2B5EF4-FFF2-40B4-BE49-F238E27FC236}">
-                <a16:creationId xmlns:a16="http://schemas.microsoft.com/office/drawing/2014/main" id="{6F74530D-995D-42B1-A93B-E5009ECC18A6}"/>
+          <p:cNvPr id="3" name="Rectangle 2">
+            <a:extLst>
+              <a:ext uri="{FF2B5EF4-FFF2-40B4-BE49-F238E27FC236}">
+                <a16:creationId xmlns:a16="http://schemas.microsoft.com/office/drawing/2014/main" id="{17BC4C2F-C935-426A-A7C3-E9AC84E9E20B}"/>
+              </a:ext>
+            </a:extLst>
+          </p:cNvPr>
+          <p:cNvSpPr/>
+          <p:nvPr/>
+        </p:nvSpPr>
+        <p:spPr>
+          <a:xfrm>
+            <a:off x="1191540" y="2986480"/>
+            <a:ext cx="2273416" cy="2298584"/>
+          </a:xfrm>
+          <a:prstGeom prst="rect">
+            <a:avLst/>
+          </a:prstGeom>
+          <a:noFill/>
+          <a:ln>
+            <a:solidFill>
+              <a:schemeClr val="tx1"/>
+            </a:solidFill>
+            <a:prstDash val="dash"/>
+          </a:ln>
+        </p:spPr>
+        <p:style>
+          <a:lnRef idx="2">
+            <a:schemeClr val="accent1">
+              <a:shade val="50000"/>
+            </a:schemeClr>
+          </a:lnRef>
+          <a:fillRef idx="1">
+            <a:schemeClr val="accent1"/>
+          </a:fillRef>
+          <a:effectRef idx="0">
+            <a:schemeClr val="accent1"/>
+          </a:effectRef>
+          <a:fontRef idx="minor">
+            <a:schemeClr val="lt1"/>
+          </a:fontRef>
+        </p:style>
+        <p:txBody>
+          <a:bodyPr rtlCol="0" anchor="ctr"/>
+          <a:lstStyle/>
+          <a:p>
+            <a:pPr algn="ctr"/>
+            <a:endParaRPr lang="fr-FR"/>
+          </a:p>
+        </p:txBody>
+      </p:sp>
+      <p:sp>
+        <p:nvSpPr>
+          <p:cNvPr id="4" name="ZoneTexte 3">
+            <a:extLst>
+              <a:ext uri="{FF2B5EF4-FFF2-40B4-BE49-F238E27FC236}">
+                <a16:creationId xmlns:a16="http://schemas.microsoft.com/office/drawing/2014/main" id="{BDF4EB06-8F6B-4DCB-A224-2CBD13B28178}"/>
               </a:ext>
             </a:extLst>
           </p:cNvPr>
@@ -5425,8 +5441,2387 @@
         </p:nvSpPr>
         <p:spPr>
           <a:xfrm>
+            <a:off x="1191540" y="2678703"/>
+            <a:ext cx="761747" cy="307777"/>
+          </a:xfrm>
+          <a:prstGeom prst="rect">
+            <a:avLst/>
+          </a:prstGeom>
+          <a:noFill/>
+        </p:spPr>
+        <p:txBody>
+          <a:bodyPr wrap="none" rtlCol="0">
+            <a:spAutoFit/>
+          </a:bodyPr>
+          <a:lstStyle/>
+          <a:p>
+            <a:r>
+              <a:rPr lang="fr-FR" sz="1400" i="1" dirty="0"/>
+              <a:t>Arduino</a:t>
+            </a:r>
+          </a:p>
+        </p:txBody>
+      </p:sp>
+      <p:sp>
+        <p:nvSpPr>
+          <p:cNvPr id="5" name="Rectangle 4">
+            <a:extLst>
+              <a:ext uri="{FF2B5EF4-FFF2-40B4-BE49-F238E27FC236}">
+                <a16:creationId xmlns:a16="http://schemas.microsoft.com/office/drawing/2014/main" id="{A44D7473-AD23-425A-8BB7-E5E7AAFD2B0B}"/>
+              </a:ext>
+            </a:extLst>
+          </p:cNvPr>
+          <p:cNvSpPr/>
+          <p:nvPr/>
+        </p:nvSpPr>
+        <p:spPr>
+          <a:xfrm>
+            <a:off x="2984143" y="3289183"/>
+            <a:ext cx="251670" cy="497005"/>
+          </a:xfrm>
+          <a:prstGeom prst="rect">
+            <a:avLst/>
+          </a:prstGeom>
+          <a:noFill/>
+          <a:ln>
+            <a:solidFill>
+              <a:schemeClr val="tx1"/>
+            </a:solidFill>
+          </a:ln>
+        </p:spPr>
+        <p:style>
+          <a:lnRef idx="2">
+            <a:schemeClr val="accent1">
+              <a:shade val="50000"/>
+            </a:schemeClr>
+          </a:lnRef>
+          <a:fillRef idx="1">
+            <a:schemeClr val="accent1"/>
+          </a:fillRef>
+          <a:effectRef idx="0">
+            <a:schemeClr val="accent1"/>
+          </a:effectRef>
+          <a:fontRef idx="minor">
+            <a:schemeClr val="lt1"/>
+          </a:fontRef>
+        </p:style>
+        <p:txBody>
+          <a:bodyPr rtlCol="0" anchor="ctr"/>
+          <a:lstStyle/>
+          <a:p>
+            <a:pPr algn="ctr"/>
+            <a:endParaRPr lang="fr-FR"/>
+          </a:p>
+        </p:txBody>
+      </p:sp>
+      <p:cxnSp>
+        <p:nvCxnSpPr>
+          <p:cNvPr id="9" name="Connecteur : en angle 8">
+            <a:extLst>
+              <a:ext uri="{FF2B5EF4-FFF2-40B4-BE49-F238E27FC236}">
+                <a16:creationId xmlns:a16="http://schemas.microsoft.com/office/drawing/2014/main" id="{F1CFBB48-9513-4EAB-BB0F-25BA29E5302E}"/>
+              </a:ext>
+            </a:extLst>
+          </p:cNvPr>
+          <p:cNvCxnSpPr>
+            <a:cxnSpLocks/>
+          </p:cNvCxnSpPr>
+          <p:nvPr/>
+        </p:nvCxnSpPr>
+        <p:spPr>
+          <a:xfrm flipV="1">
+            <a:off x="3107531" y="2733675"/>
+            <a:ext cx="2717007" cy="640556"/>
+          </a:xfrm>
+          <a:prstGeom prst="bentConnector3">
+            <a:avLst/>
+          </a:prstGeom>
+          <a:ln w="12700">
+            <a:solidFill>
+              <a:srgbClr val="FF0000"/>
+            </a:solidFill>
+          </a:ln>
+        </p:spPr>
+        <p:style>
+          <a:lnRef idx="1">
+            <a:schemeClr val="accent1"/>
+          </a:lnRef>
+          <a:fillRef idx="0">
+            <a:schemeClr val="accent1"/>
+          </a:fillRef>
+          <a:effectRef idx="0">
+            <a:schemeClr val="accent1"/>
+          </a:effectRef>
+          <a:fontRef idx="minor">
+            <a:schemeClr val="tx1"/>
+          </a:fontRef>
+        </p:style>
+      </p:cxnSp>
+      <p:cxnSp>
+        <p:nvCxnSpPr>
+          <p:cNvPr id="17" name="Connecteur : en angle 16">
+            <a:extLst>
+              <a:ext uri="{FF2B5EF4-FFF2-40B4-BE49-F238E27FC236}">
+                <a16:creationId xmlns:a16="http://schemas.microsoft.com/office/drawing/2014/main" id="{33CAEBEE-74C6-4159-B203-D01991F85AE6}"/>
+              </a:ext>
+            </a:extLst>
+          </p:cNvPr>
+          <p:cNvCxnSpPr>
+            <a:cxnSpLocks/>
+          </p:cNvCxnSpPr>
+          <p:nvPr/>
+        </p:nvCxnSpPr>
+        <p:spPr>
+          <a:xfrm>
+            <a:off x="3105150" y="3707606"/>
+            <a:ext cx="2200274" cy="854870"/>
+          </a:xfrm>
+          <a:prstGeom prst="bentConnector3">
+            <a:avLst/>
+          </a:prstGeom>
+          <a:ln w="12700">
+            <a:solidFill>
+              <a:srgbClr val="00B050"/>
+            </a:solidFill>
+          </a:ln>
+        </p:spPr>
+        <p:style>
+          <a:lnRef idx="1">
+            <a:schemeClr val="accent1"/>
+          </a:lnRef>
+          <a:fillRef idx="0">
+            <a:schemeClr val="accent1"/>
+          </a:fillRef>
+          <a:effectRef idx="0">
+            <a:schemeClr val="accent1"/>
+          </a:effectRef>
+          <a:fontRef idx="minor">
+            <a:schemeClr val="tx1"/>
+          </a:fontRef>
+        </p:style>
+      </p:cxnSp>
+      <p:sp>
+        <p:nvSpPr>
+          <p:cNvPr id="18" name="Rectangle 17">
+            <a:extLst>
+              <a:ext uri="{FF2B5EF4-FFF2-40B4-BE49-F238E27FC236}">
+                <a16:creationId xmlns:a16="http://schemas.microsoft.com/office/drawing/2014/main" id="{6BBD3A86-2D6C-45BB-89EE-C15041DE7521}"/>
+              </a:ext>
+            </a:extLst>
+          </p:cNvPr>
+          <p:cNvSpPr/>
+          <p:nvPr/>
+        </p:nvSpPr>
+        <p:spPr>
+          <a:xfrm>
+            <a:off x="5149423" y="2986481"/>
+            <a:ext cx="1830497" cy="1326440"/>
+          </a:xfrm>
+          <a:prstGeom prst="rect">
+            <a:avLst/>
+          </a:prstGeom>
+          <a:noFill/>
+          <a:ln>
+            <a:solidFill>
+              <a:schemeClr val="tx1"/>
+            </a:solidFill>
+            <a:prstDash val="dash"/>
+          </a:ln>
+        </p:spPr>
+        <p:style>
+          <a:lnRef idx="2">
+            <a:schemeClr val="accent1">
+              <a:shade val="50000"/>
+            </a:schemeClr>
+          </a:lnRef>
+          <a:fillRef idx="1">
+            <a:schemeClr val="accent1"/>
+          </a:fillRef>
+          <a:effectRef idx="0">
+            <a:schemeClr val="accent1"/>
+          </a:effectRef>
+          <a:fontRef idx="minor">
+            <a:schemeClr val="lt1"/>
+          </a:fontRef>
+        </p:style>
+        <p:txBody>
+          <a:bodyPr rtlCol="0" anchor="ctr"/>
+          <a:lstStyle/>
+          <a:p>
+            <a:pPr algn="ctr"/>
+            <a:endParaRPr lang="fr-FR"/>
+          </a:p>
+        </p:txBody>
+      </p:sp>
+      <p:sp>
+        <p:nvSpPr>
+          <p:cNvPr id="19" name="Rectangle 18">
+            <a:extLst>
+              <a:ext uri="{FF2B5EF4-FFF2-40B4-BE49-F238E27FC236}">
+                <a16:creationId xmlns:a16="http://schemas.microsoft.com/office/drawing/2014/main" id="{A6FE6620-AA40-4E40-B49C-80290E2E1D04}"/>
+              </a:ext>
+            </a:extLst>
+          </p:cNvPr>
+          <p:cNvSpPr/>
+          <p:nvPr/>
+        </p:nvSpPr>
+        <p:spPr>
+          <a:xfrm>
+            <a:off x="5596279" y="3342519"/>
+            <a:ext cx="936784" cy="614363"/>
+          </a:xfrm>
+          <a:prstGeom prst="rect">
+            <a:avLst/>
+          </a:prstGeom>
+          <a:noFill/>
+          <a:ln>
+            <a:solidFill>
+              <a:schemeClr val="tx1"/>
+            </a:solidFill>
+          </a:ln>
+        </p:spPr>
+        <p:style>
+          <a:lnRef idx="2">
+            <a:schemeClr val="accent1">
+              <a:shade val="50000"/>
+            </a:schemeClr>
+          </a:lnRef>
+          <a:fillRef idx="1">
+            <a:schemeClr val="accent1"/>
+          </a:fillRef>
+          <a:effectRef idx="0">
+            <a:schemeClr val="accent1"/>
+          </a:effectRef>
+          <a:fontRef idx="minor">
+            <a:schemeClr val="lt1"/>
+          </a:fontRef>
+        </p:style>
+        <p:txBody>
+          <a:bodyPr rtlCol="0" anchor="ctr"/>
+          <a:lstStyle/>
+          <a:p>
+            <a:pPr algn="ctr"/>
+            <a:endParaRPr lang="fr-FR"/>
+          </a:p>
+        </p:txBody>
+      </p:sp>
+      <p:sp>
+        <p:nvSpPr>
+          <p:cNvPr id="21" name="Rectangle 20">
+            <a:extLst>
+              <a:ext uri="{FF2B5EF4-FFF2-40B4-BE49-F238E27FC236}">
+                <a16:creationId xmlns:a16="http://schemas.microsoft.com/office/drawing/2014/main" id="{841219D3-407B-412D-9708-AC9AD0CE074A}"/>
+              </a:ext>
+            </a:extLst>
+          </p:cNvPr>
+          <p:cNvSpPr/>
+          <p:nvPr/>
+        </p:nvSpPr>
+        <p:spPr>
+          <a:xfrm>
+            <a:off x="5203031" y="4005263"/>
+            <a:ext cx="428625" cy="261937"/>
+          </a:xfrm>
+          <a:prstGeom prst="rect">
+            <a:avLst/>
+          </a:prstGeom>
+          <a:noFill/>
+          <a:ln>
+            <a:solidFill>
+              <a:schemeClr val="tx1"/>
+            </a:solidFill>
+          </a:ln>
+        </p:spPr>
+        <p:style>
+          <a:lnRef idx="2">
+            <a:schemeClr val="accent1">
+              <a:shade val="50000"/>
+            </a:schemeClr>
+          </a:lnRef>
+          <a:fillRef idx="1">
+            <a:schemeClr val="accent1"/>
+          </a:fillRef>
+          <a:effectRef idx="0">
+            <a:schemeClr val="accent1"/>
+          </a:effectRef>
+          <a:fontRef idx="minor">
+            <a:schemeClr val="lt1"/>
+          </a:fontRef>
+        </p:style>
+        <p:txBody>
+          <a:bodyPr rtlCol="0" anchor="ctr"/>
+          <a:lstStyle/>
+          <a:p>
+            <a:pPr algn="ctr"/>
+            <a:endParaRPr lang="fr-FR"/>
+          </a:p>
+        </p:txBody>
+      </p:sp>
+      <p:sp>
+        <p:nvSpPr>
+          <p:cNvPr id="38" name="Rectangle 37">
+            <a:extLst>
+              <a:ext uri="{FF2B5EF4-FFF2-40B4-BE49-F238E27FC236}">
+                <a16:creationId xmlns:a16="http://schemas.microsoft.com/office/drawing/2014/main" id="{6344E4E7-7B37-4FF8-9DDB-4A315C76C229}"/>
+              </a:ext>
+            </a:extLst>
+          </p:cNvPr>
+          <p:cNvSpPr/>
+          <p:nvPr/>
+        </p:nvSpPr>
+        <p:spPr>
+          <a:xfrm>
+            <a:off x="5501029" y="3040495"/>
+            <a:ext cx="428625" cy="261937"/>
+          </a:xfrm>
+          <a:prstGeom prst="rect">
+            <a:avLst/>
+          </a:prstGeom>
+          <a:noFill/>
+          <a:ln>
+            <a:solidFill>
+              <a:schemeClr val="tx1"/>
+            </a:solidFill>
+          </a:ln>
+        </p:spPr>
+        <p:style>
+          <a:lnRef idx="2">
+            <a:schemeClr val="accent1">
+              <a:shade val="50000"/>
+            </a:schemeClr>
+          </a:lnRef>
+          <a:fillRef idx="1">
+            <a:schemeClr val="accent1"/>
+          </a:fillRef>
+          <a:effectRef idx="0">
+            <a:schemeClr val="accent1"/>
+          </a:effectRef>
+          <a:fontRef idx="minor">
+            <a:schemeClr val="lt1"/>
+          </a:fontRef>
+        </p:style>
+        <p:txBody>
+          <a:bodyPr rtlCol="0" anchor="ctr"/>
+          <a:lstStyle/>
+          <a:p>
+            <a:pPr algn="ctr"/>
+            <a:endParaRPr lang="fr-FR"/>
+          </a:p>
+        </p:txBody>
+      </p:sp>
+      <p:cxnSp>
+        <p:nvCxnSpPr>
+          <p:cNvPr id="24" name="Connecteur droit 23">
+            <a:extLst>
+              <a:ext uri="{FF2B5EF4-FFF2-40B4-BE49-F238E27FC236}">
+                <a16:creationId xmlns:a16="http://schemas.microsoft.com/office/drawing/2014/main" id="{166F9897-520E-43FA-8A7C-9B59D9502627}"/>
+              </a:ext>
+            </a:extLst>
+          </p:cNvPr>
+          <p:cNvCxnSpPr>
+            <a:stCxn id="21" idx="0"/>
+            <a:endCxn id="21" idx="2"/>
+          </p:cNvCxnSpPr>
+          <p:nvPr/>
+        </p:nvCxnSpPr>
+        <p:spPr>
+          <a:xfrm>
+            <a:off x="5417344" y="4005263"/>
+            <a:ext cx="0" cy="261937"/>
+          </a:xfrm>
+          <a:prstGeom prst="line">
+            <a:avLst/>
+          </a:prstGeom>
+          <a:ln w="12700">
+            <a:solidFill>
+              <a:schemeClr val="tx1"/>
+            </a:solidFill>
+          </a:ln>
+        </p:spPr>
+        <p:style>
+          <a:lnRef idx="1">
+            <a:schemeClr val="accent1"/>
+          </a:lnRef>
+          <a:fillRef idx="0">
+            <a:schemeClr val="accent1"/>
+          </a:fillRef>
+          <a:effectRef idx="0">
+            <a:schemeClr val="accent1"/>
+          </a:effectRef>
+          <a:fontRef idx="minor">
+            <a:schemeClr val="tx1"/>
+          </a:fontRef>
+        </p:style>
+      </p:cxnSp>
+      <p:cxnSp>
+        <p:nvCxnSpPr>
+          <p:cNvPr id="27" name="Connecteur droit 26">
+            <a:extLst>
+              <a:ext uri="{FF2B5EF4-FFF2-40B4-BE49-F238E27FC236}">
+                <a16:creationId xmlns:a16="http://schemas.microsoft.com/office/drawing/2014/main" id="{25B6264B-391D-4F96-9FBF-4C3884A14710}"/>
+              </a:ext>
+            </a:extLst>
+          </p:cNvPr>
+          <p:cNvCxnSpPr>
+            <a:stCxn id="38" idx="0"/>
+            <a:endCxn id="38" idx="2"/>
+          </p:cNvCxnSpPr>
+          <p:nvPr/>
+        </p:nvCxnSpPr>
+        <p:spPr>
+          <a:xfrm>
+            <a:off x="5715342" y="3040495"/>
+            <a:ext cx="0" cy="261937"/>
+          </a:xfrm>
+          <a:prstGeom prst="line">
+            <a:avLst/>
+          </a:prstGeom>
+          <a:ln w="12700">
+            <a:solidFill>
+              <a:schemeClr val="tx1"/>
+            </a:solidFill>
+          </a:ln>
+        </p:spPr>
+        <p:style>
+          <a:lnRef idx="1">
+            <a:schemeClr val="accent1"/>
+          </a:lnRef>
+          <a:fillRef idx="0">
+            <a:schemeClr val="accent1"/>
+          </a:fillRef>
+          <a:effectRef idx="0">
+            <a:schemeClr val="accent1"/>
+          </a:effectRef>
+          <a:fontRef idx="minor">
+            <a:schemeClr val="tx1"/>
+          </a:fontRef>
+        </p:style>
+      </p:cxnSp>
+      <p:cxnSp>
+        <p:nvCxnSpPr>
+          <p:cNvPr id="33" name="Connecteur droit 32">
+            <a:extLst>
+              <a:ext uri="{FF2B5EF4-FFF2-40B4-BE49-F238E27FC236}">
+                <a16:creationId xmlns:a16="http://schemas.microsoft.com/office/drawing/2014/main" id="{C7899647-1A4C-4CC9-904C-8D5B739A0CD6}"/>
+              </a:ext>
+            </a:extLst>
+          </p:cNvPr>
+          <p:cNvCxnSpPr>
+            <a:cxnSpLocks/>
+          </p:cNvCxnSpPr>
+          <p:nvPr/>
+        </p:nvCxnSpPr>
+        <p:spPr>
+          <a:xfrm flipV="1">
+            <a:off x="5824538" y="2728913"/>
+            <a:ext cx="0" cy="437788"/>
+          </a:xfrm>
+          <a:prstGeom prst="line">
+            <a:avLst/>
+          </a:prstGeom>
+          <a:ln w="12700">
+            <a:solidFill>
+              <a:srgbClr val="FF0000"/>
+            </a:solidFill>
+          </a:ln>
+        </p:spPr>
+        <p:style>
+          <a:lnRef idx="1">
+            <a:schemeClr val="accent1"/>
+          </a:lnRef>
+          <a:fillRef idx="0">
+            <a:schemeClr val="accent1"/>
+          </a:fillRef>
+          <a:effectRef idx="0">
+            <a:schemeClr val="accent1"/>
+          </a:effectRef>
+          <a:fontRef idx="minor">
+            <a:schemeClr val="tx1"/>
+          </a:fontRef>
+        </p:style>
+      </p:cxnSp>
+      <p:cxnSp>
+        <p:nvCxnSpPr>
+          <p:cNvPr id="39" name="Connecteur droit 38">
+            <a:extLst>
+              <a:ext uri="{FF2B5EF4-FFF2-40B4-BE49-F238E27FC236}">
+                <a16:creationId xmlns:a16="http://schemas.microsoft.com/office/drawing/2014/main" id="{80A1CC7F-FD4A-42FE-B92C-8C903B3E8838}"/>
+              </a:ext>
+            </a:extLst>
+          </p:cNvPr>
+          <p:cNvCxnSpPr/>
+          <p:nvPr/>
+        </p:nvCxnSpPr>
+        <p:spPr>
+          <a:xfrm>
+            <a:off x="5305424" y="4137422"/>
+            <a:ext cx="0" cy="425054"/>
+          </a:xfrm>
+          <a:prstGeom prst="line">
+            <a:avLst/>
+          </a:prstGeom>
+          <a:ln w="12700">
+            <a:solidFill>
+              <a:srgbClr val="00B050"/>
+            </a:solidFill>
+          </a:ln>
+        </p:spPr>
+        <p:style>
+          <a:lnRef idx="1">
+            <a:schemeClr val="accent1"/>
+          </a:lnRef>
+          <a:fillRef idx="0">
+            <a:schemeClr val="accent1"/>
+          </a:fillRef>
+          <a:effectRef idx="0">
+            <a:schemeClr val="accent1"/>
+          </a:effectRef>
+          <a:fontRef idx="minor">
+            <a:schemeClr val="tx1"/>
+          </a:fontRef>
+        </p:style>
+      </p:cxnSp>
+      <p:sp>
+        <p:nvSpPr>
+          <p:cNvPr id="40" name="ZoneTexte 39">
+            <a:extLst>
+              <a:ext uri="{FF2B5EF4-FFF2-40B4-BE49-F238E27FC236}">
+                <a16:creationId xmlns:a16="http://schemas.microsoft.com/office/drawing/2014/main" id="{E6DD5C83-F68B-4DBB-8FE5-9511E11F0FB9}"/>
+              </a:ext>
+            </a:extLst>
+          </p:cNvPr>
+          <p:cNvSpPr txBox="1"/>
+          <p:nvPr/>
+        </p:nvSpPr>
+        <p:spPr>
+          <a:xfrm>
+            <a:off x="2714186" y="3245297"/>
+            <a:ext cx="298479" cy="584775"/>
+          </a:xfrm>
+          <a:prstGeom prst="rect">
+            <a:avLst/>
+          </a:prstGeom>
+          <a:noFill/>
+        </p:spPr>
+        <p:txBody>
+          <a:bodyPr wrap="none" rtlCol="0">
+            <a:spAutoFit/>
+          </a:bodyPr>
+          <a:lstStyle/>
+          <a:p>
+            <a:pPr algn="ctr"/>
+            <a:r>
+              <a:rPr lang="fr-FR" sz="800" dirty="0"/>
+              <a:t>D2</a:t>
+            </a:r>
+          </a:p>
+          <a:p>
+            <a:pPr algn="ctr"/>
+            <a:r>
+              <a:rPr lang="fr-FR" sz="800" dirty="0"/>
+              <a:t>D3</a:t>
+            </a:r>
+          </a:p>
+          <a:p>
+            <a:pPr algn="ctr"/>
+            <a:r>
+              <a:rPr lang="fr-FR" sz="800" dirty="0"/>
+              <a:t>V</a:t>
+            </a:r>
+          </a:p>
+          <a:p>
+            <a:pPr algn="ctr"/>
+            <a:r>
+              <a:rPr lang="fr-FR" sz="800" dirty="0"/>
+              <a:t>G</a:t>
+            </a:r>
+          </a:p>
+        </p:txBody>
+      </p:sp>
+      <p:sp>
+        <p:nvSpPr>
+          <p:cNvPr id="43" name="Ellipse 42">
+            <a:extLst>
+              <a:ext uri="{FF2B5EF4-FFF2-40B4-BE49-F238E27FC236}">
+                <a16:creationId xmlns:a16="http://schemas.microsoft.com/office/drawing/2014/main" id="{E241C3E0-D8DF-4DC0-9C52-1C64D34E7D87}"/>
+              </a:ext>
+            </a:extLst>
+          </p:cNvPr>
+          <p:cNvSpPr/>
+          <p:nvPr/>
+        </p:nvSpPr>
+        <p:spPr>
+          <a:xfrm>
+            <a:off x="3087117" y="3462101"/>
+            <a:ext cx="45719" cy="45719"/>
+          </a:xfrm>
+          <a:prstGeom prst="ellipse">
+            <a:avLst/>
+          </a:prstGeom>
+          <a:solidFill>
+            <a:schemeClr val="tx1"/>
+          </a:solidFill>
+          <a:ln>
+            <a:solidFill>
+              <a:schemeClr val="tx1"/>
+            </a:solidFill>
+          </a:ln>
+        </p:spPr>
+        <p:style>
+          <a:lnRef idx="2">
+            <a:schemeClr val="accent1">
+              <a:shade val="50000"/>
+            </a:schemeClr>
+          </a:lnRef>
+          <a:fillRef idx="1">
+            <a:schemeClr val="accent1"/>
+          </a:fillRef>
+          <a:effectRef idx="0">
+            <a:schemeClr val="accent1"/>
+          </a:effectRef>
+          <a:fontRef idx="minor">
+            <a:schemeClr val="lt1"/>
+          </a:fontRef>
+        </p:style>
+        <p:txBody>
+          <a:bodyPr rtlCol="0" anchor="ctr"/>
+          <a:lstStyle/>
+          <a:p>
+            <a:pPr algn="ctr"/>
+            <a:endParaRPr lang="fr-FR"/>
+          </a:p>
+        </p:txBody>
+      </p:sp>
+      <p:sp>
+        <p:nvSpPr>
+          <p:cNvPr id="66" name="Ellipse 65">
+            <a:extLst>
+              <a:ext uri="{FF2B5EF4-FFF2-40B4-BE49-F238E27FC236}">
+                <a16:creationId xmlns:a16="http://schemas.microsoft.com/office/drawing/2014/main" id="{EA46CE69-F415-4D2B-9BDC-1AD59E86F895}"/>
+              </a:ext>
+            </a:extLst>
+          </p:cNvPr>
+          <p:cNvSpPr/>
+          <p:nvPr/>
+        </p:nvSpPr>
+        <p:spPr>
+          <a:xfrm>
+            <a:off x="3087118" y="3348243"/>
+            <a:ext cx="45719" cy="45719"/>
+          </a:xfrm>
+          <a:prstGeom prst="ellipse">
+            <a:avLst/>
+          </a:prstGeom>
+          <a:solidFill>
+            <a:schemeClr val="tx1"/>
+          </a:solidFill>
+          <a:ln>
+            <a:solidFill>
+              <a:schemeClr val="tx1"/>
+            </a:solidFill>
+          </a:ln>
+        </p:spPr>
+        <p:style>
+          <a:lnRef idx="2">
+            <a:schemeClr val="accent1">
+              <a:shade val="50000"/>
+            </a:schemeClr>
+          </a:lnRef>
+          <a:fillRef idx="1">
+            <a:schemeClr val="accent1"/>
+          </a:fillRef>
+          <a:effectRef idx="0">
+            <a:schemeClr val="accent1"/>
+          </a:effectRef>
+          <a:fontRef idx="minor">
+            <a:schemeClr val="lt1"/>
+          </a:fontRef>
+        </p:style>
+        <p:txBody>
+          <a:bodyPr rtlCol="0" anchor="ctr"/>
+          <a:lstStyle/>
+          <a:p>
+            <a:pPr algn="ctr"/>
+            <a:endParaRPr lang="fr-FR"/>
+          </a:p>
+        </p:txBody>
+      </p:sp>
+      <p:sp>
+        <p:nvSpPr>
+          <p:cNvPr id="67" name="Ellipse 66">
+            <a:extLst>
+              <a:ext uri="{FF2B5EF4-FFF2-40B4-BE49-F238E27FC236}">
+                <a16:creationId xmlns:a16="http://schemas.microsoft.com/office/drawing/2014/main" id="{5A5B6CEC-6E5C-4F89-81EE-4DD1FA59E200}"/>
+              </a:ext>
+            </a:extLst>
+          </p:cNvPr>
+          <p:cNvSpPr/>
+          <p:nvPr/>
+        </p:nvSpPr>
+        <p:spPr>
+          <a:xfrm>
+            <a:off x="3083346" y="3566880"/>
+            <a:ext cx="45719" cy="45719"/>
+          </a:xfrm>
+          <a:prstGeom prst="ellipse">
+            <a:avLst/>
+          </a:prstGeom>
+          <a:solidFill>
+            <a:schemeClr val="tx1"/>
+          </a:solidFill>
+          <a:ln>
+            <a:solidFill>
+              <a:schemeClr val="tx1"/>
+            </a:solidFill>
+          </a:ln>
+        </p:spPr>
+        <p:style>
+          <a:lnRef idx="2">
+            <a:schemeClr val="accent1">
+              <a:shade val="50000"/>
+            </a:schemeClr>
+          </a:lnRef>
+          <a:fillRef idx="1">
+            <a:schemeClr val="accent1"/>
+          </a:fillRef>
+          <a:effectRef idx="0">
+            <a:schemeClr val="accent1"/>
+          </a:effectRef>
+          <a:fontRef idx="minor">
+            <a:schemeClr val="lt1"/>
+          </a:fontRef>
+        </p:style>
+        <p:txBody>
+          <a:bodyPr rtlCol="0" anchor="ctr"/>
+          <a:lstStyle/>
+          <a:p>
+            <a:pPr algn="ctr"/>
+            <a:endParaRPr lang="fr-FR"/>
+          </a:p>
+        </p:txBody>
+      </p:sp>
+      <p:sp>
+        <p:nvSpPr>
+          <p:cNvPr id="68" name="Ellipse 67">
+            <a:extLst>
+              <a:ext uri="{FF2B5EF4-FFF2-40B4-BE49-F238E27FC236}">
+                <a16:creationId xmlns:a16="http://schemas.microsoft.com/office/drawing/2014/main" id="{EC2BB65E-E2B2-421A-9DD2-633FA4E8B488}"/>
+              </a:ext>
+            </a:extLst>
+          </p:cNvPr>
+          <p:cNvSpPr/>
+          <p:nvPr/>
+        </p:nvSpPr>
+        <p:spPr>
+          <a:xfrm>
+            <a:off x="3083346" y="3687875"/>
+            <a:ext cx="45719" cy="45719"/>
+          </a:xfrm>
+          <a:prstGeom prst="ellipse">
+            <a:avLst/>
+          </a:prstGeom>
+          <a:solidFill>
+            <a:schemeClr val="tx1"/>
+          </a:solidFill>
+          <a:ln>
+            <a:solidFill>
+              <a:schemeClr val="tx1"/>
+            </a:solidFill>
+          </a:ln>
+        </p:spPr>
+        <p:style>
+          <a:lnRef idx="2">
+            <a:schemeClr val="accent1">
+              <a:shade val="50000"/>
+            </a:schemeClr>
+          </a:lnRef>
+          <a:fillRef idx="1">
+            <a:schemeClr val="accent1"/>
+          </a:fillRef>
+          <a:effectRef idx="0">
+            <a:schemeClr val="accent1"/>
+          </a:effectRef>
+          <a:fontRef idx="minor">
+            <a:schemeClr val="lt1"/>
+          </a:fontRef>
+        </p:style>
+        <p:txBody>
+          <a:bodyPr rtlCol="0" anchor="ctr"/>
+          <a:lstStyle/>
+          <a:p>
+            <a:pPr algn="ctr"/>
+            <a:endParaRPr lang="fr-FR"/>
+          </a:p>
+        </p:txBody>
+      </p:sp>
+      <p:sp>
+        <p:nvSpPr>
+          <p:cNvPr id="69" name="Ellipse 68">
+            <a:extLst>
+              <a:ext uri="{FF2B5EF4-FFF2-40B4-BE49-F238E27FC236}">
+                <a16:creationId xmlns:a16="http://schemas.microsoft.com/office/drawing/2014/main" id="{A363D631-F2FA-4697-B919-72F0337D116A}"/>
+              </a:ext>
+            </a:extLst>
+          </p:cNvPr>
+          <p:cNvSpPr/>
+          <p:nvPr/>
+        </p:nvSpPr>
+        <p:spPr>
+          <a:xfrm>
+            <a:off x="5801678" y="3142057"/>
+            <a:ext cx="45719" cy="45719"/>
+          </a:xfrm>
+          <a:prstGeom prst="ellipse">
+            <a:avLst/>
+          </a:prstGeom>
+          <a:solidFill>
+            <a:schemeClr val="tx1"/>
+          </a:solidFill>
+          <a:ln>
+            <a:solidFill>
+              <a:schemeClr val="tx1"/>
+            </a:solidFill>
+          </a:ln>
+        </p:spPr>
+        <p:style>
+          <a:lnRef idx="2">
+            <a:schemeClr val="accent1">
+              <a:shade val="50000"/>
+            </a:schemeClr>
+          </a:lnRef>
+          <a:fillRef idx="1">
+            <a:schemeClr val="accent1"/>
+          </a:fillRef>
+          <a:effectRef idx="0">
+            <a:schemeClr val="accent1"/>
+          </a:effectRef>
+          <a:fontRef idx="minor">
+            <a:schemeClr val="lt1"/>
+          </a:fontRef>
+        </p:style>
+        <p:txBody>
+          <a:bodyPr rtlCol="0" anchor="ctr"/>
+          <a:lstStyle/>
+          <a:p>
+            <a:pPr algn="ctr"/>
+            <a:endParaRPr lang="fr-FR"/>
+          </a:p>
+        </p:txBody>
+      </p:sp>
+      <p:sp>
+        <p:nvSpPr>
+          <p:cNvPr id="70" name="Ellipse 69">
+            <a:extLst>
+              <a:ext uri="{FF2B5EF4-FFF2-40B4-BE49-F238E27FC236}">
+                <a16:creationId xmlns:a16="http://schemas.microsoft.com/office/drawing/2014/main" id="{E960BF6C-662D-49E8-A052-C48C5E22BDD6}"/>
+              </a:ext>
+            </a:extLst>
+          </p:cNvPr>
+          <p:cNvSpPr/>
+          <p:nvPr/>
+        </p:nvSpPr>
+        <p:spPr>
+          <a:xfrm>
+            <a:off x="5580157" y="3140213"/>
+            <a:ext cx="45719" cy="45719"/>
+          </a:xfrm>
+          <a:prstGeom prst="ellipse">
+            <a:avLst/>
+          </a:prstGeom>
+          <a:solidFill>
+            <a:schemeClr val="tx1"/>
+          </a:solidFill>
+          <a:ln>
+            <a:solidFill>
+              <a:schemeClr val="tx1"/>
+            </a:solidFill>
+          </a:ln>
+        </p:spPr>
+        <p:style>
+          <a:lnRef idx="2">
+            <a:schemeClr val="accent1">
+              <a:shade val="50000"/>
+            </a:schemeClr>
+          </a:lnRef>
+          <a:fillRef idx="1">
+            <a:schemeClr val="accent1"/>
+          </a:fillRef>
+          <a:effectRef idx="0">
+            <a:schemeClr val="accent1"/>
+          </a:effectRef>
+          <a:fontRef idx="minor">
+            <a:schemeClr val="lt1"/>
+          </a:fontRef>
+        </p:style>
+        <p:txBody>
+          <a:bodyPr rtlCol="0" anchor="ctr"/>
+          <a:lstStyle/>
+          <a:p>
+            <a:pPr algn="ctr"/>
+            <a:endParaRPr lang="fr-FR"/>
+          </a:p>
+        </p:txBody>
+      </p:sp>
+      <p:sp>
+        <p:nvSpPr>
+          <p:cNvPr id="71" name="Ellipse 70">
+            <a:extLst>
+              <a:ext uri="{FF2B5EF4-FFF2-40B4-BE49-F238E27FC236}">
+                <a16:creationId xmlns:a16="http://schemas.microsoft.com/office/drawing/2014/main" id="{189CE01C-2E2E-4B58-9042-D386661D49EA}"/>
+              </a:ext>
+            </a:extLst>
+          </p:cNvPr>
+          <p:cNvSpPr/>
+          <p:nvPr/>
+        </p:nvSpPr>
+        <p:spPr>
+          <a:xfrm>
+            <a:off x="5284746" y="4109799"/>
+            <a:ext cx="45719" cy="45719"/>
+          </a:xfrm>
+          <a:prstGeom prst="ellipse">
+            <a:avLst/>
+          </a:prstGeom>
+          <a:solidFill>
+            <a:schemeClr val="tx1"/>
+          </a:solidFill>
+          <a:ln>
+            <a:solidFill>
+              <a:schemeClr val="tx1"/>
+            </a:solidFill>
+          </a:ln>
+        </p:spPr>
+        <p:style>
+          <a:lnRef idx="2">
+            <a:schemeClr val="accent1">
+              <a:shade val="50000"/>
+            </a:schemeClr>
+          </a:lnRef>
+          <a:fillRef idx="1">
+            <a:schemeClr val="accent1"/>
+          </a:fillRef>
+          <a:effectRef idx="0">
+            <a:schemeClr val="accent1"/>
+          </a:effectRef>
+          <a:fontRef idx="minor">
+            <a:schemeClr val="lt1"/>
+          </a:fontRef>
+        </p:style>
+        <p:txBody>
+          <a:bodyPr rtlCol="0" anchor="ctr"/>
+          <a:lstStyle/>
+          <a:p>
+            <a:pPr algn="ctr"/>
+            <a:endParaRPr lang="fr-FR"/>
+          </a:p>
+        </p:txBody>
+      </p:sp>
+      <p:sp>
+        <p:nvSpPr>
+          <p:cNvPr id="72" name="Ellipse 71">
+            <a:extLst>
+              <a:ext uri="{FF2B5EF4-FFF2-40B4-BE49-F238E27FC236}">
+                <a16:creationId xmlns:a16="http://schemas.microsoft.com/office/drawing/2014/main" id="{B09780F3-929E-43E0-AF9B-1C89B6349600}"/>
+              </a:ext>
+            </a:extLst>
+          </p:cNvPr>
+          <p:cNvSpPr/>
+          <p:nvPr/>
+        </p:nvSpPr>
+        <p:spPr>
+          <a:xfrm>
+            <a:off x="5497732" y="4109798"/>
+            <a:ext cx="45719" cy="45719"/>
+          </a:xfrm>
+          <a:prstGeom prst="ellipse">
+            <a:avLst/>
+          </a:prstGeom>
+          <a:solidFill>
+            <a:schemeClr val="tx1"/>
+          </a:solidFill>
+          <a:ln>
+            <a:solidFill>
+              <a:schemeClr val="tx1"/>
+            </a:solidFill>
+          </a:ln>
+        </p:spPr>
+        <p:style>
+          <a:lnRef idx="2">
+            <a:schemeClr val="accent1">
+              <a:shade val="50000"/>
+            </a:schemeClr>
+          </a:lnRef>
+          <a:fillRef idx="1">
+            <a:schemeClr val="accent1"/>
+          </a:fillRef>
+          <a:effectRef idx="0">
+            <a:schemeClr val="accent1"/>
+          </a:effectRef>
+          <a:fontRef idx="minor">
+            <a:schemeClr val="lt1"/>
+          </a:fontRef>
+        </p:style>
+        <p:txBody>
+          <a:bodyPr rtlCol="0" anchor="ctr"/>
+          <a:lstStyle/>
+          <a:p>
+            <a:pPr algn="ctr"/>
+            <a:endParaRPr lang="fr-FR"/>
+          </a:p>
+        </p:txBody>
+      </p:sp>
+      <p:sp>
+        <p:nvSpPr>
+          <p:cNvPr id="73" name="ZoneTexte 72">
+            <a:extLst>
+              <a:ext uri="{FF2B5EF4-FFF2-40B4-BE49-F238E27FC236}">
+                <a16:creationId xmlns:a16="http://schemas.microsoft.com/office/drawing/2014/main" id="{48CC1D2D-594B-498F-B199-0BC65F31C40F}"/>
+              </a:ext>
+            </a:extLst>
+          </p:cNvPr>
+          <p:cNvSpPr txBox="1"/>
+          <p:nvPr/>
+        </p:nvSpPr>
+        <p:spPr>
+          <a:xfrm>
+            <a:off x="5968681" y="2678703"/>
+            <a:ext cx="1011239" cy="307777"/>
+          </a:xfrm>
+          <a:prstGeom prst="rect">
+            <a:avLst/>
+          </a:prstGeom>
+          <a:noFill/>
+        </p:spPr>
+        <p:txBody>
+          <a:bodyPr wrap="none" rtlCol="0">
+            <a:spAutoFit/>
+          </a:bodyPr>
+          <a:lstStyle/>
+          <a:p>
+            <a:r>
+              <a:rPr lang="fr-FR" sz="1400" i="1" dirty="0"/>
+              <a:t>Protoboard</a:t>
+            </a:r>
+          </a:p>
+        </p:txBody>
+      </p:sp>
+      <p:sp>
+        <p:nvSpPr>
+          <p:cNvPr id="74" name="Rectangle 73">
+            <a:extLst>
+              <a:ext uri="{FF2B5EF4-FFF2-40B4-BE49-F238E27FC236}">
+                <a16:creationId xmlns:a16="http://schemas.microsoft.com/office/drawing/2014/main" id="{B86BF41A-3851-48F4-A786-833B83CEC6CD}"/>
+              </a:ext>
+            </a:extLst>
+          </p:cNvPr>
+          <p:cNvSpPr/>
+          <p:nvPr/>
+        </p:nvSpPr>
+        <p:spPr>
+          <a:xfrm>
+            <a:off x="8383158" y="2986480"/>
+            <a:ext cx="2273416" cy="2298584"/>
+          </a:xfrm>
+          <a:prstGeom prst="rect">
+            <a:avLst/>
+          </a:prstGeom>
+          <a:noFill/>
+          <a:ln>
+            <a:solidFill>
+              <a:schemeClr val="tx1"/>
+            </a:solidFill>
+            <a:prstDash val="dash"/>
+          </a:ln>
+        </p:spPr>
+        <p:style>
+          <a:lnRef idx="2">
+            <a:schemeClr val="accent1">
+              <a:shade val="50000"/>
+            </a:schemeClr>
+          </a:lnRef>
+          <a:fillRef idx="1">
+            <a:schemeClr val="accent1"/>
+          </a:fillRef>
+          <a:effectRef idx="0">
+            <a:schemeClr val="accent1"/>
+          </a:effectRef>
+          <a:fontRef idx="minor">
+            <a:schemeClr val="lt1"/>
+          </a:fontRef>
+        </p:style>
+        <p:txBody>
+          <a:bodyPr rtlCol="0" anchor="ctr"/>
+          <a:lstStyle/>
+          <a:p>
+            <a:pPr algn="ctr"/>
+            <a:endParaRPr lang="fr-FR"/>
+          </a:p>
+        </p:txBody>
+      </p:sp>
+      <p:sp>
+        <p:nvSpPr>
+          <p:cNvPr id="75" name="ZoneTexte 74">
+            <a:extLst>
+              <a:ext uri="{FF2B5EF4-FFF2-40B4-BE49-F238E27FC236}">
+                <a16:creationId xmlns:a16="http://schemas.microsoft.com/office/drawing/2014/main" id="{DA5FF1CA-222B-40D1-A039-AFC07CA78422}"/>
+              </a:ext>
+            </a:extLst>
+          </p:cNvPr>
+          <p:cNvSpPr txBox="1"/>
+          <p:nvPr/>
+        </p:nvSpPr>
+        <p:spPr>
+          <a:xfrm>
+            <a:off x="8382299" y="2678703"/>
+            <a:ext cx="1494961" cy="307777"/>
+          </a:xfrm>
+          <a:prstGeom prst="rect">
+            <a:avLst/>
+          </a:prstGeom>
+          <a:noFill/>
+        </p:spPr>
+        <p:txBody>
+          <a:bodyPr wrap="none" rtlCol="0">
+            <a:spAutoFit/>
+          </a:bodyPr>
+          <a:lstStyle/>
+          <a:p>
+            <a:r>
+              <a:rPr lang="fr-FR" sz="1400" i="1" dirty="0"/>
+              <a:t>Pluviomètre Davis</a:t>
+            </a:r>
+          </a:p>
+        </p:txBody>
+      </p:sp>
+      <p:cxnSp>
+        <p:nvCxnSpPr>
+          <p:cNvPr id="46" name="Connecteur droit 45">
+            <a:extLst>
+              <a:ext uri="{FF2B5EF4-FFF2-40B4-BE49-F238E27FC236}">
+                <a16:creationId xmlns:a16="http://schemas.microsoft.com/office/drawing/2014/main" id="{9951A7C7-120B-4791-B61F-25DD41F76482}"/>
+              </a:ext>
+            </a:extLst>
+          </p:cNvPr>
+          <p:cNvCxnSpPr>
+            <a:cxnSpLocks/>
+          </p:cNvCxnSpPr>
+          <p:nvPr/>
+        </p:nvCxnSpPr>
+        <p:spPr>
+          <a:xfrm>
+            <a:off x="9997638" y="3460082"/>
+            <a:ext cx="0" cy="496800"/>
+          </a:xfrm>
+          <a:prstGeom prst="line">
+            <a:avLst/>
+          </a:prstGeom>
+          <a:ln w="12700">
+            <a:solidFill>
+              <a:schemeClr val="tx1"/>
+            </a:solidFill>
+          </a:ln>
+        </p:spPr>
+        <p:style>
+          <a:lnRef idx="1">
+            <a:schemeClr val="accent1"/>
+          </a:lnRef>
+          <a:fillRef idx="0">
+            <a:schemeClr val="accent1"/>
+          </a:fillRef>
+          <a:effectRef idx="0">
+            <a:schemeClr val="accent1"/>
+          </a:effectRef>
+          <a:fontRef idx="minor">
+            <a:schemeClr val="tx1"/>
+          </a:fontRef>
+        </p:style>
+      </p:cxnSp>
+      <p:cxnSp>
+        <p:nvCxnSpPr>
+          <p:cNvPr id="78" name="Connecteur droit 77">
+            <a:extLst>
+              <a:ext uri="{FF2B5EF4-FFF2-40B4-BE49-F238E27FC236}">
+                <a16:creationId xmlns:a16="http://schemas.microsoft.com/office/drawing/2014/main" id="{92ECFF18-1C70-4DC7-9FC2-5E8B4D74A926}"/>
+              </a:ext>
+            </a:extLst>
+          </p:cNvPr>
+          <p:cNvCxnSpPr>
+            <a:cxnSpLocks/>
+          </p:cNvCxnSpPr>
+          <p:nvPr/>
+        </p:nvCxnSpPr>
+        <p:spPr>
+          <a:xfrm>
+            <a:off x="9997636" y="4132657"/>
+            <a:ext cx="0" cy="494906"/>
+          </a:xfrm>
+          <a:prstGeom prst="line">
+            <a:avLst/>
+          </a:prstGeom>
+          <a:ln w="12700">
+            <a:solidFill>
+              <a:schemeClr val="tx1"/>
+            </a:solidFill>
+          </a:ln>
+        </p:spPr>
+        <p:style>
+          <a:lnRef idx="1">
+            <a:schemeClr val="accent1"/>
+          </a:lnRef>
+          <a:fillRef idx="0">
+            <a:schemeClr val="accent1"/>
+          </a:fillRef>
+          <a:effectRef idx="0">
+            <a:schemeClr val="accent1"/>
+          </a:effectRef>
+          <a:fontRef idx="minor">
+            <a:schemeClr val="tx1"/>
+          </a:fontRef>
+        </p:style>
+      </p:cxnSp>
+      <p:cxnSp>
+        <p:nvCxnSpPr>
+          <p:cNvPr id="79" name="Connecteur droit 78">
+            <a:extLst>
+              <a:ext uri="{FF2B5EF4-FFF2-40B4-BE49-F238E27FC236}">
+                <a16:creationId xmlns:a16="http://schemas.microsoft.com/office/drawing/2014/main" id="{4248DEDE-9BD3-4C25-8E94-36EDD7AE8345}"/>
+              </a:ext>
+            </a:extLst>
+          </p:cNvPr>
+          <p:cNvCxnSpPr>
+            <a:cxnSpLocks/>
+          </p:cNvCxnSpPr>
+          <p:nvPr/>
+        </p:nvCxnSpPr>
+        <p:spPr>
+          <a:xfrm flipH="1">
+            <a:off x="9995742" y="3954500"/>
+            <a:ext cx="47843" cy="182922"/>
+          </a:xfrm>
+          <a:prstGeom prst="line">
+            <a:avLst/>
+          </a:prstGeom>
+          <a:ln w="12700">
+            <a:solidFill>
+              <a:schemeClr val="tx1"/>
+            </a:solidFill>
+          </a:ln>
+        </p:spPr>
+        <p:style>
+          <a:lnRef idx="1">
+            <a:schemeClr val="accent1"/>
+          </a:lnRef>
+          <a:fillRef idx="0">
+            <a:schemeClr val="accent1"/>
+          </a:fillRef>
+          <a:effectRef idx="0">
+            <a:schemeClr val="accent1"/>
+          </a:effectRef>
+          <a:fontRef idx="minor">
+            <a:schemeClr val="tx1"/>
+          </a:fontRef>
+        </p:style>
+      </p:cxnSp>
+      <p:cxnSp>
+        <p:nvCxnSpPr>
+          <p:cNvPr id="80" name="Connecteur droit 79">
+            <a:extLst>
+              <a:ext uri="{FF2B5EF4-FFF2-40B4-BE49-F238E27FC236}">
+                <a16:creationId xmlns:a16="http://schemas.microsoft.com/office/drawing/2014/main" id="{88B97F0E-8E10-44C0-B485-7DC530B3D8DF}"/>
+              </a:ext>
+            </a:extLst>
+          </p:cNvPr>
+          <p:cNvCxnSpPr>
+            <a:cxnSpLocks/>
+          </p:cNvCxnSpPr>
+          <p:nvPr/>
+        </p:nvCxnSpPr>
+        <p:spPr>
+          <a:xfrm>
+            <a:off x="9086850" y="3460082"/>
+            <a:ext cx="910786" cy="0"/>
+          </a:xfrm>
+          <a:prstGeom prst="line">
+            <a:avLst/>
+          </a:prstGeom>
+          <a:ln w="12700">
+            <a:solidFill>
+              <a:schemeClr val="tx1"/>
+            </a:solidFill>
+          </a:ln>
+        </p:spPr>
+        <p:style>
+          <a:lnRef idx="1">
+            <a:schemeClr val="accent1"/>
+          </a:lnRef>
+          <a:fillRef idx="0">
+            <a:schemeClr val="accent1"/>
+          </a:fillRef>
+          <a:effectRef idx="0">
+            <a:schemeClr val="accent1"/>
+          </a:effectRef>
+          <a:fontRef idx="minor">
+            <a:schemeClr val="tx1"/>
+          </a:fontRef>
+        </p:style>
+      </p:cxnSp>
+      <p:cxnSp>
+        <p:nvCxnSpPr>
+          <p:cNvPr id="81" name="Connecteur droit 80">
+            <a:extLst>
+              <a:ext uri="{FF2B5EF4-FFF2-40B4-BE49-F238E27FC236}">
+                <a16:creationId xmlns:a16="http://schemas.microsoft.com/office/drawing/2014/main" id="{E64A5C43-4F5C-480B-BE7B-AE3E8D53F0BE}"/>
+              </a:ext>
+            </a:extLst>
+          </p:cNvPr>
+          <p:cNvCxnSpPr>
+            <a:cxnSpLocks/>
+          </p:cNvCxnSpPr>
+          <p:nvPr/>
+        </p:nvCxnSpPr>
+        <p:spPr>
+          <a:xfrm>
+            <a:off x="9086850" y="4627563"/>
+            <a:ext cx="910786" cy="0"/>
+          </a:xfrm>
+          <a:prstGeom prst="line">
+            <a:avLst/>
+          </a:prstGeom>
+          <a:ln w="12700">
+            <a:solidFill>
+              <a:schemeClr val="tx1"/>
+            </a:solidFill>
+          </a:ln>
+        </p:spPr>
+        <p:style>
+          <a:lnRef idx="1">
+            <a:schemeClr val="accent1"/>
+          </a:lnRef>
+          <a:fillRef idx="0">
+            <a:schemeClr val="accent1"/>
+          </a:fillRef>
+          <a:effectRef idx="0">
+            <a:schemeClr val="accent1"/>
+          </a:effectRef>
+          <a:fontRef idx="minor">
+            <a:schemeClr val="tx1"/>
+          </a:fontRef>
+        </p:style>
+      </p:cxnSp>
+      <p:cxnSp>
+        <p:nvCxnSpPr>
+          <p:cNvPr id="82" name="Connecteur droit 81">
+            <a:extLst>
+              <a:ext uri="{FF2B5EF4-FFF2-40B4-BE49-F238E27FC236}">
+                <a16:creationId xmlns:a16="http://schemas.microsoft.com/office/drawing/2014/main" id="{7FB8756E-2047-42E5-8A6A-1765A27CB60D}"/>
+              </a:ext>
+            </a:extLst>
+          </p:cNvPr>
+          <p:cNvCxnSpPr>
+            <a:cxnSpLocks/>
+          </p:cNvCxnSpPr>
+          <p:nvPr/>
+        </p:nvCxnSpPr>
+        <p:spPr>
+          <a:xfrm flipH="1">
+            <a:off x="9086851" y="3449371"/>
+            <a:ext cx="1" cy="546354"/>
+          </a:xfrm>
+          <a:prstGeom prst="line">
+            <a:avLst/>
+          </a:prstGeom>
+          <a:ln w="12700">
+            <a:solidFill>
+              <a:schemeClr val="tx1"/>
+            </a:solidFill>
+          </a:ln>
+        </p:spPr>
+        <p:style>
+          <a:lnRef idx="1">
+            <a:schemeClr val="accent1"/>
+          </a:lnRef>
+          <a:fillRef idx="0">
+            <a:schemeClr val="accent1"/>
+          </a:fillRef>
+          <a:effectRef idx="0">
+            <a:schemeClr val="accent1"/>
+          </a:effectRef>
+          <a:fontRef idx="minor">
+            <a:schemeClr val="tx1"/>
+          </a:fontRef>
+        </p:style>
+      </p:cxnSp>
+      <p:cxnSp>
+        <p:nvCxnSpPr>
+          <p:cNvPr id="83" name="Connecteur droit 82">
+            <a:extLst>
+              <a:ext uri="{FF2B5EF4-FFF2-40B4-BE49-F238E27FC236}">
+                <a16:creationId xmlns:a16="http://schemas.microsoft.com/office/drawing/2014/main" id="{8ADDB239-C89D-4BA0-9BA5-49509AAE5D47}"/>
+              </a:ext>
+            </a:extLst>
+          </p:cNvPr>
+          <p:cNvCxnSpPr>
+            <a:cxnSpLocks/>
+          </p:cNvCxnSpPr>
+          <p:nvPr/>
+        </p:nvCxnSpPr>
+        <p:spPr>
+          <a:xfrm>
+            <a:off x="9086850" y="4109798"/>
+            <a:ext cx="0" cy="517765"/>
+          </a:xfrm>
+          <a:prstGeom prst="line">
+            <a:avLst/>
+          </a:prstGeom>
+          <a:ln w="12700">
+            <a:solidFill>
+              <a:schemeClr val="tx1"/>
+            </a:solidFill>
+          </a:ln>
+        </p:spPr>
+        <p:style>
+          <a:lnRef idx="1">
+            <a:schemeClr val="accent1"/>
+          </a:lnRef>
+          <a:fillRef idx="0">
+            <a:schemeClr val="accent1"/>
+          </a:fillRef>
+          <a:effectRef idx="0">
+            <a:schemeClr val="accent1"/>
+          </a:effectRef>
+          <a:fontRef idx="minor">
+            <a:schemeClr val="tx1"/>
+          </a:fontRef>
+        </p:style>
+      </p:cxnSp>
+      <p:cxnSp>
+        <p:nvCxnSpPr>
+          <p:cNvPr id="84" name="Connecteur droit 83">
+            <a:extLst>
+              <a:ext uri="{FF2B5EF4-FFF2-40B4-BE49-F238E27FC236}">
+                <a16:creationId xmlns:a16="http://schemas.microsoft.com/office/drawing/2014/main" id="{847C071F-D520-48B1-8607-91F4D7AA7582}"/>
+              </a:ext>
+            </a:extLst>
+          </p:cNvPr>
+          <p:cNvCxnSpPr>
+            <a:cxnSpLocks/>
+          </p:cNvCxnSpPr>
+          <p:nvPr/>
+        </p:nvCxnSpPr>
+        <p:spPr>
+          <a:xfrm>
+            <a:off x="8334373" y="3989376"/>
+            <a:ext cx="752475" cy="0"/>
+          </a:xfrm>
+          <a:prstGeom prst="line">
+            <a:avLst/>
+          </a:prstGeom>
+          <a:ln w="12700">
+            <a:solidFill>
+              <a:schemeClr val="tx1"/>
+            </a:solidFill>
+          </a:ln>
+        </p:spPr>
+        <p:style>
+          <a:lnRef idx="1">
+            <a:schemeClr val="accent1"/>
+          </a:lnRef>
+          <a:fillRef idx="0">
+            <a:schemeClr val="accent1"/>
+          </a:fillRef>
+          <a:effectRef idx="0">
+            <a:schemeClr val="accent1"/>
+          </a:effectRef>
+          <a:fontRef idx="minor">
+            <a:schemeClr val="tx1"/>
+          </a:fontRef>
+        </p:style>
+      </p:cxnSp>
+      <p:cxnSp>
+        <p:nvCxnSpPr>
+          <p:cNvPr id="85" name="Connecteur droit 84">
+            <a:extLst>
+              <a:ext uri="{FF2B5EF4-FFF2-40B4-BE49-F238E27FC236}">
+                <a16:creationId xmlns:a16="http://schemas.microsoft.com/office/drawing/2014/main" id="{E32038D1-7D41-47B8-818B-523FC695BD30}"/>
+              </a:ext>
+            </a:extLst>
+          </p:cNvPr>
+          <p:cNvCxnSpPr>
+            <a:cxnSpLocks/>
+          </p:cNvCxnSpPr>
+          <p:nvPr/>
+        </p:nvCxnSpPr>
+        <p:spPr>
+          <a:xfrm>
+            <a:off x="8334374" y="4109798"/>
+            <a:ext cx="752475" cy="0"/>
+          </a:xfrm>
+          <a:prstGeom prst="line">
+            <a:avLst/>
+          </a:prstGeom>
+          <a:ln w="12700">
+            <a:solidFill>
+              <a:schemeClr val="tx1"/>
+            </a:solidFill>
+          </a:ln>
+        </p:spPr>
+        <p:style>
+          <a:lnRef idx="1">
+            <a:schemeClr val="accent1"/>
+          </a:lnRef>
+          <a:fillRef idx="0">
+            <a:schemeClr val="accent1"/>
+          </a:fillRef>
+          <a:effectRef idx="0">
+            <a:schemeClr val="accent1"/>
+          </a:effectRef>
+          <a:fontRef idx="minor">
+            <a:schemeClr val="tx1"/>
+          </a:fontRef>
+        </p:style>
+      </p:cxnSp>
+      <p:cxnSp>
+        <p:nvCxnSpPr>
+          <p:cNvPr id="95" name="Connecteur : en angle 94">
+            <a:extLst>
+              <a:ext uri="{FF2B5EF4-FFF2-40B4-BE49-F238E27FC236}">
+                <a16:creationId xmlns:a16="http://schemas.microsoft.com/office/drawing/2014/main" id="{29461CE8-9E5F-4F8D-950C-30877A5EECA4}"/>
+              </a:ext>
+            </a:extLst>
+          </p:cNvPr>
+          <p:cNvCxnSpPr>
+            <a:cxnSpLocks/>
+          </p:cNvCxnSpPr>
+          <p:nvPr/>
+        </p:nvCxnSpPr>
+        <p:spPr>
+          <a:xfrm flipV="1">
+            <a:off x="6378575" y="4109800"/>
+            <a:ext cx="1955798" cy="649609"/>
+          </a:xfrm>
+          <a:prstGeom prst="bentConnector3">
+            <a:avLst/>
+          </a:prstGeom>
+          <a:ln w="12700">
+            <a:solidFill>
+              <a:srgbClr val="00B050"/>
+            </a:solidFill>
+          </a:ln>
+        </p:spPr>
+        <p:style>
+          <a:lnRef idx="1">
+            <a:schemeClr val="accent1"/>
+          </a:lnRef>
+          <a:fillRef idx="0">
+            <a:schemeClr val="accent1"/>
+          </a:fillRef>
+          <a:effectRef idx="0">
+            <a:schemeClr val="accent1"/>
+          </a:effectRef>
+          <a:fontRef idx="minor">
+            <a:schemeClr val="tx1"/>
+          </a:fontRef>
+        </p:style>
+      </p:cxnSp>
+      <p:cxnSp>
+        <p:nvCxnSpPr>
+          <p:cNvPr id="98" name="Connecteur : en angle 97">
+            <a:extLst>
+              <a:ext uri="{FF2B5EF4-FFF2-40B4-BE49-F238E27FC236}">
+                <a16:creationId xmlns:a16="http://schemas.microsoft.com/office/drawing/2014/main" id="{77740A99-B923-4577-9065-D4F8D4E8F719}"/>
+              </a:ext>
+            </a:extLst>
+          </p:cNvPr>
+          <p:cNvCxnSpPr>
+            <a:cxnSpLocks/>
+          </p:cNvCxnSpPr>
+          <p:nvPr/>
+        </p:nvCxnSpPr>
+        <p:spPr>
+          <a:xfrm flipV="1">
+            <a:off x="6121037" y="3989377"/>
+            <a:ext cx="2212907" cy="638186"/>
+          </a:xfrm>
+          <a:prstGeom prst="bentConnector3">
+            <a:avLst/>
+          </a:prstGeom>
+          <a:ln w="12700">
+            <a:solidFill>
+              <a:srgbClr val="FF0000"/>
+            </a:solidFill>
+          </a:ln>
+        </p:spPr>
+        <p:style>
+          <a:lnRef idx="1">
+            <a:schemeClr val="accent1"/>
+          </a:lnRef>
+          <a:fillRef idx="0">
+            <a:schemeClr val="accent1"/>
+          </a:fillRef>
+          <a:effectRef idx="0">
+            <a:schemeClr val="accent1"/>
+          </a:effectRef>
+          <a:fontRef idx="minor">
+            <a:schemeClr val="tx1"/>
+          </a:fontRef>
+        </p:style>
+      </p:cxnSp>
+      <p:cxnSp>
+        <p:nvCxnSpPr>
+          <p:cNvPr id="101" name="Connecteur droit 100">
+            <a:extLst>
+              <a:ext uri="{FF2B5EF4-FFF2-40B4-BE49-F238E27FC236}">
+                <a16:creationId xmlns:a16="http://schemas.microsoft.com/office/drawing/2014/main" id="{54ABCA77-F93B-47C9-9E62-DEFF728EB8FF}"/>
+              </a:ext>
+            </a:extLst>
+          </p:cNvPr>
+          <p:cNvCxnSpPr>
+            <a:cxnSpLocks/>
+          </p:cNvCxnSpPr>
+          <p:nvPr/>
+        </p:nvCxnSpPr>
+        <p:spPr>
+          <a:xfrm flipH="1">
+            <a:off x="6064671" y="4624388"/>
+            <a:ext cx="56367" cy="0"/>
+          </a:xfrm>
+          <a:prstGeom prst="line">
+            <a:avLst/>
+          </a:prstGeom>
+          <a:ln w="12700">
+            <a:solidFill>
+              <a:srgbClr val="FF0000"/>
+            </a:solidFill>
+          </a:ln>
+        </p:spPr>
+        <p:style>
+          <a:lnRef idx="1">
+            <a:schemeClr val="accent1"/>
+          </a:lnRef>
+          <a:fillRef idx="0">
+            <a:schemeClr val="accent1"/>
+          </a:fillRef>
+          <a:effectRef idx="0">
+            <a:schemeClr val="accent1"/>
+          </a:effectRef>
+          <a:fontRef idx="minor">
+            <a:schemeClr val="tx1"/>
+          </a:fontRef>
+        </p:style>
+      </p:cxnSp>
+      <p:cxnSp>
+        <p:nvCxnSpPr>
+          <p:cNvPr id="102" name="Connecteur droit 101">
+            <a:extLst>
+              <a:ext uri="{FF2B5EF4-FFF2-40B4-BE49-F238E27FC236}">
+                <a16:creationId xmlns:a16="http://schemas.microsoft.com/office/drawing/2014/main" id="{DE65E803-7385-4BFB-B528-41A6E2257F97}"/>
+              </a:ext>
+            </a:extLst>
+          </p:cNvPr>
+          <p:cNvCxnSpPr>
+            <a:cxnSpLocks/>
+          </p:cNvCxnSpPr>
+          <p:nvPr/>
+        </p:nvCxnSpPr>
+        <p:spPr>
+          <a:xfrm flipH="1">
+            <a:off x="6020764" y="4757738"/>
+            <a:ext cx="366974" cy="1671"/>
+          </a:xfrm>
+          <a:prstGeom prst="line">
+            <a:avLst/>
+          </a:prstGeom>
+          <a:ln w="12700">
+            <a:solidFill>
+              <a:srgbClr val="00B050"/>
+            </a:solidFill>
+          </a:ln>
+        </p:spPr>
+        <p:style>
+          <a:lnRef idx="1">
+            <a:schemeClr val="accent1"/>
+          </a:lnRef>
+          <a:fillRef idx="0">
+            <a:schemeClr val="accent1"/>
+          </a:fillRef>
+          <a:effectRef idx="0">
+            <a:schemeClr val="accent1"/>
+          </a:effectRef>
+          <a:fontRef idx="minor">
+            <a:schemeClr val="tx1"/>
+          </a:fontRef>
+        </p:style>
+      </p:cxnSp>
+      <p:cxnSp>
+        <p:nvCxnSpPr>
+          <p:cNvPr id="106" name="Connecteur droit 105">
+            <a:extLst>
+              <a:ext uri="{FF2B5EF4-FFF2-40B4-BE49-F238E27FC236}">
+                <a16:creationId xmlns:a16="http://schemas.microsoft.com/office/drawing/2014/main" id="{AF851876-73A7-4D0D-996A-14188869C718}"/>
+              </a:ext>
+            </a:extLst>
+          </p:cNvPr>
+          <p:cNvCxnSpPr>
+            <a:cxnSpLocks/>
+          </p:cNvCxnSpPr>
+          <p:nvPr/>
+        </p:nvCxnSpPr>
+        <p:spPr>
+          <a:xfrm flipH="1" flipV="1">
+            <a:off x="6070782" y="3878504"/>
+            <a:ext cx="1" cy="745884"/>
+          </a:xfrm>
+          <a:prstGeom prst="line">
+            <a:avLst/>
+          </a:prstGeom>
+          <a:ln w="12700">
+            <a:solidFill>
+              <a:srgbClr val="FF0000"/>
+            </a:solidFill>
+          </a:ln>
+        </p:spPr>
+        <p:style>
+          <a:lnRef idx="1">
+            <a:schemeClr val="accent1"/>
+          </a:lnRef>
+          <a:fillRef idx="0">
+            <a:schemeClr val="accent1"/>
+          </a:fillRef>
+          <a:effectRef idx="0">
+            <a:schemeClr val="accent1"/>
+          </a:effectRef>
+          <a:fontRef idx="minor">
+            <a:schemeClr val="tx1"/>
+          </a:fontRef>
+        </p:style>
+      </p:cxnSp>
+      <p:cxnSp>
+        <p:nvCxnSpPr>
+          <p:cNvPr id="108" name="Connecteur droit 107">
+            <a:extLst>
+              <a:ext uri="{FF2B5EF4-FFF2-40B4-BE49-F238E27FC236}">
+                <a16:creationId xmlns:a16="http://schemas.microsoft.com/office/drawing/2014/main" id="{5676055E-DEE5-4979-ADBE-9C658648100C}"/>
+              </a:ext>
+            </a:extLst>
+          </p:cNvPr>
+          <p:cNvCxnSpPr>
+            <a:cxnSpLocks/>
+          </p:cNvCxnSpPr>
+          <p:nvPr/>
+        </p:nvCxnSpPr>
+        <p:spPr>
+          <a:xfrm flipH="1" flipV="1">
+            <a:off x="6015886" y="3878504"/>
+            <a:ext cx="7251" cy="890546"/>
+          </a:xfrm>
+          <a:prstGeom prst="line">
+            <a:avLst/>
+          </a:prstGeom>
+          <a:ln w="12700">
+            <a:solidFill>
+              <a:srgbClr val="00B050"/>
+            </a:solidFill>
+          </a:ln>
+        </p:spPr>
+        <p:style>
+          <a:lnRef idx="1">
+            <a:schemeClr val="accent1"/>
+          </a:lnRef>
+          <a:fillRef idx="0">
+            <a:schemeClr val="accent1"/>
+          </a:fillRef>
+          <a:effectRef idx="0">
+            <a:schemeClr val="accent1"/>
+          </a:effectRef>
+          <a:fontRef idx="minor">
+            <a:schemeClr val="tx1"/>
+          </a:fontRef>
+        </p:style>
+      </p:cxnSp>
+      <p:cxnSp>
+        <p:nvCxnSpPr>
+          <p:cNvPr id="112" name="Connecteur : en angle 111">
+            <a:extLst>
+              <a:ext uri="{FF2B5EF4-FFF2-40B4-BE49-F238E27FC236}">
+                <a16:creationId xmlns:a16="http://schemas.microsoft.com/office/drawing/2014/main" id="{BB5798EC-0A79-45FD-80A1-786BCDB03DAE}"/>
+              </a:ext>
+            </a:extLst>
+          </p:cNvPr>
+          <p:cNvCxnSpPr>
+            <a:cxnSpLocks/>
+          </p:cNvCxnSpPr>
+          <p:nvPr/>
+        </p:nvCxnSpPr>
+        <p:spPr>
+          <a:xfrm flipV="1">
+            <a:off x="6191743" y="3933825"/>
+            <a:ext cx="1977744" cy="634641"/>
+          </a:xfrm>
+          <a:prstGeom prst="bentConnector3">
+            <a:avLst/>
+          </a:prstGeom>
+          <a:ln w="12700">
+            <a:solidFill>
+              <a:schemeClr val="tx1"/>
+            </a:solidFill>
+            <a:prstDash val="sysDot"/>
+          </a:ln>
+        </p:spPr>
+        <p:style>
+          <a:lnRef idx="1">
+            <a:schemeClr val="accent1"/>
+          </a:lnRef>
+          <a:fillRef idx="0">
+            <a:schemeClr val="accent1"/>
+          </a:fillRef>
+          <a:effectRef idx="0">
+            <a:schemeClr val="accent1"/>
+          </a:effectRef>
+          <a:fontRef idx="minor">
+            <a:schemeClr val="tx1"/>
+          </a:fontRef>
+        </p:style>
+      </p:cxnSp>
+      <p:cxnSp>
+        <p:nvCxnSpPr>
+          <p:cNvPr id="114" name="Connecteur : en angle 113">
+            <a:extLst>
+              <a:ext uri="{FF2B5EF4-FFF2-40B4-BE49-F238E27FC236}">
+                <a16:creationId xmlns:a16="http://schemas.microsoft.com/office/drawing/2014/main" id="{68062DC9-6697-4CA0-95B7-440242A27C93}"/>
+              </a:ext>
+            </a:extLst>
+          </p:cNvPr>
+          <p:cNvCxnSpPr>
+            <a:cxnSpLocks/>
+          </p:cNvCxnSpPr>
+          <p:nvPr/>
+        </p:nvCxnSpPr>
+        <p:spPr>
+          <a:xfrm flipV="1">
+            <a:off x="6627470" y="4155517"/>
+            <a:ext cx="1555116" cy="653729"/>
+          </a:xfrm>
+          <a:prstGeom prst="bentConnector3">
+            <a:avLst/>
+          </a:prstGeom>
+          <a:ln w="12700">
+            <a:solidFill>
+              <a:schemeClr val="tx1"/>
+            </a:solidFill>
+            <a:prstDash val="sysDot"/>
+          </a:ln>
+        </p:spPr>
+        <p:style>
+          <a:lnRef idx="1">
+            <a:schemeClr val="accent1"/>
+          </a:lnRef>
+          <a:fillRef idx="0">
+            <a:schemeClr val="accent1"/>
+          </a:fillRef>
+          <a:effectRef idx="0">
+            <a:schemeClr val="accent1"/>
+          </a:effectRef>
+          <a:fontRef idx="minor">
+            <a:schemeClr val="tx1"/>
+          </a:fontRef>
+        </p:style>
+      </p:cxnSp>
+      <p:cxnSp>
+        <p:nvCxnSpPr>
+          <p:cNvPr id="117" name="Connecteur droit 116">
+            <a:extLst>
+              <a:ext uri="{FF2B5EF4-FFF2-40B4-BE49-F238E27FC236}">
+                <a16:creationId xmlns:a16="http://schemas.microsoft.com/office/drawing/2014/main" id="{478FFDAF-FB1E-44B4-8867-6250C883245A}"/>
+              </a:ext>
+            </a:extLst>
+          </p:cNvPr>
+          <p:cNvCxnSpPr/>
+          <p:nvPr/>
+        </p:nvCxnSpPr>
+        <p:spPr>
+          <a:xfrm>
+            <a:off x="8340937" y="3933825"/>
+            <a:ext cx="0" cy="221692"/>
+          </a:xfrm>
+          <a:prstGeom prst="line">
+            <a:avLst/>
+          </a:prstGeom>
+          <a:ln w="12700">
+            <a:solidFill>
+              <a:schemeClr val="tx1"/>
+            </a:solidFill>
+            <a:prstDash val="sysDot"/>
+          </a:ln>
+        </p:spPr>
+        <p:style>
+          <a:lnRef idx="1">
+            <a:schemeClr val="accent1"/>
+          </a:lnRef>
+          <a:fillRef idx="0">
+            <a:schemeClr val="accent1"/>
+          </a:fillRef>
+          <a:effectRef idx="0">
+            <a:schemeClr val="accent1"/>
+          </a:effectRef>
+          <a:fontRef idx="minor">
+            <a:schemeClr val="tx1"/>
+          </a:fontRef>
+        </p:style>
+      </p:cxnSp>
+      <p:cxnSp>
+        <p:nvCxnSpPr>
+          <p:cNvPr id="118" name="Connecteur droit 117">
+            <a:extLst>
+              <a:ext uri="{FF2B5EF4-FFF2-40B4-BE49-F238E27FC236}">
+                <a16:creationId xmlns:a16="http://schemas.microsoft.com/office/drawing/2014/main" id="{49469F71-B026-46B6-9904-C061AAC364CA}"/>
+              </a:ext>
+            </a:extLst>
+          </p:cNvPr>
+          <p:cNvCxnSpPr>
+            <a:cxnSpLocks/>
+          </p:cNvCxnSpPr>
+          <p:nvPr/>
+        </p:nvCxnSpPr>
+        <p:spPr>
+          <a:xfrm>
+            <a:off x="8169487" y="3933825"/>
+            <a:ext cx="171450" cy="0"/>
+          </a:xfrm>
+          <a:prstGeom prst="line">
+            <a:avLst/>
+          </a:prstGeom>
+          <a:ln w="12700">
+            <a:solidFill>
+              <a:schemeClr val="tx1"/>
+            </a:solidFill>
+            <a:prstDash val="sysDot"/>
+          </a:ln>
+        </p:spPr>
+        <p:style>
+          <a:lnRef idx="1">
+            <a:schemeClr val="accent1"/>
+          </a:lnRef>
+          <a:fillRef idx="0">
+            <a:schemeClr val="accent1"/>
+          </a:fillRef>
+          <a:effectRef idx="0">
+            <a:schemeClr val="accent1"/>
+          </a:effectRef>
+          <a:fontRef idx="minor">
+            <a:schemeClr val="tx1"/>
+          </a:fontRef>
+        </p:style>
+      </p:cxnSp>
+      <p:cxnSp>
+        <p:nvCxnSpPr>
+          <p:cNvPr id="120" name="Connecteur droit 119">
+            <a:extLst>
+              <a:ext uri="{FF2B5EF4-FFF2-40B4-BE49-F238E27FC236}">
+                <a16:creationId xmlns:a16="http://schemas.microsoft.com/office/drawing/2014/main" id="{DD6A2319-4D11-42CF-956A-65C6FDC48192}"/>
+              </a:ext>
+            </a:extLst>
+          </p:cNvPr>
+          <p:cNvCxnSpPr>
+            <a:cxnSpLocks/>
+          </p:cNvCxnSpPr>
+          <p:nvPr/>
+        </p:nvCxnSpPr>
+        <p:spPr>
+          <a:xfrm>
+            <a:off x="8182586" y="4155517"/>
+            <a:ext cx="171450" cy="0"/>
+          </a:xfrm>
+          <a:prstGeom prst="line">
+            <a:avLst/>
+          </a:prstGeom>
+          <a:ln w="12700">
+            <a:solidFill>
+              <a:schemeClr val="tx1"/>
+            </a:solidFill>
+            <a:prstDash val="sysDot"/>
+          </a:ln>
+        </p:spPr>
+        <p:style>
+          <a:lnRef idx="1">
+            <a:schemeClr val="accent1"/>
+          </a:lnRef>
+          <a:fillRef idx="0">
+            <a:schemeClr val="accent1"/>
+          </a:fillRef>
+          <a:effectRef idx="0">
+            <a:schemeClr val="accent1"/>
+          </a:effectRef>
+          <a:fontRef idx="minor">
+            <a:schemeClr val="tx1"/>
+          </a:fontRef>
+        </p:style>
+      </p:cxnSp>
+      <p:cxnSp>
+        <p:nvCxnSpPr>
+          <p:cNvPr id="121" name="Connecteur droit 120">
+            <a:extLst>
+              <a:ext uri="{FF2B5EF4-FFF2-40B4-BE49-F238E27FC236}">
+                <a16:creationId xmlns:a16="http://schemas.microsoft.com/office/drawing/2014/main" id="{9CDEC423-56E6-4ECC-8151-CDDE6285A4DC}"/>
+              </a:ext>
+            </a:extLst>
+          </p:cNvPr>
+          <p:cNvCxnSpPr>
+            <a:cxnSpLocks/>
+          </p:cNvCxnSpPr>
+          <p:nvPr/>
+        </p:nvCxnSpPr>
+        <p:spPr>
+          <a:xfrm>
+            <a:off x="5968681" y="4805513"/>
+            <a:ext cx="650107" cy="0"/>
+          </a:xfrm>
+          <a:prstGeom prst="line">
+            <a:avLst/>
+          </a:prstGeom>
+          <a:ln w="12700">
+            <a:solidFill>
+              <a:schemeClr val="tx1"/>
+            </a:solidFill>
+            <a:prstDash val="sysDot"/>
+          </a:ln>
+        </p:spPr>
+        <p:style>
+          <a:lnRef idx="1">
+            <a:schemeClr val="accent1"/>
+          </a:lnRef>
+          <a:fillRef idx="0">
+            <a:schemeClr val="accent1"/>
+          </a:fillRef>
+          <a:effectRef idx="0">
+            <a:schemeClr val="accent1"/>
+          </a:effectRef>
+          <a:fontRef idx="minor">
+            <a:schemeClr val="tx1"/>
+          </a:fontRef>
+        </p:style>
+      </p:cxnSp>
+      <p:cxnSp>
+        <p:nvCxnSpPr>
+          <p:cNvPr id="123" name="Connecteur droit 122">
+            <a:extLst>
+              <a:ext uri="{FF2B5EF4-FFF2-40B4-BE49-F238E27FC236}">
+                <a16:creationId xmlns:a16="http://schemas.microsoft.com/office/drawing/2014/main" id="{249279A5-E8D6-41CD-946F-3A48151A0BA0}"/>
+              </a:ext>
+            </a:extLst>
+          </p:cNvPr>
+          <p:cNvCxnSpPr>
+            <a:cxnSpLocks/>
+          </p:cNvCxnSpPr>
+          <p:nvPr/>
+        </p:nvCxnSpPr>
+        <p:spPr>
+          <a:xfrm>
+            <a:off x="5968681" y="3878504"/>
+            <a:ext cx="0" cy="939710"/>
+          </a:xfrm>
+          <a:prstGeom prst="line">
+            <a:avLst/>
+          </a:prstGeom>
+          <a:ln w="12700">
+            <a:solidFill>
+              <a:schemeClr val="tx1"/>
+            </a:solidFill>
+            <a:prstDash val="sysDot"/>
+          </a:ln>
+        </p:spPr>
+        <p:style>
+          <a:lnRef idx="1">
+            <a:schemeClr val="accent1"/>
+          </a:lnRef>
+          <a:fillRef idx="0">
+            <a:schemeClr val="accent1"/>
+          </a:fillRef>
+          <a:effectRef idx="0">
+            <a:schemeClr val="accent1"/>
+          </a:effectRef>
+          <a:fontRef idx="minor">
+            <a:schemeClr val="tx1"/>
+          </a:fontRef>
+        </p:style>
+      </p:cxnSp>
+      <p:cxnSp>
+        <p:nvCxnSpPr>
+          <p:cNvPr id="126" name="Connecteur droit 125">
+            <a:extLst>
+              <a:ext uri="{FF2B5EF4-FFF2-40B4-BE49-F238E27FC236}">
+                <a16:creationId xmlns:a16="http://schemas.microsoft.com/office/drawing/2014/main" id="{B52D2711-CAFD-48BE-A1E6-4ADCF38EFFFD}"/>
+              </a:ext>
+            </a:extLst>
+          </p:cNvPr>
+          <p:cNvCxnSpPr>
+            <a:cxnSpLocks/>
+          </p:cNvCxnSpPr>
+          <p:nvPr/>
+        </p:nvCxnSpPr>
+        <p:spPr>
+          <a:xfrm>
+            <a:off x="6121037" y="3878504"/>
+            <a:ext cx="0" cy="701149"/>
+          </a:xfrm>
+          <a:prstGeom prst="line">
+            <a:avLst/>
+          </a:prstGeom>
+          <a:ln w="12700">
+            <a:solidFill>
+              <a:schemeClr val="tx1"/>
+            </a:solidFill>
+            <a:prstDash val="sysDot"/>
+          </a:ln>
+        </p:spPr>
+        <p:style>
+          <a:lnRef idx="1">
+            <a:schemeClr val="accent1"/>
+          </a:lnRef>
+          <a:fillRef idx="0">
+            <a:schemeClr val="accent1"/>
+          </a:fillRef>
+          <a:effectRef idx="0">
+            <a:schemeClr val="accent1"/>
+          </a:effectRef>
+          <a:fontRef idx="minor">
+            <a:schemeClr val="tx1"/>
+          </a:fontRef>
+        </p:style>
+      </p:cxnSp>
+      <p:cxnSp>
+        <p:nvCxnSpPr>
+          <p:cNvPr id="128" name="Connecteur droit 127">
+            <a:extLst>
+              <a:ext uri="{FF2B5EF4-FFF2-40B4-BE49-F238E27FC236}">
+                <a16:creationId xmlns:a16="http://schemas.microsoft.com/office/drawing/2014/main" id="{76747103-081C-4584-9926-8156D22CB5E7}"/>
+              </a:ext>
+            </a:extLst>
+          </p:cNvPr>
+          <p:cNvCxnSpPr>
+            <a:cxnSpLocks/>
+          </p:cNvCxnSpPr>
+          <p:nvPr/>
+        </p:nvCxnSpPr>
+        <p:spPr>
+          <a:xfrm>
+            <a:off x="6115351" y="4570128"/>
+            <a:ext cx="110824" cy="0"/>
+          </a:xfrm>
+          <a:prstGeom prst="line">
+            <a:avLst/>
+          </a:prstGeom>
+          <a:ln w="12700">
+            <a:solidFill>
+              <a:schemeClr val="tx1"/>
+            </a:solidFill>
+            <a:prstDash val="sysDot"/>
+          </a:ln>
+        </p:spPr>
+        <p:style>
+          <a:lnRef idx="1">
+            <a:schemeClr val="accent1"/>
+          </a:lnRef>
+          <a:fillRef idx="0">
+            <a:schemeClr val="accent1"/>
+          </a:fillRef>
+          <a:effectRef idx="0">
+            <a:schemeClr val="accent1"/>
+          </a:effectRef>
+          <a:fontRef idx="minor">
+            <a:schemeClr val="tx1"/>
+          </a:fontRef>
+        </p:style>
+      </p:cxnSp>
+      <p:cxnSp>
+        <p:nvCxnSpPr>
+          <p:cNvPr id="130" name="Connecteur droit 129">
+            <a:extLst>
+              <a:ext uri="{FF2B5EF4-FFF2-40B4-BE49-F238E27FC236}">
+                <a16:creationId xmlns:a16="http://schemas.microsoft.com/office/drawing/2014/main" id="{0E4A3C39-8523-4A46-87BD-F343F2FEC6E3}"/>
+              </a:ext>
+            </a:extLst>
+          </p:cNvPr>
+          <p:cNvCxnSpPr>
+            <a:cxnSpLocks/>
+          </p:cNvCxnSpPr>
+          <p:nvPr/>
+        </p:nvCxnSpPr>
+        <p:spPr>
+          <a:xfrm>
+            <a:off x="5960474" y="3879807"/>
+            <a:ext cx="154877" cy="0"/>
+          </a:xfrm>
+          <a:prstGeom prst="line">
+            <a:avLst/>
+          </a:prstGeom>
+          <a:ln w="12700">
+            <a:solidFill>
+              <a:schemeClr val="tx1"/>
+            </a:solidFill>
+            <a:prstDash val="sysDot"/>
+          </a:ln>
+        </p:spPr>
+        <p:style>
+          <a:lnRef idx="1">
+            <a:schemeClr val="accent1"/>
+          </a:lnRef>
+          <a:fillRef idx="0">
+            <a:schemeClr val="accent1"/>
+          </a:fillRef>
+          <a:effectRef idx="0">
+            <a:schemeClr val="accent1"/>
+          </a:effectRef>
+          <a:fontRef idx="minor">
+            <a:schemeClr val="tx1"/>
+          </a:fontRef>
+        </p:style>
+      </p:cxnSp>
+      <p:sp>
+        <p:nvSpPr>
+          <p:cNvPr id="132" name="ZoneTexte 131">
+            <a:extLst>
+              <a:ext uri="{FF2B5EF4-FFF2-40B4-BE49-F238E27FC236}">
+                <a16:creationId xmlns:a16="http://schemas.microsoft.com/office/drawing/2014/main" id="{327EA83A-0E0A-4853-BB31-11710711F83D}"/>
+              </a:ext>
+            </a:extLst>
+          </p:cNvPr>
+          <p:cNvSpPr txBox="1"/>
+          <p:nvPr/>
+        </p:nvSpPr>
+        <p:spPr>
+          <a:xfrm>
+            <a:off x="7313161" y="3663457"/>
+            <a:ext cx="856325" cy="276999"/>
+          </a:xfrm>
+          <a:prstGeom prst="rect">
+            <a:avLst/>
+          </a:prstGeom>
+          <a:noFill/>
+        </p:spPr>
+        <p:txBody>
+          <a:bodyPr wrap="none" rtlCol="0">
+            <a:spAutoFit/>
+          </a:bodyPr>
+          <a:lstStyle/>
+          <a:p>
+            <a:r>
+              <a:rPr lang="fr-FR" sz="1200" i="1" dirty="0"/>
+              <a:t>Cable RJ11</a:t>
+            </a:r>
+          </a:p>
+        </p:txBody>
+      </p:sp>
+      <p:sp>
+        <p:nvSpPr>
+          <p:cNvPr id="6" name="Rectangle : coins arrondis 5">
+            <a:extLst>
+              <a:ext uri="{FF2B5EF4-FFF2-40B4-BE49-F238E27FC236}">
+                <a16:creationId xmlns:a16="http://schemas.microsoft.com/office/drawing/2014/main" id="{04B89F92-7255-45B7-A10C-661FDDA4EDDB}"/>
+              </a:ext>
+            </a:extLst>
+          </p:cNvPr>
+          <p:cNvSpPr/>
+          <p:nvPr/>
+        </p:nvSpPr>
+        <p:spPr>
+          <a:xfrm>
+            <a:off x="9877260" y="3812381"/>
+            <a:ext cx="235909" cy="454819"/>
+          </a:xfrm>
+          <a:prstGeom prst="roundRect">
+            <a:avLst/>
+          </a:prstGeom>
+          <a:noFill/>
+          <a:ln>
+            <a:solidFill>
+              <a:schemeClr val="tx1"/>
+            </a:solidFill>
+          </a:ln>
+        </p:spPr>
+        <p:style>
+          <a:lnRef idx="2">
+            <a:schemeClr val="accent1">
+              <a:shade val="50000"/>
+            </a:schemeClr>
+          </a:lnRef>
+          <a:fillRef idx="1">
+            <a:schemeClr val="accent1"/>
+          </a:fillRef>
+          <a:effectRef idx="0">
+            <a:schemeClr val="accent1"/>
+          </a:effectRef>
+          <a:fontRef idx="minor">
+            <a:schemeClr val="lt1"/>
+          </a:fontRef>
+        </p:style>
+        <p:txBody>
+          <a:bodyPr rtlCol="0" anchor="ctr"/>
+          <a:lstStyle/>
+          <a:p>
+            <a:pPr algn="ctr"/>
+            <a:endParaRPr lang="fr-FR"/>
+          </a:p>
+        </p:txBody>
+      </p:sp>
+      <p:cxnSp>
+        <p:nvCxnSpPr>
+          <p:cNvPr id="86" name="Connecteur droit 85">
+            <a:extLst>
+              <a:ext uri="{FF2B5EF4-FFF2-40B4-BE49-F238E27FC236}">
+                <a16:creationId xmlns:a16="http://schemas.microsoft.com/office/drawing/2014/main" id="{0B3D18EF-5053-4BB8-90C0-2BB9DCF290D9}"/>
+              </a:ext>
+            </a:extLst>
+          </p:cNvPr>
+          <p:cNvCxnSpPr>
+            <a:cxnSpLocks/>
+          </p:cNvCxnSpPr>
+          <p:nvPr/>
+        </p:nvCxnSpPr>
+        <p:spPr>
+          <a:xfrm flipH="1">
+            <a:off x="9946956" y="3954500"/>
+            <a:ext cx="47844" cy="182922"/>
+          </a:xfrm>
+          <a:prstGeom prst="line">
+            <a:avLst/>
+          </a:prstGeom>
+          <a:ln w="12700">
+            <a:solidFill>
+              <a:schemeClr val="tx1"/>
+            </a:solidFill>
+          </a:ln>
+        </p:spPr>
+        <p:style>
+          <a:lnRef idx="1">
+            <a:schemeClr val="accent1"/>
+          </a:lnRef>
+          <a:fillRef idx="0">
+            <a:schemeClr val="accent1"/>
+          </a:fillRef>
+          <a:effectRef idx="0">
+            <a:schemeClr val="accent1"/>
+          </a:effectRef>
+          <a:fontRef idx="minor">
+            <a:schemeClr val="tx1"/>
+          </a:fontRef>
+        </p:style>
+      </p:cxnSp>
+      <p:sp>
+        <p:nvSpPr>
+          <p:cNvPr id="77" name="ZoneTexte 76">
+            <a:extLst>
+              <a:ext uri="{FF2B5EF4-FFF2-40B4-BE49-F238E27FC236}">
+                <a16:creationId xmlns:a16="http://schemas.microsoft.com/office/drawing/2014/main" id="{44A17452-D056-42EC-A598-76AF179630AD}"/>
+              </a:ext>
+            </a:extLst>
+          </p:cNvPr>
+          <p:cNvSpPr txBox="1"/>
+          <p:nvPr/>
+        </p:nvSpPr>
+        <p:spPr>
+          <a:xfrm>
             <a:off x="11652188" y="6403199"/>
-            <a:ext cx="301686" cy="369332"/>
+            <a:ext cx="418704" cy="369332"/>
           </a:xfrm>
           <a:prstGeom prst="rect">
             <a:avLst/>
@@ -5441,7 +7836,7 @@
           <a:p>
             <a:r>
               <a:rPr lang="fr-FR" dirty="0"/>
-              <a:t>9</a:t>
+              <a:t>10</a:t>
             </a:r>
           </a:p>
         </p:txBody>
@@ -5449,7 +7844,7 @@
     </p:spTree>
     <p:extLst>
       <p:ext uri="{BB962C8B-B14F-4D97-AF65-F5344CB8AC3E}">
-        <p14:creationId xmlns:p14="http://schemas.microsoft.com/office/powerpoint/2010/main" val="2957376733"/>
+        <p14:creationId xmlns:p14="http://schemas.microsoft.com/office/powerpoint/2010/main" val="675812002"/>
       </p:ext>
     </p:extLst>
   </p:cSld>
@@ -6314,2444 +8709,84 @@
           </a:p>
         </p:txBody>
       </p:sp>
+      <p:pic>
+        <p:nvPicPr>
+          <p:cNvPr id="11" name="Image 10">
+            <a:extLst>
+              <a:ext uri="{FF2B5EF4-FFF2-40B4-BE49-F238E27FC236}">
+                <a16:creationId xmlns:a16="http://schemas.microsoft.com/office/drawing/2014/main" id="{B24E3955-7EAD-4921-9442-183E47E88E00}"/>
+              </a:ext>
+            </a:extLst>
+          </p:cNvPr>
+          <p:cNvPicPr>
+            <a:picLocks noChangeAspect="1"/>
+          </p:cNvPicPr>
+          <p:nvPr/>
+        </p:nvPicPr>
+        <p:blipFill>
+          <a:blip r:embed="rId4">
+            <a:extLst>
+              <a:ext uri="{28A0092B-C50C-407E-A947-70E740481C1C}">
+                <a14:useLocalDpi xmlns:a14="http://schemas.microsoft.com/office/drawing/2010/main" val="0"/>
+              </a:ext>
+            </a:extLst>
+          </a:blip>
+          <a:stretch>
+            <a:fillRect/>
+          </a:stretch>
+        </p:blipFill>
+        <p:spPr>
+          <a:xfrm>
+            <a:off x="369115" y="1758454"/>
+            <a:ext cx="5318890" cy="4702358"/>
+          </a:xfrm>
+          <a:prstGeom prst="rect">
+            <a:avLst/>
+          </a:prstGeom>
+        </p:spPr>
+      </p:pic>
+      <p:pic>
+        <p:nvPicPr>
+          <p:cNvPr id="15" name="Image 14">
+            <a:extLst>
+              <a:ext uri="{FF2B5EF4-FFF2-40B4-BE49-F238E27FC236}">
+                <a16:creationId xmlns:a16="http://schemas.microsoft.com/office/drawing/2014/main" id="{C3C6AF8F-8459-4C8D-B9BC-F6ECED2A976E}"/>
+              </a:ext>
+            </a:extLst>
+          </p:cNvPr>
+          <p:cNvPicPr>
+            <a:picLocks noChangeAspect="1"/>
+          </p:cNvPicPr>
+          <p:nvPr/>
+        </p:nvPicPr>
+        <p:blipFill>
+          <a:blip r:embed="rId5">
+            <a:extLst>
+              <a:ext uri="{28A0092B-C50C-407E-A947-70E740481C1C}">
+                <a14:useLocalDpi xmlns:a14="http://schemas.microsoft.com/office/drawing/2010/main" val="0"/>
+              </a:ext>
+            </a:extLst>
+          </a:blip>
+          <a:stretch>
+            <a:fillRect/>
+          </a:stretch>
+        </p:blipFill>
+        <p:spPr>
+          <a:xfrm>
+            <a:off x="5688005" y="1758454"/>
+            <a:ext cx="6344535" cy="3210373"/>
+          </a:xfrm>
+          <a:prstGeom prst="rect">
+            <a:avLst/>
+          </a:prstGeom>
+        </p:spPr>
+      </p:pic>
       <p:sp>
         <p:nvSpPr>
-          <p:cNvPr id="3" name="Rectangle 2">
-            <a:extLst>
-              <a:ext uri="{FF2B5EF4-FFF2-40B4-BE49-F238E27FC236}">
-                <a16:creationId xmlns:a16="http://schemas.microsoft.com/office/drawing/2014/main" id="{17BC4C2F-C935-426A-A7C3-E9AC84E9E20B}"/>
-              </a:ext>
-            </a:extLst>
-          </p:cNvPr>
-          <p:cNvSpPr/>
-          <p:nvPr/>
-        </p:nvSpPr>
-        <p:spPr>
-          <a:xfrm>
-            <a:off x="1191540" y="2986480"/>
-            <a:ext cx="2273416" cy="2298584"/>
-          </a:xfrm>
-          <a:prstGeom prst="rect">
-            <a:avLst/>
-          </a:prstGeom>
-          <a:noFill/>
-          <a:ln>
-            <a:solidFill>
-              <a:schemeClr val="tx1"/>
-            </a:solidFill>
-            <a:prstDash val="dash"/>
-          </a:ln>
-        </p:spPr>
-        <p:style>
-          <a:lnRef idx="2">
-            <a:schemeClr val="accent1">
-              <a:shade val="50000"/>
-            </a:schemeClr>
-          </a:lnRef>
-          <a:fillRef idx="1">
-            <a:schemeClr val="accent1"/>
-          </a:fillRef>
-          <a:effectRef idx="0">
-            <a:schemeClr val="accent1"/>
-          </a:effectRef>
-          <a:fontRef idx="minor">
-            <a:schemeClr val="lt1"/>
-          </a:fontRef>
-        </p:style>
-        <p:txBody>
-          <a:bodyPr rtlCol="0" anchor="ctr"/>
-          <a:lstStyle/>
-          <a:p>
-            <a:pPr algn="ctr"/>
-            <a:endParaRPr lang="fr-FR"/>
-          </a:p>
-        </p:txBody>
-      </p:sp>
-      <p:sp>
-        <p:nvSpPr>
-          <p:cNvPr id="4" name="ZoneTexte 3">
-            <a:extLst>
-              <a:ext uri="{FF2B5EF4-FFF2-40B4-BE49-F238E27FC236}">
-                <a16:creationId xmlns:a16="http://schemas.microsoft.com/office/drawing/2014/main" id="{BDF4EB06-8F6B-4DCB-A224-2CBD13B28178}"/>
-              </a:ext>
-            </a:extLst>
-          </p:cNvPr>
-          <p:cNvSpPr txBox="1"/>
-          <p:nvPr/>
-        </p:nvSpPr>
-        <p:spPr>
-          <a:xfrm>
-            <a:off x="1191540" y="2678703"/>
-            <a:ext cx="761747" cy="307777"/>
-          </a:xfrm>
-          <a:prstGeom prst="rect">
-            <a:avLst/>
-          </a:prstGeom>
-          <a:noFill/>
-        </p:spPr>
-        <p:txBody>
-          <a:bodyPr wrap="none" rtlCol="0">
-            <a:spAutoFit/>
-          </a:bodyPr>
-          <a:lstStyle/>
-          <a:p>
-            <a:r>
-              <a:rPr lang="fr-FR" sz="1400" i="1" dirty="0"/>
-              <a:t>Arduino</a:t>
-            </a:r>
-          </a:p>
-        </p:txBody>
-      </p:sp>
-      <p:sp>
-        <p:nvSpPr>
-          <p:cNvPr id="5" name="Rectangle 4">
-            <a:extLst>
-              <a:ext uri="{FF2B5EF4-FFF2-40B4-BE49-F238E27FC236}">
-                <a16:creationId xmlns:a16="http://schemas.microsoft.com/office/drawing/2014/main" id="{A44D7473-AD23-425A-8BB7-E5E7AAFD2B0B}"/>
-              </a:ext>
-            </a:extLst>
-          </p:cNvPr>
-          <p:cNvSpPr/>
-          <p:nvPr/>
-        </p:nvSpPr>
-        <p:spPr>
-          <a:xfrm>
-            <a:off x="2984143" y="3289183"/>
-            <a:ext cx="251670" cy="497005"/>
-          </a:xfrm>
-          <a:prstGeom prst="rect">
-            <a:avLst/>
-          </a:prstGeom>
-          <a:noFill/>
-          <a:ln>
-            <a:solidFill>
-              <a:schemeClr val="tx1"/>
-            </a:solidFill>
-          </a:ln>
-        </p:spPr>
-        <p:style>
-          <a:lnRef idx="2">
-            <a:schemeClr val="accent1">
-              <a:shade val="50000"/>
-            </a:schemeClr>
-          </a:lnRef>
-          <a:fillRef idx="1">
-            <a:schemeClr val="accent1"/>
-          </a:fillRef>
-          <a:effectRef idx="0">
-            <a:schemeClr val="accent1"/>
-          </a:effectRef>
-          <a:fontRef idx="minor">
-            <a:schemeClr val="lt1"/>
-          </a:fontRef>
-        </p:style>
-        <p:txBody>
-          <a:bodyPr rtlCol="0" anchor="ctr"/>
-          <a:lstStyle/>
-          <a:p>
-            <a:pPr algn="ctr"/>
-            <a:endParaRPr lang="fr-FR"/>
-          </a:p>
-        </p:txBody>
-      </p:sp>
-      <p:cxnSp>
-        <p:nvCxnSpPr>
-          <p:cNvPr id="9" name="Connecteur : en angle 8">
-            <a:extLst>
-              <a:ext uri="{FF2B5EF4-FFF2-40B4-BE49-F238E27FC236}">
-                <a16:creationId xmlns:a16="http://schemas.microsoft.com/office/drawing/2014/main" id="{F1CFBB48-9513-4EAB-BB0F-25BA29E5302E}"/>
-              </a:ext>
-            </a:extLst>
-          </p:cNvPr>
-          <p:cNvCxnSpPr>
-            <a:cxnSpLocks/>
-          </p:cNvCxnSpPr>
-          <p:nvPr/>
-        </p:nvCxnSpPr>
-        <p:spPr>
-          <a:xfrm flipV="1">
-            <a:off x="3107531" y="2733675"/>
-            <a:ext cx="2717007" cy="640556"/>
-          </a:xfrm>
-          <a:prstGeom prst="bentConnector3">
-            <a:avLst/>
-          </a:prstGeom>
-          <a:ln w="12700">
-            <a:solidFill>
-              <a:srgbClr val="FF0000"/>
-            </a:solidFill>
-          </a:ln>
-        </p:spPr>
-        <p:style>
-          <a:lnRef idx="1">
-            <a:schemeClr val="accent1"/>
-          </a:lnRef>
-          <a:fillRef idx="0">
-            <a:schemeClr val="accent1"/>
-          </a:fillRef>
-          <a:effectRef idx="0">
-            <a:schemeClr val="accent1"/>
-          </a:effectRef>
-          <a:fontRef idx="minor">
-            <a:schemeClr val="tx1"/>
-          </a:fontRef>
-        </p:style>
-      </p:cxnSp>
-      <p:cxnSp>
-        <p:nvCxnSpPr>
-          <p:cNvPr id="17" name="Connecteur : en angle 16">
-            <a:extLst>
-              <a:ext uri="{FF2B5EF4-FFF2-40B4-BE49-F238E27FC236}">
-                <a16:creationId xmlns:a16="http://schemas.microsoft.com/office/drawing/2014/main" id="{33CAEBEE-74C6-4159-B203-D01991F85AE6}"/>
-              </a:ext>
-            </a:extLst>
-          </p:cNvPr>
-          <p:cNvCxnSpPr>
-            <a:cxnSpLocks/>
-          </p:cNvCxnSpPr>
-          <p:nvPr/>
-        </p:nvCxnSpPr>
-        <p:spPr>
-          <a:xfrm>
-            <a:off x="3105150" y="3707606"/>
-            <a:ext cx="2200274" cy="854870"/>
-          </a:xfrm>
-          <a:prstGeom prst="bentConnector3">
-            <a:avLst/>
-          </a:prstGeom>
-          <a:ln w="12700">
-            <a:solidFill>
-              <a:srgbClr val="00B050"/>
-            </a:solidFill>
-          </a:ln>
-        </p:spPr>
-        <p:style>
-          <a:lnRef idx="1">
-            <a:schemeClr val="accent1"/>
-          </a:lnRef>
-          <a:fillRef idx="0">
-            <a:schemeClr val="accent1"/>
-          </a:fillRef>
-          <a:effectRef idx="0">
-            <a:schemeClr val="accent1"/>
-          </a:effectRef>
-          <a:fontRef idx="minor">
-            <a:schemeClr val="tx1"/>
-          </a:fontRef>
-        </p:style>
-      </p:cxnSp>
-      <p:sp>
-        <p:nvSpPr>
-          <p:cNvPr id="18" name="Rectangle 17">
-            <a:extLst>
-              <a:ext uri="{FF2B5EF4-FFF2-40B4-BE49-F238E27FC236}">
-                <a16:creationId xmlns:a16="http://schemas.microsoft.com/office/drawing/2014/main" id="{6BBD3A86-2D6C-45BB-89EE-C15041DE7521}"/>
-              </a:ext>
-            </a:extLst>
-          </p:cNvPr>
-          <p:cNvSpPr/>
-          <p:nvPr/>
-        </p:nvSpPr>
-        <p:spPr>
-          <a:xfrm>
-            <a:off x="5149423" y="2986481"/>
-            <a:ext cx="1830497" cy="1326440"/>
-          </a:xfrm>
-          <a:prstGeom prst="rect">
-            <a:avLst/>
-          </a:prstGeom>
-          <a:noFill/>
-          <a:ln>
-            <a:solidFill>
-              <a:schemeClr val="tx1"/>
-            </a:solidFill>
-            <a:prstDash val="dash"/>
-          </a:ln>
-        </p:spPr>
-        <p:style>
-          <a:lnRef idx="2">
-            <a:schemeClr val="accent1">
-              <a:shade val="50000"/>
-            </a:schemeClr>
-          </a:lnRef>
-          <a:fillRef idx="1">
-            <a:schemeClr val="accent1"/>
-          </a:fillRef>
-          <a:effectRef idx="0">
-            <a:schemeClr val="accent1"/>
-          </a:effectRef>
-          <a:fontRef idx="minor">
-            <a:schemeClr val="lt1"/>
-          </a:fontRef>
-        </p:style>
-        <p:txBody>
-          <a:bodyPr rtlCol="0" anchor="ctr"/>
-          <a:lstStyle/>
-          <a:p>
-            <a:pPr algn="ctr"/>
-            <a:endParaRPr lang="fr-FR"/>
-          </a:p>
-        </p:txBody>
-      </p:sp>
-      <p:sp>
-        <p:nvSpPr>
-          <p:cNvPr id="19" name="Rectangle 18">
-            <a:extLst>
-              <a:ext uri="{FF2B5EF4-FFF2-40B4-BE49-F238E27FC236}">
-                <a16:creationId xmlns:a16="http://schemas.microsoft.com/office/drawing/2014/main" id="{A6FE6620-AA40-4E40-B49C-80290E2E1D04}"/>
-              </a:ext>
-            </a:extLst>
-          </p:cNvPr>
-          <p:cNvSpPr/>
-          <p:nvPr/>
-        </p:nvSpPr>
-        <p:spPr>
-          <a:xfrm>
-            <a:off x="5596279" y="3342519"/>
-            <a:ext cx="936784" cy="614363"/>
-          </a:xfrm>
-          <a:prstGeom prst="rect">
-            <a:avLst/>
-          </a:prstGeom>
-          <a:noFill/>
-          <a:ln>
-            <a:solidFill>
-              <a:schemeClr val="tx1"/>
-            </a:solidFill>
-          </a:ln>
-        </p:spPr>
-        <p:style>
-          <a:lnRef idx="2">
-            <a:schemeClr val="accent1">
-              <a:shade val="50000"/>
-            </a:schemeClr>
-          </a:lnRef>
-          <a:fillRef idx="1">
-            <a:schemeClr val="accent1"/>
-          </a:fillRef>
-          <a:effectRef idx="0">
-            <a:schemeClr val="accent1"/>
-          </a:effectRef>
-          <a:fontRef idx="minor">
-            <a:schemeClr val="lt1"/>
-          </a:fontRef>
-        </p:style>
-        <p:txBody>
-          <a:bodyPr rtlCol="0" anchor="ctr"/>
-          <a:lstStyle/>
-          <a:p>
-            <a:pPr algn="ctr"/>
-            <a:endParaRPr lang="fr-FR"/>
-          </a:p>
-        </p:txBody>
-      </p:sp>
-      <p:sp>
-        <p:nvSpPr>
-          <p:cNvPr id="21" name="Rectangle 20">
-            <a:extLst>
-              <a:ext uri="{FF2B5EF4-FFF2-40B4-BE49-F238E27FC236}">
-                <a16:creationId xmlns:a16="http://schemas.microsoft.com/office/drawing/2014/main" id="{841219D3-407B-412D-9708-AC9AD0CE074A}"/>
-              </a:ext>
-            </a:extLst>
-          </p:cNvPr>
-          <p:cNvSpPr/>
-          <p:nvPr/>
-        </p:nvSpPr>
-        <p:spPr>
-          <a:xfrm>
-            <a:off x="5203031" y="4005263"/>
-            <a:ext cx="428625" cy="261937"/>
-          </a:xfrm>
-          <a:prstGeom prst="rect">
-            <a:avLst/>
-          </a:prstGeom>
-          <a:noFill/>
-          <a:ln>
-            <a:solidFill>
-              <a:schemeClr val="tx1"/>
-            </a:solidFill>
-          </a:ln>
-        </p:spPr>
-        <p:style>
-          <a:lnRef idx="2">
-            <a:schemeClr val="accent1">
-              <a:shade val="50000"/>
-            </a:schemeClr>
-          </a:lnRef>
-          <a:fillRef idx="1">
-            <a:schemeClr val="accent1"/>
-          </a:fillRef>
-          <a:effectRef idx="0">
-            <a:schemeClr val="accent1"/>
-          </a:effectRef>
-          <a:fontRef idx="minor">
-            <a:schemeClr val="lt1"/>
-          </a:fontRef>
-        </p:style>
-        <p:txBody>
-          <a:bodyPr rtlCol="0" anchor="ctr"/>
-          <a:lstStyle/>
-          <a:p>
-            <a:pPr algn="ctr"/>
-            <a:endParaRPr lang="fr-FR"/>
-          </a:p>
-        </p:txBody>
-      </p:sp>
-      <p:sp>
-        <p:nvSpPr>
-          <p:cNvPr id="38" name="Rectangle 37">
-            <a:extLst>
-              <a:ext uri="{FF2B5EF4-FFF2-40B4-BE49-F238E27FC236}">
-                <a16:creationId xmlns:a16="http://schemas.microsoft.com/office/drawing/2014/main" id="{6344E4E7-7B37-4FF8-9DDB-4A315C76C229}"/>
-              </a:ext>
-            </a:extLst>
-          </p:cNvPr>
-          <p:cNvSpPr/>
-          <p:nvPr/>
-        </p:nvSpPr>
-        <p:spPr>
-          <a:xfrm>
-            <a:off x="5501029" y="3040495"/>
-            <a:ext cx="428625" cy="261937"/>
-          </a:xfrm>
-          <a:prstGeom prst="rect">
-            <a:avLst/>
-          </a:prstGeom>
-          <a:noFill/>
-          <a:ln>
-            <a:solidFill>
-              <a:schemeClr val="tx1"/>
-            </a:solidFill>
-          </a:ln>
-        </p:spPr>
-        <p:style>
-          <a:lnRef idx="2">
-            <a:schemeClr val="accent1">
-              <a:shade val="50000"/>
-            </a:schemeClr>
-          </a:lnRef>
-          <a:fillRef idx="1">
-            <a:schemeClr val="accent1"/>
-          </a:fillRef>
-          <a:effectRef idx="0">
-            <a:schemeClr val="accent1"/>
-          </a:effectRef>
-          <a:fontRef idx="minor">
-            <a:schemeClr val="lt1"/>
-          </a:fontRef>
-        </p:style>
-        <p:txBody>
-          <a:bodyPr rtlCol="0" anchor="ctr"/>
-          <a:lstStyle/>
-          <a:p>
-            <a:pPr algn="ctr"/>
-            <a:endParaRPr lang="fr-FR"/>
-          </a:p>
-        </p:txBody>
-      </p:sp>
-      <p:cxnSp>
-        <p:nvCxnSpPr>
-          <p:cNvPr id="24" name="Connecteur droit 23">
-            <a:extLst>
-              <a:ext uri="{FF2B5EF4-FFF2-40B4-BE49-F238E27FC236}">
-                <a16:creationId xmlns:a16="http://schemas.microsoft.com/office/drawing/2014/main" id="{166F9897-520E-43FA-8A7C-9B59D9502627}"/>
-              </a:ext>
-            </a:extLst>
-          </p:cNvPr>
-          <p:cNvCxnSpPr>
-            <a:stCxn id="21" idx="0"/>
-            <a:endCxn id="21" idx="2"/>
-          </p:cNvCxnSpPr>
-          <p:nvPr/>
-        </p:nvCxnSpPr>
-        <p:spPr>
-          <a:xfrm>
-            <a:off x="5417344" y="4005263"/>
-            <a:ext cx="0" cy="261937"/>
-          </a:xfrm>
-          <a:prstGeom prst="line">
-            <a:avLst/>
-          </a:prstGeom>
-          <a:ln w="12700">
-            <a:solidFill>
-              <a:schemeClr val="tx1"/>
-            </a:solidFill>
-          </a:ln>
-        </p:spPr>
-        <p:style>
-          <a:lnRef idx="1">
-            <a:schemeClr val="accent1"/>
-          </a:lnRef>
-          <a:fillRef idx="0">
-            <a:schemeClr val="accent1"/>
-          </a:fillRef>
-          <a:effectRef idx="0">
-            <a:schemeClr val="accent1"/>
-          </a:effectRef>
-          <a:fontRef idx="minor">
-            <a:schemeClr val="tx1"/>
-          </a:fontRef>
-        </p:style>
-      </p:cxnSp>
-      <p:cxnSp>
-        <p:nvCxnSpPr>
-          <p:cNvPr id="27" name="Connecteur droit 26">
-            <a:extLst>
-              <a:ext uri="{FF2B5EF4-FFF2-40B4-BE49-F238E27FC236}">
-                <a16:creationId xmlns:a16="http://schemas.microsoft.com/office/drawing/2014/main" id="{25B6264B-391D-4F96-9FBF-4C3884A14710}"/>
-              </a:ext>
-            </a:extLst>
-          </p:cNvPr>
-          <p:cNvCxnSpPr>
-            <a:stCxn id="38" idx="0"/>
-            <a:endCxn id="38" idx="2"/>
-          </p:cNvCxnSpPr>
-          <p:nvPr/>
-        </p:nvCxnSpPr>
-        <p:spPr>
-          <a:xfrm>
-            <a:off x="5715342" y="3040495"/>
-            <a:ext cx="0" cy="261937"/>
-          </a:xfrm>
-          <a:prstGeom prst="line">
-            <a:avLst/>
-          </a:prstGeom>
-          <a:ln w="12700">
-            <a:solidFill>
-              <a:schemeClr val="tx1"/>
-            </a:solidFill>
-          </a:ln>
-        </p:spPr>
-        <p:style>
-          <a:lnRef idx="1">
-            <a:schemeClr val="accent1"/>
-          </a:lnRef>
-          <a:fillRef idx="0">
-            <a:schemeClr val="accent1"/>
-          </a:fillRef>
-          <a:effectRef idx="0">
-            <a:schemeClr val="accent1"/>
-          </a:effectRef>
-          <a:fontRef idx="minor">
-            <a:schemeClr val="tx1"/>
-          </a:fontRef>
-        </p:style>
-      </p:cxnSp>
-      <p:cxnSp>
-        <p:nvCxnSpPr>
-          <p:cNvPr id="33" name="Connecteur droit 32">
-            <a:extLst>
-              <a:ext uri="{FF2B5EF4-FFF2-40B4-BE49-F238E27FC236}">
-                <a16:creationId xmlns:a16="http://schemas.microsoft.com/office/drawing/2014/main" id="{C7899647-1A4C-4CC9-904C-8D5B739A0CD6}"/>
-              </a:ext>
-            </a:extLst>
-          </p:cNvPr>
-          <p:cNvCxnSpPr>
-            <a:cxnSpLocks/>
-          </p:cNvCxnSpPr>
-          <p:nvPr/>
-        </p:nvCxnSpPr>
-        <p:spPr>
-          <a:xfrm flipV="1">
-            <a:off x="5824538" y="2728913"/>
-            <a:ext cx="0" cy="437788"/>
-          </a:xfrm>
-          <a:prstGeom prst="line">
-            <a:avLst/>
-          </a:prstGeom>
-          <a:ln w="12700">
-            <a:solidFill>
-              <a:srgbClr val="FF0000"/>
-            </a:solidFill>
-          </a:ln>
-        </p:spPr>
-        <p:style>
-          <a:lnRef idx="1">
-            <a:schemeClr val="accent1"/>
-          </a:lnRef>
-          <a:fillRef idx="0">
-            <a:schemeClr val="accent1"/>
-          </a:fillRef>
-          <a:effectRef idx="0">
-            <a:schemeClr val="accent1"/>
-          </a:effectRef>
-          <a:fontRef idx="minor">
-            <a:schemeClr val="tx1"/>
-          </a:fontRef>
-        </p:style>
-      </p:cxnSp>
-      <p:cxnSp>
-        <p:nvCxnSpPr>
-          <p:cNvPr id="39" name="Connecteur droit 38">
-            <a:extLst>
-              <a:ext uri="{FF2B5EF4-FFF2-40B4-BE49-F238E27FC236}">
-                <a16:creationId xmlns:a16="http://schemas.microsoft.com/office/drawing/2014/main" id="{80A1CC7F-FD4A-42FE-B92C-8C903B3E8838}"/>
-              </a:ext>
-            </a:extLst>
-          </p:cNvPr>
-          <p:cNvCxnSpPr/>
-          <p:nvPr/>
-        </p:nvCxnSpPr>
-        <p:spPr>
-          <a:xfrm>
-            <a:off x="5305424" y="4137422"/>
-            <a:ext cx="0" cy="425054"/>
-          </a:xfrm>
-          <a:prstGeom prst="line">
-            <a:avLst/>
-          </a:prstGeom>
-          <a:ln w="12700">
-            <a:solidFill>
-              <a:srgbClr val="00B050"/>
-            </a:solidFill>
-          </a:ln>
-        </p:spPr>
-        <p:style>
-          <a:lnRef idx="1">
-            <a:schemeClr val="accent1"/>
-          </a:lnRef>
-          <a:fillRef idx="0">
-            <a:schemeClr val="accent1"/>
-          </a:fillRef>
-          <a:effectRef idx="0">
-            <a:schemeClr val="accent1"/>
-          </a:effectRef>
-          <a:fontRef idx="minor">
-            <a:schemeClr val="tx1"/>
-          </a:fontRef>
-        </p:style>
-      </p:cxnSp>
-      <p:sp>
-        <p:nvSpPr>
-          <p:cNvPr id="40" name="ZoneTexte 39">
-            <a:extLst>
-              <a:ext uri="{FF2B5EF4-FFF2-40B4-BE49-F238E27FC236}">
-                <a16:creationId xmlns:a16="http://schemas.microsoft.com/office/drawing/2014/main" id="{E6DD5C83-F68B-4DBB-8FE5-9511E11F0FB9}"/>
-              </a:ext>
-            </a:extLst>
-          </p:cNvPr>
-          <p:cNvSpPr txBox="1"/>
-          <p:nvPr/>
-        </p:nvSpPr>
-        <p:spPr>
-          <a:xfrm>
-            <a:off x="2714186" y="3245297"/>
-            <a:ext cx="298479" cy="584775"/>
-          </a:xfrm>
-          <a:prstGeom prst="rect">
-            <a:avLst/>
-          </a:prstGeom>
-          <a:noFill/>
-        </p:spPr>
-        <p:txBody>
-          <a:bodyPr wrap="none" rtlCol="0">
-            <a:spAutoFit/>
-          </a:bodyPr>
-          <a:lstStyle/>
-          <a:p>
-            <a:pPr algn="ctr"/>
-            <a:r>
-              <a:rPr lang="fr-FR" sz="800" dirty="0"/>
-              <a:t>D2</a:t>
-            </a:r>
-          </a:p>
-          <a:p>
-            <a:pPr algn="ctr"/>
-            <a:r>
-              <a:rPr lang="fr-FR" sz="800" dirty="0"/>
-              <a:t>D3</a:t>
-            </a:r>
-          </a:p>
-          <a:p>
-            <a:pPr algn="ctr"/>
-            <a:r>
-              <a:rPr lang="fr-FR" sz="800" dirty="0"/>
-              <a:t>V</a:t>
-            </a:r>
-          </a:p>
-          <a:p>
-            <a:pPr algn="ctr"/>
-            <a:r>
-              <a:rPr lang="fr-FR" sz="800" dirty="0"/>
-              <a:t>G</a:t>
-            </a:r>
-          </a:p>
-        </p:txBody>
-      </p:sp>
-      <p:sp>
-        <p:nvSpPr>
-          <p:cNvPr id="43" name="Ellipse 42">
-            <a:extLst>
-              <a:ext uri="{FF2B5EF4-FFF2-40B4-BE49-F238E27FC236}">
-                <a16:creationId xmlns:a16="http://schemas.microsoft.com/office/drawing/2014/main" id="{E241C3E0-D8DF-4DC0-9C52-1C64D34E7D87}"/>
-              </a:ext>
-            </a:extLst>
-          </p:cNvPr>
-          <p:cNvSpPr/>
-          <p:nvPr/>
-        </p:nvSpPr>
-        <p:spPr>
-          <a:xfrm>
-            <a:off x="3087117" y="3462101"/>
-            <a:ext cx="45719" cy="45719"/>
-          </a:xfrm>
-          <a:prstGeom prst="ellipse">
-            <a:avLst/>
-          </a:prstGeom>
-          <a:solidFill>
-            <a:schemeClr val="tx1"/>
-          </a:solidFill>
-          <a:ln>
-            <a:solidFill>
-              <a:schemeClr val="tx1"/>
-            </a:solidFill>
-          </a:ln>
-        </p:spPr>
-        <p:style>
-          <a:lnRef idx="2">
-            <a:schemeClr val="accent1">
-              <a:shade val="50000"/>
-            </a:schemeClr>
-          </a:lnRef>
-          <a:fillRef idx="1">
-            <a:schemeClr val="accent1"/>
-          </a:fillRef>
-          <a:effectRef idx="0">
-            <a:schemeClr val="accent1"/>
-          </a:effectRef>
-          <a:fontRef idx="minor">
-            <a:schemeClr val="lt1"/>
-          </a:fontRef>
-        </p:style>
-        <p:txBody>
-          <a:bodyPr rtlCol="0" anchor="ctr"/>
-          <a:lstStyle/>
-          <a:p>
-            <a:pPr algn="ctr"/>
-            <a:endParaRPr lang="fr-FR"/>
-          </a:p>
-        </p:txBody>
-      </p:sp>
-      <p:sp>
-        <p:nvSpPr>
-          <p:cNvPr id="66" name="Ellipse 65">
-            <a:extLst>
-              <a:ext uri="{FF2B5EF4-FFF2-40B4-BE49-F238E27FC236}">
-                <a16:creationId xmlns:a16="http://schemas.microsoft.com/office/drawing/2014/main" id="{EA46CE69-F415-4D2B-9BDC-1AD59E86F895}"/>
-              </a:ext>
-            </a:extLst>
-          </p:cNvPr>
-          <p:cNvSpPr/>
-          <p:nvPr/>
-        </p:nvSpPr>
-        <p:spPr>
-          <a:xfrm>
-            <a:off x="3087118" y="3348243"/>
-            <a:ext cx="45719" cy="45719"/>
-          </a:xfrm>
-          <a:prstGeom prst="ellipse">
-            <a:avLst/>
-          </a:prstGeom>
-          <a:solidFill>
-            <a:schemeClr val="tx1"/>
-          </a:solidFill>
-          <a:ln>
-            <a:solidFill>
-              <a:schemeClr val="tx1"/>
-            </a:solidFill>
-          </a:ln>
-        </p:spPr>
-        <p:style>
-          <a:lnRef idx="2">
-            <a:schemeClr val="accent1">
-              <a:shade val="50000"/>
-            </a:schemeClr>
-          </a:lnRef>
-          <a:fillRef idx="1">
-            <a:schemeClr val="accent1"/>
-          </a:fillRef>
-          <a:effectRef idx="0">
-            <a:schemeClr val="accent1"/>
-          </a:effectRef>
-          <a:fontRef idx="minor">
-            <a:schemeClr val="lt1"/>
-          </a:fontRef>
-        </p:style>
-        <p:txBody>
-          <a:bodyPr rtlCol="0" anchor="ctr"/>
-          <a:lstStyle/>
-          <a:p>
-            <a:pPr algn="ctr"/>
-            <a:endParaRPr lang="fr-FR"/>
-          </a:p>
-        </p:txBody>
-      </p:sp>
-      <p:sp>
-        <p:nvSpPr>
-          <p:cNvPr id="67" name="Ellipse 66">
-            <a:extLst>
-              <a:ext uri="{FF2B5EF4-FFF2-40B4-BE49-F238E27FC236}">
-                <a16:creationId xmlns:a16="http://schemas.microsoft.com/office/drawing/2014/main" id="{5A5B6CEC-6E5C-4F89-81EE-4DD1FA59E200}"/>
-              </a:ext>
-            </a:extLst>
-          </p:cNvPr>
-          <p:cNvSpPr/>
-          <p:nvPr/>
-        </p:nvSpPr>
-        <p:spPr>
-          <a:xfrm>
-            <a:off x="3083346" y="3566880"/>
-            <a:ext cx="45719" cy="45719"/>
-          </a:xfrm>
-          <a:prstGeom prst="ellipse">
-            <a:avLst/>
-          </a:prstGeom>
-          <a:solidFill>
-            <a:schemeClr val="tx1"/>
-          </a:solidFill>
-          <a:ln>
-            <a:solidFill>
-              <a:schemeClr val="tx1"/>
-            </a:solidFill>
-          </a:ln>
-        </p:spPr>
-        <p:style>
-          <a:lnRef idx="2">
-            <a:schemeClr val="accent1">
-              <a:shade val="50000"/>
-            </a:schemeClr>
-          </a:lnRef>
-          <a:fillRef idx="1">
-            <a:schemeClr val="accent1"/>
-          </a:fillRef>
-          <a:effectRef idx="0">
-            <a:schemeClr val="accent1"/>
-          </a:effectRef>
-          <a:fontRef idx="minor">
-            <a:schemeClr val="lt1"/>
-          </a:fontRef>
-        </p:style>
-        <p:txBody>
-          <a:bodyPr rtlCol="0" anchor="ctr"/>
-          <a:lstStyle/>
-          <a:p>
-            <a:pPr algn="ctr"/>
-            <a:endParaRPr lang="fr-FR"/>
-          </a:p>
-        </p:txBody>
-      </p:sp>
-      <p:sp>
-        <p:nvSpPr>
-          <p:cNvPr id="68" name="Ellipse 67">
-            <a:extLst>
-              <a:ext uri="{FF2B5EF4-FFF2-40B4-BE49-F238E27FC236}">
-                <a16:creationId xmlns:a16="http://schemas.microsoft.com/office/drawing/2014/main" id="{EC2BB65E-E2B2-421A-9DD2-633FA4E8B488}"/>
-              </a:ext>
-            </a:extLst>
-          </p:cNvPr>
-          <p:cNvSpPr/>
-          <p:nvPr/>
-        </p:nvSpPr>
-        <p:spPr>
-          <a:xfrm>
-            <a:off x="3083346" y="3687875"/>
-            <a:ext cx="45719" cy="45719"/>
-          </a:xfrm>
-          <a:prstGeom prst="ellipse">
-            <a:avLst/>
-          </a:prstGeom>
-          <a:solidFill>
-            <a:schemeClr val="tx1"/>
-          </a:solidFill>
-          <a:ln>
-            <a:solidFill>
-              <a:schemeClr val="tx1"/>
-            </a:solidFill>
-          </a:ln>
-        </p:spPr>
-        <p:style>
-          <a:lnRef idx="2">
-            <a:schemeClr val="accent1">
-              <a:shade val="50000"/>
-            </a:schemeClr>
-          </a:lnRef>
-          <a:fillRef idx="1">
-            <a:schemeClr val="accent1"/>
-          </a:fillRef>
-          <a:effectRef idx="0">
-            <a:schemeClr val="accent1"/>
-          </a:effectRef>
-          <a:fontRef idx="minor">
-            <a:schemeClr val="lt1"/>
-          </a:fontRef>
-        </p:style>
-        <p:txBody>
-          <a:bodyPr rtlCol="0" anchor="ctr"/>
-          <a:lstStyle/>
-          <a:p>
-            <a:pPr algn="ctr"/>
-            <a:endParaRPr lang="fr-FR"/>
-          </a:p>
-        </p:txBody>
-      </p:sp>
-      <p:sp>
-        <p:nvSpPr>
-          <p:cNvPr id="69" name="Ellipse 68">
-            <a:extLst>
-              <a:ext uri="{FF2B5EF4-FFF2-40B4-BE49-F238E27FC236}">
-                <a16:creationId xmlns:a16="http://schemas.microsoft.com/office/drawing/2014/main" id="{A363D631-F2FA-4697-B919-72F0337D116A}"/>
-              </a:ext>
-            </a:extLst>
-          </p:cNvPr>
-          <p:cNvSpPr/>
-          <p:nvPr/>
-        </p:nvSpPr>
-        <p:spPr>
-          <a:xfrm>
-            <a:off x="5801678" y="3142057"/>
-            <a:ext cx="45719" cy="45719"/>
-          </a:xfrm>
-          <a:prstGeom prst="ellipse">
-            <a:avLst/>
-          </a:prstGeom>
-          <a:solidFill>
-            <a:schemeClr val="tx1"/>
-          </a:solidFill>
-          <a:ln>
-            <a:solidFill>
-              <a:schemeClr val="tx1"/>
-            </a:solidFill>
-          </a:ln>
-        </p:spPr>
-        <p:style>
-          <a:lnRef idx="2">
-            <a:schemeClr val="accent1">
-              <a:shade val="50000"/>
-            </a:schemeClr>
-          </a:lnRef>
-          <a:fillRef idx="1">
-            <a:schemeClr val="accent1"/>
-          </a:fillRef>
-          <a:effectRef idx="0">
-            <a:schemeClr val="accent1"/>
-          </a:effectRef>
-          <a:fontRef idx="minor">
-            <a:schemeClr val="lt1"/>
-          </a:fontRef>
-        </p:style>
-        <p:txBody>
-          <a:bodyPr rtlCol="0" anchor="ctr"/>
-          <a:lstStyle/>
-          <a:p>
-            <a:pPr algn="ctr"/>
-            <a:endParaRPr lang="fr-FR"/>
-          </a:p>
-        </p:txBody>
-      </p:sp>
-      <p:sp>
-        <p:nvSpPr>
-          <p:cNvPr id="70" name="Ellipse 69">
-            <a:extLst>
-              <a:ext uri="{FF2B5EF4-FFF2-40B4-BE49-F238E27FC236}">
-                <a16:creationId xmlns:a16="http://schemas.microsoft.com/office/drawing/2014/main" id="{E960BF6C-662D-49E8-A052-C48C5E22BDD6}"/>
-              </a:ext>
-            </a:extLst>
-          </p:cNvPr>
-          <p:cNvSpPr/>
-          <p:nvPr/>
-        </p:nvSpPr>
-        <p:spPr>
-          <a:xfrm>
-            <a:off x="5580157" y="3140213"/>
-            <a:ext cx="45719" cy="45719"/>
-          </a:xfrm>
-          <a:prstGeom prst="ellipse">
-            <a:avLst/>
-          </a:prstGeom>
-          <a:solidFill>
-            <a:schemeClr val="tx1"/>
-          </a:solidFill>
-          <a:ln>
-            <a:solidFill>
-              <a:schemeClr val="tx1"/>
-            </a:solidFill>
-          </a:ln>
-        </p:spPr>
-        <p:style>
-          <a:lnRef idx="2">
-            <a:schemeClr val="accent1">
-              <a:shade val="50000"/>
-            </a:schemeClr>
-          </a:lnRef>
-          <a:fillRef idx="1">
-            <a:schemeClr val="accent1"/>
-          </a:fillRef>
-          <a:effectRef idx="0">
-            <a:schemeClr val="accent1"/>
-          </a:effectRef>
-          <a:fontRef idx="minor">
-            <a:schemeClr val="lt1"/>
-          </a:fontRef>
-        </p:style>
-        <p:txBody>
-          <a:bodyPr rtlCol="0" anchor="ctr"/>
-          <a:lstStyle/>
-          <a:p>
-            <a:pPr algn="ctr"/>
-            <a:endParaRPr lang="fr-FR"/>
-          </a:p>
-        </p:txBody>
-      </p:sp>
-      <p:sp>
-        <p:nvSpPr>
-          <p:cNvPr id="71" name="Ellipse 70">
-            <a:extLst>
-              <a:ext uri="{FF2B5EF4-FFF2-40B4-BE49-F238E27FC236}">
-                <a16:creationId xmlns:a16="http://schemas.microsoft.com/office/drawing/2014/main" id="{189CE01C-2E2E-4B58-9042-D386661D49EA}"/>
-              </a:ext>
-            </a:extLst>
-          </p:cNvPr>
-          <p:cNvSpPr/>
-          <p:nvPr/>
-        </p:nvSpPr>
-        <p:spPr>
-          <a:xfrm>
-            <a:off x="5284746" y="4109799"/>
-            <a:ext cx="45719" cy="45719"/>
-          </a:xfrm>
-          <a:prstGeom prst="ellipse">
-            <a:avLst/>
-          </a:prstGeom>
-          <a:solidFill>
-            <a:schemeClr val="tx1"/>
-          </a:solidFill>
-          <a:ln>
-            <a:solidFill>
-              <a:schemeClr val="tx1"/>
-            </a:solidFill>
-          </a:ln>
-        </p:spPr>
-        <p:style>
-          <a:lnRef idx="2">
-            <a:schemeClr val="accent1">
-              <a:shade val="50000"/>
-            </a:schemeClr>
-          </a:lnRef>
-          <a:fillRef idx="1">
-            <a:schemeClr val="accent1"/>
-          </a:fillRef>
-          <a:effectRef idx="0">
-            <a:schemeClr val="accent1"/>
-          </a:effectRef>
-          <a:fontRef idx="minor">
-            <a:schemeClr val="lt1"/>
-          </a:fontRef>
-        </p:style>
-        <p:txBody>
-          <a:bodyPr rtlCol="0" anchor="ctr"/>
-          <a:lstStyle/>
-          <a:p>
-            <a:pPr algn="ctr"/>
-            <a:endParaRPr lang="fr-FR"/>
-          </a:p>
-        </p:txBody>
-      </p:sp>
-      <p:sp>
-        <p:nvSpPr>
-          <p:cNvPr id="72" name="Ellipse 71">
-            <a:extLst>
-              <a:ext uri="{FF2B5EF4-FFF2-40B4-BE49-F238E27FC236}">
-                <a16:creationId xmlns:a16="http://schemas.microsoft.com/office/drawing/2014/main" id="{B09780F3-929E-43E0-AF9B-1C89B6349600}"/>
-              </a:ext>
-            </a:extLst>
-          </p:cNvPr>
-          <p:cNvSpPr/>
-          <p:nvPr/>
-        </p:nvSpPr>
-        <p:spPr>
-          <a:xfrm>
-            <a:off x="5497732" y="4109798"/>
-            <a:ext cx="45719" cy="45719"/>
-          </a:xfrm>
-          <a:prstGeom prst="ellipse">
-            <a:avLst/>
-          </a:prstGeom>
-          <a:solidFill>
-            <a:schemeClr val="tx1"/>
-          </a:solidFill>
-          <a:ln>
-            <a:solidFill>
-              <a:schemeClr val="tx1"/>
-            </a:solidFill>
-          </a:ln>
-        </p:spPr>
-        <p:style>
-          <a:lnRef idx="2">
-            <a:schemeClr val="accent1">
-              <a:shade val="50000"/>
-            </a:schemeClr>
-          </a:lnRef>
-          <a:fillRef idx="1">
-            <a:schemeClr val="accent1"/>
-          </a:fillRef>
-          <a:effectRef idx="0">
-            <a:schemeClr val="accent1"/>
-          </a:effectRef>
-          <a:fontRef idx="minor">
-            <a:schemeClr val="lt1"/>
-          </a:fontRef>
-        </p:style>
-        <p:txBody>
-          <a:bodyPr rtlCol="0" anchor="ctr"/>
-          <a:lstStyle/>
-          <a:p>
-            <a:pPr algn="ctr"/>
-            <a:endParaRPr lang="fr-FR"/>
-          </a:p>
-        </p:txBody>
-      </p:sp>
-      <p:sp>
-        <p:nvSpPr>
-          <p:cNvPr id="73" name="ZoneTexte 72">
-            <a:extLst>
-              <a:ext uri="{FF2B5EF4-FFF2-40B4-BE49-F238E27FC236}">
-                <a16:creationId xmlns:a16="http://schemas.microsoft.com/office/drawing/2014/main" id="{48CC1D2D-594B-498F-B199-0BC65F31C40F}"/>
-              </a:ext>
-            </a:extLst>
-          </p:cNvPr>
-          <p:cNvSpPr txBox="1"/>
-          <p:nvPr/>
-        </p:nvSpPr>
-        <p:spPr>
-          <a:xfrm>
-            <a:off x="5968681" y="2678703"/>
-            <a:ext cx="1011239" cy="307777"/>
-          </a:xfrm>
-          <a:prstGeom prst="rect">
-            <a:avLst/>
-          </a:prstGeom>
-          <a:noFill/>
-        </p:spPr>
-        <p:txBody>
-          <a:bodyPr wrap="none" rtlCol="0">
-            <a:spAutoFit/>
-          </a:bodyPr>
-          <a:lstStyle/>
-          <a:p>
-            <a:r>
-              <a:rPr lang="fr-FR" sz="1400" i="1" dirty="0"/>
-              <a:t>Protoboard</a:t>
-            </a:r>
-          </a:p>
-        </p:txBody>
-      </p:sp>
-      <p:sp>
-        <p:nvSpPr>
-          <p:cNvPr id="74" name="Rectangle 73">
-            <a:extLst>
-              <a:ext uri="{FF2B5EF4-FFF2-40B4-BE49-F238E27FC236}">
-                <a16:creationId xmlns:a16="http://schemas.microsoft.com/office/drawing/2014/main" id="{B86BF41A-3851-48F4-A786-833B83CEC6CD}"/>
-              </a:ext>
-            </a:extLst>
-          </p:cNvPr>
-          <p:cNvSpPr/>
-          <p:nvPr/>
-        </p:nvSpPr>
-        <p:spPr>
-          <a:xfrm>
-            <a:off x="8383158" y="2986480"/>
-            <a:ext cx="2273416" cy="2298584"/>
-          </a:xfrm>
-          <a:prstGeom prst="rect">
-            <a:avLst/>
-          </a:prstGeom>
-          <a:noFill/>
-          <a:ln>
-            <a:solidFill>
-              <a:schemeClr val="tx1"/>
-            </a:solidFill>
-            <a:prstDash val="dash"/>
-          </a:ln>
-        </p:spPr>
-        <p:style>
-          <a:lnRef idx="2">
-            <a:schemeClr val="accent1">
-              <a:shade val="50000"/>
-            </a:schemeClr>
-          </a:lnRef>
-          <a:fillRef idx="1">
-            <a:schemeClr val="accent1"/>
-          </a:fillRef>
-          <a:effectRef idx="0">
-            <a:schemeClr val="accent1"/>
-          </a:effectRef>
-          <a:fontRef idx="minor">
-            <a:schemeClr val="lt1"/>
-          </a:fontRef>
-        </p:style>
-        <p:txBody>
-          <a:bodyPr rtlCol="0" anchor="ctr"/>
-          <a:lstStyle/>
-          <a:p>
-            <a:pPr algn="ctr"/>
-            <a:endParaRPr lang="fr-FR"/>
-          </a:p>
-        </p:txBody>
-      </p:sp>
-      <p:sp>
-        <p:nvSpPr>
-          <p:cNvPr id="75" name="ZoneTexte 74">
-            <a:extLst>
-              <a:ext uri="{FF2B5EF4-FFF2-40B4-BE49-F238E27FC236}">
-                <a16:creationId xmlns:a16="http://schemas.microsoft.com/office/drawing/2014/main" id="{DA5FF1CA-222B-40D1-A039-AFC07CA78422}"/>
-              </a:ext>
-            </a:extLst>
-          </p:cNvPr>
-          <p:cNvSpPr txBox="1"/>
-          <p:nvPr/>
-        </p:nvSpPr>
-        <p:spPr>
-          <a:xfrm>
-            <a:off x="8382299" y="2678703"/>
-            <a:ext cx="1494961" cy="307777"/>
-          </a:xfrm>
-          <a:prstGeom prst="rect">
-            <a:avLst/>
-          </a:prstGeom>
-          <a:noFill/>
-        </p:spPr>
-        <p:txBody>
-          <a:bodyPr wrap="none" rtlCol="0">
-            <a:spAutoFit/>
-          </a:bodyPr>
-          <a:lstStyle/>
-          <a:p>
-            <a:r>
-              <a:rPr lang="fr-FR" sz="1400" i="1" dirty="0"/>
-              <a:t>Pluviomètre Davis</a:t>
-            </a:r>
-          </a:p>
-        </p:txBody>
-      </p:sp>
-      <p:cxnSp>
-        <p:nvCxnSpPr>
-          <p:cNvPr id="46" name="Connecteur droit 45">
-            <a:extLst>
-              <a:ext uri="{FF2B5EF4-FFF2-40B4-BE49-F238E27FC236}">
-                <a16:creationId xmlns:a16="http://schemas.microsoft.com/office/drawing/2014/main" id="{9951A7C7-120B-4791-B61F-25DD41F76482}"/>
-              </a:ext>
-            </a:extLst>
-          </p:cNvPr>
-          <p:cNvCxnSpPr>
-            <a:cxnSpLocks/>
-          </p:cNvCxnSpPr>
-          <p:nvPr/>
-        </p:nvCxnSpPr>
-        <p:spPr>
-          <a:xfrm>
-            <a:off x="9997638" y="3460082"/>
-            <a:ext cx="0" cy="496800"/>
-          </a:xfrm>
-          <a:prstGeom prst="line">
-            <a:avLst/>
-          </a:prstGeom>
-          <a:ln w="12700">
-            <a:solidFill>
-              <a:schemeClr val="tx1"/>
-            </a:solidFill>
-          </a:ln>
-        </p:spPr>
-        <p:style>
-          <a:lnRef idx="1">
-            <a:schemeClr val="accent1"/>
-          </a:lnRef>
-          <a:fillRef idx="0">
-            <a:schemeClr val="accent1"/>
-          </a:fillRef>
-          <a:effectRef idx="0">
-            <a:schemeClr val="accent1"/>
-          </a:effectRef>
-          <a:fontRef idx="minor">
-            <a:schemeClr val="tx1"/>
-          </a:fontRef>
-        </p:style>
-      </p:cxnSp>
-      <p:cxnSp>
-        <p:nvCxnSpPr>
-          <p:cNvPr id="78" name="Connecteur droit 77">
-            <a:extLst>
-              <a:ext uri="{FF2B5EF4-FFF2-40B4-BE49-F238E27FC236}">
-                <a16:creationId xmlns:a16="http://schemas.microsoft.com/office/drawing/2014/main" id="{92ECFF18-1C70-4DC7-9FC2-5E8B4D74A926}"/>
-              </a:ext>
-            </a:extLst>
-          </p:cNvPr>
-          <p:cNvCxnSpPr>
-            <a:cxnSpLocks/>
-          </p:cNvCxnSpPr>
-          <p:nvPr/>
-        </p:nvCxnSpPr>
-        <p:spPr>
-          <a:xfrm>
-            <a:off x="9997636" y="4132657"/>
-            <a:ext cx="0" cy="494906"/>
-          </a:xfrm>
-          <a:prstGeom prst="line">
-            <a:avLst/>
-          </a:prstGeom>
-          <a:ln w="12700">
-            <a:solidFill>
-              <a:schemeClr val="tx1"/>
-            </a:solidFill>
-          </a:ln>
-        </p:spPr>
-        <p:style>
-          <a:lnRef idx="1">
-            <a:schemeClr val="accent1"/>
-          </a:lnRef>
-          <a:fillRef idx="0">
-            <a:schemeClr val="accent1"/>
-          </a:fillRef>
-          <a:effectRef idx="0">
-            <a:schemeClr val="accent1"/>
-          </a:effectRef>
-          <a:fontRef idx="minor">
-            <a:schemeClr val="tx1"/>
-          </a:fontRef>
-        </p:style>
-      </p:cxnSp>
-      <p:cxnSp>
-        <p:nvCxnSpPr>
-          <p:cNvPr id="79" name="Connecteur droit 78">
-            <a:extLst>
-              <a:ext uri="{FF2B5EF4-FFF2-40B4-BE49-F238E27FC236}">
-                <a16:creationId xmlns:a16="http://schemas.microsoft.com/office/drawing/2014/main" id="{4248DEDE-9BD3-4C25-8E94-36EDD7AE8345}"/>
-              </a:ext>
-            </a:extLst>
-          </p:cNvPr>
-          <p:cNvCxnSpPr>
-            <a:cxnSpLocks/>
-          </p:cNvCxnSpPr>
-          <p:nvPr/>
-        </p:nvCxnSpPr>
-        <p:spPr>
-          <a:xfrm flipH="1">
-            <a:off x="9995742" y="3954500"/>
-            <a:ext cx="47843" cy="182922"/>
-          </a:xfrm>
-          <a:prstGeom prst="line">
-            <a:avLst/>
-          </a:prstGeom>
-          <a:ln w="12700">
-            <a:solidFill>
-              <a:schemeClr val="tx1"/>
-            </a:solidFill>
-          </a:ln>
-        </p:spPr>
-        <p:style>
-          <a:lnRef idx="1">
-            <a:schemeClr val="accent1"/>
-          </a:lnRef>
-          <a:fillRef idx="0">
-            <a:schemeClr val="accent1"/>
-          </a:fillRef>
-          <a:effectRef idx="0">
-            <a:schemeClr val="accent1"/>
-          </a:effectRef>
-          <a:fontRef idx="minor">
-            <a:schemeClr val="tx1"/>
-          </a:fontRef>
-        </p:style>
-      </p:cxnSp>
-      <p:cxnSp>
-        <p:nvCxnSpPr>
-          <p:cNvPr id="80" name="Connecteur droit 79">
-            <a:extLst>
-              <a:ext uri="{FF2B5EF4-FFF2-40B4-BE49-F238E27FC236}">
-                <a16:creationId xmlns:a16="http://schemas.microsoft.com/office/drawing/2014/main" id="{88B97F0E-8E10-44C0-B485-7DC530B3D8DF}"/>
-              </a:ext>
-            </a:extLst>
-          </p:cNvPr>
-          <p:cNvCxnSpPr>
-            <a:cxnSpLocks/>
-          </p:cNvCxnSpPr>
-          <p:nvPr/>
-        </p:nvCxnSpPr>
-        <p:spPr>
-          <a:xfrm>
-            <a:off x="9086850" y="3460082"/>
-            <a:ext cx="910786" cy="0"/>
-          </a:xfrm>
-          <a:prstGeom prst="line">
-            <a:avLst/>
-          </a:prstGeom>
-          <a:ln w="12700">
-            <a:solidFill>
-              <a:schemeClr val="tx1"/>
-            </a:solidFill>
-          </a:ln>
-        </p:spPr>
-        <p:style>
-          <a:lnRef idx="1">
-            <a:schemeClr val="accent1"/>
-          </a:lnRef>
-          <a:fillRef idx="0">
-            <a:schemeClr val="accent1"/>
-          </a:fillRef>
-          <a:effectRef idx="0">
-            <a:schemeClr val="accent1"/>
-          </a:effectRef>
-          <a:fontRef idx="minor">
-            <a:schemeClr val="tx1"/>
-          </a:fontRef>
-        </p:style>
-      </p:cxnSp>
-      <p:cxnSp>
-        <p:nvCxnSpPr>
-          <p:cNvPr id="81" name="Connecteur droit 80">
-            <a:extLst>
-              <a:ext uri="{FF2B5EF4-FFF2-40B4-BE49-F238E27FC236}">
-                <a16:creationId xmlns:a16="http://schemas.microsoft.com/office/drawing/2014/main" id="{E64A5C43-4F5C-480B-BE7B-AE3E8D53F0BE}"/>
-              </a:ext>
-            </a:extLst>
-          </p:cNvPr>
-          <p:cNvCxnSpPr>
-            <a:cxnSpLocks/>
-          </p:cNvCxnSpPr>
-          <p:nvPr/>
-        </p:nvCxnSpPr>
-        <p:spPr>
-          <a:xfrm>
-            <a:off x="9086850" y="4627563"/>
-            <a:ext cx="910786" cy="0"/>
-          </a:xfrm>
-          <a:prstGeom prst="line">
-            <a:avLst/>
-          </a:prstGeom>
-          <a:ln w="12700">
-            <a:solidFill>
-              <a:schemeClr val="tx1"/>
-            </a:solidFill>
-          </a:ln>
-        </p:spPr>
-        <p:style>
-          <a:lnRef idx="1">
-            <a:schemeClr val="accent1"/>
-          </a:lnRef>
-          <a:fillRef idx="0">
-            <a:schemeClr val="accent1"/>
-          </a:fillRef>
-          <a:effectRef idx="0">
-            <a:schemeClr val="accent1"/>
-          </a:effectRef>
-          <a:fontRef idx="minor">
-            <a:schemeClr val="tx1"/>
-          </a:fontRef>
-        </p:style>
-      </p:cxnSp>
-      <p:cxnSp>
-        <p:nvCxnSpPr>
-          <p:cNvPr id="82" name="Connecteur droit 81">
-            <a:extLst>
-              <a:ext uri="{FF2B5EF4-FFF2-40B4-BE49-F238E27FC236}">
-                <a16:creationId xmlns:a16="http://schemas.microsoft.com/office/drawing/2014/main" id="{7FB8756E-2047-42E5-8A6A-1765A27CB60D}"/>
-              </a:ext>
-            </a:extLst>
-          </p:cNvPr>
-          <p:cNvCxnSpPr>
-            <a:cxnSpLocks/>
-          </p:cNvCxnSpPr>
-          <p:nvPr/>
-        </p:nvCxnSpPr>
-        <p:spPr>
-          <a:xfrm flipH="1">
-            <a:off x="9086851" y="3449371"/>
-            <a:ext cx="1" cy="546354"/>
-          </a:xfrm>
-          <a:prstGeom prst="line">
-            <a:avLst/>
-          </a:prstGeom>
-          <a:ln w="12700">
-            <a:solidFill>
-              <a:schemeClr val="tx1"/>
-            </a:solidFill>
-          </a:ln>
-        </p:spPr>
-        <p:style>
-          <a:lnRef idx="1">
-            <a:schemeClr val="accent1"/>
-          </a:lnRef>
-          <a:fillRef idx="0">
-            <a:schemeClr val="accent1"/>
-          </a:fillRef>
-          <a:effectRef idx="0">
-            <a:schemeClr val="accent1"/>
-          </a:effectRef>
-          <a:fontRef idx="minor">
-            <a:schemeClr val="tx1"/>
-          </a:fontRef>
-        </p:style>
-      </p:cxnSp>
-      <p:cxnSp>
-        <p:nvCxnSpPr>
-          <p:cNvPr id="83" name="Connecteur droit 82">
-            <a:extLst>
-              <a:ext uri="{FF2B5EF4-FFF2-40B4-BE49-F238E27FC236}">
-                <a16:creationId xmlns:a16="http://schemas.microsoft.com/office/drawing/2014/main" id="{8ADDB239-C89D-4BA0-9BA5-49509AAE5D47}"/>
-              </a:ext>
-            </a:extLst>
-          </p:cNvPr>
-          <p:cNvCxnSpPr>
-            <a:cxnSpLocks/>
-          </p:cNvCxnSpPr>
-          <p:nvPr/>
-        </p:nvCxnSpPr>
-        <p:spPr>
-          <a:xfrm>
-            <a:off x="9086850" y="4109798"/>
-            <a:ext cx="0" cy="517765"/>
-          </a:xfrm>
-          <a:prstGeom prst="line">
-            <a:avLst/>
-          </a:prstGeom>
-          <a:ln w="12700">
-            <a:solidFill>
-              <a:schemeClr val="tx1"/>
-            </a:solidFill>
-          </a:ln>
-        </p:spPr>
-        <p:style>
-          <a:lnRef idx="1">
-            <a:schemeClr val="accent1"/>
-          </a:lnRef>
-          <a:fillRef idx="0">
-            <a:schemeClr val="accent1"/>
-          </a:fillRef>
-          <a:effectRef idx="0">
-            <a:schemeClr val="accent1"/>
-          </a:effectRef>
-          <a:fontRef idx="minor">
-            <a:schemeClr val="tx1"/>
-          </a:fontRef>
-        </p:style>
-      </p:cxnSp>
-      <p:cxnSp>
-        <p:nvCxnSpPr>
-          <p:cNvPr id="84" name="Connecteur droit 83">
-            <a:extLst>
-              <a:ext uri="{FF2B5EF4-FFF2-40B4-BE49-F238E27FC236}">
-                <a16:creationId xmlns:a16="http://schemas.microsoft.com/office/drawing/2014/main" id="{847C071F-D520-48B1-8607-91F4D7AA7582}"/>
-              </a:ext>
-            </a:extLst>
-          </p:cNvPr>
-          <p:cNvCxnSpPr>
-            <a:cxnSpLocks/>
-          </p:cNvCxnSpPr>
-          <p:nvPr/>
-        </p:nvCxnSpPr>
-        <p:spPr>
-          <a:xfrm>
-            <a:off x="8334373" y="3989376"/>
-            <a:ext cx="752475" cy="0"/>
-          </a:xfrm>
-          <a:prstGeom prst="line">
-            <a:avLst/>
-          </a:prstGeom>
-          <a:ln w="12700">
-            <a:solidFill>
-              <a:schemeClr val="tx1"/>
-            </a:solidFill>
-          </a:ln>
-        </p:spPr>
-        <p:style>
-          <a:lnRef idx="1">
-            <a:schemeClr val="accent1"/>
-          </a:lnRef>
-          <a:fillRef idx="0">
-            <a:schemeClr val="accent1"/>
-          </a:fillRef>
-          <a:effectRef idx="0">
-            <a:schemeClr val="accent1"/>
-          </a:effectRef>
-          <a:fontRef idx="minor">
-            <a:schemeClr val="tx1"/>
-          </a:fontRef>
-        </p:style>
-      </p:cxnSp>
-      <p:cxnSp>
-        <p:nvCxnSpPr>
-          <p:cNvPr id="85" name="Connecteur droit 84">
-            <a:extLst>
-              <a:ext uri="{FF2B5EF4-FFF2-40B4-BE49-F238E27FC236}">
-                <a16:creationId xmlns:a16="http://schemas.microsoft.com/office/drawing/2014/main" id="{E32038D1-7D41-47B8-818B-523FC695BD30}"/>
-              </a:ext>
-            </a:extLst>
-          </p:cNvPr>
-          <p:cNvCxnSpPr>
-            <a:cxnSpLocks/>
-          </p:cNvCxnSpPr>
-          <p:nvPr/>
-        </p:nvCxnSpPr>
-        <p:spPr>
-          <a:xfrm>
-            <a:off x="8334374" y="4109798"/>
-            <a:ext cx="752475" cy="0"/>
-          </a:xfrm>
-          <a:prstGeom prst="line">
-            <a:avLst/>
-          </a:prstGeom>
-          <a:ln w="12700">
-            <a:solidFill>
-              <a:schemeClr val="tx1"/>
-            </a:solidFill>
-          </a:ln>
-        </p:spPr>
-        <p:style>
-          <a:lnRef idx="1">
-            <a:schemeClr val="accent1"/>
-          </a:lnRef>
-          <a:fillRef idx="0">
-            <a:schemeClr val="accent1"/>
-          </a:fillRef>
-          <a:effectRef idx="0">
-            <a:schemeClr val="accent1"/>
-          </a:effectRef>
-          <a:fontRef idx="minor">
-            <a:schemeClr val="tx1"/>
-          </a:fontRef>
-        </p:style>
-      </p:cxnSp>
-      <p:cxnSp>
-        <p:nvCxnSpPr>
-          <p:cNvPr id="95" name="Connecteur : en angle 94">
-            <a:extLst>
-              <a:ext uri="{FF2B5EF4-FFF2-40B4-BE49-F238E27FC236}">
-                <a16:creationId xmlns:a16="http://schemas.microsoft.com/office/drawing/2014/main" id="{29461CE8-9E5F-4F8D-950C-30877A5EECA4}"/>
-              </a:ext>
-            </a:extLst>
-          </p:cNvPr>
-          <p:cNvCxnSpPr>
-            <a:cxnSpLocks/>
-          </p:cNvCxnSpPr>
-          <p:nvPr/>
-        </p:nvCxnSpPr>
-        <p:spPr>
-          <a:xfrm flipV="1">
-            <a:off x="6378575" y="4109800"/>
-            <a:ext cx="1955798" cy="649609"/>
-          </a:xfrm>
-          <a:prstGeom prst="bentConnector3">
-            <a:avLst/>
-          </a:prstGeom>
-          <a:ln w="12700">
-            <a:solidFill>
-              <a:srgbClr val="00B050"/>
-            </a:solidFill>
-          </a:ln>
-        </p:spPr>
-        <p:style>
-          <a:lnRef idx="1">
-            <a:schemeClr val="accent1"/>
-          </a:lnRef>
-          <a:fillRef idx="0">
-            <a:schemeClr val="accent1"/>
-          </a:fillRef>
-          <a:effectRef idx="0">
-            <a:schemeClr val="accent1"/>
-          </a:effectRef>
-          <a:fontRef idx="minor">
-            <a:schemeClr val="tx1"/>
-          </a:fontRef>
-        </p:style>
-      </p:cxnSp>
-      <p:cxnSp>
-        <p:nvCxnSpPr>
-          <p:cNvPr id="98" name="Connecteur : en angle 97">
-            <a:extLst>
-              <a:ext uri="{FF2B5EF4-FFF2-40B4-BE49-F238E27FC236}">
-                <a16:creationId xmlns:a16="http://schemas.microsoft.com/office/drawing/2014/main" id="{77740A99-B923-4577-9065-D4F8D4E8F719}"/>
-              </a:ext>
-            </a:extLst>
-          </p:cNvPr>
-          <p:cNvCxnSpPr>
-            <a:cxnSpLocks/>
-          </p:cNvCxnSpPr>
-          <p:nvPr/>
-        </p:nvCxnSpPr>
-        <p:spPr>
-          <a:xfrm flipV="1">
-            <a:off x="6121037" y="3989377"/>
-            <a:ext cx="2212907" cy="638186"/>
-          </a:xfrm>
-          <a:prstGeom prst="bentConnector3">
-            <a:avLst/>
-          </a:prstGeom>
-          <a:ln w="12700">
-            <a:solidFill>
-              <a:srgbClr val="FF0000"/>
-            </a:solidFill>
-          </a:ln>
-        </p:spPr>
-        <p:style>
-          <a:lnRef idx="1">
-            <a:schemeClr val="accent1"/>
-          </a:lnRef>
-          <a:fillRef idx="0">
-            <a:schemeClr val="accent1"/>
-          </a:fillRef>
-          <a:effectRef idx="0">
-            <a:schemeClr val="accent1"/>
-          </a:effectRef>
-          <a:fontRef idx="minor">
-            <a:schemeClr val="tx1"/>
-          </a:fontRef>
-        </p:style>
-      </p:cxnSp>
-      <p:cxnSp>
-        <p:nvCxnSpPr>
-          <p:cNvPr id="101" name="Connecteur droit 100">
-            <a:extLst>
-              <a:ext uri="{FF2B5EF4-FFF2-40B4-BE49-F238E27FC236}">
-                <a16:creationId xmlns:a16="http://schemas.microsoft.com/office/drawing/2014/main" id="{54ABCA77-F93B-47C9-9E62-DEFF728EB8FF}"/>
-              </a:ext>
-            </a:extLst>
-          </p:cNvPr>
-          <p:cNvCxnSpPr>
-            <a:cxnSpLocks/>
-          </p:cNvCxnSpPr>
-          <p:nvPr/>
-        </p:nvCxnSpPr>
-        <p:spPr>
-          <a:xfrm flipH="1">
-            <a:off x="6064671" y="4624388"/>
-            <a:ext cx="56367" cy="0"/>
-          </a:xfrm>
-          <a:prstGeom prst="line">
-            <a:avLst/>
-          </a:prstGeom>
-          <a:ln w="12700">
-            <a:solidFill>
-              <a:srgbClr val="FF0000"/>
-            </a:solidFill>
-          </a:ln>
-        </p:spPr>
-        <p:style>
-          <a:lnRef idx="1">
-            <a:schemeClr val="accent1"/>
-          </a:lnRef>
-          <a:fillRef idx="0">
-            <a:schemeClr val="accent1"/>
-          </a:fillRef>
-          <a:effectRef idx="0">
-            <a:schemeClr val="accent1"/>
-          </a:effectRef>
-          <a:fontRef idx="minor">
-            <a:schemeClr val="tx1"/>
-          </a:fontRef>
-        </p:style>
-      </p:cxnSp>
-      <p:cxnSp>
-        <p:nvCxnSpPr>
-          <p:cNvPr id="102" name="Connecteur droit 101">
-            <a:extLst>
-              <a:ext uri="{FF2B5EF4-FFF2-40B4-BE49-F238E27FC236}">
-                <a16:creationId xmlns:a16="http://schemas.microsoft.com/office/drawing/2014/main" id="{DE65E803-7385-4BFB-B528-41A6E2257F97}"/>
-              </a:ext>
-            </a:extLst>
-          </p:cNvPr>
-          <p:cNvCxnSpPr>
-            <a:cxnSpLocks/>
-          </p:cNvCxnSpPr>
-          <p:nvPr/>
-        </p:nvCxnSpPr>
-        <p:spPr>
-          <a:xfrm flipH="1">
-            <a:off x="6020764" y="4757738"/>
-            <a:ext cx="366974" cy="1671"/>
-          </a:xfrm>
-          <a:prstGeom prst="line">
-            <a:avLst/>
-          </a:prstGeom>
-          <a:ln w="12700">
-            <a:solidFill>
-              <a:srgbClr val="00B050"/>
-            </a:solidFill>
-          </a:ln>
-        </p:spPr>
-        <p:style>
-          <a:lnRef idx="1">
-            <a:schemeClr val="accent1"/>
-          </a:lnRef>
-          <a:fillRef idx="0">
-            <a:schemeClr val="accent1"/>
-          </a:fillRef>
-          <a:effectRef idx="0">
-            <a:schemeClr val="accent1"/>
-          </a:effectRef>
-          <a:fontRef idx="minor">
-            <a:schemeClr val="tx1"/>
-          </a:fontRef>
-        </p:style>
-      </p:cxnSp>
-      <p:cxnSp>
-        <p:nvCxnSpPr>
-          <p:cNvPr id="106" name="Connecteur droit 105">
-            <a:extLst>
-              <a:ext uri="{FF2B5EF4-FFF2-40B4-BE49-F238E27FC236}">
-                <a16:creationId xmlns:a16="http://schemas.microsoft.com/office/drawing/2014/main" id="{AF851876-73A7-4D0D-996A-14188869C718}"/>
-              </a:ext>
-            </a:extLst>
-          </p:cNvPr>
-          <p:cNvCxnSpPr>
-            <a:cxnSpLocks/>
-          </p:cNvCxnSpPr>
-          <p:nvPr/>
-        </p:nvCxnSpPr>
-        <p:spPr>
-          <a:xfrm flipH="1" flipV="1">
-            <a:off x="6070782" y="3878504"/>
-            <a:ext cx="1" cy="745884"/>
-          </a:xfrm>
-          <a:prstGeom prst="line">
-            <a:avLst/>
-          </a:prstGeom>
-          <a:ln w="12700">
-            <a:solidFill>
-              <a:srgbClr val="FF0000"/>
-            </a:solidFill>
-          </a:ln>
-        </p:spPr>
-        <p:style>
-          <a:lnRef idx="1">
-            <a:schemeClr val="accent1"/>
-          </a:lnRef>
-          <a:fillRef idx="0">
-            <a:schemeClr val="accent1"/>
-          </a:fillRef>
-          <a:effectRef idx="0">
-            <a:schemeClr val="accent1"/>
-          </a:effectRef>
-          <a:fontRef idx="minor">
-            <a:schemeClr val="tx1"/>
-          </a:fontRef>
-        </p:style>
-      </p:cxnSp>
-      <p:cxnSp>
-        <p:nvCxnSpPr>
-          <p:cNvPr id="108" name="Connecteur droit 107">
-            <a:extLst>
-              <a:ext uri="{FF2B5EF4-FFF2-40B4-BE49-F238E27FC236}">
-                <a16:creationId xmlns:a16="http://schemas.microsoft.com/office/drawing/2014/main" id="{5676055E-DEE5-4979-ADBE-9C658648100C}"/>
-              </a:ext>
-            </a:extLst>
-          </p:cNvPr>
-          <p:cNvCxnSpPr>
-            <a:cxnSpLocks/>
-          </p:cNvCxnSpPr>
-          <p:nvPr/>
-        </p:nvCxnSpPr>
-        <p:spPr>
-          <a:xfrm flipH="1" flipV="1">
-            <a:off x="6015886" y="3878504"/>
-            <a:ext cx="7251" cy="890546"/>
-          </a:xfrm>
-          <a:prstGeom prst="line">
-            <a:avLst/>
-          </a:prstGeom>
-          <a:ln w="12700">
-            <a:solidFill>
-              <a:srgbClr val="00B050"/>
-            </a:solidFill>
-          </a:ln>
-        </p:spPr>
-        <p:style>
-          <a:lnRef idx="1">
-            <a:schemeClr val="accent1"/>
-          </a:lnRef>
-          <a:fillRef idx="0">
-            <a:schemeClr val="accent1"/>
-          </a:fillRef>
-          <a:effectRef idx="0">
-            <a:schemeClr val="accent1"/>
-          </a:effectRef>
-          <a:fontRef idx="minor">
-            <a:schemeClr val="tx1"/>
-          </a:fontRef>
-        </p:style>
-      </p:cxnSp>
-      <p:cxnSp>
-        <p:nvCxnSpPr>
-          <p:cNvPr id="112" name="Connecteur : en angle 111">
-            <a:extLst>
-              <a:ext uri="{FF2B5EF4-FFF2-40B4-BE49-F238E27FC236}">
-                <a16:creationId xmlns:a16="http://schemas.microsoft.com/office/drawing/2014/main" id="{BB5798EC-0A79-45FD-80A1-786BCDB03DAE}"/>
-              </a:ext>
-            </a:extLst>
-          </p:cNvPr>
-          <p:cNvCxnSpPr>
-            <a:cxnSpLocks/>
-          </p:cNvCxnSpPr>
-          <p:nvPr/>
-        </p:nvCxnSpPr>
-        <p:spPr>
-          <a:xfrm flipV="1">
-            <a:off x="6191743" y="3933825"/>
-            <a:ext cx="1977744" cy="634641"/>
-          </a:xfrm>
-          <a:prstGeom prst="bentConnector3">
-            <a:avLst/>
-          </a:prstGeom>
-          <a:ln w="12700">
-            <a:solidFill>
-              <a:schemeClr val="tx1"/>
-            </a:solidFill>
-            <a:prstDash val="sysDot"/>
-          </a:ln>
-        </p:spPr>
-        <p:style>
-          <a:lnRef idx="1">
-            <a:schemeClr val="accent1"/>
-          </a:lnRef>
-          <a:fillRef idx="0">
-            <a:schemeClr val="accent1"/>
-          </a:fillRef>
-          <a:effectRef idx="0">
-            <a:schemeClr val="accent1"/>
-          </a:effectRef>
-          <a:fontRef idx="minor">
-            <a:schemeClr val="tx1"/>
-          </a:fontRef>
-        </p:style>
-      </p:cxnSp>
-      <p:cxnSp>
-        <p:nvCxnSpPr>
-          <p:cNvPr id="114" name="Connecteur : en angle 113">
-            <a:extLst>
-              <a:ext uri="{FF2B5EF4-FFF2-40B4-BE49-F238E27FC236}">
-                <a16:creationId xmlns:a16="http://schemas.microsoft.com/office/drawing/2014/main" id="{68062DC9-6697-4CA0-95B7-440242A27C93}"/>
-              </a:ext>
-            </a:extLst>
-          </p:cNvPr>
-          <p:cNvCxnSpPr>
-            <a:cxnSpLocks/>
-          </p:cNvCxnSpPr>
-          <p:nvPr/>
-        </p:nvCxnSpPr>
-        <p:spPr>
-          <a:xfrm flipV="1">
-            <a:off x="6627470" y="4155517"/>
-            <a:ext cx="1555116" cy="653729"/>
-          </a:xfrm>
-          <a:prstGeom prst="bentConnector3">
-            <a:avLst/>
-          </a:prstGeom>
-          <a:ln w="12700">
-            <a:solidFill>
-              <a:schemeClr val="tx1"/>
-            </a:solidFill>
-            <a:prstDash val="sysDot"/>
-          </a:ln>
-        </p:spPr>
-        <p:style>
-          <a:lnRef idx="1">
-            <a:schemeClr val="accent1"/>
-          </a:lnRef>
-          <a:fillRef idx="0">
-            <a:schemeClr val="accent1"/>
-          </a:fillRef>
-          <a:effectRef idx="0">
-            <a:schemeClr val="accent1"/>
-          </a:effectRef>
-          <a:fontRef idx="minor">
-            <a:schemeClr val="tx1"/>
-          </a:fontRef>
-        </p:style>
-      </p:cxnSp>
-      <p:cxnSp>
-        <p:nvCxnSpPr>
-          <p:cNvPr id="117" name="Connecteur droit 116">
-            <a:extLst>
-              <a:ext uri="{FF2B5EF4-FFF2-40B4-BE49-F238E27FC236}">
-                <a16:creationId xmlns:a16="http://schemas.microsoft.com/office/drawing/2014/main" id="{478FFDAF-FB1E-44B4-8867-6250C883245A}"/>
-              </a:ext>
-            </a:extLst>
-          </p:cNvPr>
-          <p:cNvCxnSpPr/>
-          <p:nvPr/>
-        </p:nvCxnSpPr>
-        <p:spPr>
-          <a:xfrm>
-            <a:off x="8340937" y="3933825"/>
-            <a:ext cx="0" cy="221692"/>
-          </a:xfrm>
-          <a:prstGeom prst="line">
-            <a:avLst/>
-          </a:prstGeom>
-          <a:ln w="12700">
-            <a:solidFill>
-              <a:schemeClr val="tx1"/>
-            </a:solidFill>
-            <a:prstDash val="sysDot"/>
-          </a:ln>
-        </p:spPr>
-        <p:style>
-          <a:lnRef idx="1">
-            <a:schemeClr val="accent1"/>
-          </a:lnRef>
-          <a:fillRef idx="0">
-            <a:schemeClr val="accent1"/>
-          </a:fillRef>
-          <a:effectRef idx="0">
-            <a:schemeClr val="accent1"/>
-          </a:effectRef>
-          <a:fontRef idx="minor">
-            <a:schemeClr val="tx1"/>
-          </a:fontRef>
-        </p:style>
-      </p:cxnSp>
-      <p:cxnSp>
-        <p:nvCxnSpPr>
-          <p:cNvPr id="118" name="Connecteur droit 117">
-            <a:extLst>
-              <a:ext uri="{FF2B5EF4-FFF2-40B4-BE49-F238E27FC236}">
-                <a16:creationId xmlns:a16="http://schemas.microsoft.com/office/drawing/2014/main" id="{49469F71-B026-46B6-9904-C061AAC364CA}"/>
-              </a:ext>
-            </a:extLst>
-          </p:cNvPr>
-          <p:cNvCxnSpPr>
-            <a:cxnSpLocks/>
-          </p:cNvCxnSpPr>
-          <p:nvPr/>
-        </p:nvCxnSpPr>
-        <p:spPr>
-          <a:xfrm>
-            <a:off x="8169487" y="3933825"/>
-            <a:ext cx="171450" cy="0"/>
-          </a:xfrm>
-          <a:prstGeom prst="line">
-            <a:avLst/>
-          </a:prstGeom>
-          <a:ln w="12700">
-            <a:solidFill>
-              <a:schemeClr val="tx1"/>
-            </a:solidFill>
-            <a:prstDash val="sysDot"/>
-          </a:ln>
-        </p:spPr>
-        <p:style>
-          <a:lnRef idx="1">
-            <a:schemeClr val="accent1"/>
-          </a:lnRef>
-          <a:fillRef idx="0">
-            <a:schemeClr val="accent1"/>
-          </a:fillRef>
-          <a:effectRef idx="0">
-            <a:schemeClr val="accent1"/>
-          </a:effectRef>
-          <a:fontRef idx="minor">
-            <a:schemeClr val="tx1"/>
-          </a:fontRef>
-        </p:style>
-      </p:cxnSp>
-      <p:cxnSp>
-        <p:nvCxnSpPr>
-          <p:cNvPr id="120" name="Connecteur droit 119">
-            <a:extLst>
-              <a:ext uri="{FF2B5EF4-FFF2-40B4-BE49-F238E27FC236}">
-                <a16:creationId xmlns:a16="http://schemas.microsoft.com/office/drawing/2014/main" id="{DD6A2319-4D11-42CF-956A-65C6FDC48192}"/>
-              </a:ext>
-            </a:extLst>
-          </p:cNvPr>
-          <p:cNvCxnSpPr>
-            <a:cxnSpLocks/>
-          </p:cNvCxnSpPr>
-          <p:nvPr/>
-        </p:nvCxnSpPr>
-        <p:spPr>
-          <a:xfrm>
-            <a:off x="8182586" y="4155517"/>
-            <a:ext cx="171450" cy="0"/>
-          </a:xfrm>
-          <a:prstGeom prst="line">
-            <a:avLst/>
-          </a:prstGeom>
-          <a:ln w="12700">
-            <a:solidFill>
-              <a:schemeClr val="tx1"/>
-            </a:solidFill>
-            <a:prstDash val="sysDot"/>
-          </a:ln>
-        </p:spPr>
-        <p:style>
-          <a:lnRef idx="1">
-            <a:schemeClr val="accent1"/>
-          </a:lnRef>
-          <a:fillRef idx="0">
-            <a:schemeClr val="accent1"/>
-          </a:fillRef>
-          <a:effectRef idx="0">
-            <a:schemeClr val="accent1"/>
-          </a:effectRef>
-          <a:fontRef idx="minor">
-            <a:schemeClr val="tx1"/>
-          </a:fontRef>
-        </p:style>
-      </p:cxnSp>
-      <p:cxnSp>
-        <p:nvCxnSpPr>
-          <p:cNvPr id="121" name="Connecteur droit 120">
-            <a:extLst>
-              <a:ext uri="{FF2B5EF4-FFF2-40B4-BE49-F238E27FC236}">
-                <a16:creationId xmlns:a16="http://schemas.microsoft.com/office/drawing/2014/main" id="{9CDEC423-56E6-4ECC-8151-CDDE6285A4DC}"/>
-              </a:ext>
-            </a:extLst>
-          </p:cNvPr>
-          <p:cNvCxnSpPr>
-            <a:cxnSpLocks/>
-          </p:cNvCxnSpPr>
-          <p:nvPr/>
-        </p:nvCxnSpPr>
-        <p:spPr>
-          <a:xfrm>
-            <a:off x="5968681" y="4805513"/>
-            <a:ext cx="650107" cy="0"/>
-          </a:xfrm>
-          <a:prstGeom prst="line">
-            <a:avLst/>
-          </a:prstGeom>
-          <a:ln w="12700">
-            <a:solidFill>
-              <a:schemeClr val="tx1"/>
-            </a:solidFill>
-            <a:prstDash val="sysDot"/>
-          </a:ln>
-        </p:spPr>
-        <p:style>
-          <a:lnRef idx="1">
-            <a:schemeClr val="accent1"/>
-          </a:lnRef>
-          <a:fillRef idx="0">
-            <a:schemeClr val="accent1"/>
-          </a:fillRef>
-          <a:effectRef idx="0">
-            <a:schemeClr val="accent1"/>
-          </a:effectRef>
-          <a:fontRef idx="minor">
-            <a:schemeClr val="tx1"/>
-          </a:fontRef>
-        </p:style>
-      </p:cxnSp>
-      <p:cxnSp>
-        <p:nvCxnSpPr>
-          <p:cNvPr id="123" name="Connecteur droit 122">
-            <a:extLst>
-              <a:ext uri="{FF2B5EF4-FFF2-40B4-BE49-F238E27FC236}">
-                <a16:creationId xmlns:a16="http://schemas.microsoft.com/office/drawing/2014/main" id="{249279A5-E8D6-41CD-946F-3A48151A0BA0}"/>
-              </a:ext>
-            </a:extLst>
-          </p:cNvPr>
-          <p:cNvCxnSpPr>
-            <a:cxnSpLocks/>
-          </p:cNvCxnSpPr>
-          <p:nvPr/>
-        </p:nvCxnSpPr>
-        <p:spPr>
-          <a:xfrm>
-            <a:off x="5968681" y="3878504"/>
-            <a:ext cx="0" cy="939710"/>
-          </a:xfrm>
-          <a:prstGeom prst="line">
-            <a:avLst/>
-          </a:prstGeom>
-          <a:ln w="12700">
-            <a:solidFill>
-              <a:schemeClr val="tx1"/>
-            </a:solidFill>
-            <a:prstDash val="sysDot"/>
-          </a:ln>
-        </p:spPr>
-        <p:style>
-          <a:lnRef idx="1">
-            <a:schemeClr val="accent1"/>
-          </a:lnRef>
-          <a:fillRef idx="0">
-            <a:schemeClr val="accent1"/>
-          </a:fillRef>
-          <a:effectRef idx="0">
-            <a:schemeClr val="accent1"/>
-          </a:effectRef>
-          <a:fontRef idx="minor">
-            <a:schemeClr val="tx1"/>
-          </a:fontRef>
-        </p:style>
-      </p:cxnSp>
-      <p:cxnSp>
-        <p:nvCxnSpPr>
-          <p:cNvPr id="126" name="Connecteur droit 125">
-            <a:extLst>
-              <a:ext uri="{FF2B5EF4-FFF2-40B4-BE49-F238E27FC236}">
-                <a16:creationId xmlns:a16="http://schemas.microsoft.com/office/drawing/2014/main" id="{B52D2711-CAFD-48BE-A1E6-4ADCF38EFFFD}"/>
-              </a:ext>
-            </a:extLst>
-          </p:cNvPr>
-          <p:cNvCxnSpPr>
-            <a:cxnSpLocks/>
-          </p:cNvCxnSpPr>
-          <p:nvPr/>
-        </p:nvCxnSpPr>
-        <p:spPr>
-          <a:xfrm>
-            <a:off x="6121037" y="3878504"/>
-            <a:ext cx="0" cy="701149"/>
-          </a:xfrm>
-          <a:prstGeom prst="line">
-            <a:avLst/>
-          </a:prstGeom>
-          <a:ln w="12700">
-            <a:solidFill>
-              <a:schemeClr val="tx1"/>
-            </a:solidFill>
-            <a:prstDash val="sysDot"/>
-          </a:ln>
-        </p:spPr>
-        <p:style>
-          <a:lnRef idx="1">
-            <a:schemeClr val="accent1"/>
-          </a:lnRef>
-          <a:fillRef idx="0">
-            <a:schemeClr val="accent1"/>
-          </a:fillRef>
-          <a:effectRef idx="0">
-            <a:schemeClr val="accent1"/>
-          </a:effectRef>
-          <a:fontRef idx="minor">
-            <a:schemeClr val="tx1"/>
-          </a:fontRef>
-        </p:style>
-      </p:cxnSp>
-      <p:cxnSp>
-        <p:nvCxnSpPr>
-          <p:cNvPr id="128" name="Connecteur droit 127">
-            <a:extLst>
-              <a:ext uri="{FF2B5EF4-FFF2-40B4-BE49-F238E27FC236}">
-                <a16:creationId xmlns:a16="http://schemas.microsoft.com/office/drawing/2014/main" id="{76747103-081C-4584-9926-8156D22CB5E7}"/>
-              </a:ext>
-            </a:extLst>
-          </p:cNvPr>
-          <p:cNvCxnSpPr>
-            <a:cxnSpLocks/>
-          </p:cNvCxnSpPr>
-          <p:nvPr/>
-        </p:nvCxnSpPr>
-        <p:spPr>
-          <a:xfrm>
-            <a:off x="6115351" y="4570128"/>
-            <a:ext cx="110824" cy="0"/>
-          </a:xfrm>
-          <a:prstGeom prst="line">
-            <a:avLst/>
-          </a:prstGeom>
-          <a:ln w="12700">
-            <a:solidFill>
-              <a:schemeClr val="tx1"/>
-            </a:solidFill>
-            <a:prstDash val="sysDot"/>
-          </a:ln>
-        </p:spPr>
-        <p:style>
-          <a:lnRef idx="1">
-            <a:schemeClr val="accent1"/>
-          </a:lnRef>
-          <a:fillRef idx="0">
-            <a:schemeClr val="accent1"/>
-          </a:fillRef>
-          <a:effectRef idx="0">
-            <a:schemeClr val="accent1"/>
-          </a:effectRef>
-          <a:fontRef idx="minor">
-            <a:schemeClr val="tx1"/>
-          </a:fontRef>
-        </p:style>
-      </p:cxnSp>
-      <p:cxnSp>
-        <p:nvCxnSpPr>
-          <p:cNvPr id="130" name="Connecteur droit 129">
-            <a:extLst>
-              <a:ext uri="{FF2B5EF4-FFF2-40B4-BE49-F238E27FC236}">
-                <a16:creationId xmlns:a16="http://schemas.microsoft.com/office/drawing/2014/main" id="{0E4A3C39-8523-4A46-87BD-F343F2FEC6E3}"/>
-              </a:ext>
-            </a:extLst>
-          </p:cNvPr>
-          <p:cNvCxnSpPr>
-            <a:cxnSpLocks/>
-          </p:cNvCxnSpPr>
-          <p:nvPr/>
-        </p:nvCxnSpPr>
-        <p:spPr>
-          <a:xfrm>
-            <a:off x="5960474" y="3879807"/>
-            <a:ext cx="154877" cy="0"/>
-          </a:xfrm>
-          <a:prstGeom prst="line">
-            <a:avLst/>
-          </a:prstGeom>
-          <a:ln w="12700">
-            <a:solidFill>
-              <a:schemeClr val="tx1"/>
-            </a:solidFill>
-            <a:prstDash val="sysDot"/>
-          </a:ln>
-        </p:spPr>
-        <p:style>
-          <a:lnRef idx="1">
-            <a:schemeClr val="accent1"/>
-          </a:lnRef>
-          <a:fillRef idx="0">
-            <a:schemeClr val="accent1"/>
-          </a:fillRef>
-          <a:effectRef idx="0">
-            <a:schemeClr val="accent1"/>
-          </a:effectRef>
-          <a:fontRef idx="minor">
-            <a:schemeClr val="tx1"/>
-          </a:fontRef>
-        </p:style>
-      </p:cxnSp>
-      <p:sp>
-        <p:nvSpPr>
-          <p:cNvPr id="132" name="ZoneTexte 131">
-            <a:extLst>
-              <a:ext uri="{FF2B5EF4-FFF2-40B4-BE49-F238E27FC236}">
-                <a16:creationId xmlns:a16="http://schemas.microsoft.com/office/drawing/2014/main" id="{327EA83A-0E0A-4853-BB31-11710711F83D}"/>
-              </a:ext>
-            </a:extLst>
-          </p:cNvPr>
-          <p:cNvSpPr txBox="1"/>
-          <p:nvPr/>
-        </p:nvSpPr>
-        <p:spPr>
-          <a:xfrm>
-            <a:off x="7313161" y="3663457"/>
-            <a:ext cx="856325" cy="276999"/>
-          </a:xfrm>
-          <a:prstGeom prst="rect">
-            <a:avLst/>
-          </a:prstGeom>
-          <a:noFill/>
-        </p:spPr>
-        <p:txBody>
-          <a:bodyPr wrap="none" rtlCol="0">
-            <a:spAutoFit/>
-          </a:bodyPr>
-          <a:lstStyle/>
-          <a:p>
-            <a:r>
-              <a:rPr lang="fr-FR" sz="1200" i="1" dirty="0"/>
-              <a:t>Cable RJ11</a:t>
-            </a:r>
-          </a:p>
-        </p:txBody>
-      </p:sp>
-      <p:sp>
-        <p:nvSpPr>
-          <p:cNvPr id="6" name="Rectangle : coins arrondis 5">
-            <a:extLst>
-              <a:ext uri="{FF2B5EF4-FFF2-40B4-BE49-F238E27FC236}">
-                <a16:creationId xmlns:a16="http://schemas.microsoft.com/office/drawing/2014/main" id="{04B89F92-7255-45B7-A10C-661FDDA4EDDB}"/>
-              </a:ext>
-            </a:extLst>
-          </p:cNvPr>
-          <p:cNvSpPr/>
-          <p:nvPr/>
-        </p:nvSpPr>
-        <p:spPr>
-          <a:xfrm>
-            <a:off x="9877260" y="3812381"/>
-            <a:ext cx="235909" cy="454819"/>
-          </a:xfrm>
-          <a:prstGeom prst="roundRect">
-            <a:avLst/>
-          </a:prstGeom>
-          <a:noFill/>
-          <a:ln>
-            <a:solidFill>
-              <a:schemeClr val="tx1"/>
-            </a:solidFill>
-          </a:ln>
-        </p:spPr>
-        <p:style>
-          <a:lnRef idx="2">
-            <a:schemeClr val="accent1">
-              <a:shade val="50000"/>
-            </a:schemeClr>
-          </a:lnRef>
-          <a:fillRef idx="1">
-            <a:schemeClr val="accent1"/>
-          </a:fillRef>
-          <a:effectRef idx="0">
-            <a:schemeClr val="accent1"/>
-          </a:effectRef>
-          <a:fontRef idx="minor">
-            <a:schemeClr val="lt1"/>
-          </a:fontRef>
-        </p:style>
-        <p:txBody>
-          <a:bodyPr rtlCol="0" anchor="ctr"/>
-          <a:lstStyle/>
-          <a:p>
-            <a:pPr algn="ctr"/>
-            <a:endParaRPr lang="fr-FR"/>
-          </a:p>
-        </p:txBody>
-      </p:sp>
-      <p:cxnSp>
-        <p:nvCxnSpPr>
-          <p:cNvPr id="86" name="Connecteur droit 85">
-            <a:extLst>
-              <a:ext uri="{FF2B5EF4-FFF2-40B4-BE49-F238E27FC236}">
-                <a16:creationId xmlns:a16="http://schemas.microsoft.com/office/drawing/2014/main" id="{0B3D18EF-5053-4BB8-90C0-2BB9DCF290D9}"/>
-              </a:ext>
-            </a:extLst>
-          </p:cNvPr>
-          <p:cNvCxnSpPr>
-            <a:cxnSpLocks/>
-          </p:cNvCxnSpPr>
-          <p:nvPr/>
-        </p:nvCxnSpPr>
-        <p:spPr>
-          <a:xfrm flipH="1">
-            <a:off x="9946956" y="3954500"/>
-            <a:ext cx="47844" cy="182922"/>
-          </a:xfrm>
-          <a:prstGeom prst="line">
-            <a:avLst/>
-          </a:prstGeom>
-          <a:ln w="12700">
-            <a:solidFill>
-              <a:schemeClr val="tx1"/>
-            </a:solidFill>
-          </a:ln>
-        </p:spPr>
-        <p:style>
-          <a:lnRef idx="1">
-            <a:schemeClr val="accent1"/>
-          </a:lnRef>
-          <a:fillRef idx="0">
-            <a:schemeClr val="accent1"/>
-          </a:fillRef>
-          <a:effectRef idx="0">
-            <a:schemeClr val="accent1"/>
-          </a:effectRef>
-          <a:fontRef idx="minor">
-            <a:schemeClr val="tx1"/>
-          </a:fontRef>
-        </p:style>
-      </p:cxnSp>
-      <p:sp>
-        <p:nvSpPr>
-          <p:cNvPr id="77" name="ZoneTexte 76">
-            <a:extLst>
-              <a:ext uri="{FF2B5EF4-FFF2-40B4-BE49-F238E27FC236}">
-                <a16:creationId xmlns:a16="http://schemas.microsoft.com/office/drawing/2014/main" id="{44A17452-D056-42EC-A598-76AF179630AD}"/>
+          <p:cNvPr id="27" name="ZoneTexte 26">
+            <a:extLst>
+              <a:ext uri="{FF2B5EF4-FFF2-40B4-BE49-F238E27FC236}">
+                <a16:creationId xmlns:a16="http://schemas.microsoft.com/office/drawing/2014/main" id="{89B23C60-C5A7-41BE-8CA9-99AA8CB7EC65}"/>
               </a:ext>
             </a:extLst>
           </p:cNvPr>
@@ -8776,7 +8811,7 @@
           <a:p>
             <a:r>
               <a:rPr lang="fr-FR" dirty="0"/>
-              <a:t>10</a:t>
+              <a:t>11</a:t>
             </a:r>
           </a:p>
         </p:txBody>
@@ -8784,7 +8819,7 @@
     </p:spTree>
     <p:extLst>
       <p:ext uri="{BB962C8B-B14F-4D97-AF65-F5344CB8AC3E}">
-        <p14:creationId xmlns:p14="http://schemas.microsoft.com/office/powerpoint/2010/main" val="675812002"/>
+        <p14:creationId xmlns:p14="http://schemas.microsoft.com/office/powerpoint/2010/main" val="3763659703"/>
       </p:ext>
     </p:extLst>
   </p:cSld>
@@ -9651,10 +9686,10 @@
       </p:sp>
       <p:pic>
         <p:nvPicPr>
-          <p:cNvPr id="11" name="Image 10">
-            <a:extLst>
-              <a:ext uri="{FF2B5EF4-FFF2-40B4-BE49-F238E27FC236}">
-                <a16:creationId xmlns:a16="http://schemas.microsoft.com/office/drawing/2014/main" id="{B24E3955-7EAD-4921-9442-183E47E88E00}"/>
+          <p:cNvPr id="25" name="Image 24">
+            <a:extLst>
+              <a:ext uri="{FF2B5EF4-FFF2-40B4-BE49-F238E27FC236}">
+                <a16:creationId xmlns:a16="http://schemas.microsoft.com/office/drawing/2014/main" id="{64A4A437-5514-43A4-BCED-F55AC2A9F13D}"/>
               </a:ext>
             </a:extLst>
           </p:cNvPr>
@@ -9677,8 +9712,8 @@
         </p:blipFill>
         <p:spPr>
           <a:xfrm>
-            <a:off x="369115" y="1758454"/>
-            <a:ext cx="5318890" cy="4702358"/>
+            <a:off x="5690934" y="1767054"/>
+            <a:ext cx="6306430" cy="3972479"/>
           </a:xfrm>
           <a:prstGeom prst="rect">
             <a:avLst/>
@@ -9687,10 +9722,10 @@
       </p:pic>
       <p:pic>
         <p:nvPicPr>
-          <p:cNvPr id="15" name="Image 14">
-            <a:extLst>
-              <a:ext uri="{FF2B5EF4-FFF2-40B4-BE49-F238E27FC236}">
-                <a16:creationId xmlns:a16="http://schemas.microsoft.com/office/drawing/2014/main" id="{C3C6AF8F-8459-4C8D-B9BC-F6ECED2A976E}"/>
+          <p:cNvPr id="3" name="Image 2">
+            <a:extLst>
+              <a:ext uri="{FF2B5EF4-FFF2-40B4-BE49-F238E27FC236}">
+                <a16:creationId xmlns:a16="http://schemas.microsoft.com/office/drawing/2014/main" id="{6052F192-2A2D-4163-BA92-D3F36681BC05}"/>
               </a:ext>
             </a:extLst>
           </p:cNvPr>
@@ -9699,22 +9734,15 @@
           </p:cNvPicPr>
           <p:nvPr/>
         </p:nvPicPr>
-        <p:blipFill>
-          <a:blip r:embed="rId5">
-            <a:extLst>
-              <a:ext uri="{28A0092B-C50C-407E-A947-70E740481C1C}">
-                <a14:useLocalDpi xmlns:a14="http://schemas.microsoft.com/office/drawing/2010/main" val="0"/>
-              </a:ext>
-            </a:extLst>
-          </a:blip>
-          <a:stretch>
-            <a:fillRect/>
-          </a:stretch>
+        <p:blipFill rotWithShape="1">
+          <a:blip r:embed="rId5"/>
+          <a:srcRect r="11203"/>
+          <a:stretch/>
         </p:blipFill>
         <p:spPr>
           <a:xfrm>
-            <a:off x="5688005" y="1758454"/>
-            <a:ext cx="6344535" cy="3210373"/>
+            <a:off x="83295" y="1753043"/>
+            <a:ext cx="5607640" cy="4000500"/>
           </a:xfrm>
           <a:prstGeom prst="rect">
             <a:avLst/>
@@ -9726,7 +9754,7 @@
           <p:cNvPr id="27" name="ZoneTexte 26">
             <a:extLst>
               <a:ext uri="{FF2B5EF4-FFF2-40B4-BE49-F238E27FC236}">
-                <a16:creationId xmlns:a16="http://schemas.microsoft.com/office/drawing/2014/main" id="{89B23C60-C5A7-41BE-8CA9-99AA8CB7EC65}"/>
+                <a16:creationId xmlns:a16="http://schemas.microsoft.com/office/drawing/2014/main" id="{205183DA-3DF0-4DE1-9209-2C71ECD6B174}"/>
               </a:ext>
             </a:extLst>
           </p:cNvPr>
@@ -9751,7 +9779,7 @@
           <a:p>
             <a:r>
               <a:rPr lang="fr-FR" dirty="0"/>
-              <a:t>11</a:t>
+              <a:t>12</a:t>
             </a:r>
           </a:p>
         </p:txBody>
@@ -9759,7 +9787,7 @@
     </p:spTree>
     <p:extLst>
       <p:ext uri="{BB962C8B-B14F-4D97-AF65-F5344CB8AC3E}">
-        <p14:creationId xmlns:p14="http://schemas.microsoft.com/office/powerpoint/2010/main" val="3763659703"/>
+        <p14:creationId xmlns:p14="http://schemas.microsoft.com/office/powerpoint/2010/main" val="3405041366"/>
       </p:ext>
     </p:extLst>
   </p:cSld>
@@ -10603,974 +10631,6 @@
         </p:nvSpPr>
         <p:spPr>
           <a:xfrm>
-            <a:off x="4329183" y="1235234"/>
-            <a:ext cx="3317559" cy="523220"/>
-          </a:xfrm>
-          <a:prstGeom prst="rect">
-            <a:avLst/>
-          </a:prstGeom>
-          <a:noFill/>
-        </p:spPr>
-        <p:txBody>
-          <a:bodyPr wrap="square" rtlCol="0">
-            <a:spAutoFit/>
-          </a:bodyPr>
-          <a:lstStyle/>
-          <a:p>
-            <a:r>
-              <a:rPr lang="fr-FR" sz="2800" dirty="0"/>
-              <a:t>Partie 1 : Pluviomètre</a:t>
-            </a:r>
-          </a:p>
-        </p:txBody>
-      </p:sp>
-      <p:pic>
-        <p:nvPicPr>
-          <p:cNvPr id="25" name="Image 24">
-            <a:extLst>
-              <a:ext uri="{FF2B5EF4-FFF2-40B4-BE49-F238E27FC236}">
-                <a16:creationId xmlns:a16="http://schemas.microsoft.com/office/drawing/2014/main" id="{64A4A437-5514-43A4-BCED-F55AC2A9F13D}"/>
-              </a:ext>
-            </a:extLst>
-          </p:cNvPr>
-          <p:cNvPicPr>
-            <a:picLocks noChangeAspect="1"/>
-          </p:cNvPicPr>
-          <p:nvPr/>
-        </p:nvPicPr>
-        <p:blipFill>
-          <a:blip r:embed="rId4">
-            <a:extLst>
-              <a:ext uri="{28A0092B-C50C-407E-A947-70E740481C1C}">
-                <a14:useLocalDpi xmlns:a14="http://schemas.microsoft.com/office/drawing/2010/main" val="0"/>
-              </a:ext>
-            </a:extLst>
-          </a:blip>
-          <a:stretch>
-            <a:fillRect/>
-          </a:stretch>
-        </p:blipFill>
-        <p:spPr>
-          <a:xfrm>
-            <a:off x="5690934" y="1767054"/>
-            <a:ext cx="6306430" cy="3972479"/>
-          </a:xfrm>
-          <a:prstGeom prst="rect">
-            <a:avLst/>
-          </a:prstGeom>
-        </p:spPr>
-      </p:pic>
-      <p:pic>
-        <p:nvPicPr>
-          <p:cNvPr id="3" name="Image 2">
-            <a:extLst>
-              <a:ext uri="{FF2B5EF4-FFF2-40B4-BE49-F238E27FC236}">
-                <a16:creationId xmlns:a16="http://schemas.microsoft.com/office/drawing/2014/main" id="{6052F192-2A2D-4163-BA92-D3F36681BC05}"/>
-              </a:ext>
-            </a:extLst>
-          </p:cNvPr>
-          <p:cNvPicPr>
-            <a:picLocks noChangeAspect="1"/>
-          </p:cNvPicPr>
-          <p:nvPr/>
-        </p:nvPicPr>
-        <p:blipFill rotWithShape="1">
-          <a:blip r:embed="rId5"/>
-          <a:srcRect r="11203"/>
-          <a:stretch/>
-        </p:blipFill>
-        <p:spPr>
-          <a:xfrm>
-            <a:off x="83295" y="1753043"/>
-            <a:ext cx="5607640" cy="4000500"/>
-          </a:xfrm>
-          <a:prstGeom prst="rect">
-            <a:avLst/>
-          </a:prstGeom>
-        </p:spPr>
-      </p:pic>
-      <p:sp>
-        <p:nvSpPr>
-          <p:cNvPr id="27" name="ZoneTexte 26">
-            <a:extLst>
-              <a:ext uri="{FF2B5EF4-FFF2-40B4-BE49-F238E27FC236}">
-                <a16:creationId xmlns:a16="http://schemas.microsoft.com/office/drawing/2014/main" id="{205183DA-3DF0-4DE1-9209-2C71ECD6B174}"/>
-              </a:ext>
-            </a:extLst>
-          </p:cNvPr>
-          <p:cNvSpPr txBox="1"/>
-          <p:nvPr/>
-        </p:nvSpPr>
-        <p:spPr>
-          <a:xfrm>
-            <a:off x="11652188" y="6403199"/>
-            <a:ext cx="418704" cy="369332"/>
-          </a:xfrm>
-          <a:prstGeom prst="rect">
-            <a:avLst/>
-          </a:prstGeom>
-          <a:noFill/>
-        </p:spPr>
-        <p:txBody>
-          <a:bodyPr wrap="none" rtlCol="0">
-            <a:spAutoFit/>
-          </a:bodyPr>
-          <a:lstStyle/>
-          <a:p>
-            <a:r>
-              <a:rPr lang="fr-FR" dirty="0"/>
-              <a:t>12</a:t>
-            </a:r>
-          </a:p>
-        </p:txBody>
-      </p:sp>
-    </p:spTree>
-    <p:extLst>
-      <p:ext uri="{BB962C8B-B14F-4D97-AF65-F5344CB8AC3E}">
-        <p14:creationId xmlns:p14="http://schemas.microsoft.com/office/powerpoint/2010/main" val="3405041366"/>
-      </p:ext>
-    </p:extLst>
-  </p:cSld>
-  <p:clrMapOvr>
-    <a:masterClrMapping/>
-  </p:clrMapOvr>
-  <mc:AlternateContent xmlns:mc="http://schemas.openxmlformats.org/markup-compatibility/2006" xmlns:p14="http://schemas.microsoft.com/office/powerpoint/2010/main">
-    <mc:Choice Requires="p14">
-      <p:transition spd="slow">
-        <p14:reveal/>
-      </p:transition>
-    </mc:Choice>
-    <mc:Fallback xmlns="">
-      <p:transition spd="slow">
-        <p:fade/>
-      </p:transition>
-    </mc:Fallback>
-  </mc:AlternateContent>
-</p:sld>
-</file>
-
-<file path=ppt/slides/slide14.xml><?xml version="1.0" encoding="utf-8"?>
-<p:sld xmlns:a="http://schemas.openxmlformats.org/drawingml/2006/main" xmlns:r="http://schemas.openxmlformats.org/officeDocument/2006/relationships" xmlns:p="http://schemas.openxmlformats.org/presentationml/2006/main">
-  <p:cSld>
-    <p:spTree>
-      <p:nvGrpSpPr>
-        <p:cNvPr id="1" name=""/>
-        <p:cNvGrpSpPr/>
-        <p:nvPr/>
-      </p:nvGrpSpPr>
-      <p:grpSpPr>
-        <a:xfrm>
-          <a:off x="0" y="0"/>
-          <a:ext cx="0" cy="0"/>
-          <a:chOff x="0" y="0"/>
-          <a:chExt cx="0" cy="0"/>
-        </a:xfrm>
-      </p:grpSpPr>
-      <p:pic>
-        <p:nvPicPr>
-          <p:cNvPr id="8" name="Image 7">
-            <a:extLst>
-              <a:ext uri="{FF2B5EF4-FFF2-40B4-BE49-F238E27FC236}">
-                <a16:creationId xmlns:a16="http://schemas.microsoft.com/office/drawing/2014/main" id="{2BB825C5-31DA-4A56-85EA-536DBF510A31}"/>
-              </a:ext>
-            </a:extLst>
-          </p:cNvPr>
-          <p:cNvPicPr>
-            <a:picLocks noChangeAspect="1"/>
-          </p:cNvPicPr>
-          <p:nvPr/>
-        </p:nvPicPr>
-        <p:blipFill>
-          <a:blip r:embed="rId2">
-            <a:extLst>
-              <a:ext uri="{28A0092B-C50C-407E-A947-70E740481C1C}">
-                <a14:useLocalDpi xmlns:a14="http://schemas.microsoft.com/office/drawing/2010/main" val="0"/>
-              </a:ext>
-            </a:extLst>
-          </a:blip>
-          <a:stretch>
-            <a:fillRect/>
-          </a:stretch>
-        </p:blipFill>
-        <p:spPr>
-          <a:xfrm>
-            <a:off x="1068751" y="66457"/>
-            <a:ext cx="1259497" cy="776690"/>
-          </a:xfrm>
-          <a:prstGeom prst="rect">
-            <a:avLst/>
-          </a:prstGeom>
-        </p:spPr>
-      </p:pic>
-      <p:pic>
-        <p:nvPicPr>
-          <p:cNvPr id="10" name="Image 9">
-            <a:extLst>
-              <a:ext uri="{FF2B5EF4-FFF2-40B4-BE49-F238E27FC236}">
-                <a16:creationId xmlns:a16="http://schemas.microsoft.com/office/drawing/2014/main" id="{8EE7436F-49F2-41E0-93E4-D247B4705294}"/>
-              </a:ext>
-            </a:extLst>
-          </p:cNvPr>
-          <p:cNvPicPr>
-            <a:picLocks noChangeAspect="1"/>
-          </p:cNvPicPr>
-          <p:nvPr/>
-        </p:nvPicPr>
-        <p:blipFill>
-          <a:blip r:embed="rId3">
-            <a:extLst>
-              <a:ext uri="{28A0092B-C50C-407E-A947-70E740481C1C}">
-                <a14:useLocalDpi xmlns:a14="http://schemas.microsoft.com/office/drawing/2010/main" val="0"/>
-              </a:ext>
-            </a:extLst>
-          </a:blip>
-          <a:stretch>
-            <a:fillRect/>
-          </a:stretch>
-        </p:blipFill>
-        <p:spPr>
-          <a:xfrm>
-            <a:off x="9681085" y="238153"/>
-            <a:ext cx="1802101" cy="569807"/>
-          </a:xfrm>
-          <a:prstGeom prst="rect">
-            <a:avLst/>
-          </a:prstGeom>
-        </p:spPr>
-      </p:pic>
-      <p:cxnSp>
-        <p:nvCxnSpPr>
-          <p:cNvPr id="16" name="Connecteur droit 15">
-            <a:extLst>
-              <a:ext uri="{FF2B5EF4-FFF2-40B4-BE49-F238E27FC236}">
-                <a16:creationId xmlns:a16="http://schemas.microsoft.com/office/drawing/2014/main" id="{7319284A-BD6F-4A96-8E2B-E0A4B52E53C6}"/>
-              </a:ext>
-            </a:extLst>
-          </p:cNvPr>
-          <p:cNvCxnSpPr>
-            <a:cxnSpLocks/>
-          </p:cNvCxnSpPr>
-          <p:nvPr/>
-        </p:nvCxnSpPr>
-        <p:spPr>
-          <a:xfrm flipV="1">
-            <a:off x="0" y="454803"/>
-            <a:ext cx="738231" cy="1798"/>
-          </a:xfrm>
-          <a:prstGeom prst="line">
-            <a:avLst/>
-          </a:prstGeom>
-        </p:spPr>
-        <p:style>
-          <a:lnRef idx="3">
-            <a:schemeClr val="dk1"/>
-          </a:lnRef>
-          <a:fillRef idx="0">
-            <a:schemeClr val="dk1"/>
-          </a:fillRef>
-          <a:effectRef idx="2">
-            <a:schemeClr val="dk1"/>
-          </a:effectRef>
-          <a:fontRef idx="minor">
-            <a:schemeClr val="tx1"/>
-          </a:fontRef>
-        </p:style>
-      </p:cxnSp>
-      <p:cxnSp>
-        <p:nvCxnSpPr>
-          <p:cNvPr id="20" name="Connecteur droit 19">
-            <a:extLst>
-              <a:ext uri="{FF2B5EF4-FFF2-40B4-BE49-F238E27FC236}">
-                <a16:creationId xmlns:a16="http://schemas.microsoft.com/office/drawing/2014/main" id="{08874CF7-F149-4C81-B61E-74E18342BA8A}"/>
-              </a:ext>
-            </a:extLst>
-          </p:cNvPr>
-          <p:cNvCxnSpPr>
-            <a:cxnSpLocks/>
-          </p:cNvCxnSpPr>
-          <p:nvPr/>
-        </p:nvCxnSpPr>
-        <p:spPr>
-          <a:xfrm>
-            <a:off x="2573222" y="454803"/>
-            <a:ext cx="6829482" cy="10398"/>
-          </a:xfrm>
-          <a:prstGeom prst="line">
-            <a:avLst/>
-          </a:prstGeom>
-        </p:spPr>
-        <p:style>
-          <a:lnRef idx="3">
-            <a:schemeClr val="dk1"/>
-          </a:lnRef>
-          <a:fillRef idx="0">
-            <a:schemeClr val="dk1"/>
-          </a:fillRef>
-          <a:effectRef idx="2">
-            <a:schemeClr val="dk1"/>
-          </a:effectRef>
-          <a:fontRef idx="minor">
-            <a:schemeClr val="tx1"/>
-          </a:fontRef>
-        </p:style>
-      </p:cxnSp>
-      <p:cxnSp>
-        <p:nvCxnSpPr>
-          <p:cNvPr id="26" name="Connecteur droit 25">
-            <a:extLst>
-              <a:ext uri="{FF2B5EF4-FFF2-40B4-BE49-F238E27FC236}">
-                <a16:creationId xmlns:a16="http://schemas.microsoft.com/office/drawing/2014/main" id="{BB3B35CC-057B-48C1-880F-3306A6559175}"/>
-              </a:ext>
-            </a:extLst>
-          </p:cNvPr>
-          <p:cNvCxnSpPr>
-            <a:cxnSpLocks/>
-          </p:cNvCxnSpPr>
-          <p:nvPr/>
-        </p:nvCxnSpPr>
-        <p:spPr>
-          <a:xfrm>
-            <a:off x="738231" y="454803"/>
-            <a:ext cx="344203" cy="484764"/>
-          </a:xfrm>
-          <a:prstGeom prst="line">
-            <a:avLst/>
-          </a:prstGeom>
-        </p:spPr>
-        <p:style>
-          <a:lnRef idx="3">
-            <a:schemeClr val="dk1"/>
-          </a:lnRef>
-          <a:fillRef idx="0">
-            <a:schemeClr val="dk1"/>
-          </a:fillRef>
-          <a:effectRef idx="2">
-            <a:schemeClr val="dk1"/>
-          </a:effectRef>
-          <a:fontRef idx="minor">
-            <a:schemeClr val="tx1"/>
-          </a:fontRef>
-        </p:style>
-      </p:cxnSp>
-      <p:cxnSp>
-        <p:nvCxnSpPr>
-          <p:cNvPr id="32" name="Connecteur droit 31">
-            <a:extLst>
-              <a:ext uri="{FF2B5EF4-FFF2-40B4-BE49-F238E27FC236}">
-                <a16:creationId xmlns:a16="http://schemas.microsoft.com/office/drawing/2014/main" id="{4AD96496-1EB6-4E48-9BB2-5C255495C686}"/>
-              </a:ext>
-            </a:extLst>
-          </p:cNvPr>
-          <p:cNvCxnSpPr>
-            <a:cxnSpLocks/>
-          </p:cNvCxnSpPr>
-          <p:nvPr/>
-        </p:nvCxnSpPr>
-        <p:spPr>
-          <a:xfrm>
-            <a:off x="1082434" y="938268"/>
-            <a:ext cx="1146585" cy="0"/>
-          </a:xfrm>
-          <a:prstGeom prst="line">
-            <a:avLst/>
-          </a:prstGeom>
-        </p:spPr>
-        <p:style>
-          <a:lnRef idx="3">
-            <a:schemeClr val="dk1"/>
-          </a:lnRef>
-          <a:fillRef idx="0">
-            <a:schemeClr val="dk1"/>
-          </a:fillRef>
-          <a:effectRef idx="2">
-            <a:schemeClr val="dk1"/>
-          </a:effectRef>
-          <a:fontRef idx="minor">
-            <a:schemeClr val="tx1"/>
-          </a:fontRef>
-        </p:style>
-      </p:cxnSp>
-      <p:cxnSp>
-        <p:nvCxnSpPr>
-          <p:cNvPr id="51" name="Connecteur droit 50">
-            <a:extLst>
-              <a:ext uri="{FF2B5EF4-FFF2-40B4-BE49-F238E27FC236}">
-                <a16:creationId xmlns:a16="http://schemas.microsoft.com/office/drawing/2014/main" id="{C035BFA6-ECBF-4775-BA81-19D2CA41AA8D}"/>
-              </a:ext>
-            </a:extLst>
-          </p:cNvPr>
-          <p:cNvCxnSpPr>
-            <a:cxnSpLocks/>
-          </p:cNvCxnSpPr>
-          <p:nvPr/>
-        </p:nvCxnSpPr>
-        <p:spPr>
-          <a:xfrm>
-            <a:off x="9402704" y="465201"/>
-            <a:ext cx="344203" cy="495163"/>
-          </a:xfrm>
-          <a:prstGeom prst="line">
-            <a:avLst/>
-          </a:prstGeom>
-        </p:spPr>
-        <p:style>
-          <a:lnRef idx="3">
-            <a:schemeClr val="dk1"/>
-          </a:lnRef>
-          <a:fillRef idx="0">
-            <a:schemeClr val="dk1"/>
-          </a:fillRef>
-          <a:effectRef idx="2">
-            <a:schemeClr val="dk1"/>
-          </a:effectRef>
-          <a:fontRef idx="minor">
-            <a:schemeClr val="tx1"/>
-          </a:fontRef>
-        </p:style>
-      </p:cxnSp>
-      <p:cxnSp>
-        <p:nvCxnSpPr>
-          <p:cNvPr id="52" name="Connecteur droit 51">
-            <a:extLst>
-              <a:ext uri="{FF2B5EF4-FFF2-40B4-BE49-F238E27FC236}">
-                <a16:creationId xmlns:a16="http://schemas.microsoft.com/office/drawing/2014/main" id="{FA310BC7-694B-4984-99A2-61A1F4F6EBF9}"/>
-              </a:ext>
-            </a:extLst>
-          </p:cNvPr>
-          <p:cNvCxnSpPr>
-            <a:cxnSpLocks/>
-          </p:cNvCxnSpPr>
-          <p:nvPr/>
-        </p:nvCxnSpPr>
-        <p:spPr>
-          <a:xfrm flipH="1">
-            <a:off x="11370469" y="448308"/>
-            <a:ext cx="364332" cy="501657"/>
-          </a:xfrm>
-          <a:prstGeom prst="line">
-            <a:avLst/>
-          </a:prstGeom>
-        </p:spPr>
-        <p:style>
-          <a:lnRef idx="3">
-            <a:schemeClr val="dk1"/>
-          </a:lnRef>
-          <a:fillRef idx="0">
-            <a:schemeClr val="dk1"/>
-          </a:fillRef>
-          <a:effectRef idx="2">
-            <a:schemeClr val="dk1"/>
-          </a:effectRef>
-          <a:fontRef idx="minor">
-            <a:schemeClr val="tx1"/>
-          </a:fontRef>
-        </p:style>
-      </p:cxnSp>
-      <p:cxnSp>
-        <p:nvCxnSpPr>
-          <p:cNvPr id="53" name="Connecteur droit 52">
-            <a:extLst>
-              <a:ext uri="{FF2B5EF4-FFF2-40B4-BE49-F238E27FC236}">
-                <a16:creationId xmlns:a16="http://schemas.microsoft.com/office/drawing/2014/main" id="{BE0649BD-EE59-4DDA-960F-95B2572F9F13}"/>
-              </a:ext>
-            </a:extLst>
-          </p:cNvPr>
-          <p:cNvCxnSpPr>
-            <a:cxnSpLocks/>
-          </p:cNvCxnSpPr>
-          <p:nvPr/>
-        </p:nvCxnSpPr>
-        <p:spPr>
-          <a:xfrm>
-            <a:off x="9743203" y="949965"/>
-            <a:ext cx="1627266" cy="0"/>
-          </a:xfrm>
-          <a:prstGeom prst="line">
-            <a:avLst/>
-          </a:prstGeom>
-        </p:spPr>
-        <p:style>
-          <a:lnRef idx="3">
-            <a:schemeClr val="dk1"/>
-          </a:lnRef>
-          <a:fillRef idx="0">
-            <a:schemeClr val="dk1"/>
-          </a:fillRef>
-          <a:effectRef idx="2">
-            <a:schemeClr val="dk1"/>
-          </a:effectRef>
-          <a:fontRef idx="minor">
-            <a:schemeClr val="tx1"/>
-          </a:fontRef>
-        </p:style>
-      </p:cxnSp>
-      <p:cxnSp>
-        <p:nvCxnSpPr>
-          <p:cNvPr id="55" name="Connecteur droit 54">
-            <a:extLst>
-              <a:ext uri="{FF2B5EF4-FFF2-40B4-BE49-F238E27FC236}">
-                <a16:creationId xmlns:a16="http://schemas.microsoft.com/office/drawing/2014/main" id="{52AA9200-DAFA-4EEF-AC13-4C7CE82A59EC}"/>
-              </a:ext>
-            </a:extLst>
-          </p:cNvPr>
-          <p:cNvCxnSpPr>
-            <a:cxnSpLocks/>
-          </p:cNvCxnSpPr>
-          <p:nvPr/>
-        </p:nvCxnSpPr>
-        <p:spPr>
-          <a:xfrm>
-            <a:off x="11715750" y="454801"/>
-            <a:ext cx="476249" cy="10400"/>
-          </a:xfrm>
-          <a:prstGeom prst="line">
-            <a:avLst/>
-          </a:prstGeom>
-        </p:spPr>
-        <p:style>
-          <a:lnRef idx="3">
-            <a:schemeClr val="dk1"/>
-          </a:lnRef>
-          <a:fillRef idx="0">
-            <a:schemeClr val="dk1"/>
-          </a:fillRef>
-          <a:effectRef idx="2">
-            <a:schemeClr val="dk1"/>
-          </a:effectRef>
-          <a:fontRef idx="minor">
-            <a:schemeClr val="tx1"/>
-          </a:fontRef>
-        </p:style>
-      </p:cxnSp>
-      <p:cxnSp>
-        <p:nvCxnSpPr>
-          <p:cNvPr id="23" name="Connecteur droit 22">
-            <a:extLst>
-              <a:ext uri="{FF2B5EF4-FFF2-40B4-BE49-F238E27FC236}">
-                <a16:creationId xmlns:a16="http://schemas.microsoft.com/office/drawing/2014/main" id="{BCB092C8-0080-4E56-957E-0046D4C83988}"/>
-              </a:ext>
-            </a:extLst>
-          </p:cNvPr>
-          <p:cNvCxnSpPr>
-            <a:cxnSpLocks/>
-          </p:cNvCxnSpPr>
-          <p:nvPr/>
-        </p:nvCxnSpPr>
-        <p:spPr>
-          <a:xfrm flipH="1">
-            <a:off x="2216372" y="446356"/>
-            <a:ext cx="364332" cy="501657"/>
-          </a:xfrm>
-          <a:prstGeom prst="line">
-            <a:avLst/>
-          </a:prstGeom>
-        </p:spPr>
-        <p:style>
-          <a:lnRef idx="3">
-            <a:schemeClr val="dk1"/>
-          </a:lnRef>
-          <a:fillRef idx="0">
-            <a:schemeClr val="dk1"/>
-          </a:fillRef>
-          <a:effectRef idx="2">
-            <a:schemeClr val="dk1"/>
-          </a:effectRef>
-          <a:fontRef idx="minor">
-            <a:schemeClr val="tx1"/>
-          </a:fontRef>
-        </p:style>
-      </p:cxnSp>
-      <p:pic>
-        <p:nvPicPr>
-          <p:cNvPr id="57" name="Image 56">
-            <a:extLst>
-              <a:ext uri="{FF2B5EF4-FFF2-40B4-BE49-F238E27FC236}">
-                <a16:creationId xmlns:a16="http://schemas.microsoft.com/office/drawing/2014/main" id="{12B16FB2-5844-4B92-AE69-9BAC858C22BB}"/>
-              </a:ext>
-            </a:extLst>
-          </p:cNvPr>
-          <p:cNvPicPr>
-            <a:picLocks noChangeAspect="1"/>
-          </p:cNvPicPr>
-          <p:nvPr/>
-        </p:nvPicPr>
-        <p:blipFill>
-          <a:blip r:embed="rId3">
-            <a:extLst>
-              <a:ext uri="{28A0092B-C50C-407E-A947-70E740481C1C}">
-                <a14:useLocalDpi xmlns:a14="http://schemas.microsoft.com/office/drawing/2010/main" val="0"/>
-              </a:ext>
-            </a:extLst>
-          </a:blip>
-          <a:stretch>
-            <a:fillRect/>
-          </a:stretch>
-        </p:blipFill>
-        <p:spPr>
-          <a:xfrm>
-            <a:off x="9681085" y="238153"/>
-            <a:ext cx="1802101" cy="569807"/>
-          </a:xfrm>
-          <a:prstGeom prst="rect">
-            <a:avLst/>
-          </a:prstGeom>
-        </p:spPr>
-      </p:pic>
-      <p:cxnSp>
-        <p:nvCxnSpPr>
-          <p:cNvPr id="58" name="Connecteur droit 57">
-            <a:extLst>
-              <a:ext uri="{FF2B5EF4-FFF2-40B4-BE49-F238E27FC236}">
-                <a16:creationId xmlns:a16="http://schemas.microsoft.com/office/drawing/2014/main" id="{01599350-F8B0-4FDC-B003-981189A8D654}"/>
-              </a:ext>
-            </a:extLst>
-          </p:cNvPr>
-          <p:cNvCxnSpPr>
-            <a:cxnSpLocks/>
-          </p:cNvCxnSpPr>
-          <p:nvPr/>
-        </p:nvCxnSpPr>
-        <p:spPr>
-          <a:xfrm>
-            <a:off x="2573222" y="454803"/>
-            <a:ext cx="6829482" cy="10398"/>
-          </a:xfrm>
-          <a:prstGeom prst="line">
-            <a:avLst/>
-          </a:prstGeom>
-        </p:spPr>
-        <p:style>
-          <a:lnRef idx="3">
-            <a:schemeClr val="dk1"/>
-          </a:lnRef>
-          <a:fillRef idx="0">
-            <a:schemeClr val="dk1"/>
-          </a:fillRef>
-          <a:effectRef idx="2">
-            <a:schemeClr val="dk1"/>
-          </a:effectRef>
-          <a:fontRef idx="minor">
-            <a:schemeClr val="tx1"/>
-          </a:fontRef>
-        </p:style>
-      </p:cxnSp>
-      <p:cxnSp>
-        <p:nvCxnSpPr>
-          <p:cNvPr id="59" name="Connecteur droit 58">
-            <a:extLst>
-              <a:ext uri="{FF2B5EF4-FFF2-40B4-BE49-F238E27FC236}">
-                <a16:creationId xmlns:a16="http://schemas.microsoft.com/office/drawing/2014/main" id="{BC6E6150-6054-4785-84EC-0C46D82034C2}"/>
-              </a:ext>
-            </a:extLst>
-          </p:cNvPr>
-          <p:cNvCxnSpPr>
-            <a:cxnSpLocks/>
-          </p:cNvCxnSpPr>
-          <p:nvPr/>
-        </p:nvCxnSpPr>
-        <p:spPr>
-          <a:xfrm>
-            <a:off x="738231" y="454803"/>
-            <a:ext cx="344203" cy="484764"/>
-          </a:xfrm>
-          <a:prstGeom prst="line">
-            <a:avLst/>
-          </a:prstGeom>
-        </p:spPr>
-        <p:style>
-          <a:lnRef idx="3">
-            <a:schemeClr val="dk1"/>
-          </a:lnRef>
-          <a:fillRef idx="0">
-            <a:schemeClr val="dk1"/>
-          </a:fillRef>
-          <a:effectRef idx="2">
-            <a:schemeClr val="dk1"/>
-          </a:effectRef>
-          <a:fontRef idx="minor">
-            <a:schemeClr val="tx1"/>
-          </a:fontRef>
-        </p:style>
-      </p:cxnSp>
-      <p:cxnSp>
-        <p:nvCxnSpPr>
-          <p:cNvPr id="60" name="Connecteur droit 59">
-            <a:extLst>
-              <a:ext uri="{FF2B5EF4-FFF2-40B4-BE49-F238E27FC236}">
-                <a16:creationId xmlns:a16="http://schemas.microsoft.com/office/drawing/2014/main" id="{CBC9961A-8EC2-4287-A398-BCA4138D409D}"/>
-              </a:ext>
-            </a:extLst>
-          </p:cNvPr>
-          <p:cNvCxnSpPr>
-            <a:cxnSpLocks/>
-          </p:cNvCxnSpPr>
-          <p:nvPr/>
-        </p:nvCxnSpPr>
-        <p:spPr>
-          <a:xfrm>
-            <a:off x="1082434" y="938268"/>
-            <a:ext cx="1146585" cy="0"/>
-          </a:xfrm>
-          <a:prstGeom prst="line">
-            <a:avLst/>
-          </a:prstGeom>
-        </p:spPr>
-        <p:style>
-          <a:lnRef idx="3">
-            <a:schemeClr val="dk1"/>
-          </a:lnRef>
-          <a:fillRef idx="0">
-            <a:schemeClr val="dk1"/>
-          </a:fillRef>
-          <a:effectRef idx="2">
-            <a:schemeClr val="dk1"/>
-          </a:effectRef>
-          <a:fontRef idx="minor">
-            <a:schemeClr val="tx1"/>
-          </a:fontRef>
-        </p:style>
-      </p:cxnSp>
-      <p:cxnSp>
-        <p:nvCxnSpPr>
-          <p:cNvPr id="61" name="Connecteur droit 60">
-            <a:extLst>
-              <a:ext uri="{FF2B5EF4-FFF2-40B4-BE49-F238E27FC236}">
-                <a16:creationId xmlns:a16="http://schemas.microsoft.com/office/drawing/2014/main" id="{152B7C45-2543-4665-BC07-4DB71CA9F337}"/>
-              </a:ext>
-            </a:extLst>
-          </p:cNvPr>
-          <p:cNvCxnSpPr>
-            <a:cxnSpLocks/>
-          </p:cNvCxnSpPr>
-          <p:nvPr/>
-        </p:nvCxnSpPr>
-        <p:spPr>
-          <a:xfrm>
-            <a:off x="9402704" y="465201"/>
-            <a:ext cx="344203" cy="495163"/>
-          </a:xfrm>
-          <a:prstGeom prst="line">
-            <a:avLst/>
-          </a:prstGeom>
-        </p:spPr>
-        <p:style>
-          <a:lnRef idx="3">
-            <a:schemeClr val="dk1"/>
-          </a:lnRef>
-          <a:fillRef idx="0">
-            <a:schemeClr val="dk1"/>
-          </a:fillRef>
-          <a:effectRef idx="2">
-            <a:schemeClr val="dk1"/>
-          </a:effectRef>
-          <a:fontRef idx="minor">
-            <a:schemeClr val="tx1"/>
-          </a:fontRef>
-        </p:style>
-      </p:cxnSp>
-      <p:cxnSp>
-        <p:nvCxnSpPr>
-          <p:cNvPr id="62" name="Connecteur droit 61">
-            <a:extLst>
-              <a:ext uri="{FF2B5EF4-FFF2-40B4-BE49-F238E27FC236}">
-                <a16:creationId xmlns:a16="http://schemas.microsoft.com/office/drawing/2014/main" id="{00A84DC3-A112-46A3-B71C-04D85339323D}"/>
-              </a:ext>
-            </a:extLst>
-          </p:cNvPr>
-          <p:cNvCxnSpPr>
-            <a:cxnSpLocks/>
-          </p:cNvCxnSpPr>
-          <p:nvPr/>
-        </p:nvCxnSpPr>
-        <p:spPr>
-          <a:xfrm flipH="1">
-            <a:off x="11370469" y="448308"/>
-            <a:ext cx="364332" cy="501657"/>
-          </a:xfrm>
-          <a:prstGeom prst="line">
-            <a:avLst/>
-          </a:prstGeom>
-        </p:spPr>
-        <p:style>
-          <a:lnRef idx="3">
-            <a:schemeClr val="dk1"/>
-          </a:lnRef>
-          <a:fillRef idx="0">
-            <a:schemeClr val="dk1"/>
-          </a:fillRef>
-          <a:effectRef idx="2">
-            <a:schemeClr val="dk1"/>
-          </a:effectRef>
-          <a:fontRef idx="minor">
-            <a:schemeClr val="tx1"/>
-          </a:fontRef>
-        </p:style>
-      </p:cxnSp>
-      <p:cxnSp>
-        <p:nvCxnSpPr>
-          <p:cNvPr id="63" name="Connecteur droit 62">
-            <a:extLst>
-              <a:ext uri="{FF2B5EF4-FFF2-40B4-BE49-F238E27FC236}">
-                <a16:creationId xmlns:a16="http://schemas.microsoft.com/office/drawing/2014/main" id="{C50788C6-8F68-44EC-AB54-94C1D2FE554D}"/>
-              </a:ext>
-            </a:extLst>
-          </p:cNvPr>
-          <p:cNvCxnSpPr>
-            <a:cxnSpLocks/>
-          </p:cNvCxnSpPr>
-          <p:nvPr/>
-        </p:nvCxnSpPr>
-        <p:spPr>
-          <a:xfrm>
-            <a:off x="9743203" y="949965"/>
-            <a:ext cx="1627266" cy="0"/>
-          </a:xfrm>
-          <a:prstGeom prst="line">
-            <a:avLst/>
-          </a:prstGeom>
-        </p:spPr>
-        <p:style>
-          <a:lnRef idx="3">
-            <a:schemeClr val="dk1"/>
-          </a:lnRef>
-          <a:fillRef idx="0">
-            <a:schemeClr val="dk1"/>
-          </a:fillRef>
-          <a:effectRef idx="2">
-            <a:schemeClr val="dk1"/>
-          </a:effectRef>
-          <a:fontRef idx="minor">
-            <a:schemeClr val="tx1"/>
-          </a:fontRef>
-        </p:style>
-      </p:cxnSp>
-      <p:cxnSp>
-        <p:nvCxnSpPr>
-          <p:cNvPr id="64" name="Connecteur droit 63">
-            <a:extLst>
-              <a:ext uri="{FF2B5EF4-FFF2-40B4-BE49-F238E27FC236}">
-                <a16:creationId xmlns:a16="http://schemas.microsoft.com/office/drawing/2014/main" id="{BC4D4E5F-5636-45CB-873C-EC085AB307A3}"/>
-              </a:ext>
-            </a:extLst>
-          </p:cNvPr>
-          <p:cNvCxnSpPr>
-            <a:cxnSpLocks/>
-          </p:cNvCxnSpPr>
-          <p:nvPr/>
-        </p:nvCxnSpPr>
-        <p:spPr>
-          <a:xfrm>
-            <a:off x="11715750" y="454801"/>
-            <a:ext cx="476249" cy="10400"/>
-          </a:xfrm>
-          <a:prstGeom prst="line">
-            <a:avLst/>
-          </a:prstGeom>
-        </p:spPr>
-        <p:style>
-          <a:lnRef idx="3">
-            <a:schemeClr val="dk1"/>
-          </a:lnRef>
-          <a:fillRef idx="0">
-            <a:schemeClr val="dk1"/>
-          </a:fillRef>
-          <a:effectRef idx="2">
-            <a:schemeClr val="dk1"/>
-          </a:effectRef>
-          <a:fontRef idx="minor">
-            <a:schemeClr val="tx1"/>
-          </a:fontRef>
-        </p:style>
-      </p:cxnSp>
-      <p:cxnSp>
-        <p:nvCxnSpPr>
-          <p:cNvPr id="65" name="Connecteur droit 64">
-            <a:extLst>
-              <a:ext uri="{FF2B5EF4-FFF2-40B4-BE49-F238E27FC236}">
-                <a16:creationId xmlns:a16="http://schemas.microsoft.com/office/drawing/2014/main" id="{E6F6B4C5-0E3B-46C9-859D-EE774175D36F}"/>
-              </a:ext>
-            </a:extLst>
-          </p:cNvPr>
-          <p:cNvCxnSpPr>
-            <a:cxnSpLocks/>
-          </p:cNvCxnSpPr>
-          <p:nvPr/>
-        </p:nvCxnSpPr>
-        <p:spPr>
-          <a:xfrm flipH="1">
-            <a:off x="2216372" y="446356"/>
-            <a:ext cx="364332" cy="501657"/>
-          </a:xfrm>
-          <a:prstGeom prst="line">
-            <a:avLst/>
-          </a:prstGeom>
-        </p:spPr>
-        <p:style>
-          <a:lnRef idx="3">
-            <a:schemeClr val="dk1"/>
-          </a:lnRef>
-          <a:fillRef idx="0">
-            <a:schemeClr val="dk1"/>
-          </a:fillRef>
-          <a:effectRef idx="2">
-            <a:schemeClr val="dk1"/>
-          </a:effectRef>
-          <a:fontRef idx="minor">
-            <a:schemeClr val="tx1"/>
-          </a:fontRef>
-        </p:style>
-      </p:cxnSp>
-      <p:sp>
-        <p:nvSpPr>
-          <p:cNvPr id="2" name="ZoneTexte 1">
-            <a:extLst>
-              <a:ext uri="{FF2B5EF4-FFF2-40B4-BE49-F238E27FC236}">
-                <a16:creationId xmlns:a16="http://schemas.microsoft.com/office/drawing/2014/main" id="{128A5370-27C5-4A3F-98D7-D74D075851FE}"/>
-              </a:ext>
-            </a:extLst>
-          </p:cNvPr>
-          <p:cNvSpPr txBox="1"/>
-          <p:nvPr/>
-        </p:nvSpPr>
-        <p:spPr>
-          <a:xfrm>
-            <a:off x="3813920" y="465793"/>
-            <a:ext cx="4355567" cy="769441"/>
-          </a:xfrm>
-          <a:prstGeom prst="rect">
-            <a:avLst/>
-          </a:prstGeom>
-          <a:noFill/>
-        </p:spPr>
-        <p:txBody>
-          <a:bodyPr wrap="square" rtlCol="0">
-            <a:spAutoFit/>
-          </a:bodyPr>
-          <a:lstStyle/>
-          <a:p>
-            <a:r>
-              <a:rPr lang="fr-FR" sz="4400" dirty="0">
-                <a:latin typeface="Berlin Sans FB" panose="020E0602020502020306" pitchFamily="34" charset="0"/>
-              </a:rPr>
-              <a:t>Solutions trouvées</a:t>
-            </a:r>
-          </a:p>
-        </p:txBody>
-      </p:sp>
-      <p:sp>
-        <p:nvSpPr>
-          <p:cNvPr id="7" name="ZoneTexte 6">
-            <a:extLst>
-              <a:ext uri="{FF2B5EF4-FFF2-40B4-BE49-F238E27FC236}">
-                <a16:creationId xmlns:a16="http://schemas.microsoft.com/office/drawing/2014/main" id="{F5143EC5-EF8B-4615-B050-3E12BF28AC28}"/>
-              </a:ext>
-            </a:extLst>
-          </p:cNvPr>
-          <p:cNvSpPr txBox="1"/>
-          <p:nvPr/>
-        </p:nvSpPr>
-        <p:spPr>
-          <a:xfrm>
             <a:off x="3951615" y="1235234"/>
             <a:ext cx="4072695" cy="523220"/>
           </a:xfrm>
@@ -11681,7 +10741,7 @@
 </p:sld>
 </file>
 
-<file path=ppt/slides/slide15.xml><?xml version="1.0" encoding="utf-8"?>
+<file path=ppt/slides/slide14.xml><?xml version="1.0" encoding="utf-8"?>
 <p:sld xmlns:a="http://schemas.openxmlformats.org/drawingml/2006/main" xmlns:r="http://schemas.openxmlformats.org/officeDocument/2006/relationships" xmlns:p="http://schemas.openxmlformats.org/presentationml/2006/main">
   <p:cSld>
     <p:spTree>
@@ -13543,7 +12603,7 @@
         </p:nvSpPr>
         <p:spPr>
           <a:xfrm>
-            <a:off x="4814667" y="328061"/>
+            <a:off x="4814667" y="470674"/>
             <a:ext cx="2562665" cy="769441"/>
           </a:xfrm>
           <a:prstGeom prst="rect">
@@ -13568,10 +12628,10 @@
       </p:sp>
       <p:sp>
         <p:nvSpPr>
-          <p:cNvPr id="3" name="ZoneTexte 2">
-            <a:extLst>
-              <a:ext uri="{FF2B5EF4-FFF2-40B4-BE49-F238E27FC236}">
-                <a16:creationId xmlns:a16="http://schemas.microsoft.com/office/drawing/2014/main" id="{CB9F1CDB-FD72-4E44-B933-A3F037259BEF}"/>
+          <p:cNvPr id="4" name="ZoneTexte 3">
+            <a:extLst>
+              <a:ext uri="{FF2B5EF4-FFF2-40B4-BE49-F238E27FC236}">
+                <a16:creationId xmlns:a16="http://schemas.microsoft.com/office/drawing/2014/main" id="{565AF92C-6CD8-4FE8-BEDE-91640A0D1ED5}"/>
               </a:ext>
             </a:extLst>
           </p:cNvPr>
@@ -13580,8 +12640,8 @@
         </p:nvSpPr>
         <p:spPr>
           <a:xfrm>
-            <a:off x="11652188" y="6403199"/>
-            <a:ext cx="301686" cy="369332"/>
+            <a:off x="1299735" y="2644170"/>
+            <a:ext cx="4796264" cy="1569660"/>
           </a:xfrm>
           <a:prstGeom prst="rect">
             <a:avLst/>
@@ -13589,18 +12649,88 @@
           <a:noFill/>
         </p:spPr>
         <p:txBody>
-          <a:bodyPr wrap="none" rtlCol="0">
+          <a:bodyPr wrap="square" numCol="1" rtlCol="0">
             <a:spAutoFit/>
           </a:bodyPr>
           <a:lstStyle/>
           <a:p>
+            <a:pPr marL="285750" indent="-285750">
+              <a:buFont typeface="Arial" panose="020B0604020202020204" pitchFamily="34" charset="0"/>
+              <a:buChar char="•"/>
+            </a:pPr>
             <a:r>
-              <a:rPr lang="fr-FR" dirty="0"/>
-              <a:t>1</a:t>
+              <a:rPr lang="fr-FR" sz="2400" dirty="0"/>
+              <a:t>Synoptique du projet</a:t>
+            </a:r>
+          </a:p>
+          <a:p>
+            <a:pPr marL="285750" indent="-285750">
+              <a:buFont typeface="Arial" panose="020B0604020202020204" pitchFamily="34" charset="0"/>
+              <a:buChar char="•"/>
+            </a:pPr>
+            <a:r>
+              <a:rPr lang="fr-FR" sz="2400" dirty="0"/>
+              <a:t>Rôle des étudiants</a:t>
+            </a:r>
+          </a:p>
+          <a:p>
+            <a:pPr marL="285750" indent="-285750">
+              <a:buFont typeface="Arial" panose="020B0604020202020204" pitchFamily="34" charset="0"/>
+              <a:buChar char="•"/>
+            </a:pPr>
+            <a:r>
+              <a:rPr lang="fr-FR" sz="2400" dirty="0"/>
+              <a:t>Planification</a:t>
+            </a:r>
+          </a:p>
+          <a:p>
+            <a:pPr marL="285750" indent="-285750">
+              <a:buFont typeface="Arial" panose="020B0604020202020204" pitchFamily="34" charset="0"/>
+              <a:buChar char="•"/>
+            </a:pPr>
+            <a:r>
+              <a:rPr lang="fr-FR" sz="2400" dirty="0"/>
+              <a:t>Cahier de recette</a:t>
             </a:r>
           </a:p>
         </p:txBody>
       </p:sp>
+      <p:pic>
+        <p:nvPicPr>
+          <p:cNvPr id="27" name="Image 26">
+            <a:extLst>
+              <a:ext uri="{FF2B5EF4-FFF2-40B4-BE49-F238E27FC236}">
+                <a16:creationId xmlns:a16="http://schemas.microsoft.com/office/drawing/2014/main" id="{BE683773-8164-4102-83C0-7651FB158AEB}"/>
+              </a:ext>
+            </a:extLst>
+          </p:cNvPr>
+          <p:cNvPicPr>
+            <a:picLocks noChangeAspect="1"/>
+          </p:cNvPicPr>
+          <p:nvPr/>
+        </p:nvPicPr>
+        <p:blipFill>
+          <a:blip r:embed="rId4">
+            <a:extLst>
+              <a:ext uri="{28A0092B-C50C-407E-A947-70E740481C1C}">
+                <a14:useLocalDpi xmlns:a14="http://schemas.microsoft.com/office/drawing/2010/main" val="0"/>
+              </a:ext>
+            </a:extLst>
+          </a:blip>
+          <a:stretch>
+            <a:fillRect/>
+          </a:stretch>
+        </p:blipFill>
+        <p:spPr>
+          <a:xfrm>
+            <a:off x="6492011" y="2194956"/>
+            <a:ext cx="4436949" cy="3567307"/>
+          </a:xfrm>
+          <a:prstGeom prst="rect">
+            <a:avLst/>
+          </a:prstGeom>
+        </p:spPr>
+      </p:pic>
     </p:spTree>
     <p:extLst>
       <p:ext uri="{BB962C8B-B14F-4D97-AF65-F5344CB8AC3E}">
@@ -14462,7 +13592,7 @@
           <a:p>
             <a:r>
               <a:rPr lang="fr-FR" dirty="0"/>
-              <a:t>2</a:t>
+              <a:t>1</a:t>
             </a:r>
           </a:p>
         </p:txBody>
@@ -15632,7 +14762,7 @@
           <a:p>
             <a:r>
               <a:rPr lang="fr-FR" dirty="0"/>
-              <a:t>3</a:t>
+              <a:t>2</a:t>
             </a:r>
           </a:p>
         </p:txBody>
@@ -16438,7 +15568,7 @@
           <p:cNvPr id="4" name="ZoneTexte 3">
             <a:extLst>
               <a:ext uri="{FF2B5EF4-FFF2-40B4-BE49-F238E27FC236}">
-                <a16:creationId xmlns:a16="http://schemas.microsoft.com/office/drawing/2014/main" id="{E77BD0C0-B104-436D-A198-D80CD647A659}"/>
+                <a16:creationId xmlns:a16="http://schemas.microsoft.com/office/drawing/2014/main" id="{6F856B2B-03F4-4FE3-A57C-C9CAAF971B24}"/>
               </a:ext>
             </a:extLst>
           </p:cNvPr>
@@ -16447,8 +15577,8 @@
         </p:nvSpPr>
         <p:spPr>
           <a:xfrm>
-            <a:off x="3699957" y="465670"/>
-            <a:ext cx="4583494" cy="1446550"/>
+            <a:off x="4525333" y="450398"/>
+            <a:ext cx="3134057" cy="769441"/>
           </a:xfrm>
           <a:prstGeom prst="rect">
             <a:avLst/>
@@ -16461,52 +15591,21 @@
           </a:bodyPr>
           <a:lstStyle/>
           <a:p>
-            <a:pPr algn="ctr"/>
             <a:r>
               <a:rPr lang="fr-FR" sz="4400" dirty="0">
                 <a:latin typeface="Berlin Sans FB" panose="020E0602020502020306" pitchFamily="34" charset="0"/>
               </a:rPr>
-              <a:t>Diagramme de cas d’utilisation</a:t>
+              <a:t>Planification</a:t>
             </a:r>
           </a:p>
         </p:txBody>
       </p:sp>
-      <p:pic>
-        <p:nvPicPr>
-          <p:cNvPr id="2" name="Image 1">
-            <a:extLst>
-              <a:ext uri="{FF2B5EF4-FFF2-40B4-BE49-F238E27FC236}">
-                <a16:creationId xmlns:a16="http://schemas.microsoft.com/office/drawing/2014/main" id="{1DC95510-B8A0-4900-91CE-704E85C3BCCB}"/>
-              </a:ext>
-            </a:extLst>
-          </p:cNvPr>
-          <p:cNvPicPr>
-            <a:picLocks noChangeAspect="1"/>
-          </p:cNvPicPr>
-          <p:nvPr/>
-        </p:nvPicPr>
-        <p:blipFill>
-          <a:blip r:embed="rId4"/>
-          <a:stretch>
-            <a:fillRect/>
-          </a:stretch>
-        </p:blipFill>
-        <p:spPr>
-          <a:xfrm>
-            <a:off x="2356152" y="1912220"/>
-            <a:ext cx="7263621" cy="4722155"/>
-          </a:xfrm>
-          <a:prstGeom prst="rect">
-            <a:avLst/>
-          </a:prstGeom>
-        </p:spPr>
-      </p:pic>
       <p:sp>
         <p:nvSpPr>
           <p:cNvPr id="24" name="ZoneTexte 23">
             <a:extLst>
               <a:ext uri="{FF2B5EF4-FFF2-40B4-BE49-F238E27FC236}">
-                <a16:creationId xmlns:a16="http://schemas.microsoft.com/office/drawing/2014/main" id="{942077CA-6AF7-4AB6-9FFD-7C4A06B82218}"/>
+                <a16:creationId xmlns:a16="http://schemas.microsoft.com/office/drawing/2014/main" id="{F77B50FE-AFC9-4F2E-AD35-CB27102BA0F4}"/>
               </a:ext>
             </a:extLst>
           </p:cNvPr>
@@ -16531,15 +15630,230 @@
           <a:p>
             <a:r>
               <a:rPr lang="fr-FR" dirty="0"/>
-              <a:t>4</a:t>
+              <a:t>3</a:t>
             </a:r>
+          </a:p>
+        </p:txBody>
+      </p:sp>
+      <p:pic>
+        <p:nvPicPr>
+          <p:cNvPr id="6" name="Image 5">
+            <a:extLst>
+              <a:ext uri="{FF2B5EF4-FFF2-40B4-BE49-F238E27FC236}">
+                <a16:creationId xmlns:a16="http://schemas.microsoft.com/office/drawing/2014/main" id="{E1A9A08D-1EBB-4D0D-9758-913AB11C683D}"/>
+              </a:ext>
+            </a:extLst>
+          </p:cNvPr>
+          <p:cNvPicPr>
+            <a:picLocks noChangeAspect="1"/>
+          </p:cNvPicPr>
+          <p:nvPr/>
+        </p:nvPicPr>
+        <p:blipFill>
+          <a:blip r:embed="rId4">
+            <a:extLst>
+              <a:ext uri="{28A0092B-C50C-407E-A947-70E740481C1C}">
+                <a14:useLocalDpi xmlns:a14="http://schemas.microsoft.com/office/drawing/2010/main" val="0"/>
+              </a:ext>
+            </a:extLst>
+          </a:blip>
+          <a:stretch>
+            <a:fillRect/>
+          </a:stretch>
+        </p:blipFill>
+        <p:spPr>
+          <a:xfrm>
+            <a:off x="1349041" y="2549022"/>
+            <a:ext cx="1759956" cy="1759956"/>
+          </a:xfrm>
+          <a:prstGeom prst="rect">
+            <a:avLst/>
+          </a:prstGeom>
+        </p:spPr>
+      </p:pic>
+      <p:sp>
+        <p:nvSpPr>
+          <p:cNvPr id="7" name="ZoneTexte 6">
+            <a:extLst>
+              <a:ext uri="{FF2B5EF4-FFF2-40B4-BE49-F238E27FC236}">
+                <a16:creationId xmlns:a16="http://schemas.microsoft.com/office/drawing/2014/main" id="{260665CE-B0A8-4C56-8A05-4B16B8CF4549}"/>
+              </a:ext>
+            </a:extLst>
+          </p:cNvPr>
+          <p:cNvSpPr txBox="1"/>
+          <p:nvPr/>
+        </p:nvSpPr>
+        <p:spPr>
+          <a:xfrm>
+            <a:off x="1803438" y="4685601"/>
+            <a:ext cx="825867" cy="369332"/>
+          </a:xfrm>
+          <a:prstGeom prst="rect">
+            <a:avLst/>
+          </a:prstGeom>
+          <a:noFill/>
+        </p:spPr>
+        <p:txBody>
+          <a:bodyPr wrap="none" rtlCol="0">
+            <a:spAutoFit/>
+          </a:bodyPr>
+          <a:lstStyle/>
+          <a:p>
+            <a:r>
+              <a:rPr lang="fr-FR" dirty="0" err="1"/>
+              <a:t>Github</a:t>
+            </a:r>
+            <a:endParaRPr lang="fr-FR" dirty="0"/>
+          </a:p>
+        </p:txBody>
+      </p:sp>
+      <p:pic>
+        <p:nvPicPr>
+          <p:cNvPr id="13" name="Image 12">
+            <a:extLst>
+              <a:ext uri="{FF2B5EF4-FFF2-40B4-BE49-F238E27FC236}">
+                <a16:creationId xmlns:a16="http://schemas.microsoft.com/office/drawing/2014/main" id="{D09D8C76-82E9-4A3F-BBC9-35D209B8C608}"/>
+              </a:ext>
+            </a:extLst>
+          </p:cNvPr>
+          <p:cNvPicPr>
+            <a:picLocks noChangeAspect="1"/>
+          </p:cNvPicPr>
+          <p:nvPr/>
+        </p:nvPicPr>
+        <p:blipFill>
+          <a:blip r:embed="rId5">
+            <a:extLst>
+              <a:ext uri="{28A0092B-C50C-407E-A947-70E740481C1C}">
+                <a14:useLocalDpi xmlns:a14="http://schemas.microsoft.com/office/drawing/2010/main" val="0"/>
+              </a:ext>
+            </a:extLst>
+          </a:blip>
+          <a:stretch>
+            <a:fillRect/>
+          </a:stretch>
+        </p:blipFill>
+        <p:spPr>
+          <a:xfrm>
+            <a:off x="4238017" y="2551215"/>
+            <a:ext cx="3708687" cy="1757763"/>
+          </a:xfrm>
+          <a:prstGeom prst="rect">
+            <a:avLst/>
+          </a:prstGeom>
+        </p:spPr>
+      </p:pic>
+      <p:sp>
+        <p:nvSpPr>
+          <p:cNvPr id="33" name="ZoneTexte 32">
+            <a:extLst>
+              <a:ext uri="{FF2B5EF4-FFF2-40B4-BE49-F238E27FC236}">
+                <a16:creationId xmlns:a16="http://schemas.microsoft.com/office/drawing/2014/main" id="{24E37072-86E2-4863-B864-D93017900FC1}"/>
+              </a:ext>
+            </a:extLst>
+          </p:cNvPr>
+          <p:cNvSpPr txBox="1"/>
+          <p:nvPr/>
+        </p:nvSpPr>
+        <p:spPr>
+          <a:xfrm>
+            <a:off x="5491330" y="4685601"/>
+            <a:ext cx="1202060" cy="369332"/>
+          </a:xfrm>
+          <a:prstGeom prst="rect">
+            <a:avLst/>
+          </a:prstGeom>
+          <a:noFill/>
+        </p:spPr>
+        <p:txBody>
+          <a:bodyPr wrap="none" rtlCol="0">
+            <a:spAutoFit/>
+          </a:bodyPr>
+          <a:lstStyle/>
+          <a:p>
+            <a:r>
+              <a:rPr lang="fr-FR" dirty="0"/>
+              <a:t>MS Project</a:t>
+            </a:r>
+          </a:p>
+        </p:txBody>
+      </p:sp>
+      <p:pic>
+        <p:nvPicPr>
+          <p:cNvPr id="15" name="Image 14">
+            <a:extLst>
+              <a:ext uri="{FF2B5EF4-FFF2-40B4-BE49-F238E27FC236}">
+                <a16:creationId xmlns:a16="http://schemas.microsoft.com/office/drawing/2014/main" id="{D98540ED-07D8-460A-A114-EEF979FDC76E}"/>
+              </a:ext>
+            </a:extLst>
+          </p:cNvPr>
+          <p:cNvPicPr>
+            <a:picLocks noChangeAspect="1"/>
+          </p:cNvPicPr>
+          <p:nvPr/>
+        </p:nvPicPr>
+        <p:blipFill>
+          <a:blip r:embed="rId6">
+            <a:extLst>
+              <a:ext uri="{28A0092B-C50C-407E-A947-70E740481C1C}">
+                <a14:useLocalDpi xmlns:a14="http://schemas.microsoft.com/office/drawing/2010/main" val="0"/>
+              </a:ext>
+            </a:extLst>
+          </a:blip>
+          <a:stretch>
+            <a:fillRect/>
+          </a:stretch>
+        </p:blipFill>
+        <p:spPr>
+          <a:xfrm>
+            <a:off x="9083003" y="2549022"/>
+            <a:ext cx="1759956" cy="1759956"/>
+          </a:xfrm>
+          <a:prstGeom prst="rect">
+            <a:avLst/>
+          </a:prstGeom>
+        </p:spPr>
+      </p:pic>
+      <p:sp>
+        <p:nvSpPr>
+          <p:cNvPr id="36" name="ZoneTexte 35">
+            <a:extLst>
+              <a:ext uri="{FF2B5EF4-FFF2-40B4-BE49-F238E27FC236}">
+                <a16:creationId xmlns:a16="http://schemas.microsoft.com/office/drawing/2014/main" id="{7ABCBCA5-1899-4552-B9EE-DC8E52A00D25}"/>
+              </a:ext>
+            </a:extLst>
+          </p:cNvPr>
+          <p:cNvSpPr txBox="1"/>
+          <p:nvPr/>
+        </p:nvSpPr>
+        <p:spPr>
+          <a:xfrm>
+            <a:off x="9419851" y="4688700"/>
+            <a:ext cx="1086259" cy="369332"/>
+          </a:xfrm>
+          <a:prstGeom prst="rect">
+            <a:avLst/>
+          </a:prstGeom>
+          <a:noFill/>
+        </p:spPr>
+        <p:txBody>
+          <a:bodyPr wrap="none" rtlCol="0">
+            <a:spAutoFit/>
+          </a:bodyPr>
+          <a:lstStyle/>
+          <a:p>
+            <a:r>
+              <a:rPr lang="fr-FR" dirty="0" err="1"/>
+              <a:t>Bloc-note</a:t>
+            </a:r>
+            <a:endParaRPr lang="fr-FR" dirty="0"/>
           </a:p>
         </p:txBody>
       </p:sp>
     </p:spTree>
     <p:extLst>
       <p:ext uri="{BB962C8B-B14F-4D97-AF65-F5344CB8AC3E}">
-        <p14:creationId xmlns:p14="http://schemas.microsoft.com/office/powerpoint/2010/main" val="2016876074"/>
+        <p14:creationId xmlns:p14="http://schemas.microsoft.com/office/powerpoint/2010/main" val="1412701524"/>
       </p:ext>
     </p:extLst>
   </p:cSld>
@@ -17334,10 +16648,10 @@
       </p:cxnSp>
       <p:sp>
         <p:nvSpPr>
-          <p:cNvPr id="4" name="ZoneTexte 3">
-            <a:extLst>
-              <a:ext uri="{FF2B5EF4-FFF2-40B4-BE49-F238E27FC236}">
-                <a16:creationId xmlns:a16="http://schemas.microsoft.com/office/drawing/2014/main" id="{6F856B2B-03F4-4FE3-A57C-C9CAAF971B24}"/>
+          <p:cNvPr id="2" name="ZoneTexte 1">
+            <a:extLst>
+              <a:ext uri="{FF2B5EF4-FFF2-40B4-BE49-F238E27FC236}">
+                <a16:creationId xmlns:a16="http://schemas.microsoft.com/office/drawing/2014/main" id="{E8762E70-88D2-4566-9A54-94377E9A9CC8}"/>
               </a:ext>
             </a:extLst>
           </p:cNvPr>
@@ -17346,8 +16660,8 @@
         </p:nvSpPr>
         <p:spPr>
           <a:xfrm>
-            <a:off x="2961943" y="470674"/>
-            <a:ext cx="6085447" cy="769441"/>
+            <a:off x="3566824" y="471562"/>
+            <a:ext cx="5128141" cy="769441"/>
           </a:xfrm>
           <a:prstGeom prst="rect">
             <a:avLst/>
@@ -17364,17 +16678,17 @@
               <a:rPr lang="fr-FR" sz="4400" dirty="0">
                 <a:latin typeface="Berlin Sans FB" panose="020E0602020502020306" pitchFamily="34" charset="0"/>
               </a:rPr>
-              <a:t>Diagramme de séquence</a:t>
+              <a:t>Diagramme de classe</a:t>
             </a:r>
           </a:p>
         </p:txBody>
       </p:sp>
       <p:pic>
         <p:nvPicPr>
-          <p:cNvPr id="2" name="Image 1">
-            <a:extLst>
-              <a:ext uri="{FF2B5EF4-FFF2-40B4-BE49-F238E27FC236}">
-                <a16:creationId xmlns:a16="http://schemas.microsoft.com/office/drawing/2014/main" id="{CFDAE115-A15F-4D3E-B58A-4A8127B4E027}"/>
+          <p:cNvPr id="7" name="Image 6">
+            <a:extLst>
+              <a:ext uri="{FF2B5EF4-FFF2-40B4-BE49-F238E27FC236}">
+                <a16:creationId xmlns:a16="http://schemas.microsoft.com/office/drawing/2014/main" id="{35DD8334-5792-484E-A2BF-5679875DF413}"/>
               </a:ext>
             </a:extLst>
           </p:cNvPr>
@@ -17384,15 +16698,21 @@
           <p:nvPr/>
         </p:nvPicPr>
         <p:blipFill>
-          <a:blip r:embed="rId4"/>
+          <a:blip r:embed="rId4">
+            <a:extLst>
+              <a:ext uri="{28A0092B-C50C-407E-A947-70E740481C1C}">
+                <a14:useLocalDpi xmlns:a14="http://schemas.microsoft.com/office/drawing/2010/main" val="0"/>
+              </a:ext>
+            </a:extLst>
+          </a:blip>
           <a:stretch>
             <a:fillRect/>
           </a:stretch>
         </p:blipFill>
         <p:spPr>
           <a:xfrm>
-            <a:off x="2430176" y="1407004"/>
-            <a:ext cx="7115573" cy="5339029"/>
+            <a:off x="1536287" y="1341581"/>
+            <a:ext cx="9189213" cy="5516419"/>
           </a:xfrm>
           <a:prstGeom prst="rect">
             <a:avLst/>
@@ -17404,7 +16724,7 @@
           <p:cNvPr id="24" name="ZoneTexte 23">
             <a:extLst>
               <a:ext uri="{FF2B5EF4-FFF2-40B4-BE49-F238E27FC236}">
-                <a16:creationId xmlns:a16="http://schemas.microsoft.com/office/drawing/2014/main" id="{F77B50FE-AFC9-4F2E-AD35-CB27102BA0F4}"/>
+                <a16:creationId xmlns:a16="http://schemas.microsoft.com/office/drawing/2014/main" id="{42387210-6B43-406B-9FDD-99ED00EF492F}"/>
               </a:ext>
             </a:extLst>
           </p:cNvPr>
@@ -17429,7 +16749,7 @@
           <a:p>
             <a:r>
               <a:rPr lang="fr-FR" dirty="0"/>
-              <a:t>5</a:t>
+              <a:t>6</a:t>
             </a:r>
           </a:p>
         </p:txBody>
@@ -17437,7 +16757,7 @@
     </p:spTree>
     <p:extLst>
       <p:ext uri="{BB962C8B-B14F-4D97-AF65-F5344CB8AC3E}">
-        <p14:creationId xmlns:p14="http://schemas.microsoft.com/office/powerpoint/2010/main" val="1412701524"/>
+        <p14:creationId xmlns:p14="http://schemas.microsoft.com/office/powerpoint/2010/main" val="3586196131"/>
       </p:ext>
     </p:extLst>
   </p:cSld>
@@ -18235,7 +17555,7 @@
           <p:cNvPr id="2" name="ZoneTexte 1">
             <a:extLst>
               <a:ext uri="{FF2B5EF4-FFF2-40B4-BE49-F238E27FC236}">
-                <a16:creationId xmlns:a16="http://schemas.microsoft.com/office/drawing/2014/main" id="{E8762E70-88D2-4566-9A54-94377E9A9CC8}"/>
+                <a16:creationId xmlns:a16="http://schemas.microsoft.com/office/drawing/2014/main" id="{27396238-7A76-4B8F-981D-280A71EC12F4}"/>
               </a:ext>
             </a:extLst>
           </p:cNvPr>
@@ -18244,8 +17564,8 @@
         </p:nvSpPr>
         <p:spPr>
           <a:xfrm>
-            <a:off x="3566824" y="471562"/>
-            <a:ext cx="5128141" cy="769441"/>
+            <a:off x="3573077" y="459490"/>
+            <a:ext cx="4837254" cy="769441"/>
           </a:xfrm>
           <a:prstGeom prst="rect">
             <a:avLst/>
@@ -18262,17 +17582,17 @@
               <a:rPr lang="fr-FR" sz="4400" dirty="0">
                 <a:latin typeface="Berlin Sans FB" panose="020E0602020502020306" pitchFamily="34" charset="0"/>
               </a:rPr>
-              <a:t>Diagramme de classe</a:t>
+              <a:t>Diagramme de bloc</a:t>
             </a:r>
           </a:p>
         </p:txBody>
       </p:sp>
       <p:pic>
         <p:nvPicPr>
-          <p:cNvPr id="7" name="Image 6">
-            <a:extLst>
-              <a:ext uri="{FF2B5EF4-FFF2-40B4-BE49-F238E27FC236}">
-                <a16:creationId xmlns:a16="http://schemas.microsoft.com/office/drawing/2014/main" id="{35DD8334-5792-484E-A2BF-5679875DF413}"/>
+          <p:cNvPr id="4" name="Image 3">
+            <a:extLst>
+              <a:ext uri="{FF2B5EF4-FFF2-40B4-BE49-F238E27FC236}">
+                <a16:creationId xmlns:a16="http://schemas.microsoft.com/office/drawing/2014/main" id="{7E60C251-29D0-4848-8D5B-5DB9F0C6EC10}"/>
               </a:ext>
             </a:extLst>
           </p:cNvPr>
@@ -18295,8 +17615,8 @@
         </p:blipFill>
         <p:spPr>
           <a:xfrm>
-            <a:off x="1536287" y="1341581"/>
-            <a:ext cx="9189213" cy="5516419"/>
+            <a:off x="2658495" y="1228931"/>
+            <a:ext cx="6658935" cy="5269717"/>
           </a:xfrm>
           <a:prstGeom prst="rect">
             <a:avLst/>
@@ -18308,7 +17628,7 @@
           <p:cNvPr id="24" name="ZoneTexte 23">
             <a:extLst>
               <a:ext uri="{FF2B5EF4-FFF2-40B4-BE49-F238E27FC236}">
-                <a16:creationId xmlns:a16="http://schemas.microsoft.com/office/drawing/2014/main" id="{42387210-6B43-406B-9FDD-99ED00EF492F}"/>
+                <a16:creationId xmlns:a16="http://schemas.microsoft.com/office/drawing/2014/main" id="{58FF0A82-32A5-4BE3-9C7C-49DA19899A1D}"/>
               </a:ext>
             </a:extLst>
           </p:cNvPr>
@@ -18333,7 +17653,7 @@
           <a:p>
             <a:r>
               <a:rPr lang="fr-FR" dirty="0"/>
-              <a:t>6</a:t>
+              <a:t>7</a:t>
             </a:r>
           </a:p>
         </p:txBody>
@@ -18341,7 +17661,7 @@
     </p:spTree>
     <p:extLst>
       <p:ext uri="{BB962C8B-B14F-4D97-AF65-F5344CB8AC3E}">
-        <p14:creationId xmlns:p14="http://schemas.microsoft.com/office/powerpoint/2010/main" val="3586196131"/>
+        <p14:creationId xmlns:p14="http://schemas.microsoft.com/office/powerpoint/2010/main" val="1093378480"/>
       </p:ext>
     </p:extLst>
   </p:cSld>
@@ -19139,7 +18459,7 @@
           <p:cNvPr id="2" name="ZoneTexte 1">
             <a:extLst>
               <a:ext uri="{FF2B5EF4-FFF2-40B4-BE49-F238E27FC236}">
-                <a16:creationId xmlns:a16="http://schemas.microsoft.com/office/drawing/2014/main" id="{27396238-7A76-4B8F-981D-280A71EC12F4}"/>
+                <a16:creationId xmlns:a16="http://schemas.microsoft.com/office/drawing/2014/main" id="{019E5183-3507-4DC9-B021-75F1BA1CA190}"/>
               </a:ext>
             </a:extLst>
           </p:cNvPr>
@@ -19148,8 +18468,8 @@
         </p:nvSpPr>
         <p:spPr>
           <a:xfrm>
-            <a:off x="3573077" y="459490"/>
-            <a:ext cx="4837254" cy="769441"/>
+            <a:off x="3580819" y="449902"/>
+            <a:ext cx="4821769" cy="769441"/>
           </a:xfrm>
           <a:prstGeom prst="rect">
             <a:avLst/>
@@ -19166,17 +18486,17 @@
               <a:rPr lang="fr-FR" sz="4400" dirty="0">
                 <a:latin typeface="Berlin Sans FB" panose="020E0602020502020306" pitchFamily="34" charset="0"/>
               </a:rPr>
-              <a:t>Diagramme de bloc</a:t>
+              <a:t>Analyse du matériel</a:t>
             </a:r>
           </a:p>
         </p:txBody>
       </p:sp>
       <p:pic>
         <p:nvPicPr>
-          <p:cNvPr id="4" name="Image 3">
-            <a:extLst>
-              <a:ext uri="{FF2B5EF4-FFF2-40B4-BE49-F238E27FC236}">
-                <a16:creationId xmlns:a16="http://schemas.microsoft.com/office/drawing/2014/main" id="{7E60C251-29D0-4848-8D5B-5DB9F0C6EC10}"/>
+          <p:cNvPr id="24" name="Image 23" descr="Une image contenant transport&#10;&#10;Description générée avec un niveau de confiance très élevé">
+            <a:extLst>
+              <a:ext uri="{FF2B5EF4-FFF2-40B4-BE49-F238E27FC236}">
+                <a16:creationId xmlns:a16="http://schemas.microsoft.com/office/drawing/2014/main" id="{4CD3177C-CB9C-4C0D-8079-4AA644CE5E50}"/>
               </a:ext>
             </a:extLst>
           </p:cNvPr>
@@ -19199,8 +18519,152 @@
         </p:blipFill>
         <p:spPr>
           <a:xfrm>
-            <a:off x="2658495" y="1228931"/>
-            <a:ext cx="6658935" cy="5269717"/>
+            <a:off x="1068751" y="1551166"/>
+            <a:ext cx="715646" cy="715646"/>
+          </a:xfrm>
+          <a:prstGeom prst="rect">
+            <a:avLst/>
+          </a:prstGeom>
+        </p:spPr>
+      </p:pic>
+      <p:pic>
+        <p:nvPicPr>
+          <p:cNvPr id="25" name="Image 24">
+            <a:extLst>
+              <a:ext uri="{FF2B5EF4-FFF2-40B4-BE49-F238E27FC236}">
+                <a16:creationId xmlns:a16="http://schemas.microsoft.com/office/drawing/2014/main" id="{C013474F-1EDC-4B3D-B268-4E855F63F77E}"/>
+              </a:ext>
+            </a:extLst>
+          </p:cNvPr>
+          <p:cNvPicPr>
+            <a:picLocks noChangeAspect="1"/>
+          </p:cNvPicPr>
+          <p:nvPr/>
+        </p:nvPicPr>
+        <p:blipFill>
+          <a:blip r:embed="rId5">
+            <a:extLst>
+              <a:ext uri="{28A0092B-C50C-407E-A947-70E740481C1C}">
+                <a14:useLocalDpi xmlns:a14="http://schemas.microsoft.com/office/drawing/2010/main" val="0"/>
+              </a:ext>
+            </a:extLst>
+          </a:blip>
+          <a:stretch>
+            <a:fillRect/>
+          </a:stretch>
+        </p:blipFill>
+        <p:spPr>
+          <a:xfrm>
+            <a:off x="1113721" y="2775046"/>
+            <a:ext cx="625703" cy="625703"/>
+          </a:xfrm>
+          <a:prstGeom prst="rect">
+            <a:avLst/>
+          </a:prstGeom>
+        </p:spPr>
+      </p:pic>
+      <p:pic>
+        <p:nvPicPr>
+          <p:cNvPr id="28" name="Image 27">
+            <a:extLst>
+              <a:ext uri="{FF2B5EF4-FFF2-40B4-BE49-F238E27FC236}">
+                <a16:creationId xmlns:a16="http://schemas.microsoft.com/office/drawing/2014/main" id="{57519E8A-918A-4B7A-A373-A121BE04A122}"/>
+              </a:ext>
+            </a:extLst>
+          </p:cNvPr>
+          <p:cNvPicPr>
+            <a:picLocks noChangeAspect="1"/>
+          </p:cNvPicPr>
+          <p:nvPr/>
+        </p:nvPicPr>
+        <p:blipFill>
+          <a:blip r:embed="rId6">
+            <a:extLst>
+              <a:ext uri="{28A0092B-C50C-407E-A947-70E740481C1C}">
+                <a14:useLocalDpi xmlns:a14="http://schemas.microsoft.com/office/drawing/2010/main" val="0"/>
+              </a:ext>
+            </a:extLst>
+          </a:blip>
+          <a:stretch>
+            <a:fillRect/>
+          </a:stretch>
+        </p:blipFill>
+        <p:spPr>
+          <a:xfrm>
+            <a:off x="6442369" y="3741299"/>
+            <a:ext cx="700821" cy="700821"/>
+          </a:xfrm>
+          <a:prstGeom prst="rect">
+            <a:avLst/>
+          </a:prstGeom>
+        </p:spPr>
+      </p:pic>
+      <p:pic>
+        <p:nvPicPr>
+          <p:cNvPr id="29" name="Image 28">
+            <a:extLst>
+              <a:ext uri="{FF2B5EF4-FFF2-40B4-BE49-F238E27FC236}">
+                <a16:creationId xmlns:a16="http://schemas.microsoft.com/office/drawing/2014/main" id="{0875E027-F508-4529-A577-BAE6AA73B275}"/>
+              </a:ext>
+            </a:extLst>
+          </p:cNvPr>
+          <p:cNvPicPr>
+            <a:picLocks noChangeAspect="1"/>
+          </p:cNvPicPr>
+          <p:nvPr/>
+        </p:nvPicPr>
+        <p:blipFill>
+          <a:blip r:embed="rId7">
+            <a:extLst>
+              <a:ext uri="{28A0092B-C50C-407E-A947-70E740481C1C}">
+                <a14:useLocalDpi xmlns:a14="http://schemas.microsoft.com/office/drawing/2010/main" val="0"/>
+              </a:ext>
+            </a:extLst>
+          </a:blip>
+          <a:stretch>
+            <a:fillRect/>
+          </a:stretch>
+        </p:blipFill>
+        <p:spPr>
+          <a:xfrm>
+            <a:off x="6416140" y="2653833"/>
+            <a:ext cx="746916" cy="746916"/>
+          </a:xfrm>
+          <a:prstGeom prst="rect">
+            <a:avLst/>
+          </a:prstGeom>
+        </p:spPr>
+      </p:pic>
+      <p:pic>
+        <p:nvPicPr>
+          <p:cNvPr id="4" name="Image 3">
+            <a:extLst>
+              <a:ext uri="{FF2B5EF4-FFF2-40B4-BE49-F238E27FC236}">
+                <a16:creationId xmlns:a16="http://schemas.microsoft.com/office/drawing/2014/main" id="{6A56240B-CEBA-4842-83FC-DA1952EEB740}"/>
+              </a:ext>
+            </a:extLst>
+          </p:cNvPr>
+          <p:cNvPicPr>
+            <a:picLocks noChangeAspect="1"/>
+          </p:cNvPicPr>
+          <p:nvPr/>
+        </p:nvPicPr>
+        <p:blipFill>
+          <a:blip r:embed="rId8">
+            <a:extLst>
+              <a:ext uri="{28A0092B-C50C-407E-A947-70E740481C1C}">
+                <a14:useLocalDpi xmlns:a14="http://schemas.microsoft.com/office/drawing/2010/main" val="0"/>
+              </a:ext>
+            </a:extLst>
+          </a:blip>
+          <a:stretch>
+            <a:fillRect/>
+          </a:stretch>
+        </p:blipFill>
+        <p:spPr>
+          <a:xfrm>
+            <a:off x="6399429" y="1551166"/>
+            <a:ext cx="780337" cy="780337"/>
           </a:xfrm>
           <a:prstGeom prst="rect">
             <a:avLst/>
@@ -19209,10 +18673,10 @@
       </p:pic>
       <p:sp>
         <p:nvSpPr>
-          <p:cNvPr id="24" name="ZoneTexte 23">
-            <a:extLst>
-              <a:ext uri="{FF2B5EF4-FFF2-40B4-BE49-F238E27FC236}">
-                <a16:creationId xmlns:a16="http://schemas.microsoft.com/office/drawing/2014/main" id="{58FF0A82-32A5-4BE3-9C7C-49DA19899A1D}"/>
+          <p:cNvPr id="3" name="ZoneTexte 2">
+            <a:extLst>
+              <a:ext uri="{FF2B5EF4-FFF2-40B4-BE49-F238E27FC236}">
+                <a16:creationId xmlns:a16="http://schemas.microsoft.com/office/drawing/2014/main" id="{6F21E2AC-5013-4E14-AA1E-CF440C8AF6D5}"/>
               </a:ext>
             </a:extLst>
           </p:cNvPr>
@@ -19221,8 +18685,301 @@
         </p:nvSpPr>
         <p:spPr>
           <a:xfrm>
-            <a:off x="11652188" y="6403199"/>
-            <a:ext cx="301686" cy="369332"/>
+            <a:off x="1886350" y="1551166"/>
+            <a:ext cx="3248997" cy="646331"/>
+          </a:xfrm>
+          <a:prstGeom prst="rect">
+            <a:avLst/>
+          </a:prstGeom>
+          <a:noFill/>
+        </p:spPr>
+        <p:txBody>
+          <a:bodyPr wrap="square" rtlCol="0">
+            <a:spAutoFit/>
+          </a:bodyPr>
+          <a:lstStyle/>
+          <a:p>
+            <a:r>
+              <a:rPr lang="fr-FR" dirty="0"/>
+              <a:t>Mesure en W/m²</a:t>
+            </a:r>
+          </a:p>
+          <a:p>
+            <a:r>
+              <a:rPr lang="fr-FR" dirty="0"/>
+              <a:t>Utilisation de la boucle 4-20 mA</a:t>
+            </a:r>
+          </a:p>
+        </p:txBody>
+      </p:sp>
+      <p:sp>
+        <p:nvSpPr>
+          <p:cNvPr id="30" name="ZoneTexte 29">
+            <a:extLst>
+              <a:ext uri="{FF2B5EF4-FFF2-40B4-BE49-F238E27FC236}">
+                <a16:creationId xmlns:a16="http://schemas.microsoft.com/office/drawing/2014/main" id="{1684707A-FE8B-409E-8A18-EC748AA22A1D}"/>
+              </a:ext>
+            </a:extLst>
+          </p:cNvPr>
+          <p:cNvSpPr txBox="1"/>
+          <p:nvPr/>
+        </p:nvSpPr>
+        <p:spPr>
+          <a:xfrm>
+            <a:off x="7268109" y="3785878"/>
+            <a:ext cx="3218129" cy="646331"/>
+          </a:xfrm>
+          <a:prstGeom prst="rect">
+            <a:avLst/>
+          </a:prstGeom>
+          <a:noFill/>
+        </p:spPr>
+        <p:txBody>
+          <a:bodyPr wrap="square" rtlCol="0">
+            <a:spAutoFit/>
+          </a:bodyPr>
+          <a:lstStyle/>
+          <a:p>
+            <a:r>
+              <a:rPr lang="fr-FR" dirty="0"/>
+              <a:t>Mesure en °C</a:t>
+            </a:r>
+          </a:p>
+          <a:p>
+            <a:r>
+              <a:rPr lang="fr-FR" dirty="0"/>
+              <a:t>Utilisation de la boucle 4-20 mA</a:t>
+            </a:r>
+          </a:p>
+        </p:txBody>
+      </p:sp>
+      <p:sp>
+        <p:nvSpPr>
+          <p:cNvPr id="5" name="ZoneTexte 4">
+            <a:extLst>
+              <a:ext uri="{FF2B5EF4-FFF2-40B4-BE49-F238E27FC236}">
+                <a16:creationId xmlns:a16="http://schemas.microsoft.com/office/drawing/2014/main" id="{B40B891D-AA45-4E59-AC5F-D2EA371A7D66}"/>
+              </a:ext>
+            </a:extLst>
+          </p:cNvPr>
+          <p:cNvSpPr txBox="1"/>
+          <p:nvPr/>
+        </p:nvSpPr>
+        <p:spPr>
+          <a:xfrm>
+            <a:off x="1886350" y="2778176"/>
+            <a:ext cx="3187817" cy="369332"/>
+          </a:xfrm>
+          <a:prstGeom prst="rect">
+            <a:avLst/>
+          </a:prstGeom>
+          <a:noFill/>
+        </p:spPr>
+        <p:txBody>
+          <a:bodyPr wrap="square" rtlCol="0">
+            <a:spAutoFit/>
+          </a:bodyPr>
+          <a:lstStyle/>
+          <a:p>
+            <a:r>
+              <a:rPr lang="fr-FR" dirty="0"/>
+              <a:t>Pulsation tous les 0,2mm d’eau</a:t>
+            </a:r>
+          </a:p>
+        </p:txBody>
+      </p:sp>
+      <p:sp>
+        <p:nvSpPr>
+          <p:cNvPr id="6" name="ZoneTexte 5">
+            <a:extLst>
+              <a:ext uri="{FF2B5EF4-FFF2-40B4-BE49-F238E27FC236}">
+                <a16:creationId xmlns:a16="http://schemas.microsoft.com/office/drawing/2014/main" id="{7E83B889-DF63-4B4C-A6D7-7A1F026B19F2}"/>
+              </a:ext>
+            </a:extLst>
+          </p:cNvPr>
+          <p:cNvSpPr txBox="1"/>
+          <p:nvPr/>
+        </p:nvSpPr>
+        <p:spPr>
+          <a:xfrm>
+            <a:off x="1886350" y="5421031"/>
+            <a:ext cx="3742663" cy="646331"/>
+          </a:xfrm>
+          <a:prstGeom prst="rect">
+            <a:avLst/>
+          </a:prstGeom>
+          <a:noFill/>
+        </p:spPr>
+        <p:txBody>
+          <a:bodyPr wrap="square" rtlCol="0">
+            <a:spAutoFit/>
+          </a:bodyPr>
+          <a:lstStyle/>
+          <a:p>
+            <a:r>
+              <a:rPr lang="fr-FR" dirty="0"/>
+              <a:t>Utilisation du bus CAN pour convertir la tension en code puis en direction</a:t>
+            </a:r>
+          </a:p>
+        </p:txBody>
+      </p:sp>
+      <p:sp>
+        <p:nvSpPr>
+          <p:cNvPr id="7" name="ZoneTexte 6">
+            <a:extLst>
+              <a:ext uri="{FF2B5EF4-FFF2-40B4-BE49-F238E27FC236}">
+                <a16:creationId xmlns:a16="http://schemas.microsoft.com/office/drawing/2014/main" id="{4ED520D9-CAD2-4881-B369-D691693E0F68}"/>
+              </a:ext>
+            </a:extLst>
+          </p:cNvPr>
+          <p:cNvSpPr txBox="1"/>
+          <p:nvPr/>
+        </p:nvSpPr>
+        <p:spPr>
+          <a:xfrm>
+            <a:off x="7262025" y="1517948"/>
+            <a:ext cx="4372009" cy="646331"/>
+          </a:xfrm>
+          <a:prstGeom prst="rect">
+            <a:avLst/>
+          </a:prstGeom>
+          <a:noFill/>
+        </p:spPr>
+        <p:txBody>
+          <a:bodyPr wrap="square" rtlCol="0">
+            <a:spAutoFit/>
+          </a:bodyPr>
+          <a:lstStyle/>
+          <a:p>
+            <a:r>
+              <a:rPr lang="fr-FR" dirty="0"/>
+              <a:t>Utilisation des ports analogiques et digitales pour connecter les différents capteurs</a:t>
+            </a:r>
+          </a:p>
+        </p:txBody>
+      </p:sp>
+      <p:sp>
+        <p:nvSpPr>
+          <p:cNvPr id="9" name="ZoneTexte 8">
+            <a:extLst>
+              <a:ext uri="{FF2B5EF4-FFF2-40B4-BE49-F238E27FC236}">
+                <a16:creationId xmlns:a16="http://schemas.microsoft.com/office/drawing/2014/main" id="{DA4EBD6C-A43E-4361-8AA6-C03894AB84A7}"/>
+              </a:ext>
+            </a:extLst>
+          </p:cNvPr>
+          <p:cNvSpPr txBox="1"/>
+          <p:nvPr/>
+        </p:nvSpPr>
+        <p:spPr>
+          <a:xfrm>
+            <a:off x="7262025" y="2651913"/>
+            <a:ext cx="4391060" cy="646331"/>
+          </a:xfrm>
+          <a:prstGeom prst="rect">
+            <a:avLst/>
+          </a:prstGeom>
+          <a:noFill/>
+        </p:spPr>
+        <p:txBody>
+          <a:bodyPr wrap="square" rtlCol="0">
+            <a:spAutoFit/>
+          </a:bodyPr>
+          <a:lstStyle/>
+          <a:p>
+            <a:r>
+              <a:rPr lang="fr-FR" dirty="0"/>
+              <a:t>Utilisation de la Raspberry pour la connexion a l'Arduino puis a la base de données</a:t>
+            </a:r>
+          </a:p>
+        </p:txBody>
+      </p:sp>
+      <p:pic>
+        <p:nvPicPr>
+          <p:cNvPr id="35" name="Image 34">
+            <a:extLst>
+              <a:ext uri="{FF2B5EF4-FFF2-40B4-BE49-F238E27FC236}">
+                <a16:creationId xmlns:a16="http://schemas.microsoft.com/office/drawing/2014/main" id="{6A1CE2C4-95A0-49AE-86F2-2CDF5D1FD271}"/>
+              </a:ext>
+            </a:extLst>
+          </p:cNvPr>
+          <p:cNvPicPr>
+            <a:picLocks noChangeAspect="1"/>
+          </p:cNvPicPr>
+          <p:nvPr/>
+        </p:nvPicPr>
+        <p:blipFill>
+          <a:blip r:embed="rId9">
+            <a:extLst>
+              <a:ext uri="{28A0092B-C50C-407E-A947-70E740481C1C}">
+                <a14:useLocalDpi xmlns:a14="http://schemas.microsoft.com/office/drawing/2010/main" val="0"/>
+              </a:ext>
+            </a:extLst>
+          </a:blip>
+          <a:stretch>
+            <a:fillRect/>
+          </a:stretch>
+        </p:blipFill>
+        <p:spPr>
+          <a:xfrm>
+            <a:off x="1101424" y="5421031"/>
+            <a:ext cx="650296" cy="650296"/>
+          </a:xfrm>
+          <a:prstGeom prst="rect">
+            <a:avLst/>
+          </a:prstGeom>
+        </p:spPr>
+      </p:pic>
+      <p:pic>
+        <p:nvPicPr>
+          <p:cNvPr id="36" name="Image 35">
+            <a:extLst>
+              <a:ext uri="{FF2B5EF4-FFF2-40B4-BE49-F238E27FC236}">
+                <a16:creationId xmlns:a16="http://schemas.microsoft.com/office/drawing/2014/main" id="{DE5B6D72-9D52-4068-9B4C-E67F54E7F138}"/>
+              </a:ext>
+            </a:extLst>
+          </p:cNvPr>
+          <p:cNvPicPr>
+            <a:picLocks noChangeAspect="1"/>
+          </p:cNvPicPr>
+          <p:nvPr/>
+        </p:nvPicPr>
+        <p:blipFill rotWithShape="1">
+          <a:blip r:embed="rId10">
+            <a:extLst>
+              <a:ext uri="{28A0092B-C50C-407E-A947-70E740481C1C}">
+                <a14:useLocalDpi xmlns:a14="http://schemas.microsoft.com/office/drawing/2010/main" val="0"/>
+              </a:ext>
+            </a:extLst>
+          </a:blip>
+          <a:srcRect r="8552" b="8552"/>
+          <a:stretch/>
+        </p:blipFill>
+        <p:spPr>
+          <a:xfrm>
+            <a:off x="964343" y="3908984"/>
+            <a:ext cx="924460" cy="1003812"/>
+          </a:xfrm>
+          <a:prstGeom prst="rect">
+            <a:avLst/>
+          </a:prstGeom>
+        </p:spPr>
+      </p:pic>
+      <p:sp>
+        <p:nvSpPr>
+          <p:cNvPr id="11" name="ZoneTexte 10">
+            <a:extLst>
+              <a:ext uri="{FF2B5EF4-FFF2-40B4-BE49-F238E27FC236}">
+                <a16:creationId xmlns:a16="http://schemas.microsoft.com/office/drawing/2014/main" id="{1FDBFBAA-9A98-470A-815D-19D14501FB00}"/>
+              </a:ext>
+            </a:extLst>
+          </p:cNvPr>
+          <p:cNvSpPr txBox="1"/>
+          <p:nvPr/>
+        </p:nvSpPr>
+        <p:spPr>
+          <a:xfrm>
+            <a:off x="1888803" y="3907044"/>
+            <a:ext cx="2998321" cy="369332"/>
           </a:xfrm>
           <a:prstGeom prst="rect">
             <a:avLst/>
@@ -19237,7 +18994,42 @@
           <a:p>
             <a:r>
               <a:rPr lang="fr-FR" dirty="0"/>
-              <a:t>7</a:t>
+              <a:t>1600 tours par heure = 1km/h</a:t>
+            </a:r>
+          </a:p>
+        </p:txBody>
+      </p:sp>
+      <p:sp>
+        <p:nvSpPr>
+          <p:cNvPr id="37" name="ZoneTexte 36">
+            <a:extLst>
+              <a:ext uri="{FF2B5EF4-FFF2-40B4-BE49-F238E27FC236}">
+                <a16:creationId xmlns:a16="http://schemas.microsoft.com/office/drawing/2014/main" id="{A5F4C0F2-57F5-43B2-B966-2BEBE8AD0ADB}"/>
+              </a:ext>
+            </a:extLst>
+          </p:cNvPr>
+          <p:cNvSpPr txBox="1"/>
+          <p:nvPr/>
+        </p:nvSpPr>
+        <p:spPr>
+          <a:xfrm>
+            <a:off x="11652188" y="6403199"/>
+            <a:ext cx="301686" cy="369332"/>
+          </a:xfrm>
+          <a:prstGeom prst="rect">
+            <a:avLst/>
+          </a:prstGeom>
+          <a:noFill/>
+        </p:spPr>
+        <p:txBody>
+          <a:bodyPr wrap="none" rtlCol="0">
+            <a:spAutoFit/>
+          </a:bodyPr>
+          <a:lstStyle/>
+          <a:p>
+            <a:r>
+              <a:rPr lang="fr-FR" dirty="0"/>
+              <a:t>8</a:t>
             </a:r>
           </a:p>
         </p:txBody>
@@ -19245,7 +19037,7 @@
     </p:spTree>
     <p:extLst>
       <p:ext uri="{BB962C8B-B14F-4D97-AF65-F5344CB8AC3E}">
-        <p14:creationId xmlns:p14="http://schemas.microsoft.com/office/powerpoint/2010/main" val="1093378480"/>
+        <p14:creationId xmlns:p14="http://schemas.microsoft.com/office/powerpoint/2010/main" val="4183481209"/>
       </p:ext>
     </p:extLst>
   </p:cSld>
@@ -20043,7 +19835,7 @@
           <p:cNvPr id="2" name="ZoneTexte 1">
             <a:extLst>
               <a:ext uri="{FF2B5EF4-FFF2-40B4-BE49-F238E27FC236}">
-                <a16:creationId xmlns:a16="http://schemas.microsoft.com/office/drawing/2014/main" id="{019E5183-3507-4DC9-B021-75F1BA1CA190}"/>
+                <a16:creationId xmlns:a16="http://schemas.microsoft.com/office/drawing/2014/main" id="{128A5370-27C5-4A3F-98D7-D74D075851FE}"/>
               </a:ext>
             </a:extLst>
           </p:cNvPr>
@@ -20052,8 +19844,8 @@
         </p:nvSpPr>
         <p:spPr>
           <a:xfrm>
-            <a:off x="3580819" y="449902"/>
-            <a:ext cx="4821769" cy="769441"/>
+            <a:off x="3813920" y="465793"/>
+            <a:ext cx="4355567" cy="769441"/>
           </a:xfrm>
           <a:prstGeom prst="rect">
             <a:avLst/>
@@ -20070,197 +19862,17 @@
               <a:rPr lang="fr-FR" sz="4400" dirty="0">
                 <a:latin typeface="Berlin Sans FB" panose="020E0602020502020306" pitchFamily="34" charset="0"/>
               </a:rPr>
-              <a:t>Analyse du matériel</a:t>
+              <a:t>Solutions trouvées</a:t>
             </a:r>
           </a:p>
         </p:txBody>
       </p:sp>
-      <p:pic>
-        <p:nvPicPr>
-          <p:cNvPr id="24" name="Image 23" descr="Une image contenant transport&#10;&#10;Description générée avec un niveau de confiance très élevé">
-            <a:extLst>
-              <a:ext uri="{FF2B5EF4-FFF2-40B4-BE49-F238E27FC236}">
-                <a16:creationId xmlns:a16="http://schemas.microsoft.com/office/drawing/2014/main" id="{4CD3177C-CB9C-4C0D-8079-4AA644CE5E50}"/>
-              </a:ext>
-            </a:extLst>
-          </p:cNvPr>
-          <p:cNvPicPr>
-            <a:picLocks noChangeAspect="1"/>
-          </p:cNvPicPr>
-          <p:nvPr/>
-        </p:nvPicPr>
-        <p:blipFill>
-          <a:blip r:embed="rId4">
-            <a:extLst>
-              <a:ext uri="{28A0092B-C50C-407E-A947-70E740481C1C}">
-                <a14:useLocalDpi xmlns:a14="http://schemas.microsoft.com/office/drawing/2010/main" val="0"/>
-              </a:ext>
-            </a:extLst>
-          </a:blip>
-          <a:stretch>
-            <a:fillRect/>
-          </a:stretch>
-        </p:blipFill>
-        <p:spPr>
-          <a:xfrm>
-            <a:off x="1068751" y="1551166"/>
-            <a:ext cx="715646" cy="715646"/>
-          </a:xfrm>
-          <a:prstGeom prst="rect">
-            <a:avLst/>
-          </a:prstGeom>
-        </p:spPr>
-      </p:pic>
-      <p:pic>
-        <p:nvPicPr>
-          <p:cNvPr id="25" name="Image 24">
-            <a:extLst>
-              <a:ext uri="{FF2B5EF4-FFF2-40B4-BE49-F238E27FC236}">
-                <a16:creationId xmlns:a16="http://schemas.microsoft.com/office/drawing/2014/main" id="{C013474F-1EDC-4B3D-B268-4E855F63F77E}"/>
-              </a:ext>
-            </a:extLst>
-          </p:cNvPr>
-          <p:cNvPicPr>
-            <a:picLocks noChangeAspect="1"/>
-          </p:cNvPicPr>
-          <p:nvPr/>
-        </p:nvPicPr>
-        <p:blipFill>
-          <a:blip r:embed="rId5">
-            <a:extLst>
-              <a:ext uri="{28A0092B-C50C-407E-A947-70E740481C1C}">
-                <a14:useLocalDpi xmlns:a14="http://schemas.microsoft.com/office/drawing/2010/main" val="0"/>
-              </a:ext>
-            </a:extLst>
-          </a:blip>
-          <a:stretch>
-            <a:fillRect/>
-          </a:stretch>
-        </p:blipFill>
-        <p:spPr>
-          <a:xfrm>
-            <a:off x="1113721" y="2775046"/>
-            <a:ext cx="625703" cy="625703"/>
-          </a:xfrm>
-          <a:prstGeom prst="rect">
-            <a:avLst/>
-          </a:prstGeom>
-        </p:spPr>
-      </p:pic>
-      <p:pic>
-        <p:nvPicPr>
-          <p:cNvPr id="28" name="Image 27">
-            <a:extLst>
-              <a:ext uri="{FF2B5EF4-FFF2-40B4-BE49-F238E27FC236}">
-                <a16:creationId xmlns:a16="http://schemas.microsoft.com/office/drawing/2014/main" id="{57519E8A-918A-4B7A-A373-A121BE04A122}"/>
-              </a:ext>
-            </a:extLst>
-          </p:cNvPr>
-          <p:cNvPicPr>
-            <a:picLocks noChangeAspect="1"/>
-          </p:cNvPicPr>
-          <p:nvPr/>
-        </p:nvPicPr>
-        <p:blipFill>
-          <a:blip r:embed="rId6">
-            <a:extLst>
-              <a:ext uri="{28A0092B-C50C-407E-A947-70E740481C1C}">
-                <a14:useLocalDpi xmlns:a14="http://schemas.microsoft.com/office/drawing/2010/main" val="0"/>
-              </a:ext>
-            </a:extLst>
-          </a:blip>
-          <a:stretch>
-            <a:fillRect/>
-          </a:stretch>
-        </p:blipFill>
-        <p:spPr>
-          <a:xfrm>
-            <a:off x="6442369" y="3741299"/>
-            <a:ext cx="700821" cy="700821"/>
-          </a:xfrm>
-          <a:prstGeom prst="rect">
-            <a:avLst/>
-          </a:prstGeom>
-        </p:spPr>
-      </p:pic>
-      <p:pic>
-        <p:nvPicPr>
-          <p:cNvPr id="29" name="Image 28">
-            <a:extLst>
-              <a:ext uri="{FF2B5EF4-FFF2-40B4-BE49-F238E27FC236}">
-                <a16:creationId xmlns:a16="http://schemas.microsoft.com/office/drawing/2014/main" id="{0875E027-F508-4529-A577-BAE6AA73B275}"/>
-              </a:ext>
-            </a:extLst>
-          </p:cNvPr>
-          <p:cNvPicPr>
-            <a:picLocks noChangeAspect="1"/>
-          </p:cNvPicPr>
-          <p:nvPr/>
-        </p:nvPicPr>
-        <p:blipFill>
-          <a:blip r:embed="rId7">
-            <a:extLst>
-              <a:ext uri="{28A0092B-C50C-407E-A947-70E740481C1C}">
-                <a14:useLocalDpi xmlns:a14="http://schemas.microsoft.com/office/drawing/2010/main" val="0"/>
-              </a:ext>
-            </a:extLst>
-          </a:blip>
-          <a:stretch>
-            <a:fillRect/>
-          </a:stretch>
-        </p:blipFill>
-        <p:spPr>
-          <a:xfrm>
-            <a:off x="6416140" y="2653833"/>
-            <a:ext cx="746916" cy="746916"/>
-          </a:xfrm>
-          <a:prstGeom prst="rect">
-            <a:avLst/>
-          </a:prstGeom>
-        </p:spPr>
-      </p:pic>
-      <p:pic>
-        <p:nvPicPr>
-          <p:cNvPr id="4" name="Image 3">
-            <a:extLst>
-              <a:ext uri="{FF2B5EF4-FFF2-40B4-BE49-F238E27FC236}">
-                <a16:creationId xmlns:a16="http://schemas.microsoft.com/office/drawing/2014/main" id="{6A56240B-CEBA-4842-83FC-DA1952EEB740}"/>
-              </a:ext>
-            </a:extLst>
-          </p:cNvPr>
-          <p:cNvPicPr>
-            <a:picLocks noChangeAspect="1"/>
-          </p:cNvPicPr>
-          <p:nvPr/>
-        </p:nvPicPr>
-        <p:blipFill>
-          <a:blip r:embed="rId8">
-            <a:extLst>
-              <a:ext uri="{28A0092B-C50C-407E-A947-70E740481C1C}">
-                <a14:useLocalDpi xmlns:a14="http://schemas.microsoft.com/office/drawing/2010/main" val="0"/>
-              </a:ext>
-            </a:extLst>
-          </a:blip>
-          <a:stretch>
-            <a:fillRect/>
-          </a:stretch>
-        </p:blipFill>
-        <p:spPr>
-          <a:xfrm>
-            <a:off x="6399429" y="1551166"/>
-            <a:ext cx="780337" cy="780337"/>
-          </a:xfrm>
-          <a:prstGeom prst="rect">
-            <a:avLst/>
-          </a:prstGeom>
-        </p:spPr>
-      </p:pic>
       <p:sp>
         <p:nvSpPr>
-          <p:cNvPr id="3" name="ZoneTexte 2">
-            <a:extLst>
-              <a:ext uri="{FF2B5EF4-FFF2-40B4-BE49-F238E27FC236}">
-                <a16:creationId xmlns:a16="http://schemas.microsoft.com/office/drawing/2014/main" id="{6F21E2AC-5013-4E14-AA1E-CF440C8AF6D5}"/>
+          <p:cNvPr id="7" name="ZoneTexte 6">
+            <a:extLst>
+              <a:ext uri="{FF2B5EF4-FFF2-40B4-BE49-F238E27FC236}">
+                <a16:creationId xmlns:a16="http://schemas.microsoft.com/office/drawing/2014/main" id="{F5143EC5-EF8B-4615-B050-3E12BF28AC28}"/>
               </a:ext>
             </a:extLst>
           </p:cNvPr>
@@ -20269,8 +19881,8 @@
         </p:nvSpPr>
         <p:spPr>
           <a:xfrm>
-            <a:off x="1886350" y="1551166"/>
-            <a:ext cx="3248997" cy="646331"/>
+            <a:off x="4329183" y="1235234"/>
+            <a:ext cx="3317559" cy="523220"/>
           </a:xfrm>
           <a:prstGeom prst="rect">
             <a:avLst/>
@@ -20284,205 +19896,18 @@
           <a:lstStyle/>
           <a:p>
             <a:r>
-              <a:rPr lang="fr-FR" dirty="0"/>
-              <a:t>Mesure en W/m²</a:t>
-            </a:r>
-          </a:p>
-          <a:p>
-            <a:r>
-              <a:rPr lang="fr-FR" dirty="0"/>
-              <a:t>Utilisation de la boucle 4-20 mA</a:t>
-            </a:r>
-          </a:p>
-        </p:txBody>
-      </p:sp>
-      <p:sp>
-        <p:nvSpPr>
-          <p:cNvPr id="30" name="ZoneTexte 29">
-            <a:extLst>
-              <a:ext uri="{FF2B5EF4-FFF2-40B4-BE49-F238E27FC236}">
-                <a16:creationId xmlns:a16="http://schemas.microsoft.com/office/drawing/2014/main" id="{1684707A-FE8B-409E-8A18-EC748AA22A1D}"/>
-              </a:ext>
-            </a:extLst>
-          </p:cNvPr>
-          <p:cNvSpPr txBox="1"/>
-          <p:nvPr/>
-        </p:nvSpPr>
-        <p:spPr>
-          <a:xfrm>
-            <a:off x="7268109" y="3785878"/>
-            <a:ext cx="3218129" cy="646331"/>
-          </a:xfrm>
-          <a:prstGeom prst="rect">
-            <a:avLst/>
-          </a:prstGeom>
-          <a:noFill/>
-        </p:spPr>
-        <p:txBody>
-          <a:bodyPr wrap="square" rtlCol="0">
-            <a:spAutoFit/>
-          </a:bodyPr>
-          <a:lstStyle/>
-          <a:p>
-            <a:r>
-              <a:rPr lang="fr-FR" dirty="0"/>
-              <a:t>Mesure en °C</a:t>
-            </a:r>
-          </a:p>
-          <a:p>
-            <a:r>
-              <a:rPr lang="fr-FR" dirty="0"/>
-              <a:t>Utilisation de la boucle 4-20 mA</a:t>
-            </a:r>
-          </a:p>
-        </p:txBody>
-      </p:sp>
-      <p:sp>
-        <p:nvSpPr>
-          <p:cNvPr id="5" name="ZoneTexte 4">
-            <a:extLst>
-              <a:ext uri="{FF2B5EF4-FFF2-40B4-BE49-F238E27FC236}">
-                <a16:creationId xmlns:a16="http://schemas.microsoft.com/office/drawing/2014/main" id="{B40B891D-AA45-4E59-AC5F-D2EA371A7D66}"/>
-              </a:ext>
-            </a:extLst>
-          </p:cNvPr>
-          <p:cNvSpPr txBox="1"/>
-          <p:nvPr/>
-        </p:nvSpPr>
-        <p:spPr>
-          <a:xfrm>
-            <a:off x="1886350" y="2778176"/>
-            <a:ext cx="3187817" cy="369332"/>
-          </a:xfrm>
-          <a:prstGeom prst="rect">
-            <a:avLst/>
-          </a:prstGeom>
-          <a:noFill/>
-        </p:spPr>
-        <p:txBody>
-          <a:bodyPr wrap="square" rtlCol="0">
-            <a:spAutoFit/>
-          </a:bodyPr>
-          <a:lstStyle/>
-          <a:p>
-            <a:r>
-              <a:rPr lang="fr-FR" dirty="0"/>
-              <a:t>Pulsation tous les 0,2mm d’eau</a:t>
-            </a:r>
-          </a:p>
-        </p:txBody>
-      </p:sp>
-      <p:sp>
-        <p:nvSpPr>
-          <p:cNvPr id="6" name="ZoneTexte 5">
-            <a:extLst>
-              <a:ext uri="{FF2B5EF4-FFF2-40B4-BE49-F238E27FC236}">
-                <a16:creationId xmlns:a16="http://schemas.microsoft.com/office/drawing/2014/main" id="{7E83B889-DF63-4B4C-A6D7-7A1F026B19F2}"/>
-              </a:ext>
-            </a:extLst>
-          </p:cNvPr>
-          <p:cNvSpPr txBox="1"/>
-          <p:nvPr/>
-        </p:nvSpPr>
-        <p:spPr>
-          <a:xfrm>
-            <a:off x="1886350" y="5421031"/>
-            <a:ext cx="3742663" cy="646331"/>
-          </a:xfrm>
-          <a:prstGeom prst="rect">
-            <a:avLst/>
-          </a:prstGeom>
-          <a:noFill/>
-        </p:spPr>
-        <p:txBody>
-          <a:bodyPr wrap="square" rtlCol="0">
-            <a:spAutoFit/>
-          </a:bodyPr>
-          <a:lstStyle/>
-          <a:p>
-            <a:r>
-              <a:rPr lang="fr-FR" dirty="0"/>
-              <a:t>Utilisation du bus CAN pour convertir la tension en code puis en direction</a:t>
-            </a:r>
-          </a:p>
-        </p:txBody>
-      </p:sp>
-      <p:sp>
-        <p:nvSpPr>
-          <p:cNvPr id="7" name="ZoneTexte 6">
-            <a:extLst>
-              <a:ext uri="{FF2B5EF4-FFF2-40B4-BE49-F238E27FC236}">
-                <a16:creationId xmlns:a16="http://schemas.microsoft.com/office/drawing/2014/main" id="{4ED520D9-CAD2-4881-B369-D691693E0F68}"/>
-              </a:ext>
-            </a:extLst>
-          </p:cNvPr>
-          <p:cNvSpPr txBox="1"/>
-          <p:nvPr/>
-        </p:nvSpPr>
-        <p:spPr>
-          <a:xfrm>
-            <a:off x="7262025" y="1517948"/>
-            <a:ext cx="4372009" cy="646331"/>
-          </a:xfrm>
-          <a:prstGeom prst="rect">
-            <a:avLst/>
-          </a:prstGeom>
-          <a:noFill/>
-        </p:spPr>
-        <p:txBody>
-          <a:bodyPr wrap="square" rtlCol="0">
-            <a:spAutoFit/>
-          </a:bodyPr>
-          <a:lstStyle/>
-          <a:p>
-            <a:r>
-              <a:rPr lang="fr-FR" dirty="0"/>
-              <a:t>Utilisation des ports analogiques et digitales pour connecter les différents capteurs</a:t>
-            </a:r>
-          </a:p>
-        </p:txBody>
-      </p:sp>
-      <p:sp>
-        <p:nvSpPr>
-          <p:cNvPr id="9" name="ZoneTexte 8">
-            <a:extLst>
-              <a:ext uri="{FF2B5EF4-FFF2-40B4-BE49-F238E27FC236}">
-                <a16:creationId xmlns:a16="http://schemas.microsoft.com/office/drawing/2014/main" id="{DA4EBD6C-A43E-4361-8AA6-C03894AB84A7}"/>
-              </a:ext>
-            </a:extLst>
-          </p:cNvPr>
-          <p:cNvSpPr txBox="1"/>
-          <p:nvPr/>
-        </p:nvSpPr>
-        <p:spPr>
-          <a:xfrm>
-            <a:off x="7262025" y="2651913"/>
-            <a:ext cx="4391060" cy="646331"/>
-          </a:xfrm>
-          <a:prstGeom prst="rect">
-            <a:avLst/>
-          </a:prstGeom>
-          <a:noFill/>
-        </p:spPr>
-        <p:txBody>
-          <a:bodyPr wrap="square" rtlCol="0">
-            <a:spAutoFit/>
-          </a:bodyPr>
-          <a:lstStyle/>
-          <a:p>
-            <a:r>
-              <a:rPr lang="fr-FR" dirty="0"/>
-              <a:t>Utilisation de la Raspberry pour la connexion a l'Arduino puis a la base de données</a:t>
+              <a:rPr lang="fr-FR" sz="2800" dirty="0"/>
+              <a:t>Partie 1 : Pluviomètre</a:t>
             </a:r>
           </a:p>
         </p:txBody>
       </p:sp>
       <p:pic>
         <p:nvPicPr>
-          <p:cNvPr id="35" name="Image 34">
-            <a:extLst>
-              <a:ext uri="{FF2B5EF4-FFF2-40B4-BE49-F238E27FC236}">
-                <a16:creationId xmlns:a16="http://schemas.microsoft.com/office/drawing/2014/main" id="{6A1CE2C4-95A0-49AE-86F2-2CDF5D1FD271}"/>
+          <p:cNvPr id="11" name="Image 10">
+            <a:extLst>
+              <a:ext uri="{FF2B5EF4-FFF2-40B4-BE49-F238E27FC236}">
+                <a16:creationId xmlns:a16="http://schemas.microsoft.com/office/drawing/2014/main" id="{08915E6B-B69C-4F8B-91DA-A07DD57B9497}"/>
               </a:ext>
             </a:extLst>
           </p:cNvPr>
@@ -20492,7 +19917,7 @@
           <p:nvPr/>
         </p:nvPicPr>
         <p:blipFill>
-          <a:blip r:embed="rId9">
+          <a:blip r:embed="rId4">
             <a:extLst>
               <a:ext uri="{28A0092B-C50C-407E-A947-70E740481C1C}">
                 <a14:useLocalDpi xmlns:a14="http://schemas.microsoft.com/office/drawing/2010/main" val="0"/>
@@ -20505,43 +19930,8 @@
         </p:blipFill>
         <p:spPr>
           <a:xfrm>
-            <a:off x="1101424" y="5421031"/>
-            <a:ext cx="650296" cy="650296"/>
-          </a:xfrm>
-          <a:prstGeom prst="rect">
-            <a:avLst/>
-          </a:prstGeom>
-        </p:spPr>
-      </p:pic>
-      <p:pic>
-        <p:nvPicPr>
-          <p:cNvPr id="36" name="Image 35">
-            <a:extLst>
-              <a:ext uri="{FF2B5EF4-FFF2-40B4-BE49-F238E27FC236}">
-                <a16:creationId xmlns:a16="http://schemas.microsoft.com/office/drawing/2014/main" id="{DE5B6D72-9D52-4068-9B4C-E67F54E7F138}"/>
-              </a:ext>
-            </a:extLst>
-          </p:cNvPr>
-          <p:cNvPicPr>
-            <a:picLocks noChangeAspect="1"/>
-          </p:cNvPicPr>
-          <p:nvPr/>
-        </p:nvPicPr>
-        <p:blipFill rotWithShape="1">
-          <a:blip r:embed="rId10">
-            <a:extLst>
-              <a:ext uri="{28A0092B-C50C-407E-A947-70E740481C1C}">
-                <a14:useLocalDpi xmlns:a14="http://schemas.microsoft.com/office/drawing/2010/main" val="0"/>
-              </a:ext>
-            </a:extLst>
-          </a:blip>
-          <a:srcRect r="8552" b="8552"/>
-          <a:stretch/>
-        </p:blipFill>
-        <p:spPr>
-          <a:xfrm>
-            <a:off x="964343" y="3908984"/>
-            <a:ext cx="924460" cy="1003812"/>
+            <a:off x="2803241" y="2203070"/>
+            <a:ext cx="6369442" cy="3975558"/>
           </a:xfrm>
           <a:prstGeom prst="rect">
             <a:avLst/>
@@ -20550,10 +19940,10 @@
       </p:pic>
       <p:sp>
         <p:nvSpPr>
-          <p:cNvPr id="11" name="ZoneTexte 10">
-            <a:extLst>
-              <a:ext uri="{FF2B5EF4-FFF2-40B4-BE49-F238E27FC236}">
-                <a16:creationId xmlns:a16="http://schemas.microsoft.com/office/drawing/2014/main" id="{1FDBFBAA-9A98-470A-815D-19D14501FB00}"/>
+          <p:cNvPr id="25" name="ZoneTexte 24">
+            <a:extLst>
+              <a:ext uri="{FF2B5EF4-FFF2-40B4-BE49-F238E27FC236}">
+                <a16:creationId xmlns:a16="http://schemas.microsoft.com/office/drawing/2014/main" id="{6F74530D-995D-42B1-A93B-E5009ECC18A6}"/>
               </a:ext>
             </a:extLst>
           </p:cNvPr>
@@ -20562,8 +19952,8 @@
         </p:nvSpPr>
         <p:spPr>
           <a:xfrm>
-            <a:off x="1888803" y="3907044"/>
-            <a:ext cx="2998321" cy="369332"/>
+            <a:off x="11652188" y="6403199"/>
+            <a:ext cx="301686" cy="369332"/>
           </a:xfrm>
           <a:prstGeom prst="rect">
             <a:avLst/>
@@ -20578,42 +19968,7 @@
           <a:p>
             <a:r>
               <a:rPr lang="fr-FR" dirty="0"/>
-              <a:t>1600 tours par heure = 1km/h</a:t>
-            </a:r>
-          </a:p>
-        </p:txBody>
-      </p:sp>
-      <p:sp>
-        <p:nvSpPr>
-          <p:cNvPr id="37" name="ZoneTexte 36">
-            <a:extLst>
-              <a:ext uri="{FF2B5EF4-FFF2-40B4-BE49-F238E27FC236}">
-                <a16:creationId xmlns:a16="http://schemas.microsoft.com/office/drawing/2014/main" id="{A5F4C0F2-57F5-43B2-B966-2BEBE8AD0ADB}"/>
-              </a:ext>
-            </a:extLst>
-          </p:cNvPr>
-          <p:cNvSpPr txBox="1"/>
-          <p:nvPr/>
-        </p:nvSpPr>
-        <p:spPr>
-          <a:xfrm>
-            <a:off x="11652188" y="6403199"/>
-            <a:ext cx="301686" cy="369332"/>
-          </a:xfrm>
-          <a:prstGeom prst="rect">
-            <a:avLst/>
-          </a:prstGeom>
-          <a:noFill/>
-        </p:spPr>
-        <p:txBody>
-          <a:bodyPr wrap="none" rtlCol="0">
-            <a:spAutoFit/>
-          </a:bodyPr>
-          <a:lstStyle/>
-          <a:p>
-            <a:r>
-              <a:rPr lang="fr-FR" dirty="0"/>
-              <a:t>8</a:t>
+              <a:t>9</a:t>
             </a:r>
           </a:p>
         </p:txBody>
@@ -20621,7 +19976,7 @@
     </p:spTree>
     <p:extLst>
       <p:ext uri="{BB962C8B-B14F-4D97-AF65-F5344CB8AC3E}">
-        <p14:creationId xmlns:p14="http://schemas.microsoft.com/office/powerpoint/2010/main" val="4183481209"/>
+        <p14:creationId xmlns:p14="http://schemas.microsoft.com/office/powerpoint/2010/main" val="2957376733"/>
       </p:ext>
     </p:extLst>
   </p:cSld>

--- a/oral_projet/revue_3/diaporama_revue_3_dylan.pptx
+++ b/oral_projet/revue_3/diaporama_revue_3_dylan.pptx
@@ -9603,6 +9603,99 @@
             <a:r>
               <a:rPr lang="fr-FR" dirty="0"/>
               <a:t>4</a:t>
+            </a:r>
+          </a:p>
+        </p:txBody>
+      </p:sp>
+      <p:pic>
+        <p:nvPicPr>
+          <p:cNvPr id="3" name="Image 2">
+            <a:extLst>
+              <a:ext uri="{FF2B5EF4-FFF2-40B4-BE49-F238E27FC236}">
+                <a16:creationId xmlns:a16="http://schemas.microsoft.com/office/drawing/2014/main" id="{EA23733E-9C0F-41D9-B1D7-01F072A62E7A}"/>
+              </a:ext>
+            </a:extLst>
+          </p:cNvPr>
+          <p:cNvPicPr>
+            <a:picLocks noChangeAspect="1"/>
+          </p:cNvPicPr>
+          <p:nvPr/>
+        </p:nvPicPr>
+        <p:blipFill rotWithShape="1">
+          <a:blip r:embed="rId4"/>
+          <a:srcRect b="71632"/>
+          <a:stretch/>
+        </p:blipFill>
+        <p:spPr>
+          <a:xfrm>
+            <a:off x="369115" y="2466172"/>
+            <a:ext cx="5585404" cy="1925656"/>
+          </a:xfrm>
+          <a:prstGeom prst="rect">
+            <a:avLst/>
+          </a:prstGeom>
+        </p:spPr>
+      </p:pic>
+      <p:pic>
+        <p:nvPicPr>
+          <p:cNvPr id="4" name="Image 3">
+            <a:extLst>
+              <a:ext uri="{FF2B5EF4-FFF2-40B4-BE49-F238E27FC236}">
+                <a16:creationId xmlns:a16="http://schemas.microsoft.com/office/drawing/2014/main" id="{79A434E9-D575-41CD-87CE-4F4D444F3E04}"/>
+              </a:ext>
+            </a:extLst>
+          </p:cNvPr>
+          <p:cNvPicPr>
+            <a:picLocks noChangeAspect="1"/>
+          </p:cNvPicPr>
+          <p:nvPr/>
+        </p:nvPicPr>
+        <p:blipFill rotWithShape="1">
+          <a:blip r:embed="rId4"/>
+          <a:srcRect t="31171" r="-4"/>
+          <a:stretch/>
+        </p:blipFill>
+        <p:spPr>
+          <a:xfrm>
+            <a:off x="6096000" y="1540926"/>
+            <a:ext cx="5643098" cy="4720268"/>
+          </a:xfrm>
+          <a:prstGeom prst="rect">
+            <a:avLst/>
+          </a:prstGeom>
+        </p:spPr>
+      </p:pic>
+      <p:sp>
+        <p:nvSpPr>
+          <p:cNvPr id="5" name="ZoneTexte 4">
+            <a:extLst>
+              <a:ext uri="{FF2B5EF4-FFF2-40B4-BE49-F238E27FC236}">
+                <a16:creationId xmlns:a16="http://schemas.microsoft.com/office/drawing/2014/main" id="{46253BB2-77E2-43A5-9B69-EF802C2CE305}"/>
+              </a:ext>
+            </a:extLst>
+          </p:cNvPr>
+          <p:cNvSpPr txBox="1"/>
+          <p:nvPr/>
+        </p:nvSpPr>
+        <p:spPr>
+          <a:xfrm>
+            <a:off x="452674" y="4698749"/>
+            <a:ext cx="5501845" cy="584775"/>
+          </a:xfrm>
+          <a:prstGeom prst="rect">
+            <a:avLst/>
+          </a:prstGeom>
+          <a:noFill/>
+        </p:spPr>
+        <p:txBody>
+          <a:bodyPr wrap="square" rtlCol="0">
+            <a:spAutoFit/>
+          </a:bodyPr>
+          <a:lstStyle/>
+          <a:p>
+            <a:r>
+              <a:rPr lang="fr-FR" sz="1600" i="1" dirty="0"/>
+              <a:t>Extrait du cahier de recette « Envoyer les données correspondantes à la pluviométrie</a:t>
             </a:r>
           </a:p>
         </p:txBody>

--- a/oral_projet/revue_3/diaporama_revue_3_dylan.pptx
+++ b/oral_projet/revue_3/diaporama_revue_3_dylan.pptx
@@ -5,7 +5,7 @@
     <p:sldMasterId id="2147483648" r:id="rId1"/>
   </p:sldMasterIdLst>
   <p:notesMasterIdLst>
-    <p:notesMasterId r:id="rId9"/>
+    <p:notesMasterId r:id="rId11"/>
   </p:notesMasterIdLst>
   <p:sldIdLst>
     <p:sldId id="256" r:id="rId2"/>
@@ -15,6 +15,8 @@
     <p:sldId id="263" r:id="rId6"/>
     <p:sldId id="264" r:id="rId7"/>
     <p:sldId id="265" r:id="rId8"/>
+    <p:sldId id="266" r:id="rId9"/>
+    <p:sldId id="267" r:id="rId10"/>
   </p:sldIdLst>
   <p:sldSz cx="12192000" cy="6858000"/>
   <p:notesSz cx="6858000" cy="9144000"/>
@@ -5347,7 +5349,7 @@
         <p:spPr>
           <a:xfrm>
             <a:off x="1299735" y="2644170"/>
-            <a:ext cx="4796264" cy="1938992"/>
+            <a:ext cx="4796264" cy="2677656"/>
           </a:xfrm>
           <a:prstGeom prst="rect">
             <a:avLst/>
@@ -5406,13 +5408,28 @@
             </a:pPr>
             <a:r>
               <a:rPr lang="fr-FR" sz="2400" dirty="0"/>
-              <a:t>Schéma de </a:t>
+              <a:t>Schéma de câblage</a:t>
             </a:r>
+          </a:p>
+          <a:p>
+            <a:pPr marL="285750" indent="-285750">
+              <a:buFont typeface="Arial" panose="020B0604020202020204" pitchFamily="34" charset="0"/>
+              <a:buChar char="•"/>
+            </a:pPr>
             <a:r>
-              <a:rPr lang="fr-FR" sz="2400" dirty="0" err="1"/>
-              <a:t>cablage</a:t>
+              <a:rPr lang="fr-FR" sz="2400" dirty="0"/>
+              <a:t>Application Android</a:t>
             </a:r>
-            <a:endParaRPr lang="fr-FR" sz="2400" dirty="0"/>
+          </a:p>
+          <a:p>
+            <a:pPr marL="285750" indent="-285750">
+              <a:buFont typeface="Arial" panose="020B0604020202020204" pitchFamily="34" charset="0"/>
+              <a:buChar char="•"/>
+            </a:pPr>
+            <a:r>
+              <a:rPr lang="fr-FR" sz="2400" dirty="0"/>
+              <a:t>Test unitaires</a:t>
+            </a:r>
           </a:p>
         </p:txBody>
       </p:sp>
@@ -10568,10 +10585,2607 @@
           </a:p>
         </p:txBody>
       </p:sp>
+      <p:pic>
+        <p:nvPicPr>
+          <p:cNvPr id="6" name="Image 5">
+            <a:extLst>
+              <a:ext uri="{FF2B5EF4-FFF2-40B4-BE49-F238E27FC236}">
+                <a16:creationId xmlns:a16="http://schemas.microsoft.com/office/drawing/2014/main" id="{6D2218C6-C5CD-42B9-A39C-7EE2FA825F73}"/>
+              </a:ext>
+            </a:extLst>
+          </p:cNvPr>
+          <p:cNvPicPr>
+            <a:picLocks noChangeAspect="1"/>
+          </p:cNvPicPr>
+          <p:nvPr/>
+        </p:nvPicPr>
+        <p:blipFill>
+          <a:blip r:embed="rId4">
+            <a:extLst>
+              <a:ext uri="{28A0092B-C50C-407E-A947-70E740481C1C}">
+                <a14:useLocalDpi xmlns:a14="http://schemas.microsoft.com/office/drawing/2010/main" val="0"/>
+              </a:ext>
+            </a:extLst>
+          </a:blip>
+          <a:stretch>
+            <a:fillRect/>
+          </a:stretch>
+        </p:blipFill>
+        <p:spPr>
+          <a:xfrm>
+            <a:off x="48889" y="0"/>
+            <a:ext cx="11878147" cy="6326226"/>
+          </a:xfrm>
+          <a:prstGeom prst="rect">
+            <a:avLst/>
+          </a:prstGeom>
+        </p:spPr>
+      </p:pic>
+      <p:sp>
+        <p:nvSpPr>
+          <p:cNvPr id="7" name="ZoneTexte 6">
+            <a:extLst>
+              <a:ext uri="{FF2B5EF4-FFF2-40B4-BE49-F238E27FC236}">
+                <a16:creationId xmlns:a16="http://schemas.microsoft.com/office/drawing/2014/main" id="{576F8507-5DF6-48C0-B58E-23A9FA051E5F}"/>
+              </a:ext>
+            </a:extLst>
+          </p:cNvPr>
+          <p:cNvSpPr txBox="1"/>
+          <p:nvPr/>
+        </p:nvSpPr>
+        <p:spPr>
+          <a:xfrm>
+            <a:off x="3927586" y="5810715"/>
+            <a:ext cx="4336828" cy="369332"/>
+          </a:xfrm>
+          <a:prstGeom prst="rect">
+            <a:avLst/>
+          </a:prstGeom>
+          <a:noFill/>
+        </p:spPr>
+        <p:txBody>
+          <a:bodyPr wrap="none" rtlCol="0">
+            <a:spAutoFit/>
+          </a:bodyPr>
+          <a:lstStyle/>
+          <a:p>
+            <a:r>
+              <a:rPr lang="fr-FR" i="1" dirty="0">
+                <a:solidFill>
+                  <a:schemeClr val="tx1">
+                    <a:lumMod val="50000"/>
+                    <a:lumOff val="50000"/>
+                  </a:schemeClr>
+                </a:solidFill>
+              </a:rPr>
+              <a:t>Schéma de câblage : Arduino et pluviomètre</a:t>
+            </a:r>
+          </a:p>
+        </p:txBody>
+      </p:sp>
     </p:spTree>
     <p:extLst>
       <p:ext uri="{BB962C8B-B14F-4D97-AF65-F5344CB8AC3E}">
         <p14:creationId xmlns:p14="http://schemas.microsoft.com/office/powerpoint/2010/main" val="4293470173"/>
+      </p:ext>
+    </p:extLst>
+  </p:cSld>
+  <p:clrMapOvr>
+    <a:masterClrMapping/>
+  </p:clrMapOvr>
+  <mc:AlternateContent xmlns:mc="http://schemas.openxmlformats.org/markup-compatibility/2006" xmlns:p14="http://schemas.microsoft.com/office/powerpoint/2010/main">
+    <mc:Choice Requires="p14">
+      <p:transition spd="slow">
+        <p14:reveal/>
+      </p:transition>
+    </mc:Choice>
+    <mc:Fallback xmlns="">
+      <p:transition spd="slow">
+        <p:fade/>
+      </p:transition>
+    </mc:Fallback>
+  </mc:AlternateContent>
+</p:sld>
+</file>
+
+<file path=ppt/slides/slide8.xml><?xml version="1.0" encoding="utf-8"?>
+<p:sld xmlns:a="http://schemas.openxmlformats.org/drawingml/2006/main" xmlns:r="http://schemas.openxmlformats.org/officeDocument/2006/relationships" xmlns:p="http://schemas.openxmlformats.org/presentationml/2006/main">
+  <p:cSld>
+    <p:spTree>
+      <p:nvGrpSpPr>
+        <p:cNvPr id="1" name=""/>
+        <p:cNvGrpSpPr/>
+        <p:nvPr/>
+      </p:nvGrpSpPr>
+      <p:grpSpPr>
+        <a:xfrm>
+          <a:off x="0" y="0"/>
+          <a:ext cx="0" cy="0"/>
+          <a:chOff x="0" y="0"/>
+          <a:chExt cx="0" cy="0"/>
+        </a:xfrm>
+      </p:grpSpPr>
+      <p:pic>
+        <p:nvPicPr>
+          <p:cNvPr id="8" name="Image 7">
+            <a:extLst>
+              <a:ext uri="{FF2B5EF4-FFF2-40B4-BE49-F238E27FC236}">
+                <a16:creationId xmlns:a16="http://schemas.microsoft.com/office/drawing/2014/main" id="{2BB825C5-31DA-4A56-85EA-536DBF510A31}"/>
+              </a:ext>
+            </a:extLst>
+          </p:cNvPr>
+          <p:cNvPicPr>
+            <a:picLocks noChangeAspect="1"/>
+          </p:cNvPicPr>
+          <p:nvPr/>
+        </p:nvPicPr>
+        <p:blipFill>
+          <a:blip r:embed="rId2">
+            <a:extLst>
+              <a:ext uri="{28A0092B-C50C-407E-A947-70E740481C1C}">
+                <a14:useLocalDpi xmlns:a14="http://schemas.microsoft.com/office/drawing/2010/main" val="0"/>
+              </a:ext>
+            </a:extLst>
+          </a:blip>
+          <a:stretch>
+            <a:fillRect/>
+          </a:stretch>
+        </p:blipFill>
+        <p:spPr>
+          <a:xfrm>
+            <a:off x="1068751" y="66457"/>
+            <a:ext cx="1259497" cy="776690"/>
+          </a:xfrm>
+          <a:prstGeom prst="rect">
+            <a:avLst/>
+          </a:prstGeom>
+        </p:spPr>
+      </p:pic>
+      <p:pic>
+        <p:nvPicPr>
+          <p:cNvPr id="10" name="Image 9">
+            <a:extLst>
+              <a:ext uri="{FF2B5EF4-FFF2-40B4-BE49-F238E27FC236}">
+                <a16:creationId xmlns:a16="http://schemas.microsoft.com/office/drawing/2014/main" id="{8EE7436F-49F2-41E0-93E4-D247B4705294}"/>
+              </a:ext>
+            </a:extLst>
+          </p:cNvPr>
+          <p:cNvPicPr>
+            <a:picLocks noChangeAspect="1"/>
+          </p:cNvPicPr>
+          <p:nvPr/>
+        </p:nvPicPr>
+        <p:blipFill>
+          <a:blip r:embed="rId3">
+            <a:extLst>
+              <a:ext uri="{28A0092B-C50C-407E-A947-70E740481C1C}">
+                <a14:useLocalDpi xmlns:a14="http://schemas.microsoft.com/office/drawing/2010/main" val="0"/>
+              </a:ext>
+            </a:extLst>
+          </a:blip>
+          <a:stretch>
+            <a:fillRect/>
+          </a:stretch>
+        </p:blipFill>
+        <p:spPr>
+          <a:xfrm>
+            <a:off x="9681085" y="238153"/>
+            <a:ext cx="1802101" cy="569807"/>
+          </a:xfrm>
+          <a:prstGeom prst="rect">
+            <a:avLst/>
+          </a:prstGeom>
+        </p:spPr>
+      </p:pic>
+      <p:cxnSp>
+        <p:nvCxnSpPr>
+          <p:cNvPr id="16" name="Connecteur droit 15">
+            <a:extLst>
+              <a:ext uri="{FF2B5EF4-FFF2-40B4-BE49-F238E27FC236}">
+                <a16:creationId xmlns:a16="http://schemas.microsoft.com/office/drawing/2014/main" id="{7319284A-BD6F-4A96-8E2B-E0A4B52E53C6}"/>
+              </a:ext>
+            </a:extLst>
+          </p:cNvPr>
+          <p:cNvCxnSpPr>
+            <a:cxnSpLocks/>
+          </p:cNvCxnSpPr>
+          <p:nvPr/>
+        </p:nvCxnSpPr>
+        <p:spPr>
+          <a:xfrm flipV="1">
+            <a:off x="0" y="454803"/>
+            <a:ext cx="738231" cy="1798"/>
+          </a:xfrm>
+          <a:prstGeom prst="line">
+            <a:avLst/>
+          </a:prstGeom>
+        </p:spPr>
+        <p:style>
+          <a:lnRef idx="3">
+            <a:schemeClr val="dk1"/>
+          </a:lnRef>
+          <a:fillRef idx="0">
+            <a:schemeClr val="dk1"/>
+          </a:fillRef>
+          <a:effectRef idx="2">
+            <a:schemeClr val="dk1"/>
+          </a:effectRef>
+          <a:fontRef idx="minor">
+            <a:schemeClr val="tx1"/>
+          </a:fontRef>
+        </p:style>
+      </p:cxnSp>
+      <p:cxnSp>
+        <p:nvCxnSpPr>
+          <p:cNvPr id="20" name="Connecteur droit 19">
+            <a:extLst>
+              <a:ext uri="{FF2B5EF4-FFF2-40B4-BE49-F238E27FC236}">
+                <a16:creationId xmlns:a16="http://schemas.microsoft.com/office/drawing/2014/main" id="{08874CF7-F149-4C81-B61E-74E18342BA8A}"/>
+              </a:ext>
+            </a:extLst>
+          </p:cNvPr>
+          <p:cNvCxnSpPr>
+            <a:cxnSpLocks/>
+          </p:cNvCxnSpPr>
+          <p:nvPr/>
+        </p:nvCxnSpPr>
+        <p:spPr>
+          <a:xfrm>
+            <a:off x="2573222" y="454803"/>
+            <a:ext cx="6829482" cy="10398"/>
+          </a:xfrm>
+          <a:prstGeom prst="line">
+            <a:avLst/>
+          </a:prstGeom>
+        </p:spPr>
+        <p:style>
+          <a:lnRef idx="3">
+            <a:schemeClr val="dk1"/>
+          </a:lnRef>
+          <a:fillRef idx="0">
+            <a:schemeClr val="dk1"/>
+          </a:fillRef>
+          <a:effectRef idx="2">
+            <a:schemeClr val="dk1"/>
+          </a:effectRef>
+          <a:fontRef idx="minor">
+            <a:schemeClr val="tx1"/>
+          </a:fontRef>
+        </p:style>
+      </p:cxnSp>
+      <p:cxnSp>
+        <p:nvCxnSpPr>
+          <p:cNvPr id="26" name="Connecteur droit 25">
+            <a:extLst>
+              <a:ext uri="{FF2B5EF4-FFF2-40B4-BE49-F238E27FC236}">
+                <a16:creationId xmlns:a16="http://schemas.microsoft.com/office/drawing/2014/main" id="{BB3B35CC-057B-48C1-880F-3306A6559175}"/>
+              </a:ext>
+            </a:extLst>
+          </p:cNvPr>
+          <p:cNvCxnSpPr>
+            <a:cxnSpLocks/>
+          </p:cNvCxnSpPr>
+          <p:nvPr/>
+        </p:nvCxnSpPr>
+        <p:spPr>
+          <a:xfrm>
+            <a:off x="738231" y="454803"/>
+            <a:ext cx="344203" cy="484764"/>
+          </a:xfrm>
+          <a:prstGeom prst="line">
+            <a:avLst/>
+          </a:prstGeom>
+        </p:spPr>
+        <p:style>
+          <a:lnRef idx="3">
+            <a:schemeClr val="dk1"/>
+          </a:lnRef>
+          <a:fillRef idx="0">
+            <a:schemeClr val="dk1"/>
+          </a:fillRef>
+          <a:effectRef idx="2">
+            <a:schemeClr val="dk1"/>
+          </a:effectRef>
+          <a:fontRef idx="minor">
+            <a:schemeClr val="tx1"/>
+          </a:fontRef>
+        </p:style>
+      </p:cxnSp>
+      <p:cxnSp>
+        <p:nvCxnSpPr>
+          <p:cNvPr id="32" name="Connecteur droit 31">
+            <a:extLst>
+              <a:ext uri="{FF2B5EF4-FFF2-40B4-BE49-F238E27FC236}">
+                <a16:creationId xmlns:a16="http://schemas.microsoft.com/office/drawing/2014/main" id="{4AD96496-1EB6-4E48-9BB2-5C255495C686}"/>
+              </a:ext>
+            </a:extLst>
+          </p:cNvPr>
+          <p:cNvCxnSpPr>
+            <a:cxnSpLocks/>
+          </p:cNvCxnSpPr>
+          <p:nvPr/>
+        </p:nvCxnSpPr>
+        <p:spPr>
+          <a:xfrm>
+            <a:off x="1082434" y="938268"/>
+            <a:ext cx="1146585" cy="0"/>
+          </a:xfrm>
+          <a:prstGeom prst="line">
+            <a:avLst/>
+          </a:prstGeom>
+        </p:spPr>
+        <p:style>
+          <a:lnRef idx="3">
+            <a:schemeClr val="dk1"/>
+          </a:lnRef>
+          <a:fillRef idx="0">
+            <a:schemeClr val="dk1"/>
+          </a:fillRef>
+          <a:effectRef idx="2">
+            <a:schemeClr val="dk1"/>
+          </a:effectRef>
+          <a:fontRef idx="minor">
+            <a:schemeClr val="tx1"/>
+          </a:fontRef>
+        </p:style>
+      </p:cxnSp>
+      <p:cxnSp>
+        <p:nvCxnSpPr>
+          <p:cNvPr id="51" name="Connecteur droit 50">
+            <a:extLst>
+              <a:ext uri="{FF2B5EF4-FFF2-40B4-BE49-F238E27FC236}">
+                <a16:creationId xmlns:a16="http://schemas.microsoft.com/office/drawing/2014/main" id="{C035BFA6-ECBF-4775-BA81-19D2CA41AA8D}"/>
+              </a:ext>
+            </a:extLst>
+          </p:cNvPr>
+          <p:cNvCxnSpPr>
+            <a:cxnSpLocks/>
+          </p:cNvCxnSpPr>
+          <p:nvPr/>
+        </p:nvCxnSpPr>
+        <p:spPr>
+          <a:xfrm>
+            <a:off x="9402704" y="465201"/>
+            <a:ext cx="344203" cy="495163"/>
+          </a:xfrm>
+          <a:prstGeom prst="line">
+            <a:avLst/>
+          </a:prstGeom>
+        </p:spPr>
+        <p:style>
+          <a:lnRef idx="3">
+            <a:schemeClr val="dk1"/>
+          </a:lnRef>
+          <a:fillRef idx="0">
+            <a:schemeClr val="dk1"/>
+          </a:fillRef>
+          <a:effectRef idx="2">
+            <a:schemeClr val="dk1"/>
+          </a:effectRef>
+          <a:fontRef idx="minor">
+            <a:schemeClr val="tx1"/>
+          </a:fontRef>
+        </p:style>
+      </p:cxnSp>
+      <p:cxnSp>
+        <p:nvCxnSpPr>
+          <p:cNvPr id="52" name="Connecteur droit 51">
+            <a:extLst>
+              <a:ext uri="{FF2B5EF4-FFF2-40B4-BE49-F238E27FC236}">
+                <a16:creationId xmlns:a16="http://schemas.microsoft.com/office/drawing/2014/main" id="{FA310BC7-694B-4984-99A2-61A1F4F6EBF9}"/>
+              </a:ext>
+            </a:extLst>
+          </p:cNvPr>
+          <p:cNvCxnSpPr>
+            <a:cxnSpLocks/>
+          </p:cNvCxnSpPr>
+          <p:nvPr/>
+        </p:nvCxnSpPr>
+        <p:spPr>
+          <a:xfrm flipH="1">
+            <a:off x="11370469" y="448308"/>
+            <a:ext cx="364332" cy="501657"/>
+          </a:xfrm>
+          <a:prstGeom prst="line">
+            <a:avLst/>
+          </a:prstGeom>
+        </p:spPr>
+        <p:style>
+          <a:lnRef idx="3">
+            <a:schemeClr val="dk1"/>
+          </a:lnRef>
+          <a:fillRef idx="0">
+            <a:schemeClr val="dk1"/>
+          </a:fillRef>
+          <a:effectRef idx="2">
+            <a:schemeClr val="dk1"/>
+          </a:effectRef>
+          <a:fontRef idx="minor">
+            <a:schemeClr val="tx1"/>
+          </a:fontRef>
+        </p:style>
+      </p:cxnSp>
+      <p:cxnSp>
+        <p:nvCxnSpPr>
+          <p:cNvPr id="53" name="Connecteur droit 52">
+            <a:extLst>
+              <a:ext uri="{FF2B5EF4-FFF2-40B4-BE49-F238E27FC236}">
+                <a16:creationId xmlns:a16="http://schemas.microsoft.com/office/drawing/2014/main" id="{BE0649BD-EE59-4DDA-960F-95B2572F9F13}"/>
+              </a:ext>
+            </a:extLst>
+          </p:cNvPr>
+          <p:cNvCxnSpPr>
+            <a:cxnSpLocks/>
+          </p:cNvCxnSpPr>
+          <p:nvPr/>
+        </p:nvCxnSpPr>
+        <p:spPr>
+          <a:xfrm>
+            <a:off x="9743203" y="949965"/>
+            <a:ext cx="1627266" cy="0"/>
+          </a:xfrm>
+          <a:prstGeom prst="line">
+            <a:avLst/>
+          </a:prstGeom>
+        </p:spPr>
+        <p:style>
+          <a:lnRef idx="3">
+            <a:schemeClr val="dk1"/>
+          </a:lnRef>
+          <a:fillRef idx="0">
+            <a:schemeClr val="dk1"/>
+          </a:fillRef>
+          <a:effectRef idx="2">
+            <a:schemeClr val="dk1"/>
+          </a:effectRef>
+          <a:fontRef idx="minor">
+            <a:schemeClr val="tx1"/>
+          </a:fontRef>
+        </p:style>
+      </p:cxnSp>
+      <p:cxnSp>
+        <p:nvCxnSpPr>
+          <p:cNvPr id="55" name="Connecteur droit 54">
+            <a:extLst>
+              <a:ext uri="{FF2B5EF4-FFF2-40B4-BE49-F238E27FC236}">
+                <a16:creationId xmlns:a16="http://schemas.microsoft.com/office/drawing/2014/main" id="{52AA9200-DAFA-4EEF-AC13-4C7CE82A59EC}"/>
+              </a:ext>
+            </a:extLst>
+          </p:cNvPr>
+          <p:cNvCxnSpPr>
+            <a:cxnSpLocks/>
+          </p:cNvCxnSpPr>
+          <p:nvPr/>
+        </p:nvCxnSpPr>
+        <p:spPr>
+          <a:xfrm>
+            <a:off x="11715750" y="454801"/>
+            <a:ext cx="476249" cy="10400"/>
+          </a:xfrm>
+          <a:prstGeom prst="line">
+            <a:avLst/>
+          </a:prstGeom>
+        </p:spPr>
+        <p:style>
+          <a:lnRef idx="3">
+            <a:schemeClr val="dk1"/>
+          </a:lnRef>
+          <a:fillRef idx="0">
+            <a:schemeClr val="dk1"/>
+          </a:fillRef>
+          <a:effectRef idx="2">
+            <a:schemeClr val="dk1"/>
+          </a:effectRef>
+          <a:fontRef idx="minor">
+            <a:schemeClr val="tx1"/>
+          </a:fontRef>
+        </p:style>
+      </p:cxnSp>
+      <p:cxnSp>
+        <p:nvCxnSpPr>
+          <p:cNvPr id="23" name="Connecteur droit 22">
+            <a:extLst>
+              <a:ext uri="{FF2B5EF4-FFF2-40B4-BE49-F238E27FC236}">
+                <a16:creationId xmlns:a16="http://schemas.microsoft.com/office/drawing/2014/main" id="{BCB092C8-0080-4E56-957E-0046D4C83988}"/>
+              </a:ext>
+            </a:extLst>
+          </p:cNvPr>
+          <p:cNvCxnSpPr>
+            <a:cxnSpLocks/>
+          </p:cNvCxnSpPr>
+          <p:nvPr/>
+        </p:nvCxnSpPr>
+        <p:spPr>
+          <a:xfrm flipH="1">
+            <a:off x="2216372" y="446356"/>
+            <a:ext cx="364332" cy="501657"/>
+          </a:xfrm>
+          <a:prstGeom prst="line">
+            <a:avLst/>
+          </a:prstGeom>
+        </p:spPr>
+        <p:style>
+          <a:lnRef idx="3">
+            <a:schemeClr val="dk1"/>
+          </a:lnRef>
+          <a:fillRef idx="0">
+            <a:schemeClr val="dk1"/>
+          </a:fillRef>
+          <a:effectRef idx="2">
+            <a:schemeClr val="dk1"/>
+          </a:effectRef>
+          <a:fontRef idx="minor">
+            <a:schemeClr val="tx1"/>
+          </a:fontRef>
+        </p:style>
+      </p:cxnSp>
+      <p:pic>
+        <p:nvPicPr>
+          <p:cNvPr id="57" name="Image 56">
+            <a:extLst>
+              <a:ext uri="{FF2B5EF4-FFF2-40B4-BE49-F238E27FC236}">
+                <a16:creationId xmlns:a16="http://schemas.microsoft.com/office/drawing/2014/main" id="{12B16FB2-5844-4B92-AE69-9BAC858C22BB}"/>
+              </a:ext>
+            </a:extLst>
+          </p:cNvPr>
+          <p:cNvPicPr>
+            <a:picLocks noChangeAspect="1"/>
+          </p:cNvPicPr>
+          <p:nvPr/>
+        </p:nvPicPr>
+        <p:blipFill>
+          <a:blip r:embed="rId3">
+            <a:extLst>
+              <a:ext uri="{28A0092B-C50C-407E-A947-70E740481C1C}">
+                <a14:useLocalDpi xmlns:a14="http://schemas.microsoft.com/office/drawing/2010/main" val="0"/>
+              </a:ext>
+            </a:extLst>
+          </a:blip>
+          <a:stretch>
+            <a:fillRect/>
+          </a:stretch>
+        </p:blipFill>
+        <p:spPr>
+          <a:xfrm>
+            <a:off x="9681085" y="238153"/>
+            <a:ext cx="1802101" cy="569807"/>
+          </a:xfrm>
+          <a:prstGeom prst="rect">
+            <a:avLst/>
+          </a:prstGeom>
+        </p:spPr>
+      </p:pic>
+      <p:cxnSp>
+        <p:nvCxnSpPr>
+          <p:cNvPr id="58" name="Connecteur droit 57">
+            <a:extLst>
+              <a:ext uri="{FF2B5EF4-FFF2-40B4-BE49-F238E27FC236}">
+                <a16:creationId xmlns:a16="http://schemas.microsoft.com/office/drawing/2014/main" id="{01599350-F8B0-4FDC-B003-981189A8D654}"/>
+              </a:ext>
+            </a:extLst>
+          </p:cNvPr>
+          <p:cNvCxnSpPr>
+            <a:cxnSpLocks/>
+          </p:cNvCxnSpPr>
+          <p:nvPr/>
+        </p:nvCxnSpPr>
+        <p:spPr>
+          <a:xfrm>
+            <a:off x="2573222" y="454803"/>
+            <a:ext cx="6829482" cy="10398"/>
+          </a:xfrm>
+          <a:prstGeom prst="line">
+            <a:avLst/>
+          </a:prstGeom>
+        </p:spPr>
+        <p:style>
+          <a:lnRef idx="3">
+            <a:schemeClr val="dk1"/>
+          </a:lnRef>
+          <a:fillRef idx="0">
+            <a:schemeClr val="dk1"/>
+          </a:fillRef>
+          <a:effectRef idx="2">
+            <a:schemeClr val="dk1"/>
+          </a:effectRef>
+          <a:fontRef idx="minor">
+            <a:schemeClr val="tx1"/>
+          </a:fontRef>
+        </p:style>
+      </p:cxnSp>
+      <p:cxnSp>
+        <p:nvCxnSpPr>
+          <p:cNvPr id="59" name="Connecteur droit 58">
+            <a:extLst>
+              <a:ext uri="{FF2B5EF4-FFF2-40B4-BE49-F238E27FC236}">
+                <a16:creationId xmlns:a16="http://schemas.microsoft.com/office/drawing/2014/main" id="{BC6E6150-6054-4785-84EC-0C46D82034C2}"/>
+              </a:ext>
+            </a:extLst>
+          </p:cNvPr>
+          <p:cNvCxnSpPr>
+            <a:cxnSpLocks/>
+          </p:cNvCxnSpPr>
+          <p:nvPr/>
+        </p:nvCxnSpPr>
+        <p:spPr>
+          <a:xfrm>
+            <a:off x="738231" y="454803"/>
+            <a:ext cx="344203" cy="484764"/>
+          </a:xfrm>
+          <a:prstGeom prst="line">
+            <a:avLst/>
+          </a:prstGeom>
+        </p:spPr>
+        <p:style>
+          <a:lnRef idx="3">
+            <a:schemeClr val="dk1"/>
+          </a:lnRef>
+          <a:fillRef idx="0">
+            <a:schemeClr val="dk1"/>
+          </a:fillRef>
+          <a:effectRef idx="2">
+            <a:schemeClr val="dk1"/>
+          </a:effectRef>
+          <a:fontRef idx="minor">
+            <a:schemeClr val="tx1"/>
+          </a:fontRef>
+        </p:style>
+      </p:cxnSp>
+      <p:cxnSp>
+        <p:nvCxnSpPr>
+          <p:cNvPr id="60" name="Connecteur droit 59">
+            <a:extLst>
+              <a:ext uri="{FF2B5EF4-FFF2-40B4-BE49-F238E27FC236}">
+                <a16:creationId xmlns:a16="http://schemas.microsoft.com/office/drawing/2014/main" id="{CBC9961A-8EC2-4287-A398-BCA4138D409D}"/>
+              </a:ext>
+            </a:extLst>
+          </p:cNvPr>
+          <p:cNvCxnSpPr>
+            <a:cxnSpLocks/>
+          </p:cNvCxnSpPr>
+          <p:nvPr/>
+        </p:nvCxnSpPr>
+        <p:spPr>
+          <a:xfrm>
+            <a:off x="1082434" y="938268"/>
+            <a:ext cx="1146585" cy="0"/>
+          </a:xfrm>
+          <a:prstGeom prst="line">
+            <a:avLst/>
+          </a:prstGeom>
+        </p:spPr>
+        <p:style>
+          <a:lnRef idx="3">
+            <a:schemeClr val="dk1"/>
+          </a:lnRef>
+          <a:fillRef idx="0">
+            <a:schemeClr val="dk1"/>
+          </a:fillRef>
+          <a:effectRef idx="2">
+            <a:schemeClr val="dk1"/>
+          </a:effectRef>
+          <a:fontRef idx="minor">
+            <a:schemeClr val="tx1"/>
+          </a:fontRef>
+        </p:style>
+      </p:cxnSp>
+      <p:cxnSp>
+        <p:nvCxnSpPr>
+          <p:cNvPr id="61" name="Connecteur droit 60">
+            <a:extLst>
+              <a:ext uri="{FF2B5EF4-FFF2-40B4-BE49-F238E27FC236}">
+                <a16:creationId xmlns:a16="http://schemas.microsoft.com/office/drawing/2014/main" id="{152B7C45-2543-4665-BC07-4DB71CA9F337}"/>
+              </a:ext>
+            </a:extLst>
+          </p:cNvPr>
+          <p:cNvCxnSpPr>
+            <a:cxnSpLocks/>
+          </p:cNvCxnSpPr>
+          <p:nvPr/>
+        </p:nvCxnSpPr>
+        <p:spPr>
+          <a:xfrm>
+            <a:off x="9402704" y="465201"/>
+            <a:ext cx="344203" cy="495163"/>
+          </a:xfrm>
+          <a:prstGeom prst="line">
+            <a:avLst/>
+          </a:prstGeom>
+        </p:spPr>
+        <p:style>
+          <a:lnRef idx="3">
+            <a:schemeClr val="dk1"/>
+          </a:lnRef>
+          <a:fillRef idx="0">
+            <a:schemeClr val="dk1"/>
+          </a:fillRef>
+          <a:effectRef idx="2">
+            <a:schemeClr val="dk1"/>
+          </a:effectRef>
+          <a:fontRef idx="minor">
+            <a:schemeClr val="tx1"/>
+          </a:fontRef>
+        </p:style>
+      </p:cxnSp>
+      <p:cxnSp>
+        <p:nvCxnSpPr>
+          <p:cNvPr id="62" name="Connecteur droit 61">
+            <a:extLst>
+              <a:ext uri="{FF2B5EF4-FFF2-40B4-BE49-F238E27FC236}">
+                <a16:creationId xmlns:a16="http://schemas.microsoft.com/office/drawing/2014/main" id="{00A84DC3-A112-46A3-B71C-04D85339323D}"/>
+              </a:ext>
+            </a:extLst>
+          </p:cNvPr>
+          <p:cNvCxnSpPr>
+            <a:cxnSpLocks/>
+          </p:cNvCxnSpPr>
+          <p:nvPr/>
+        </p:nvCxnSpPr>
+        <p:spPr>
+          <a:xfrm flipH="1">
+            <a:off x="11370469" y="448308"/>
+            <a:ext cx="364332" cy="501657"/>
+          </a:xfrm>
+          <a:prstGeom prst="line">
+            <a:avLst/>
+          </a:prstGeom>
+        </p:spPr>
+        <p:style>
+          <a:lnRef idx="3">
+            <a:schemeClr val="dk1"/>
+          </a:lnRef>
+          <a:fillRef idx="0">
+            <a:schemeClr val="dk1"/>
+          </a:fillRef>
+          <a:effectRef idx="2">
+            <a:schemeClr val="dk1"/>
+          </a:effectRef>
+          <a:fontRef idx="minor">
+            <a:schemeClr val="tx1"/>
+          </a:fontRef>
+        </p:style>
+      </p:cxnSp>
+      <p:cxnSp>
+        <p:nvCxnSpPr>
+          <p:cNvPr id="63" name="Connecteur droit 62">
+            <a:extLst>
+              <a:ext uri="{FF2B5EF4-FFF2-40B4-BE49-F238E27FC236}">
+                <a16:creationId xmlns:a16="http://schemas.microsoft.com/office/drawing/2014/main" id="{C50788C6-8F68-44EC-AB54-94C1D2FE554D}"/>
+              </a:ext>
+            </a:extLst>
+          </p:cNvPr>
+          <p:cNvCxnSpPr>
+            <a:cxnSpLocks/>
+          </p:cNvCxnSpPr>
+          <p:nvPr/>
+        </p:nvCxnSpPr>
+        <p:spPr>
+          <a:xfrm>
+            <a:off x="9743203" y="949965"/>
+            <a:ext cx="1627266" cy="0"/>
+          </a:xfrm>
+          <a:prstGeom prst="line">
+            <a:avLst/>
+          </a:prstGeom>
+        </p:spPr>
+        <p:style>
+          <a:lnRef idx="3">
+            <a:schemeClr val="dk1"/>
+          </a:lnRef>
+          <a:fillRef idx="0">
+            <a:schemeClr val="dk1"/>
+          </a:fillRef>
+          <a:effectRef idx="2">
+            <a:schemeClr val="dk1"/>
+          </a:effectRef>
+          <a:fontRef idx="minor">
+            <a:schemeClr val="tx1"/>
+          </a:fontRef>
+        </p:style>
+      </p:cxnSp>
+      <p:cxnSp>
+        <p:nvCxnSpPr>
+          <p:cNvPr id="64" name="Connecteur droit 63">
+            <a:extLst>
+              <a:ext uri="{FF2B5EF4-FFF2-40B4-BE49-F238E27FC236}">
+                <a16:creationId xmlns:a16="http://schemas.microsoft.com/office/drawing/2014/main" id="{BC4D4E5F-5636-45CB-873C-EC085AB307A3}"/>
+              </a:ext>
+            </a:extLst>
+          </p:cNvPr>
+          <p:cNvCxnSpPr>
+            <a:cxnSpLocks/>
+          </p:cNvCxnSpPr>
+          <p:nvPr/>
+        </p:nvCxnSpPr>
+        <p:spPr>
+          <a:xfrm>
+            <a:off x="11715750" y="454801"/>
+            <a:ext cx="476249" cy="10400"/>
+          </a:xfrm>
+          <a:prstGeom prst="line">
+            <a:avLst/>
+          </a:prstGeom>
+        </p:spPr>
+        <p:style>
+          <a:lnRef idx="3">
+            <a:schemeClr val="dk1"/>
+          </a:lnRef>
+          <a:fillRef idx="0">
+            <a:schemeClr val="dk1"/>
+          </a:fillRef>
+          <a:effectRef idx="2">
+            <a:schemeClr val="dk1"/>
+          </a:effectRef>
+          <a:fontRef idx="minor">
+            <a:schemeClr val="tx1"/>
+          </a:fontRef>
+        </p:style>
+      </p:cxnSp>
+      <p:cxnSp>
+        <p:nvCxnSpPr>
+          <p:cNvPr id="65" name="Connecteur droit 64">
+            <a:extLst>
+              <a:ext uri="{FF2B5EF4-FFF2-40B4-BE49-F238E27FC236}">
+                <a16:creationId xmlns:a16="http://schemas.microsoft.com/office/drawing/2014/main" id="{E6F6B4C5-0E3B-46C9-859D-EE774175D36F}"/>
+              </a:ext>
+            </a:extLst>
+          </p:cNvPr>
+          <p:cNvCxnSpPr>
+            <a:cxnSpLocks/>
+          </p:cNvCxnSpPr>
+          <p:nvPr/>
+        </p:nvCxnSpPr>
+        <p:spPr>
+          <a:xfrm flipH="1">
+            <a:off x="2216372" y="446356"/>
+            <a:ext cx="364332" cy="501657"/>
+          </a:xfrm>
+          <a:prstGeom prst="line">
+            <a:avLst/>
+          </a:prstGeom>
+        </p:spPr>
+        <p:style>
+          <a:lnRef idx="3">
+            <a:schemeClr val="dk1"/>
+          </a:lnRef>
+          <a:fillRef idx="0">
+            <a:schemeClr val="dk1"/>
+          </a:fillRef>
+          <a:effectRef idx="2">
+            <a:schemeClr val="dk1"/>
+          </a:effectRef>
+          <a:fontRef idx="minor">
+            <a:schemeClr val="tx1"/>
+          </a:fontRef>
+        </p:style>
+      </p:cxnSp>
+      <p:sp>
+        <p:nvSpPr>
+          <p:cNvPr id="2" name="ZoneTexte 1">
+            <a:extLst>
+              <a:ext uri="{FF2B5EF4-FFF2-40B4-BE49-F238E27FC236}">
+                <a16:creationId xmlns:a16="http://schemas.microsoft.com/office/drawing/2014/main" id="{E8762E70-88D2-4566-9A54-94377E9A9CC8}"/>
+              </a:ext>
+            </a:extLst>
+          </p:cNvPr>
+          <p:cNvSpPr txBox="1"/>
+          <p:nvPr/>
+        </p:nvSpPr>
+        <p:spPr>
+          <a:xfrm>
+            <a:off x="3616922" y="473590"/>
+            <a:ext cx="4958155" cy="769441"/>
+          </a:xfrm>
+          <a:prstGeom prst="rect">
+            <a:avLst/>
+          </a:prstGeom>
+          <a:noFill/>
+        </p:spPr>
+        <p:txBody>
+          <a:bodyPr wrap="square" rtlCol="0">
+            <a:spAutoFit/>
+          </a:bodyPr>
+          <a:lstStyle/>
+          <a:p>
+            <a:r>
+              <a:rPr lang="fr-FR" sz="4400" dirty="0">
+                <a:latin typeface="Berlin Sans FB" panose="020E0602020502020306" pitchFamily="34" charset="0"/>
+              </a:rPr>
+              <a:t>Application Android</a:t>
+            </a:r>
+          </a:p>
+        </p:txBody>
+      </p:sp>
+      <p:sp>
+        <p:nvSpPr>
+          <p:cNvPr id="24" name="ZoneTexte 23">
+            <a:extLst>
+              <a:ext uri="{FF2B5EF4-FFF2-40B4-BE49-F238E27FC236}">
+                <a16:creationId xmlns:a16="http://schemas.microsoft.com/office/drawing/2014/main" id="{42387210-6B43-406B-9FDD-99ED00EF492F}"/>
+              </a:ext>
+            </a:extLst>
+          </p:cNvPr>
+          <p:cNvSpPr txBox="1"/>
+          <p:nvPr/>
+        </p:nvSpPr>
+        <p:spPr>
+          <a:xfrm>
+            <a:off x="11652188" y="6403199"/>
+            <a:ext cx="301686" cy="369332"/>
+          </a:xfrm>
+          <a:prstGeom prst="rect">
+            <a:avLst/>
+          </a:prstGeom>
+          <a:noFill/>
+        </p:spPr>
+        <p:txBody>
+          <a:bodyPr wrap="none" rtlCol="0">
+            <a:spAutoFit/>
+          </a:bodyPr>
+          <a:lstStyle/>
+          <a:p>
+            <a:r>
+              <a:rPr lang="fr-FR" dirty="0"/>
+              <a:t>6</a:t>
+            </a:r>
+          </a:p>
+        </p:txBody>
+      </p:sp>
+      <p:pic>
+        <p:nvPicPr>
+          <p:cNvPr id="27" name="Image 26">
+            <a:extLst>
+              <a:ext uri="{FF2B5EF4-FFF2-40B4-BE49-F238E27FC236}">
+                <a16:creationId xmlns:a16="http://schemas.microsoft.com/office/drawing/2014/main" id="{4F641507-6ECD-4BC9-898D-2632D9966EE4}"/>
+              </a:ext>
+            </a:extLst>
+          </p:cNvPr>
+          <p:cNvPicPr/>
+          <p:nvPr/>
+        </p:nvPicPr>
+        <p:blipFill>
+          <a:blip r:embed="rId4" cstate="print">
+            <a:extLst>
+              <a:ext uri="{28A0092B-C50C-407E-A947-70E740481C1C}">
+                <a14:useLocalDpi xmlns:a14="http://schemas.microsoft.com/office/drawing/2010/main" val="0"/>
+              </a:ext>
+            </a:extLst>
+          </a:blip>
+          <a:srcRect/>
+          <a:stretch>
+            <a:fillRect/>
+          </a:stretch>
+        </p:blipFill>
+        <p:spPr bwMode="auto">
+          <a:xfrm>
+            <a:off x="1272988" y="1243031"/>
+            <a:ext cx="2434088" cy="4921176"/>
+          </a:xfrm>
+          <a:prstGeom prst="rect">
+            <a:avLst/>
+          </a:prstGeom>
+          <a:noFill/>
+          <a:ln>
+            <a:noFill/>
+          </a:ln>
+        </p:spPr>
+      </p:pic>
+      <p:pic>
+        <p:nvPicPr>
+          <p:cNvPr id="28" name="Image 27">
+            <a:extLst>
+              <a:ext uri="{FF2B5EF4-FFF2-40B4-BE49-F238E27FC236}">
+                <a16:creationId xmlns:a16="http://schemas.microsoft.com/office/drawing/2014/main" id="{1E9E8233-6096-49CC-A245-9ACB9C9706A6}"/>
+              </a:ext>
+            </a:extLst>
+          </p:cNvPr>
+          <p:cNvPicPr/>
+          <p:nvPr/>
+        </p:nvPicPr>
+        <p:blipFill>
+          <a:blip r:embed="rId5" cstate="print">
+            <a:extLst>
+              <a:ext uri="{28A0092B-C50C-407E-A947-70E740481C1C}">
+                <a14:useLocalDpi xmlns:a14="http://schemas.microsoft.com/office/drawing/2010/main" val="0"/>
+              </a:ext>
+            </a:extLst>
+          </a:blip>
+          <a:srcRect/>
+          <a:stretch>
+            <a:fillRect/>
+          </a:stretch>
+        </p:blipFill>
+        <p:spPr bwMode="auto">
+          <a:xfrm>
+            <a:off x="4659782" y="1272216"/>
+            <a:ext cx="2434088" cy="4862806"/>
+          </a:xfrm>
+          <a:prstGeom prst="rect">
+            <a:avLst/>
+          </a:prstGeom>
+          <a:noFill/>
+          <a:ln>
+            <a:noFill/>
+          </a:ln>
+        </p:spPr>
+      </p:pic>
+      <p:pic>
+        <p:nvPicPr>
+          <p:cNvPr id="29" name="Image 28">
+            <a:extLst>
+              <a:ext uri="{FF2B5EF4-FFF2-40B4-BE49-F238E27FC236}">
+                <a16:creationId xmlns:a16="http://schemas.microsoft.com/office/drawing/2014/main" id="{3D91FE03-CCEC-443C-BB2B-29EB6EA6A25B}"/>
+              </a:ext>
+            </a:extLst>
+          </p:cNvPr>
+          <p:cNvPicPr/>
+          <p:nvPr/>
+        </p:nvPicPr>
+        <p:blipFill>
+          <a:blip r:embed="rId6" cstate="print">
+            <a:extLst>
+              <a:ext uri="{28A0092B-C50C-407E-A947-70E740481C1C}">
+                <a14:useLocalDpi xmlns:a14="http://schemas.microsoft.com/office/drawing/2010/main" val="0"/>
+              </a:ext>
+            </a:extLst>
+          </a:blip>
+          <a:srcRect/>
+          <a:stretch>
+            <a:fillRect/>
+          </a:stretch>
+        </p:blipFill>
+        <p:spPr bwMode="auto">
+          <a:xfrm>
+            <a:off x="8001835" y="1251420"/>
+            <a:ext cx="2458754" cy="4912787"/>
+          </a:xfrm>
+          <a:prstGeom prst="rect">
+            <a:avLst/>
+          </a:prstGeom>
+          <a:noFill/>
+          <a:ln>
+            <a:noFill/>
+          </a:ln>
+        </p:spPr>
+      </p:pic>
+      <p:sp>
+        <p:nvSpPr>
+          <p:cNvPr id="4" name="ZoneTexte 3">
+            <a:extLst>
+              <a:ext uri="{FF2B5EF4-FFF2-40B4-BE49-F238E27FC236}">
+                <a16:creationId xmlns:a16="http://schemas.microsoft.com/office/drawing/2014/main" id="{16C6552D-A26B-469A-BD9F-99FDEFB337BB}"/>
+              </a:ext>
+            </a:extLst>
+          </p:cNvPr>
+          <p:cNvSpPr txBox="1"/>
+          <p:nvPr/>
+        </p:nvSpPr>
+        <p:spPr>
+          <a:xfrm>
+            <a:off x="1611592" y="6249311"/>
+            <a:ext cx="1573892" cy="338554"/>
+          </a:xfrm>
+          <a:prstGeom prst="rect">
+            <a:avLst/>
+          </a:prstGeom>
+          <a:noFill/>
+        </p:spPr>
+        <p:txBody>
+          <a:bodyPr wrap="none" rtlCol="0">
+            <a:spAutoFit/>
+          </a:bodyPr>
+          <a:lstStyle/>
+          <a:p>
+            <a:r>
+              <a:rPr lang="fr-FR" sz="1600" i="1" dirty="0">
+                <a:solidFill>
+                  <a:schemeClr val="tx1">
+                    <a:lumMod val="50000"/>
+                    <a:lumOff val="50000"/>
+                  </a:schemeClr>
+                </a:solidFill>
+              </a:rPr>
+              <a:t>Fenêtre d’accueil</a:t>
+            </a:r>
+          </a:p>
+        </p:txBody>
+      </p:sp>
+      <p:sp>
+        <p:nvSpPr>
+          <p:cNvPr id="33" name="ZoneTexte 32">
+            <a:extLst>
+              <a:ext uri="{FF2B5EF4-FFF2-40B4-BE49-F238E27FC236}">
+                <a16:creationId xmlns:a16="http://schemas.microsoft.com/office/drawing/2014/main" id="{000D749A-0FB5-4974-8FDB-706AF1CF7FB1}"/>
+              </a:ext>
+            </a:extLst>
+          </p:cNvPr>
+          <p:cNvSpPr txBox="1"/>
+          <p:nvPr/>
+        </p:nvSpPr>
+        <p:spPr>
+          <a:xfrm>
+            <a:off x="4838400" y="6249311"/>
+            <a:ext cx="2076851" cy="338554"/>
+          </a:xfrm>
+          <a:prstGeom prst="rect">
+            <a:avLst/>
+          </a:prstGeom>
+          <a:noFill/>
+        </p:spPr>
+        <p:txBody>
+          <a:bodyPr wrap="none" rtlCol="0">
+            <a:spAutoFit/>
+          </a:bodyPr>
+          <a:lstStyle/>
+          <a:p>
+            <a:r>
+              <a:rPr lang="fr-FR" sz="1600" i="1" dirty="0">
+                <a:solidFill>
+                  <a:schemeClr val="tx1">
+                    <a:lumMod val="50000"/>
+                    <a:lumOff val="50000"/>
+                  </a:schemeClr>
+                </a:solidFill>
+              </a:rPr>
+              <a:t>Fenêtre « Dashboard »</a:t>
+            </a:r>
+          </a:p>
+        </p:txBody>
+      </p:sp>
+      <p:sp>
+        <p:nvSpPr>
+          <p:cNvPr id="34" name="ZoneTexte 33">
+            <a:extLst>
+              <a:ext uri="{FF2B5EF4-FFF2-40B4-BE49-F238E27FC236}">
+                <a16:creationId xmlns:a16="http://schemas.microsoft.com/office/drawing/2014/main" id="{1E092E05-CBDD-4535-9542-33D34BB02601}"/>
+              </a:ext>
+            </a:extLst>
+          </p:cNvPr>
+          <p:cNvSpPr txBox="1"/>
+          <p:nvPr/>
+        </p:nvSpPr>
+        <p:spPr>
+          <a:xfrm>
+            <a:off x="7915082" y="6249311"/>
+            <a:ext cx="2632259" cy="338554"/>
+          </a:xfrm>
+          <a:prstGeom prst="rect">
+            <a:avLst/>
+          </a:prstGeom>
+          <a:noFill/>
+        </p:spPr>
+        <p:txBody>
+          <a:bodyPr wrap="none" rtlCol="0">
+            <a:spAutoFit/>
+          </a:bodyPr>
+          <a:lstStyle/>
+          <a:p>
+            <a:r>
+              <a:rPr lang="fr-FR" sz="1600" i="1" dirty="0">
+                <a:solidFill>
+                  <a:schemeClr val="tx1">
+                    <a:lumMod val="50000"/>
+                    <a:lumOff val="50000"/>
+                  </a:schemeClr>
+                </a:solidFill>
+              </a:rPr>
+              <a:t>Fenêtre « Liste des capteurs »</a:t>
+            </a:r>
+          </a:p>
+        </p:txBody>
+      </p:sp>
+    </p:spTree>
+    <p:extLst>
+      <p:ext uri="{BB962C8B-B14F-4D97-AF65-F5344CB8AC3E}">
+        <p14:creationId xmlns:p14="http://schemas.microsoft.com/office/powerpoint/2010/main" val="3113916252"/>
+      </p:ext>
+    </p:extLst>
+  </p:cSld>
+  <p:clrMapOvr>
+    <a:masterClrMapping/>
+  </p:clrMapOvr>
+  <mc:AlternateContent xmlns:mc="http://schemas.openxmlformats.org/markup-compatibility/2006" xmlns:p14="http://schemas.microsoft.com/office/powerpoint/2010/main">
+    <mc:Choice Requires="p14">
+      <p:transition spd="slow">
+        <p14:reveal/>
+      </p:transition>
+    </mc:Choice>
+    <mc:Fallback xmlns="">
+      <p:transition spd="slow">
+        <p:fade/>
+      </p:transition>
+    </mc:Fallback>
+  </mc:AlternateContent>
+</p:sld>
+</file>
+
+<file path=ppt/slides/slide9.xml><?xml version="1.0" encoding="utf-8"?>
+<p:sld xmlns:a="http://schemas.openxmlformats.org/drawingml/2006/main" xmlns:r="http://schemas.openxmlformats.org/officeDocument/2006/relationships" xmlns:p="http://schemas.openxmlformats.org/presentationml/2006/main">
+  <p:cSld>
+    <p:spTree>
+      <p:nvGrpSpPr>
+        <p:cNvPr id="1" name=""/>
+        <p:cNvGrpSpPr/>
+        <p:nvPr/>
+      </p:nvGrpSpPr>
+      <p:grpSpPr>
+        <a:xfrm>
+          <a:off x="0" y="0"/>
+          <a:ext cx="0" cy="0"/>
+          <a:chOff x="0" y="0"/>
+          <a:chExt cx="0" cy="0"/>
+        </a:xfrm>
+      </p:grpSpPr>
+      <p:pic>
+        <p:nvPicPr>
+          <p:cNvPr id="8" name="Image 7">
+            <a:extLst>
+              <a:ext uri="{FF2B5EF4-FFF2-40B4-BE49-F238E27FC236}">
+                <a16:creationId xmlns:a16="http://schemas.microsoft.com/office/drawing/2014/main" id="{2BB825C5-31DA-4A56-85EA-536DBF510A31}"/>
+              </a:ext>
+            </a:extLst>
+          </p:cNvPr>
+          <p:cNvPicPr>
+            <a:picLocks noChangeAspect="1"/>
+          </p:cNvPicPr>
+          <p:nvPr/>
+        </p:nvPicPr>
+        <p:blipFill>
+          <a:blip r:embed="rId2">
+            <a:extLst>
+              <a:ext uri="{28A0092B-C50C-407E-A947-70E740481C1C}">
+                <a14:useLocalDpi xmlns:a14="http://schemas.microsoft.com/office/drawing/2010/main" val="0"/>
+              </a:ext>
+            </a:extLst>
+          </a:blip>
+          <a:stretch>
+            <a:fillRect/>
+          </a:stretch>
+        </p:blipFill>
+        <p:spPr>
+          <a:xfrm>
+            <a:off x="1068751" y="66457"/>
+            <a:ext cx="1259497" cy="776690"/>
+          </a:xfrm>
+          <a:prstGeom prst="rect">
+            <a:avLst/>
+          </a:prstGeom>
+        </p:spPr>
+      </p:pic>
+      <p:pic>
+        <p:nvPicPr>
+          <p:cNvPr id="10" name="Image 9">
+            <a:extLst>
+              <a:ext uri="{FF2B5EF4-FFF2-40B4-BE49-F238E27FC236}">
+                <a16:creationId xmlns:a16="http://schemas.microsoft.com/office/drawing/2014/main" id="{8EE7436F-49F2-41E0-93E4-D247B4705294}"/>
+              </a:ext>
+            </a:extLst>
+          </p:cNvPr>
+          <p:cNvPicPr>
+            <a:picLocks noChangeAspect="1"/>
+          </p:cNvPicPr>
+          <p:nvPr/>
+        </p:nvPicPr>
+        <p:blipFill>
+          <a:blip r:embed="rId3">
+            <a:extLst>
+              <a:ext uri="{28A0092B-C50C-407E-A947-70E740481C1C}">
+                <a14:useLocalDpi xmlns:a14="http://schemas.microsoft.com/office/drawing/2010/main" val="0"/>
+              </a:ext>
+            </a:extLst>
+          </a:blip>
+          <a:stretch>
+            <a:fillRect/>
+          </a:stretch>
+        </p:blipFill>
+        <p:spPr>
+          <a:xfrm>
+            <a:off x="9681085" y="238153"/>
+            <a:ext cx="1802101" cy="569807"/>
+          </a:xfrm>
+          <a:prstGeom prst="rect">
+            <a:avLst/>
+          </a:prstGeom>
+        </p:spPr>
+      </p:pic>
+      <p:cxnSp>
+        <p:nvCxnSpPr>
+          <p:cNvPr id="16" name="Connecteur droit 15">
+            <a:extLst>
+              <a:ext uri="{FF2B5EF4-FFF2-40B4-BE49-F238E27FC236}">
+                <a16:creationId xmlns:a16="http://schemas.microsoft.com/office/drawing/2014/main" id="{7319284A-BD6F-4A96-8E2B-E0A4B52E53C6}"/>
+              </a:ext>
+            </a:extLst>
+          </p:cNvPr>
+          <p:cNvCxnSpPr>
+            <a:cxnSpLocks/>
+          </p:cNvCxnSpPr>
+          <p:nvPr/>
+        </p:nvCxnSpPr>
+        <p:spPr>
+          <a:xfrm flipV="1">
+            <a:off x="0" y="454803"/>
+            <a:ext cx="738231" cy="1798"/>
+          </a:xfrm>
+          <a:prstGeom prst="line">
+            <a:avLst/>
+          </a:prstGeom>
+        </p:spPr>
+        <p:style>
+          <a:lnRef idx="3">
+            <a:schemeClr val="dk1"/>
+          </a:lnRef>
+          <a:fillRef idx="0">
+            <a:schemeClr val="dk1"/>
+          </a:fillRef>
+          <a:effectRef idx="2">
+            <a:schemeClr val="dk1"/>
+          </a:effectRef>
+          <a:fontRef idx="minor">
+            <a:schemeClr val="tx1"/>
+          </a:fontRef>
+        </p:style>
+      </p:cxnSp>
+      <p:cxnSp>
+        <p:nvCxnSpPr>
+          <p:cNvPr id="20" name="Connecteur droit 19">
+            <a:extLst>
+              <a:ext uri="{FF2B5EF4-FFF2-40B4-BE49-F238E27FC236}">
+                <a16:creationId xmlns:a16="http://schemas.microsoft.com/office/drawing/2014/main" id="{08874CF7-F149-4C81-B61E-74E18342BA8A}"/>
+              </a:ext>
+            </a:extLst>
+          </p:cNvPr>
+          <p:cNvCxnSpPr>
+            <a:cxnSpLocks/>
+          </p:cNvCxnSpPr>
+          <p:nvPr/>
+        </p:nvCxnSpPr>
+        <p:spPr>
+          <a:xfrm>
+            <a:off x="2573222" y="454803"/>
+            <a:ext cx="6829482" cy="10398"/>
+          </a:xfrm>
+          <a:prstGeom prst="line">
+            <a:avLst/>
+          </a:prstGeom>
+        </p:spPr>
+        <p:style>
+          <a:lnRef idx="3">
+            <a:schemeClr val="dk1"/>
+          </a:lnRef>
+          <a:fillRef idx="0">
+            <a:schemeClr val="dk1"/>
+          </a:fillRef>
+          <a:effectRef idx="2">
+            <a:schemeClr val="dk1"/>
+          </a:effectRef>
+          <a:fontRef idx="minor">
+            <a:schemeClr val="tx1"/>
+          </a:fontRef>
+        </p:style>
+      </p:cxnSp>
+      <p:cxnSp>
+        <p:nvCxnSpPr>
+          <p:cNvPr id="26" name="Connecteur droit 25">
+            <a:extLst>
+              <a:ext uri="{FF2B5EF4-FFF2-40B4-BE49-F238E27FC236}">
+                <a16:creationId xmlns:a16="http://schemas.microsoft.com/office/drawing/2014/main" id="{BB3B35CC-057B-48C1-880F-3306A6559175}"/>
+              </a:ext>
+            </a:extLst>
+          </p:cNvPr>
+          <p:cNvCxnSpPr>
+            <a:cxnSpLocks/>
+          </p:cNvCxnSpPr>
+          <p:nvPr/>
+        </p:nvCxnSpPr>
+        <p:spPr>
+          <a:xfrm>
+            <a:off x="738231" y="454803"/>
+            <a:ext cx="344203" cy="484764"/>
+          </a:xfrm>
+          <a:prstGeom prst="line">
+            <a:avLst/>
+          </a:prstGeom>
+        </p:spPr>
+        <p:style>
+          <a:lnRef idx="3">
+            <a:schemeClr val="dk1"/>
+          </a:lnRef>
+          <a:fillRef idx="0">
+            <a:schemeClr val="dk1"/>
+          </a:fillRef>
+          <a:effectRef idx="2">
+            <a:schemeClr val="dk1"/>
+          </a:effectRef>
+          <a:fontRef idx="minor">
+            <a:schemeClr val="tx1"/>
+          </a:fontRef>
+        </p:style>
+      </p:cxnSp>
+      <p:cxnSp>
+        <p:nvCxnSpPr>
+          <p:cNvPr id="32" name="Connecteur droit 31">
+            <a:extLst>
+              <a:ext uri="{FF2B5EF4-FFF2-40B4-BE49-F238E27FC236}">
+                <a16:creationId xmlns:a16="http://schemas.microsoft.com/office/drawing/2014/main" id="{4AD96496-1EB6-4E48-9BB2-5C255495C686}"/>
+              </a:ext>
+            </a:extLst>
+          </p:cNvPr>
+          <p:cNvCxnSpPr>
+            <a:cxnSpLocks/>
+          </p:cNvCxnSpPr>
+          <p:nvPr/>
+        </p:nvCxnSpPr>
+        <p:spPr>
+          <a:xfrm>
+            <a:off x="1082434" y="938268"/>
+            <a:ext cx="1146585" cy="0"/>
+          </a:xfrm>
+          <a:prstGeom prst="line">
+            <a:avLst/>
+          </a:prstGeom>
+        </p:spPr>
+        <p:style>
+          <a:lnRef idx="3">
+            <a:schemeClr val="dk1"/>
+          </a:lnRef>
+          <a:fillRef idx="0">
+            <a:schemeClr val="dk1"/>
+          </a:fillRef>
+          <a:effectRef idx="2">
+            <a:schemeClr val="dk1"/>
+          </a:effectRef>
+          <a:fontRef idx="minor">
+            <a:schemeClr val="tx1"/>
+          </a:fontRef>
+        </p:style>
+      </p:cxnSp>
+      <p:cxnSp>
+        <p:nvCxnSpPr>
+          <p:cNvPr id="51" name="Connecteur droit 50">
+            <a:extLst>
+              <a:ext uri="{FF2B5EF4-FFF2-40B4-BE49-F238E27FC236}">
+                <a16:creationId xmlns:a16="http://schemas.microsoft.com/office/drawing/2014/main" id="{C035BFA6-ECBF-4775-BA81-19D2CA41AA8D}"/>
+              </a:ext>
+            </a:extLst>
+          </p:cNvPr>
+          <p:cNvCxnSpPr>
+            <a:cxnSpLocks/>
+          </p:cNvCxnSpPr>
+          <p:nvPr/>
+        </p:nvCxnSpPr>
+        <p:spPr>
+          <a:xfrm>
+            <a:off x="9402704" y="465201"/>
+            <a:ext cx="344203" cy="495163"/>
+          </a:xfrm>
+          <a:prstGeom prst="line">
+            <a:avLst/>
+          </a:prstGeom>
+        </p:spPr>
+        <p:style>
+          <a:lnRef idx="3">
+            <a:schemeClr val="dk1"/>
+          </a:lnRef>
+          <a:fillRef idx="0">
+            <a:schemeClr val="dk1"/>
+          </a:fillRef>
+          <a:effectRef idx="2">
+            <a:schemeClr val="dk1"/>
+          </a:effectRef>
+          <a:fontRef idx="minor">
+            <a:schemeClr val="tx1"/>
+          </a:fontRef>
+        </p:style>
+      </p:cxnSp>
+      <p:cxnSp>
+        <p:nvCxnSpPr>
+          <p:cNvPr id="52" name="Connecteur droit 51">
+            <a:extLst>
+              <a:ext uri="{FF2B5EF4-FFF2-40B4-BE49-F238E27FC236}">
+                <a16:creationId xmlns:a16="http://schemas.microsoft.com/office/drawing/2014/main" id="{FA310BC7-694B-4984-99A2-61A1F4F6EBF9}"/>
+              </a:ext>
+            </a:extLst>
+          </p:cNvPr>
+          <p:cNvCxnSpPr>
+            <a:cxnSpLocks/>
+          </p:cNvCxnSpPr>
+          <p:nvPr/>
+        </p:nvCxnSpPr>
+        <p:spPr>
+          <a:xfrm flipH="1">
+            <a:off x="11370469" y="448308"/>
+            <a:ext cx="364332" cy="501657"/>
+          </a:xfrm>
+          <a:prstGeom prst="line">
+            <a:avLst/>
+          </a:prstGeom>
+        </p:spPr>
+        <p:style>
+          <a:lnRef idx="3">
+            <a:schemeClr val="dk1"/>
+          </a:lnRef>
+          <a:fillRef idx="0">
+            <a:schemeClr val="dk1"/>
+          </a:fillRef>
+          <a:effectRef idx="2">
+            <a:schemeClr val="dk1"/>
+          </a:effectRef>
+          <a:fontRef idx="minor">
+            <a:schemeClr val="tx1"/>
+          </a:fontRef>
+        </p:style>
+      </p:cxnSp>
+      <p:cxnSp>
+        <p:nvCxnSpPr>
+          <p:cNvPr id="53" name="Connecteur droit 52">
+            <a:extLst>
+              <a:ext uri="{FF2B5EF4-FFF2-40B4-BE49-F238E27FC236}">
+                <a16:creationId xmlns:a16="http://schemas.microsoft.com/office/drawing/2014/main" id="{BE0649BD-EE59-4DDA-960F-95B2572F9F13}"/>
+              </a:ext>
+            </a:extLst>
+          </p:cNvPr>
+          <p:cNvCxnSpPr>
+            <a:cxnSpLocks/>
+          </p:cNvCxnSpPr>
+          <p:nvPr/>
+        </p:nvCxnSpPr>
+        <p:spPr>
+          <a:xfrm>
+            <a:off x="9743203" y="949965"/>
+            <a:ext cx="1627266" cy="0"/>
+          </a:xfrm>
+          <a:prstGeom prst="line">
+            <a:avLst/>
+          </a:prstGeom>
+        </p:spPr>
+        <p:style>
+          <a:lnRef idx="3">
+            <a:schemeClr val="dk1"/>
+          </a:lnRef>
+          <a:fillRef idx="0">
+            <a:schemeClr val="dk1"/>
+          </a:fillRef>
+          <a:effectRef idx="2">
+            <a:schemeClr val="dk1"/>
+          </a:effectRef>
+          <a:fontRef idx="minor">
+            <a:schemeClr val="tx1"/>
+          </a:fontRef>
+        </p:style>
+      </p:cxnSp>
+      <p:cxnSp>
+        <p:nvCxnSpPr>
+          <p:cNvPr id="55" name="Connecteur droit 54">
+            <a:extLst>
+              <a:ext uri="{FF2B5EF4-FFF2-40B4-BE49-F238E27FC236}">
+                <a16:creationId xmlns:a16="http://schemas.microsoft.com/office/drawing/2014/main" id="{52AA9200-DAFA-4EEF-AC13-4C7CE82A59EC}"/>
+              </a:ext>
+            </a:extLst>
+          </p:cNvPr>
+          <p:cNvCxnSpPr>
+            <a:cxnSpLocks/>
+          </p:cNvCxnSpPr>
+          <p:nvPr/>
+        </p:nvCxnSpPr>
+        <p:spPr>
+          <a:xfrm>
+            <a:off x="11715750" y="454801"/>
+            <a:ext cx="476249" cy="10400"/>
+          </a:xfrm>
+          <a:prstGeom prst="line">
+            <a:avLst/>
+          </a:prstGeom>
+        </p:spPr>
+        <p:style>
+          <a:lnRef idx="3">
+            <a:schemeClr val="dk1"/>
+          </a:lnRef>
+          <a:fillRef idx="0">
+            <a:schemeClr val="dk1"/>
+          </a:fillRef>
+          <a:effectRef idx="2">
+            <a:schemeClr val="dk1"/>
+          </a:effectRef>
+          <a:fontRef idx="minor">
+            <a:schemeClr val="tx1"/>
+          </a:fontRef>
+        </p:style>
+      </p:cxnSp>
+      <p:cxnSp>
+        <p:nvCxnSpPr>
+          <p:cNvPr id="23" name="Connecteur droit 22">
+            <a:extLst>
+              <a:ext uri="{FF2B5EF4-FFF2-40B4-BE49-F238E27FC236}">
+                <a16:creationId xmlns:a16="http://schemas.microsoft.com/office/drawing/2014/main" id="{BCB092C8-0080-4E56-957E-0046D4C83988}"/>
+              </a:ext>
+            </a:extLst>
+          </p:cNvPr>
+          <p:cNvCxnSpPr>
+            <a:cxnSpLocks/>
+          </p:cNvCxnSpPr>
+          <p:nvPr/>
+        </p:nvCxnSpPr>
+        <p:spPr>
+          <a:xfrm flipH="1">
+            <a:off x="2216372" y="446356"/>
+            <a:ext cx="364332" cy="501657"/>
+          </a:xfrm>
+          <a:prstGeom prst="line">
+            <a:avLst/>
+          </a:prstGeom>
+        </p:spPr>
+        <p:style>
+          <a:lnRef idx="3">
+            <a:schemeClr val="dk1"/>
+          </a:lnRef>
+          <a:fillRef idx="0">
+            <a:schemeClr val="dk1"/>
+          </a:fillRef>
+          <a:effectRef idx="2">
+            <a:schemeClr val="dk1"/>
+          </a:effectRef>
+          <a:fontRef idx="minor">
+            <a:schemeClr val="tx1"/>
+          </a:fontRef>
+        </p:style>
+      </p:cxnSp>
+      <p:pic>
+        <p:nvPicPr>
+          <p:cNvPr id="57" name="Image 56">
+            <a:extLst>
+              <a:ext uri="{FF2B5EF4-FFF2-40B4-BE49-F238E27FC236}">
+                <a16:creationId xmlns:a16="http://schemas.microsoft.com/office/drawing/2014/main" id="{12B16FB2-5844-4B92-AE69-9BAC858C22BB}"/>
+              </a:ext>
+            </a:extLst>
+          </p:cNvPr>
+          <p:cNvPicPr>
+            <a:picLocks noChangeAspect="1"/>
+          </p:cNvPicPr>
+          <p:nvPr/>
+        </p:nvPicPr>
+        <p:blipFill>
+          <a:blip r:embed="rId3">
+            <a:extLst>
+              <a:ext uri="{28A0092B-C50C-407E-A947-70E740481C1C}">
+                <a14:useLocalDpi xmlns:a14="http://schemas.microsoft.com/office/drawing/2010/main" val="0"/>
+              </a:ext>
+            </a:extLst>
+          </a:blip>
+          <a:stretch>
+            <a:fillRect/>
+          </a:stretch>
+        </p:blipFill>
+        <p:spPr>
+          <a:xfrm>
+            <a:off x="9681085" y="238153"/>
+            <a:ext cx="1802101" cy="569807"/>
+          </a:xfrm>
+          <a:prstGeom prst="rect">
+            <a:avLst/>
+          </a:prstGeom>
+        </p:spPr>
+      </p:pic>
+      <p:cxnSp>
+        <p:nvCxnSpPr>
+          <p:cNvPr id="58" name="Connecteur droit 57">
+            <a:extLst>
+              <a:ext uri="{FF2B5EF4-FFF2-40B4-BE49-F238E27FC236}">
+                <a16:creationId xmlns:a16="http://schemas.microsoft.com/office/drawing/2014/main" id="{01599350-F8B0-4FDC-B003-981189A8D654}"/>
+              </a:ext>
+            </a:extLst>
+          </p:cNvPr>
+          <p:cNvCxnSpPr>
+            <a:cxnSpLocks/>
+          </p:cNvCxnSpPr>
+          <p:nvPr/>
+        </p:nvCxnSpPr>
+        <p:spPr>
+          <a:xfrm>
+            <a:off x="2573222" y="454803"/>
+            <a:ext cx="6829482" cy="10398"/>
+          </a:xfrm>
+          <a:prstGeom prst="line">
+            <a:avLst/>
+          </a:prstGeom>
+        </p:spPr>
+        <p:style>
+          <a:lnRef idx="3">
+            <a:schemeClr val="dk1"/>
+          </a:lnRef>
+          <a:fillRef idx="0">
+            <a:schemeClr val="dk1"/>
+          </a:fillRef>
+          <a:effectRef idx="2">
+            <a:schemeClr val="dk1"/>
+          </a:effectRef>
+          <a:fontRef idx="minor">
+            <a:schemeClr val="tx1"/>
+          </a:fontRef>
+        </p:style>
+      </p:cxnSp>
+      <p:cxnSp>
+        <p:nvCxnSpPr>
+          <p:cNvPr id="59" name="Connecteur droit 58">
+            <a:extLst>
+              <a:ext uri="{FF2B5EF4-FFF2-40B4-BE49-F238E27FC236}">
+                <a16:creationId xmlns:a16="http://schemas.microsoft.com/office/drawing/2014/main" id="{BC6E6150-6054-4785-84EC-0C46D82034C2}"/>
+              </a:ext>
+            </a:extLst>
+          </p:cNvPr>
+          <p:cNvCxnSpPr>
+            <a:cxnSpLocks/>
+          </p:cNvCxnSpPr>
+          <p:nvPr/>
+        </p:nvCxnSpPr>
+        <p:spPr>
+          <a:xfrm>
+            <a:off x="738231" y="454803"/>
+            <a:ext cx="344203" cy="484764"/>
+          </a:xfrm>
+          <a:prstGeom prst="line">
+            <a:avLst/>
+          </a:prstGeom>
+        </p:spPr>
+        <p:style>
+          <a:lnRef idx="3">
+            <a:schemeClr val="dk1"/>
+          </a:lnRef>
+          <a:fillRef idx="0">
+            <a:schemeClr val="dk1"/>
+          </a:fillRef>
+          <a:effectRef idx="2">
+            <a:schemeClr val="dk1"/>
+          </a:effectRef>
+          <a:fontRef idx="minor">
+            <a:schemeClr val="tx1"/>
+          </a:fontRef>
+        </p:style>
+      </p:cxnSp>
+      <p:cxnSp>
+        <p:nvCxnSpPr>
+          <p:cNvPr id="60" name="Connecteur droit 59">
+            <a:extLst>
+              <a:ext uri="{FF2B5EF4-FFF2-40B4-BE49-F238E27FC236}">
+                <a16:creationId xmlns:a16="http://schemas.microsoft.com/office/drawing/2014/main" id="{CBC9961A-8EC2-4287-A398-BCA4138D409D}"/>
+              </a:ext>
+            </a:extLst>
+          </p:cNvPr>
+          <p:cNvCxnSpPr>
+            <a:cxnSpLocks/>
+          </p:cNvCxnSpPr>
+          <p:nvPr/>
+        </p:nvCxnSpPr>
+        <p:spPr>
+          <a:xfrm>
+            <a:off x="1082434" y="938268"/>
+            <a:ext cx="1146585" cy="0"/>
+          </a:xfrm>
+          <a:prstGeom prst="line">
+            <a:avLst/>
+          </a:prstGeom>
+        </p:spPr>
+        <p:style>
+          <a:lnRef idx="3">
+            <a:schemeClr val="dk1"/>
+          </a:lnRef>
+          <a:fillRef idx="0">
+            <a:schemeClr val="dk1"/>
+          </a:fillRef>
+          <a:effectRef idx="2">
+            <a:schemeClr val="dk1"/>
+          </a:effectRef>
+          <a:fontRef idx="minor">
+            <a:schemeClr val="tx1"/>
+          </a:fontRef>
+        </p:style>
+      </p:cxnSp>
+      <p:cxnSp>
+        <p:nvCxnSpPr>
+          <p:cNvPr id="61" name="Connecteur droit 60">
+            <a:extLst>
+              <a:ext uri="{FF2B5EF4-FFF2-40B4-BE49-F238E27FC236}">
+                <a16:creationId xmlns:a16="http://schemas.microsoft.com/office/drawing/2014/main" id="{152B7C45-2543-4665-BC07-4DB71CA9F337}"/>
+              </a:ext>
+            </a:extLst>
+          </p:cNvPr>
+          <p:cNvCxnSpPr>
+            <a:cxnSpLocks/>
+          </p:cNvCxnSpPr>
+          <p:nvPr/>
+        </p:nvCxnSpPr>
+        <p:spPr>
+          <a:xfrm>
+            <a:off x="9402704" y="465201"/>
+            <a:ext cx="344203" cy="495163"/>
+          </a:xfrm>
+          <a:prstGeom prst="line">
+            <a:avLst/>
+          </a:prstGeom>
+        </p:spPr>
+        <p:style>
+          <a:lnRef idx="3">
+            <a:schemeClr val="dk1"/>
+          </a:lnRef>
+          <a:fillRef idx="0">
+            <a:schemeClr val="dk1"/>
+          </a:fillRef>
+          <a:effectRef idx="2">
+            <a:schemeClr val="dk1"/>
+          </a:effectRef>
+          <a:fontRef idx="minor">
+            <a:schemeClr val="tx1"/>
+          </a:fontRef>
+        </p:style>
+      </p:cxnSp>
+      <p:cxnSp>
+        <p:nvCxnSpPr>
+          <p:cNvPr id="62" name="Connecteur droit 61">
+            <a:extLst>
+              <a:ext uri="{FF2B5EF4-FFF2-40B4-BE49-F238E27FC236}">
+                <a16:creationId xmlns:a16="http://schemas.microsoft.com/office/drawing/2014/main" id="{00A84DC3-A112-46A3-B71C-04D85339323D}"/>
+              </a:ext>
+            </a:extLst>
+          </p:cNvPr>
+          <p:cNvCxnSpPr>
+            <a:cxnSpLocks/>
+          </p:cNvCxnSpPr>
+          <p:nvPr/>
+        </p:nvCxnSpPr>
+        <p:spPr>
+          <a:xfrm flipH="1">
+            <a:off x="11370469" y="448308"/>
+            <a:ext cx="364332" cy="501657"/>
+          </a:xfrm>
+          <a:prstGeom prst="line">
+            <a:avLst/>
+          </a:prstGeom>
+        </p:spPr>
+        <p:style>
+          <a:lnRef idx="3">
+            <a:schemeClr val="dk1"/>
+          </a:lnRef>
+          <a:fillRef idx="0">
+            <a:schemeClr val="dk1"/>
+          </a:fillRef>
+          <a:effectRef idx="2">
+            <a:schemeClr val="dk1"/>
+          </a:effectRef>
+          <a:fontRef idx="minor">
+            <a:schemeClr val="tx1"/>
+          </a:fontRef>
+        </p:style>
+      </p:cxnSp>
+      <p:cxnSp>
+        <p:nvCxnSpPr>
+          <p:cNvPr id="63" name="Connecteur droit 62">
+            <a:extLst>
+              <a:ext uri="{FF2B5EF4-FFF2-40B4-BE49-F238E27FC236}">
+                <a16:creationId xmlns:a16="http://schemas.microsoft.com/office/drawing/2014/main" id="{C50788C6-8F68-44EC-AB54-94C1D2FE554D}"/>
+              </a:ext>
+            </a:extLst>
+          </p:cNvPr>
+          <p:cNvCxnSpPr>
+            <a:cxnSpLocks/>
+          </p:cNvCxnSpPr>
+          <p:nvPr/>
+        </p:nvCxnSpPr>
+        <p:spPr>
+          <a:xfrm>
+            <a:off x="9743203" y="949965"/>
+            <a:ext cx="1627266" cy="0"/>
+          </a:xfrm>
+          <a:prstGeom prst="line">
+            <a:avLst/>
+          </a:prstGeom>
+        </p:spPr>
+        <p:style>
+          <a:lnRef idx="3">
+            <a:schemeClr val="dk1"/>
+          </a:lnRef>
+          <a:fillRef idx="0">
+            <a:schemeClr val="dk1"/>
+          </a:fillRef>
+          <a:effectRef idx="2">
+            <a:schemeClr val="dk1"/>
+          </a:effectRef>
+          <a:fontRef idx="minor">
+            <a:schemeClr val="tx1"/>
+          </a:fontRef>
+        </p:style>
+      </p:cxnSp>
+      <p:cxnSp>
+        <p:nvCxnSpPr>
+          <p:cNvPr id="64" name="Connecteur droit 63">
+            <a:extLst>
+              <a:ext uri="{FF2B5EF4-FFF2-40B4-BE49-F238E27FC236}">
+                <a16:creationId xmlns:a16="http://schemas.microsoft.com/office/drawing/2014/main" id="{BC4D4E5F-5636-45CB-873C-EC085AB307A3}"/>
+              </a:ext>
+            </a:extLst>
+          </p:cNvPr>
+          <p:cNvCxnSpPr>
+            <a:cxnSpLocks/>
+          </p:cNvCxnSpPr>
+          <p:nvPr/>
+        </p:nvCxnSpPr>
+        <p:spPr>
+          <a:xfrm>
+            <a:off x="11715750" y="454801"/>
+            <a:ext cx="476249" cy="10400"/>
+          </a:xfrm>
+          <a:prstGeom prst="line">
+            <a:avLst/>
+          </a:prstGeom>
+        </p:spPr>
+        <p:style>
+          <a:lnRef idx="3">
+            <a:schemeClr val="dk1"/>
+          </a:lnRef>
+          <a:fillRef idx="0">
+            <a:schemeClr val="dk1"/>
+          </a:fillRef>
+          <a:effectRef idx="2">
+            <a:schemeClr val="dk1"/>
+          </a:effectRef>
+          <a:fontRef idx="minor">
+            <a:schemeClr val="tx1"/>
+          </a:fontRef>
+        </p:style>
+      </p:cxnSp>
+      <p:cxnSp>
+        <p:nvCxnSpPr>
+          <p:cNvPr id="65" name="Connecteur droit 64">
+            <a:extLst>
+              <a:ext uri="{FF2B5EF4-FFF2-40B4-BE49-F238E27FC236}">
+                <a16:creationId xmlns:a16="http://schemas.microsoft.com/office/drawing/2014/main" id="{E6F6B4C5-0E3B-46C9-859D-EE774175D36F}"/>
+              </a:ext>
+            </a:extLst>
+          </p:cNvPr>
+          <p:cNvCxnSpPr>
+            <a:cxnSpLocks/>
+          </p:cNvCxnSpPr>
+          <p:nvPr/>
+        </p:nvCxnSpPr>
+        <p:spPr>
+          <a:xfrm flipH="1">
+            <a:off x="2216372" y="446356"/>
+            <a:ext cx="364332" cy="501657"/>
+          </a:xfrm>
+          <a:prstGeom prst="line">
+            <a:avLst/>
+          </a:prstGeom>
+        </p:spPr>
+        <p:style>
+          <a:lnRef idx="3">
+            <a:schemeClr val="dk1"/>
+          </a:lnRef>
+          <a:fillRef idx="0">
+            <a:schemeClr val="dk1"/>
+          </a:fillRef>
+          <a:effectRef idx="2">
+            <a:schemeClr val="dk1"/>
+          </a:effectRef>
+          <a:fontRef idx="minor">
+            <a:schemeClr val="tx1"/>
+          </a:fontRef>
+        </p:style>
+      </p:cxnSp>
+      <p:sp>
+        <p:nvSpPr>
+          <p:cNvPr id="2" name="ZoneTexte 1">
+            <a:extLst>
+              <a:ext uri="{FF2B5EF4-FFF2-40B4-BE49-F238E27FC236}">
+                <a16:creationId xmlns:a16="http://schemas.microsoft.com/office/drawing/2014/main" id="{E8762E70-88D2-4566-9A54-94377E9A9CC8}"/>
+              </a:ext>
+            </a:extLst>
+          </p:cNvPr>
+          <p:cNvSpPr txBox="1"/>
+          <p:nvPr/>
+        </p:nvSpPr>
+        <p:spPr>
+          <a:xfrm>
+            <a:off x="4298215" y="475204"/>
+            <a:ext cx="3379496" cy="769441"/>
+          </a:xfrm>
+          <a:prstGeom prst="rect">
+            <a:avLst/>
+          </a:prstGeom>
+          <a:noFill/>
+        </p:spPr>
+        <p:txBody>
+          <a:bodyPr wrap="square" rtlCol="0">
+            <a:spAutoFit/>
+          </a:bodyPr>
+          <a:lstStyle/>
+          <a:p>
+            <a:r>
+              <a:rPr lang="fr-FR" sz="4400" dirty="0">
+                <a:latin typeface="Berlin Sans FB" panose="020E0602020502020306" pitchFamily="34" charset="0"/>
+              </a:rPr>
+              <a:t>Tests unitaires</a:t>
+            </a:r>
+          </a:p>
+        </p:txBody>
+      </p:sp>
+      <p:sp>
+        <p:nvSpPr>
+          <p:cNvPr id="24" name="ZoneTexte 23">
+            <a:extLst>
+              <a:ext uri="{FF2B5EF4-FFF2-40B4-BE49-F238E27FC236}">
+                <a16:creationId xmlns:a16="http://schemas.microsoft.com/office/drawing/2014/main" id="{42387210-6B43-406B-9FDD-99ED00EF492F}"/>
+              </a:ext>
+            </a:extLst>
+          </p:cNvPr>
+          <p:cNvSpPr txBox="1"/>
+          <p:nvPr/>
+        </p:nvSpPr>
+        <p:spPr>
+          <a:xfrm>
+            <a:off x="11652188" y="6403199"/>
+            <a:ext cx="301686" cy="369332"/>
+          </a:xfrm>
+          <a:prstGeom prst="rect">
+            <a:avLst/>
+          </a:prstGeom>
+          <a:noFill/>
+        </p:spPr>
+        <p:txBody>
+          <a:bodyPr wrap="none" rtlCol="0">
+            <a:spAutoFit/>
+          </a:bodyPr>
+          <a:lstStyle/>
+          <a:p>
+            <a:r>
+              <a:rPr lang="fr-FR" dirty="0"/>
+              <a:t>7</a:t>
+            </a:r>
+          </a:p>
+        </p:txBody>
+      </p:sp>
+      <p:grpSp>
+        <p:nvGrpSpPr>
+          <p:cNvPr id="6" name="Groupe 5">
+            <a:extLst>
+              <a:ext uri="{FF2B5EF4-FFF2-40B4-BE49-F238E27FC236}">
+                <a16:creationId xmlns:a16="http://schemas.microsoft.com/office/drawing/2014/main" id="{D17549C8-743D-4D76-ADF3-3E003BF6C678}"/>
+              </a:ext>
+            </a:extLst>
+          </p:cNvPr>
+          <p:cNvGrpSpPr/>
+          <p:nvPr/>
+        </p:nvGrpSpPr>
+        <p:grpSpPr>
+          <a:xfrm>
+            <a:off x="8718290" y="1244645"/>
+            <a:ext cx="2458754" cy="4912787"/>
+            <a:chOff x="4758586" y="1254648"/>
+            <a:chExt cx="2458754" cy="4912787"/>
+          </a:xfrm>
+        </p:grpSpPr>
+        <p:pic>
+          <p:nvPicPr>
+            <p:cNvPr id="30" name="Image 29">
+              <a:extLst>
+                <a:ext uri="{FF2B5EF4-FFF2-40B4-BE49-F238E27FC236}">
+                  <a16:creationId xmlns:a16="http://schemas.microsoft.com/office/drawing/2014/main" id="{589B0617-564C-4E15-AC1B-8AEDB696034A}"/>
+                </a:ext>
+              </a:extLst>
+            </p:cNvPr>
+            <p:cNvPicPr/>
+            <p:nvPr/>
+          </p:nvPicPr>
+          <p:blipFill>
+            <a:blip r:embed="rId4" cstate="print">
+              <a:extLst>
+                <a:ext uri="{28A0092B-C50C-407E-A947-70E740481C1C}">
+                  <a14:useLocalDpi xmlns:a14="http://schemas.microsoft.com/office/drawing/2010/main" val="0"/>
+                </a:ext>
+              </a:extLst>
+            </a:blip>
+            <a:srcRect/>
+            <a:stretch>
+              <a:fillRect/>
+            </a:stretch>
+          </p:blipFill>
+          <p:spPr bwMode="auto">
+            <a:xfrm>
+              <a:off x="4758586" y="1254648"/>
+              <a:ext cx="2458754" cy="4912787"/>
+            </a:xfrm>
+            <a:prstGeom prst="rect">
+              <a:avLst/>
+            </a:prstGeom>
+            <a:noFill/>
+            <a:ln>
+              <a:noFill/>
+            </a:ln>
+          </p:spPr>
+        </p:pic>
+        <p:sp>
+          <p:nvSpPr>
+            <p:cNvPr id="5" name="Rectangle : coins arrondis 4">
+              <a:extLst>
+                <a:ext uri="{FF2B5EF4-FFF2-40B4-BE49-F238E27FC236}">
+                  <a16:creationId xmlns:a16="http://schemas.microsoft.com/office/drawing/2014/main" id="{1DA3106E-73B5-40DE-A581-954CCA05A08C}"/>
+                </a:ext>
+              </a:extLst>
+            </p:cNvPr>
+            <p:cNvSpPr/>
+            <p:nvPr/>
+          </p:nvSpPr>
+          <p:spPr>
+            <a:xfrm>
+              <a:off x="4758586" y="2064190"/>
+              <a:ext cx="2458754" cy="425513"/>
+            </a:xfrm>
+            <a:prstGeom prst="roundRect">
+              <a:avLst/>
+            </a:prstGeom>
+            <a:noFill/>
+            <a:ln>
+              <a:solidFill>
+                <a:srgbClr val="FF0000"/>
+              </a:solidFill>
+            </a:ln>
+          </p:spPr>
+          <p:style>
+            <a:lnRef idx="2">
+              <a:schemeClr val="accent1">
+                <a:shade val="50000"/>
+              </a:schemeClr>
+            </a:lnRef>
+            <a:fillRef idx="1">
+              <a:schemeClr val="accent1"/>
+            </a:fillRef>
+            <a:effectRef idx="0">
+              <a:schemeClr val="accent1"/>
+            </a:effectRef>
+            <a:fontRef idx="minor">
+              <a:schemeClr val="lt1"/>
+            </a:fontRef>
+          </p:style>
+          <p:txBody>
+            <a:bodyPr rtlCol="0" anchor="ctr"/>
+            <a:lstStyle/>
+            <a:p>
+              <a:pPr algn="ctr"/>
+              <a:endParaRPr lang="fr-FR"/>
+            </a:p>
+          </p:txBody>
+        </p:sp>
+        <p:sp>
+          <p:nvSpPr>
+            <p:cNvPr id="35" name="Rectangle : coins arrondis 34">
+              <a:extLst>
+                <a:ext uri="{FF2B5EF4-FFF2-40B4-BE49-F238E27FC236}">
+                  <a16:creationId xmlns:a16="http://schemas.microsoft.com/office/drawing/2014/main" id="{886D5FD2-11B7-4BF5-B8A1-888099CE0792}"/>
+                </a:ext>
+              </a:extLst>
+            </p:cNvPr>
+            <p:cNvSpPr/>
+            <p:nvPr/>
+          </p:nvSpPr>
+          <p:spPr>
+            <a:xfrm>
+              <a:off x="4758586" y="2541222"/>
+              <a:ext cx="2458754" cy="425513"/>
+            </a:xfrm>
+            <a:prstGeom prst="roundRect">
+              <a:avLst/>
+            </a:prstGeom>
+            <a:noFill/>
+            <a:ln>
+              <a:solidFill>
+                <a:srgbClr val="FF0000"/>
+              </a:solidFill>
+            </a:ln>
+          </p:spPr>
+          <p:style>
+            <a:lnRef idx="2">
+              <a:schemeClr val="accent1">
+                <a:shade val="50000"/>
+              </a:schemeClr>
+            </a:lnRef>
+            <a:fillRef idx="1">
+              <a:schemeClr val="accent1"/>
+            </a:fillRef>
+            <a:effectRef idx="0">
+              <a:schemeClr val="accent1"/>
+            </a:effectRef>
+            <a:fontRef idx="minor">
+              <a:schemeClr val="lt1"/>
+            </a:fontRef>
+          </p:style>
+          <p:txBody>
+            <a:bodyPr rtlCol="0" anchor="ctr"/>
+            <a:lstStyle/>
+            <a:p>
+              <a:pPr algn="ctr"/>
+              <a:endParaRPr lang="fr-FR"/>
+            </a:p>
+          </p:txBody>
+        </p:sp>
+        <p:sp>
+          <p:nvSpPr>
+            <p:cNvPr id="36" name="Rectangle : coins arrondis 35">
+              <a:extLst>
+                <a:ext uri="{FF2B5EF4-FFF2-40B4-BE49-F238E27FC236}">
+                  <a16:creationId xmlns:a16="http://schemas.microsoft.com/office/drawing/2014/main" id="{2DAAA51D-B9AF-4337-B1FA-A226173FCE5D}"/>
+                </a:ext>
+              </a:extLst>
+            </p:cNvPr>
+            <p:cNvSpPr/>
+            <p:nvPr/>
+          </p:nvSpPr>
+          <p:spPr>
+            <a:xfrm>
+              <a:off x="4758586" y="3007960"/>
+              <a:ext cx="2458754" cy="425513"/>
+            </a:xfrm>
+            <a:prstGeom prst="roundRect">
+              <a:avLst/>
+            </a:prstGeom>
+            <a:noFill/>
+            <a:ln>
+              <a:solidFill>
+                <a:srgbClr val="FF0000"/>
+              </a:solidFill>
+            </a:ln>
+          </p:spPr>
+          <p:style>
+            <a:lnRef idx="2">
+              <a:schemeClr val="accent1">
+                <a:shade val="50000"/>
+              </a:schemeClr>
+            </a:lnRef>
+            <a:fillRef idx="1">
+              <a:schemeClr val="accent1"/>
+            </a:fillRef>
+            <a:effectRef idx="0">
+              <a:schemeClr val="accent1"/>
+            </a:effectRef>
+            <a:fontRef idx="minor">
+              <a:schemeClr val="lt1"/>
+            </a:fontRef>
+          </p:style>
+          <p:txBody>
+            <a:bodyPr rtlCol="0" anchor="ctr"/>
+            <a:lstStyle/>
+            <a:p>
+              <a:pPr algn="ctr"/>
+              <a:endParaRPr lang="fr-FR"/>
+            </a:p>
+          </p:txBody>
+        </p:sp>
+        <p:sp>
+          <p:nvSpPr>
+            <p:cNvPr id="37" name="Rectangle : coins arrondis 36">
+              <a:extLst>
+                <a:ext uri="{FF2B5EF4-FFF2-40B4-BE49-F238E27FC236}">
+                  <a16:creationId xmlns:a16="http://schemas.microsoft.com/office/drawing/2014/main" id="{BD4BB537-3A8F-403C-BE2E-D9C41FD634F1}"/>
+                </a:ext>
+              </a:extLst>
+            </p:cNvPr>
+            <p:cNvSpPr/>
+            <p:nvPr/>
+          </p:nvSpPr>
+          <p:spPr>
+            <a:xfrm>
+              <a:off x="4758586" y="3485421"/>
+              <a:ext cx="2458754" cy="425513"/>
+            </a:xfrm>
+            <a:prstGeom prst="roundRect">
+              <a:avLst/>
+            </a:prstGeom>
+            <a:noFill/>
+            <a:ln>
+              <a:solidFill>
+                <a:srgbClr val="FF0000"/>
+              </a:solidFill>
+            </a:ln>
+          </p:spPr>
+          <p:style>
+            <a:lnRef idx="2">
+              <a:schemeClr val="accent1">
+                <a:shade val="50000"/>
+              </a:schemeClr>
+            </a:lnRef>
+            <a:fillRef idx="1">
+              <a:schemeClr val="accent1"/>
+            </a:fillRef>
+            <a:effectRef idx="0">
+              <a:schemeClr val="accent1"/>
+            </a:effectRef>
+            <a:fontRef idx="minor">
+              <a:schemeClr val="lt1"/>
+            </a:fontRef>
+          </p:style>
+          <p:txBody>
+            <a:bodyPr rtlCol="0" anchor="ctr"/>
+            <a:lstStyle/>
+            <a:p>
+              <a:pPr algn="ctr"/>
+              <a:endParaRPr lang="fr-FR"/>
+            </a:p>
+          </p:txBody>
+        </p:sp>
+        <p:sp>
+          <p:nvSpPr>
+            <p:cNvPr id="38" name="Rectangle : coins arrondis 37">
+              <a:extLst>
+                <a:ext uri="{FF2B5EF4-FFF2-40B4-BE49-F238E27FC236}">
+                  <a16:creationId xmlns:a16="http://schemas.microsoft.com/office/drawing/2014/main" id="{3194E76B-D5F3-4D3E-AC5F-4806453DB3C1}"/>
+                </a:ext>
+              </a:extLst>
+            </p:cNvPr>
+            <p:cNvSpPr/>
+            <p:nvPr/>
+          </p:nvSpPr>
+          <p:spPr>
+            <a:xfrm>
+              <a:off x="4758586" y="3957010"/>
+              <a:ext cx="2458754" cy="425513"/>
+            </a:xfrm>
+            <a:prstGeom prst="roundRect">
+              <a:avLst/>
+            </a:prstGeom>
+            <a:noFill/>
+            <a:ln>
+              <a:solidFill>
+                <a:srgbClr val="FF0000"/>
+              </a:solidFill>
+            </a:ln>
+          </p:spPr>
+          <p:style>
+            <a:lnRef idx="2">
+              <a:schemeClr val="accent1">
+                <a:shade val="50000"/>
+              </a:schemeClr>
+            </a:lnRef>
+            <a:fillRef idx="1">
+              <a:schemeClr val="accent1"/>
+            </a:fillRef>
+            <a:effectRef idx="0">
+              <a:schemeClr val="accent1"/>
+            </a:effectRef>
+            <a:fontRef idx="minor">
+              <a:schemeClr val="lt1"/>
+            </a:fontRef>
+          </p:style>
+          <p:txBody>
+            <a:bodyPr rtlCol="0" anchor="ctr"/>
+            <a:lstStyle/>
+            <a:p>
+              <a:pPr algn="ctr"/>
+              <a:endParaRPr lang="fr-FR"/>
+            </a:p>
+          </p:txBody>
+        </p:sp>
+        <p:sp>
+          <p:nvSpPr>
+            <p:cNvPr id="39" name="Rectangle : coins arrondis 38">
+              <a:extLst>
+                <a:ext uri="{FF2B5EF4-FFF2-40B4-BE49-F238E27FC236}">
+                  <a16:creationId xmlns:a16="http://schemas.microsoft.com/office/drawing/2014/main" id="{D078E1D0-BC16-4E2E-A070-424988E6C8C3}"/>
+                </a:ext>
+              </a:extLst>
+            </p:cNvPr>
+            <p:cNvSpPr/>
+            <p:nvPr/>
+          </p:nvSpPr>
+          <p:spPr>
+            <a:xfrm>
+              <a:off x="4758586" y="4428210"/>
+              <a:ext cx="2458754" cy="425513"/>
+            </a:xfrm>
+            <a:prstGeom prst="roundRect">
+              <a:avLst/>
+            </a:prstGeom>
+            <a:noFill/>
+            <a:ln>
+              <a:solidFill>
+                <a:srgbClr val="FF0000"/>
+              </a:solidFill>
+            </a:ln>
+          </p:spPr>
+          <p:style>
+            <a:lnRef idx="2">
+              <a:schemeClr val="accent1">
+                <a:shade val="50000"/>
+              </a:schemeClr>
+            </a:lnRef>
+            <a:fillRef idx="1">
+              <a:schemeClr val="accent1"/>
+            </a:fillRef>
+            <a:effectRef idx="0">
+              <a:schemeClr val="accent1"/>
+            </a:effectRef>
+            <a:fontRef idx="minor">
+              <a:schemeClr val="lt1"/>
+            </a:fontRef>
+          </p:style>
+          <p:txBody>
+            <a:bodyPr rtlCol="0" anchor="ctr"/>
+            <a:lstStyle/>
+            <a:p>
+              <a:pPr algn="ctr"/>
+              <a:endParaRPr lang="fr-FR"/>
+            </a:p>
+          </p:txBody>
+        </p:sp>
+      </p:grpSp>
+      <p:sp>
+        <p:nvSpPr>
+          <p:cNvPr id="7" name="ZoneTexte 6">
+            <a:extLst>
+              <a:ext uri="{FF2B5EF4-FFF2-40B4-BE49-F238E27FC236}">
+                <a16:creationId xmlns:a16="http://schemas.microsoft.com/office/drawing/2014/main" id="{1A6E6665-F0CC-4FE7-A22A-6199E82E626D}"/>
+              </a:ext>
+            </a:extLst>
+          </p:cNvPr>
+          <p:cNvSpPr txBox="1"/>
+          <p:nvPr/>
+        </p:nvSpPr>
+        <p:spPr>
+          <a:xfrm>
+            <a:off x="738231" y="2295034"/>
+            <a:ext cx="6262548" cy="369332"/>
+          </a:xfrm>
+          <a:prstGeom prst="rect">
+            <a:avLst/>
+          </a:prstGeom>
+          <a:noFill/>
+        </p:spPr>
+        <p:txBody>
+          <a:bodyPr wrap="none" rtlCol="0">
+            <a:spAutoFit/>
+          </a:bodyPr>
+          <a:lstStyle/>
+          <a:p>
+            <a:r>
+              <a:rPr lang="fr-FR" dirty="0"/>
+              <a:t>Test de la fonction « </a:t>
+            </a:r>
+            <a:r>
+              <a:rPr lang="fr-FR" dirty="0" err="1">
+                <a:latin typeface="Courier New" panose="02070309020205020404" pitchFamily="49" charset="0"/>
+                <a:cs typeface="Courier New" panose="02070309020205020404" pitchFamily="49" charset="0"/>
+              </a:rPr>
+              <a:t>toLayout</a:t>
+            </a:r>
+            <a:r>
+              <a:rPr lang="fr-FR" dirty="0"/>
+              <a:t> » de la classe « </a:t>
+            </a:r>
+            <a:r>
+              <a:rPr lang="fr-FR" dirty="0" err="1">
+                <a:latin typeface="Courier New" panose="02070309020205020404" pitchFamily="49" charset="0"/>
+                <a:cs typeface="Courier New" panose="02070309020205020404" pitchFamily="49" charset="0"/>
+              </a:rPr>
+              <a:t>CHardware</a:t>
+            </a:r>
+            <a:r>
+              <a:rPr lang="fr-FR" dirty="0"/>
+              <a:t> » :</a:t>
+            </a:r>
+          </a:p>
+        </p:txBody>
+      </p:sp>
+      <p:sp>
+        <p:nvSpPr>
+          <p:cNvPr id="9" name="ZoneTexte 8">
+            <a:extLst>
+              <a:ext uri="{FF2B5EF4-FFF2-40B4-BE49-F238E27FC236}">
+                <a16:creationId xmlns:a16="http://schemas.microsoft.com/office/drawing/2014/main" id="{963F2B3A-D11E-4533-9ADD-03A530196E6E}"/>
+              </a:ext>
+            </a:extLst>
+          </p:cNvPr>
+          <p:cNvSpPr txBox="1"/>
+          <p:nvPr/>
+        </p:nvSpPr>
+        <p:spPr>
+          <a:xfrm>
+            <a:off x="9079897" y="6198657"/>
+            <a:ext cx="1735540" cy="369332"/>
+          </a:xfrm>
+          <a:prstGeom prst="rect">
+            <a:avLst/>
+          </a:prstGeom>
+          <a:noFill/>
+        </p:spPr>
+        <p:txBody>
+          <a:bodyPr wrap="none" rtlCol="0">
+            <a:spAutoFit/>
+          </a:bodyPr>
+          <a:lstStyle/>
+          <a:p>
+            <a:r>
+              <a:rPr lang="fr-FR" i="1" dirty="0">
+                <a:solidFill>
+                  <a:schemeClr val="tx1">
+                    <a:lumMod val="50000"/>
+                    <a:lumOff val="50000"/>
+                  </a:schemeClr>
+                </a:solidFill>
+              </a:rPr>
+              <a:t>Résultat attendu</a:t>
+            </a:r>
+          </a:p>
+        </p:txBody>
+      </p:sp>
+      <p:sp>
+        <p:nvSpPr>
+          <p:cNvPr id="11" name="ZoneTexte 10">
+            <a:extLst>
+              <a:ext uri="{FF2B5EF4-FFF2-40B4-BE49-F238E27FC236}">
+                <a16:creationId xmlns:a16="http://schemas.microsoft.com/office/drawing/2014/main" id="{F703DA31-DFF1-4478-9E4F-EEAAB74FE049}"/>
+              </a:ext>
+            </a:extLst>
+          </p:cNvPr>
+          <p:cNvSpPr txBox="1"/>
+          <p:nvPr/>
+        </p:nvSpPr>
+        <p:spPr>
+          <a:xfrm>
+            <a:off x="738231" y="3269450"/>
+            <a:ext cx="6829482" cy="1477328"/>
+          </a:xfrm>
+          <a:prstGeom prst="rect">
+            <a:avLst/>
+          </a:prstGeom>
+          <a:noFill/>
+        </p:spPr>
+        <p:txBody>
+          <a:bodyPr wrap="square" rtlCol="0">
+            <a:spAutoFit/>
+          </a:bodyPr>
+          <a:lstStyle/>
+          <a:p>
+            <a:pPr marL="285750" indent="-285750">
+              <a:buFont typeface="Arial" panose="020B0604020202020204" pitchFamily="34" charset="0"/>
+              <a:buChar char="•"/>
+            </a:pPr>
+            <a:r>
+              <a:rPr lang="fr-FR" dirty="0"/>
+              <a:t>Ouvrir l’application sur le smartphone Android</a:t>
+            </a:r>
+          </a:p>
+          <a:p>
+            <a:pPr marL="285750" indent="-285750">
+              <a:buFont typeface="Arial" panose="020B0604020202020204" pitchFamily="34" charset="0"/>
+              <a:buChar char="•"/>
+            </a:pPr>
+            <a:r>
+              <a:rPr lang="fr-FR" dirty="0"/>
+              <a:t>Renseigner l’adresse IP du serveur, cliquer sur « Connexion »</a:t>
+            </a:r>
+          </a:p>
+          <a:p>
+            <a:pPr marL="285750" indent="-285750">
+              <a:buFont typeface="Arial" panose="020B0604020202020204" pitchFamily="34" charset="0"/>
+              <a:buChar char="•"/>
+            </a:pPr>
+            <a:r>
+              <a:rPr lang="fr-FR" dirty="0"/>
+              <a:t>Cliquez sur la tuile « Capteurs »</a:t>
+            </a:r>
+          </a:p>
+          <a:p>
+            <a:pPr marL="285750" indent="-285750">
+              <a:buFont typeface="Arial" panose="020B0604020202020204" pitchFamily="34" charset="0"/>
+              <a:buChar char="•"/>
+            </a:pPr>
+            <a:r>
+              <a:rPr lang="fr-FR" dirty="0"/>
+              <a:t>Vérifier que pour chaque capteur présent dans la base de données, une tuile à été crée. (actuellement 6)</a:t>
+            </a:r>
+          </a:p>
+        </p:txBody>
+      </p:sp>
+    </p:spTree>
+    <p:extLst>
+      <p:ext uri="{BB962C8B-B14F-4D97-AF65-F5344CB8AC3E}">
+        <p14:creationId xmlns:p14="http://schemas.microsoft.com/office/powerpoint/2010/main" val="776727270"/>
       </p:ext>
     </p:extLst>
   </p:cSld>

--- a/oral_projet/revue_3/diaporama_revue_3_dylan.pptx
+++ b/oral_projet/revue_3/diaporama_revue_3_dylan.pptx
@@ -205,7 +205,7 @@
           <a:p>
             <a:fld id="{7BEC4371-174F-4615-858D-8B61BA547698}" type="datetimeFigureOut">
               <a:rPr lang="fr-FR" smtClean="0"/>
-              <a:t>22/05/2018</a:t>
+              <a:t>23/05/2018</a:t>
             </a:fld>
             <a:endParaRPr lang="fr-FR"/>
           </a:p>
@@ -472,6 +472,101 @@
 </p:notesMaster>
 </file>
 
+<file path=ppt/notesSlides/notesSlide1.xml><?xml version="1.0" encoding="utf-8"?>
+<p:notes xmlns:a="http://schemas.openxmlformats.org/drawingml/2006/main" xmlns:r="http://schemas.openxmlformats.org/officeDocument/2006/relationships" xmlns:p="http://schemas.openxmlformats.org/presentationml/2006/main">
+  <p:cSld>
+    <p:spTree>
+      <p:nvGrpSpPr>
+        <p:cNvPr id="1" name=""/>
+        <p:cNvGrpSpPr/>
+        <p:nvPr/>
+      </p:nvGrpSpPr>
+      <p:grpSpPr>
+        <a:xfrm>
+          <a:off x="0" y="0"/>
+          <a:ext cx="0" cy="0"/>
+          <a:chOff x="0" y="0"/>
+          <a:chExt cx="0" cy="0"/>
+        </a:xfrm>
+      </p:grpSpPr>
+      <p:sp>
+        <p:nvSpPr>
+          <p:cNvPr id="2" name="Espace réservé de l'image des diapositives 1"/>
+          <p:cNvSpPr>
+            <a:spLocks noGrp="1" noRot="1" noChangeAspect="1"/>
+          </p:cNvSpPr>
+          <p:nvPr>
+            <p:ph type="sldImg"/>
+          </p:nvPr>
+        </p:nvSpPr>
+        <p:spPr/>
+      </p:sp>
+      <p:sp>
+        <p:nvSpPr>
+          <p:cNvPr id="3" name="Espace réservé des notes 2"/>
+          <p:cNvSpPr>
+            <a:spLocks noGrp="1"/>
+          </p:cNvSpPr>
+          <p:nvPr>
+            <p:ph type="body" idx="1"/>
+          </p:nvPr>
+        </p:nvSpPr>
+        <p:spPr/>
+        <p:txBody>
+          <a:bodyPr/>
+          <a:lstStyle/>
+          <a:p>
+            <a:r>
+              <a:rPr lang="fr-FR" dirty="0"/>
+              <a:t>Willy </a:t>
+            </a:r>
+            <a:r>
+              <a:rPr lang="fr-FR" dirty="0" err="1"/>
+              <a:t>solari</a:t>
+            </a:r>
+            <a:r>
+              <a:rPr lang="fr-FR" dirty="0"/>
+              <a:t> non</a:t>
+            </a:r>
+          </a:p>
+        </p:txBody>
+      </p:sp>
+      <p:sp>
+        <p:nvSpPr>
+          <p:cNvPr id="4" name="Espace réservé du numéro de diapositive 3"/>
+          <p:cNvSpPr>
+            <a:spLocks noGrp="1"/>
+          </p:cNvSpPr>
+          <p:nvPr>
+            <p:ph type="sldNum" sz="quarter" idx="10"/>
+          </p:nvPr>
+        </p:nvSpPr>
+        <p:spPr/>
+        <p:txBody>
+          <a:bodyPr/>
+          <a:lstStyle/>
+          <a:p>
+            <a:fld id="{826BBC9C-D322-4647-837B-4E42FB030EDE}" type="slidenum">
+              <a:rPr lang="fr-FR" smtClean="0"/>
+              <a:t>4</a:t>
+            </a:fld>
+            <a:endParaRPr lang="fr-FR"/>
+          </a:p>
+        </p:txBody>
+      </p:sp>
+    </p:spTree>
+    <p:extLst>
+      <p:ext uri="{BB962C8B-B14F-4D97-AF65-F5344CB8AC3E}">
+        <p14:creationId xmlns:p14="http://schemas.microsoft.com/office/powerpoint/2010/main" val="1028360405"/>
+      </p:ext>
+    </p:extLst>
+  </p:cSld>
+  <p:clrMapOvr>
+    <a:masterClrMapping/>
+  </p:clrMapOvr>
+</p:notes>
+</file>
+
 <file path=ppt/slideLayouts/slideLayout1.xml><?xml version="1.0" encoding="utf-8"?>
 <p:sldLayout xmlns:a="http://schemas.openxmlformats.org/drawingml/2006/main" xmlns:r="http://schemas.openxmlformats.org/officeDocument/2006/relationships" xmlns:p="http://schemas.openxmlformats.org/presentationml/2006/main" type="title" preserve="1">
   <p:cSld name="Diapositive de titre">
@@ -619,7 +714,7 @@
           <a:p>
             <a:fld id="{125942D7-A464-4365-815E-3C7EAFC3F152}" type="datetimeFigureOut">
               <a:rPr lang="fr-FR" smtClean="0"/>
-              <a:t>22/05/2018</a:t>
+              <a:t>23/05/2018</a:t>
             </a:fld>
             <a:endParaRPr lang="fr-FR"/>
           </a:p>
@@ -829,7 +924,7 @@
           <a:p>
             <a:fld id="{125942D7-A464-4365-815E-3C7EAFC3F152}" type="datetimeFigureOut">
               <a:rPr lang="fr-FR" smtClean="0"/>
-              <a:t>22/05/2018</a:t>
+              <a:t>23/05/2018</a:t>
             </a:fld>
             <a:endParaRPr lang="fr-FR"/>
           </a:p>
@@ -1049,7 +1144,7 @@
           <a:p>
             <a:fld id="{125942D7-A464-4365-815E-3C7EAFC3F152}" type="datetimeFigureOut">
               <a:rPr lang="fr-FR" smtClean="0"/>
-              <a:t>22/05/2018</a:t>
+              <a:t>23/05/2018</a:t>
             </a:fld>
             <a:endParaRPr lang="fr-FR"/>
           </a:p>
@@ -1259,7 +1354,7 @@
           <a:p>
             <a:fld id="{125942D7-A464-4365-815E-3C7EAFC3F152}" type="datetimeFigureOut">
               <a:rPr lang="fr-FR" smtClean="0"/>
-              <a:t>22/05/2018</a:t>
+              <a:t>23/05/2018</a:t>
             </a:fld>
             <a:endParaRPr lang="fr-FR"/>
           </a:p>
@@ -1546,7 +1641,7 @@
           <a:p>
             <a:fld id="{125942D7-A464-4365-815E-3C7EAFC3F152}" type="datetimeFigureOut">
               <a:rPr lang="fr-FR" smtClean="0"/>
-              <a:t>22/05/2018</a:t>
+              <a:t>23/05/2018</a:t>
             </a:fld>
             <a:endParaRPr lang="fr-FR"/>
           </a:p>
@@ -1823,7 +1918,7 @@
           <a:p>
             <a:fld id="{125942D7-A464-4365-815E-3C7EAFC3F152}" type="datetimeFigureOut">
               <a:rPr lang="fr-FR" smtClean="0"/>
-              <a:t>22/05/2018</a:t>
+              <a:t>23/05/2018</a:t>
             </a:fld>
             <a:endParaRPr lang="fr-FR"/>
           </a:p>
@@ -2247,7 +2342,7 @@
           <a:p>
             <a:fld id="{125942D7-A464-4365-815E-3C7EAFC3F152}" type="datetimeFigureOut">
               <a:rPr lang="fr-FR" smtClean="0"/>
-              <a:t>22/05/2018</a:t>
+              <a:t>23/05/2018</a:t>
             </a:fld>
             <a:endParaRPr lang="fr-FR"/>
           </a:p>
@@ -2400,7 +2495,7 @@
           <a:p>
             <a:fld id="{125942D7-A464-4365-815E-3C7EAFC3F152}" type="datetimeFigureOut">
               <a:rPr lang="fr-FR" smtClean="0"/>
-              <a:t>22/05/2018</a:t>
+              <a:t>23/05/2018</a:t>
             </a:fld>
             <a:endParaRPr lang="fr-FR"/>
           </a:p>
@@ -2525,7 +2620,7 @@
           <a:p>
             <a:fld id="{125942D7-A464-4365-815E-3C7EAFC3F152}" type="datetimeFigureOut">
               <a:rPr lang="fr-FR" smtClean="0"/>
-              <a:t>22/05/2018</a:t>
+              <a:t>23/05/2018</a:t>
             </a:fld>
             <a:endParaRPr lang="fr-FR"/>
           </a:p>
@@ -2848,7 +2943,7 @@
           <a:p>
             <a:fld id="{125942D7-A464-4365-815E-3C7EAFC3F152}" type="datetimeFigureOut">
               <a:rPr lang="fr-FR" smtClean="0"/>
-              <a:t>22/05/2018</a:t>
+              <a:t>23/05/2018</a:t>
             </a:fld>
             <a:endParaRPr lang="fr-FR"/>
           </a:p>
@@ -3148,7 +3243,7 @@
           <a:p>
             <a:fld id="{125942D7-A464-4365-815E-3C7EAFC3F152}" type="datetimeFigureOut">
               <a:rPr lang="fr-FR" smtClean="0"/>
-              <a:t>22/05/2018</a:t>
+              <a:t>23/05/2018</a:t>
             </a:fld>
             <a:endParaRPr lang="fr-FR"/>
           </a:p>
@@ -3401,7 +3496,7 @@
           <a:p>
             <a:fld id="{125942D7-A464-4365-815E-3C7EAFC3F152}" type="datetimeFigureOut">
               <a:rPr lang="fr-FR" smtClean="0"/>
-              <a:t>22/05/2018</a:t>
+              <a:t>23/05/2018</a:t>
             </a:fld>
             <a:endParaRPr lang="fr-FR"/>
           </a:p>
@@ -5428,7 +5523,7 @@
             </a:pPr>
             <a:r>
               <a:rPr lang="fr-FR" sz="2400" dirty="0"/>
-              <a:t>Test unitaires</a:t>
+              <a:t>Test unitaire</a:t>
             </a:r>
           </a:p>
         </p:txBody>
@@ -6431,7 +6526,7 @@
           <p:nvPr/>
         </p:nvPicPr>
         <p:blipFill>
-          <a:blip r:embed="rId2">
+          <a:blip r:embed="rId3">
             <a:extLst>
               <a:ext uri="{28A0092B-C50C-407E-A947-70E740481C1C}">
                 <a14:useLocalDpi xmlns:a14="http://schemas.microsoft.com/office/drawing/2010/main" val="0"/>
@@ -6467,7 +6562,7 @@
           <p:nvPr/>
         </p:nvPicPr>
         <p:blipFill>
-          <a:blip r:embed="rId3">
+          <a:blip r:embed="rId4">
             <a:extLst>
               <a:ext uri="{28A0092B-C50C-407E-A947-70E740481C1C}">
                 <a14:useLocalDpi xmlns:a14="http://schemas.microsoft.com/office/drawing/2010/main" val="0"/>
@@ -6902,13 +6997,13 @@
             <p:nvPr/>
           </p:nvPicPr>
           <p:blipFill>
-            <a:blip r:embed="rId4">
+            <a:blip r:embed="rId5">
               <a:extLst>
                 <a:ext uri="{28A0092B-C50C-407E-A947-70E740481C1C}">
                   <a14:useLocalDpi xmlns:a14="http://schemas.microsoft.com/office/drawing/2010/main" val="0"/>
                 </a:ext>
                 <a:ext uri="{96DAC541-7B7A-43D3-8B79-37D633B846F1}">
-                  <asvg:svgBlip xmlns:asvg="http://schemas.microsoft.com/office/drawing/2016/SVG/main" r:embed="rId5"/>
+                  <asvg:svgBlip xmlns:asvg="http://schemas.microsoft.com/office/drawing/2016/SVG/main" r:embed="rId6"/>
                 </a:ext>
               </a:extLst>
             </a:blip>
@@ -7006,7 +7101,7 @@
             <p:nvPr/>
           </p:nvPicPr>
           <p:blipFill>
-            <a:blip r:embed="rId6">
+            <a:blip r:embed="rId7">
               <a:extLst>
                 <a:ext uri="{28A0092B-C50C-407E-A947-70E740481C1C}">
                   <a14:useLocalDpi xmlns:a14="http://schemas.microsoft.com/office/drawing/2010/main" val="0"/>
@@ -7063,13 +7158,13 @@
             <p:nvPr/>
           </p:nvPicPr>
           <p:blipFill>
-            <a:blip r:embed="rId4">
+            <a:blip r:embed="rId5">
               <a:extLst>
                 <a:ext uri="{28A0092B-C50C-407E-A947-70E740481C1C}">
                   <a14:useLocalDpi xmlns:a14="http://schemas.microsoft.com/office/drawing/2010/main" val="0"/>
                 </a:ext>
                 <a:ext uri="{96DAC541-7B7A-43D3-8B79-37D633B846F1}">
-                  <asvg:svgBlip xmlns:asvg="http://schemas.microsoft.com/office/drawing/2016/SVG/main" r:embed="rId5"/>
+                  <asvg:svgBlip xmlns:asvg="http://schemas.microsoft.com/office/drawing/2016/SVG/main" r:embed="rId6"/>
                 </a:ext>
               </a:extLst>
             </a:blip>
@@ -7169,7 +7264,7 @@
             <p:nvPr/>
           </p:nvPicPr>
           <p:blipFill>
-            <a:blip r:embed="rId7">
+            <a:blip r:embed="rId8">
               <a:extLst>
                 <a:ext uri="{28A0092B-C50C-407E-A947-70E740481C1C}">
                   <a14:useLocalDpi xmlns:a14="http://schemas.microsoft.com/office/drawing/2010/main" val="0"/>
@@ -7293,13 +7388,13 @@
             <p:nvPr/>
           </p:nvPicPr>
           <p:blipFill>
-            <a:blip r:embed="rId4">
+            <a:blip r:embed="rId5">
               <a:extLst>
                 <a:ext uri="{28A0092B-C50C-407E-A947-70E740481C1C}">
                   <a14:useLocalDpi xmlns:a14="http://schemas.microsoft.com/office/drawing/2010/main" val="0"/>
                 </a:ext>
                 <a:ext uri="{96DAC541-7B7A-43D3-8B79-37D633B846F1}">
-                  <asvg:svgBlip xmlns:asvg="http://schemas.microsoft.com/office/drawing/2016/SVG/main" r:embed="rId5"/>
+                  <asvg:svgBlip xmlns:asvg="http://schemas.microsoft.com/office/drawing/2016/SVG/main" r:embed="rId6"/>
                 </a:ext>
               </a:extLst>
             </a:blip>
@@ -7332,7 +7427,7 @@
             <p:nvPr/>
           </p:nvPicPr>
           <p:blipFill>
-            <a:blip r:embed="rId8">
+            <a:blip r:embed="rId9">
               <a:extLst>
                 <a:ext uri="{28A0092B-C50C-407E-A947-70E740481C1C}">
                   <a14:useLocalDpi xmlns:a14="http://schemas.microsoft.com/office/drawing/2010/main" val="0"/>
@@ -7389,13 +7484,13 @@
             <p:nvPr/>
           </p:nvPicPr>
           <p:blipFill>
-            <a:blip r:embed="rId4">
+            <a:blip r:embed="rId5">
               <a:extLst>
                 <a:ext uri="{28A0092B-C50C-407E-A947-70E740481C1C}">
                   <a14:useLocalDpi xmlns:a14="http://schemas.microsoft.com/office/drawing/2010/main" val="0"/>
                 </a:ext>
                 <a:ext uri="{96DAC541-7B7A-43D3-8B79-37D633B846F1}">
-                  <asvg:svgBlip xmlns:asvg="http://schemas.microsoft.com/office/drawing/2016/SVG/main" r:embed="rId5"/>
+                  <asvg:svgBlip xmlns:asvg="http://schemas.microsoft.com/office/drawing/2016/SVG/main" r:embed="rId6"/>
                 </a:ext>
               </a:extLst>
             </a:blip>
@@ -7487,7 +7582,7 @@
             <p:nvPr/>
           </p:nvPicPr>
           <p:blipFill>
-            <a:blip r:embed="rId9">
+            <a:blip r:embed="rId10">
               <a:extLst>
                 <a:ext uri="{28A0092B-C50C-407E-A947-70E740481C1C}">
                   <a14:useLocalDpi xmlns:a14="http://schemas.microsoft.com/office/drawing/2010/main" val="0"/>
